--- a/presentazione/Pptx/Lahmer_Abdelilah_presentazione.pptx
+++ b/presentazione/Pptx/Lahmer_Abdelilah_presentazione.pptx
@@ -5,11 +5,12 @@
     <p:sldMasterId id="2147483648" r:id="rId1"/>
   </p:sldMasterIdLst>
   <p:notesMasterIdLst>
-    <p:notesMasterId r:id="rId4"/>
+    <p:notesMasterId r:id="rId5"/>
   </p:notesMasterIdLst>
   <p:sldIdLst>
     <p:sldId id="256" r:id="rId2"/>
     <p:sldId id="270" r:id="rId3"/>
+    <p:sldId id="271" r:id="rId4"/>
   </p:sldIdLst>
   <p:sldSz cx="9144000" cy="6858000" type="screen4x3"/>
   <p:notesSz cx="6858000" cy="9144000"/>
@@ -2047,7 +2048,7 @@
           </a:ln>
           <a:extLst>
             <a:ext uri="{C572A759-6A51-4108-AA02-DFA0A04FC94B}">
-              <ma14:wrappingTextBoxFlag xmlns="" xmlns:ma14="http://schemas.microsoft.com/office/mac/drawingml/2011/main" val="1"/>
+              <ma14:wrappingTextBoxFlag xmlns:ma14="http://schemas.microsoft.com/office/mac/drawingml/2011/main" xmlns="" val="1"/>
             </a:ext>
           </a:extLst>
         </p:spPr>
@@ -2090,7 +2091,7 @@
           </a:ln>
           <a:extLst>
             <a:ext uri="{C572A759-6A51-4108-AA02-DFA0A04FC94B}">
-              <ma14:wrappingTextBoxFlag xmlns="" xmlns:ma14="http://schemas.microsoft.com/office/mac/drawingml/2011/main" val="1"/>
+              <ma14:wrappingTextBoxFlag xmlns:ma14="http://schemas.microsoft.com/office/mac/drawingml/2011/main" xmlns="" val="1"/>
             </a:ext>
           </a:extLst>
         </p:spPr>
@@ -2595,7 +2596,7 @@
         <p:spPr>
           <a:xfrm>
             <a:off x="2133600" y="728980"/>
-            <a:ext cx="5207000" cy="2491741"/>
+            <a:ext cx="5207000" cy="2585323"/>
           </a:xfrm>
           <a:prstGeom prst="rect">
             <a:avLst/>
@@ -2605,7 +2606,7 @@
           </a:ln>
           <a:extLst>
             <a:ext uri="{C572A759-6A51-4108-AA02-DFA0A04FC94B}">
-              <ma14:wrappingTextBoxFlag xmlns="" xmlns:ma14="http://schemas.microsoft.com/office/mac/drawingml/2011/main" val="1"/>
+              <ma14:wrappingTextBoxFlag xmlns:ma14="http://schemas.microsoft.com/office/mac/drawingml/2011/main" xmlns="" val="1"/>
             </a:ext>
           </a:extLst>
         </p:spPr>
@@ -2635,6 +2636,8 @@
                 <a:solidFill>
                   <a:srgbClr val="FFFFFF"/>
                 </a:solidFill>
+                <a:latin typeface="Century" panose="02040604050505020304" pitchFamily="18" charset="0"/>
+                <a:cs typeface="Adobe Hebrew" panose="02040503050201020203" pitchFamily="18" charset="-79"/>
               </a:rPr>
               <a:t>Node Replication Attack in WSN</a:t>
             </a:r>
@@ -2703,8 +2706,8 @@
         </p:nvSpPr>
         <p:spPr>
           <a:xfrm>
-            <a:off x="-50800" y="1695333"/>
-            <a:ext cx="9245600" cy="1323439"/>
+            <a:off x="143412" y="1728591"/>
+            <a:ext cx="8857175" cy="1200329"/>
           </a:xfrm>
           <a:prstGeom prst="rect">
             <a:avLst/>
@@ -2714,7 +2717,7 @@
           </a:ln>
           <a:extLst>
             <a:ext uri="{C572A759-6A51-4108-AA02-DFA0A04FC94B}">
-              <ma14:wrappingTextBoxFlag xmlns="" xmlns:ma14="http://schemas.microsoft.com/office/mac/drawingml/2011/main" val="1"/>
+              <ma14:wrappingTextBoxFlag xmlns:ma14="http://schemas.microsoft.com/office/mac/drawingml/2011/main" xmlns="" val="1"/>
             </a:ext>
           </a:extLst>
         </p:spPr>
@@ -2726,17 +2729,21 @@
           <a:p>
             <a:pPr lvl="0" algn="ctr"/>
             <a:r>
-              <a:rPr lang="it-IT" sz="4000" dirty="0">
+              <a:rPr lang="it-IT" sz="3600" dirty="0">
                 <a:solidFill>
                   <a:srgbClr val="FFFFFF"/>
                 </a:solidFill>
+                <a:latin typeface="Century" panose="02040604050505020304" pitchFamily="18" charset="0"/>
+                <a:cs typeface="Adobe Hebrew" panose="02040503050201020203" pitchFamily="18" charset="-79"/>
               </a:rPr>
               <a:t>Meccanismi di programmazione back-end e analisi in ambito bancario</a:t>
             </a:r>
-            <a:endParaRPr sz="4000" dirty="0">
+            <a:endParaRPr sz="3600" dirty="0">
               <a:solidFill>
                 <a:srgbClr val="FFFFFF"/>
               </a:solidFill>
+              <a:latin typeface="Century" panose="02040604050505020304" pitchFamily="18" charset="0"/>
+              <a:cs typeface="Adobe Hebrew" panose="02040503050201020203" pitchFamily="18" charset="-79"/>
             </a:endParaRPr>
           </a:p>
         </p:txBody>
@@ -2749,8 +2756,8 @@
         </p:nvSpPr>
         <p:spPr>
           <a:xfrm>
-            <a:off x="609599" y="3429000"/>
-            <a:ext cx="4130296" cy="461665"/>
+            <a:off x="485152" y="3555504"/>
+            <a:ext cx="4524635" cy="461665"/>
           </a:xfrm>
           <a:prstGeom prst="rect">
             <a:avLst/>
@@ -2760,7 +2767,7 @@
           </a:ln>
           <a:extLst>
             <a:ext uri="{C572A759-6A51-4108-AA02-DFA0A04FC94B}">
-              <ma14:wrappingTextBoxFlag xmlns="" xmlns:ma14="http://schemas.microsoft.com/office/mac/drawingml/2011/main" val="1"/>
+              <ma14:wrappingTextBoxFlag xmlns:ma14="http://schemas.microsoft.com/office/mac/drawingml/2011/main" xmlns="" val="1"/>
             </a:ext>
           </a:extLst>
         </p:spPr>
@@ -2790,6 +2797,8 @@
                 <a:solidFill>
                   <a:srgbClr val="FFFFFF"/>
                 </a:solidFill>
+                <a:latin typeface="Century" panose="02040604050505020304" pitchFamily="18" charset="0"/>
+                <a:cs typeface="Adobe Hebrew" panose="02040503050201020203" pitchFamily="18" charset="-79"/>
               </a:rPr>
               <a:t>Candidato: 	Abdelilah Lahmer</a:t>
             </a:r>
@@ -2797,37 +2806,12 @@
               <a:solidFill>
                 <a:srgbClr val="FFFFFF"/>
               </a:solidFill>
+              <a:latin typeface="Century" panose="02040604050505020304" pitchFamily="18" charset="0"/>
+              <a:cs typeface="Adobe Hebrew" panose="02040503050201020203" pitchFamily="18" charset="-79"/>
             </a:endParaRPr>
           </a:p>
         </p:txBody>
       </p:sp>
-      <p:pic>
-        <p:nvPicPr>
-          <p:cNvPr id="55" name="dipmat.png"/>
-          <p:cNvPicPr/>
-          <p:nvPr/>
-        </p:nvPicPr>
-        <p:blipFill>
-          <a:blip r:embed="rId4">
-            <a:extLst/>
-          </a:blip>
-          <a:stretch>
-            <a:fillRect/>
-          </a:stretch>
-        </p:blipFill>
-        <p:spPr>
-          <a:xfrm>
-            <a:off x="180682" y="5963344"/>
-            <a:ext cx="2997201" cy="889001"/>
-          </a:xfrm>
-          <a:prstGeom prst="rect">
-            <a:avLst/>
-          </a:prstGeom>
-          <a:ln w="12700">
-            <a:miter lim="400000"/>
-          </a:ln>
-        </p:spPr>
-      </p:pic>
       <p:sp>
         <p:nvSpPr>
           <p:cNvPr id="9" name="Shape 54">
@@ -2842,8 +2826,8 @@
         </p:nvSpPr>
         <p:spPr>
           <a:xfrm>
-            <a:off x="654483" y="3890665"/>
-            <a:ext cx="4040528" cy="461665"/>
+            <a:off x="485152" y="4019557"/>
+            <a:ext cx="4415630" cy="461665"/>
           </a:xfrm>
           <a:prstGeom prst="rect">
             <a:avLst/>
@@ -2853,7 +2837,7 @@
           </a:ln>
           <a:extLst>
             <a:ext uri="{C572A759-6A51-4108-AA02-DFA0A04FC94B}">
-              <ma14:wrappingTextBoxFlag xmlns="" xmlns:ma14="http://schemas.microsoft.com/office/mac/drawingml/2011/main" val="1"/>
+              <ma14:wrappingTextBoxFlag xmlns:ma14="http://schemas.microsoft.com/office/mac/drawingml/2011/main" xmlns="" val="1"/>
             </a:ext>
           </a:extLst>
         </p:spPr>
@@ -2883,6 +2867,8 @@
                 <a:solidFill>
                   <a:srgbClr val="FFFFFF"/>
                 </a:solidFill>
+                <a:latin typeface="Century" panose="02040604050505020304" pitchFamily="18" charset="0"/>
+                <a:cs typeface="Adobe Hebrew" panose="02040503050201020203" pitchFamily="18" charset="-79"/>
               </a:rPr>
               <a:t>Relatore: 	Tullio Vardanega</a:t>
             </a:r>
@@ -2890,6 +2876,8 @@
               <a:solidFill>
                 <a:srgbClr val="FFFFFF"/>
               </a:solidFill>
+              <a:latin typeface="Century" panose="02040604050505020304" pitchFamily="18" charset="0"/>
+              <a:cs typeface="Adobe Hebrew" panose="02040503050201020203" pitchFamily="18" charset="-79"/>
             </a:endParaRPr>
           </a:p>
         </p:txBody>
@@ -2908,8 +2896,8 @@
         </p:nvSpPr>
         <p:spPr>
           <a:xfrm>
-            <a:off x="-50800" y="-34630"/>
-            <a:ext cx="9245600" cy="1323439"/>
+            <a:off x="-50800" y="-6494"/>
+            <a:ext cx="9245600" cy="1138773"/>
           </a:xfrm>
           <a:prstGeom prst="rect">
             <a:avLst/>
@@ -2919,7 +2907,7 @@
           </a:ln>
           <a:extLst>
             <a:ext uri="{C572A759-6A51-4108-AA02-DFA0A04FC94B}">
-              <ma14:wrappingTextBoxFlag xmlns="" xmlns:ma14="http://schemas.microsoft.com/office/mac/drawingml/2011/main" val="1"/>
+              <ma14:wrappingTextBoxFlag xmlns:ma14="http://schemas.microsoft.com/office/mac/drawingml/2011/main" xmlns="" val="1"/>
             </a:ext>
           </a:extLst>
         </p:spPr>
@@ -2931,21 +2919,25 @@
           <a:p>
             <a:pPr lvl="0" algn="ctr"/>
             <a:r>
-              <a:rPr lang="it-IT" sz="3200" dirty="0">
+              <a:rPr lang="it-IT" sz="2800" dirty="0">
                 <a:solidFill>
                   <a:srgbClr val="FFFFFF"/>
                 </a:solidFill>
+                <a:latin typeface="Century" panose="02040604050505020304" pitchFamily="18" charset="0"/>
+                <a:cs typeface="Adobe Hebrew" panose="02040503050201020203" pitchFamily="18" charset="-79"/>
               </a:rPr>
-              <a:t>Università degli Studi di Padova</a:t>
+              <a:t>UNIVERSITÀ DEGLI STUDI DI PADOVA</a:t>
             </a:r>
           </a:p>
           <a:p>
             <a:pPr lvl="0" algn="ctr"/>
             <a:r>
-              <a:rPr lang="it-IT" sz="2400" dirty="0">
+              <a:rPr lang="it-IT" sz="2000" dirty="0">
                 <a:solidFill>
                   <a:srgbClr val="FFFFFF"/>
                 </a:solidFill>
+                <a:latin typeface="Century" panose="02040604050505020304" pitchFamily="18" charset="0"/>
+                <a:cs typeface="Adobe Hebrew" panose="02040503050201020203" pitchFamily="18" charset="-79"/>
               </a:rPr>
               <a:t>Dipartimento di Matematica "Tullio Levi-Civita"</a:t>
             </a:r>
@@ -2953,17 +2945,21 @@
           <a:p>
             <a:pPr lvl="0" algn="ctr"/>
             <a:r>
-              <a:rPr lang="it-IT" sz="2400" dirty="0">
+              <a:rPr lang="it-IT" sz="2000" dirty="0">
                 <a:solidFill>
                   <a:srgbClr val="FFFFFF"/>
                 </a:solidFill>
+                <a:latin typeface="Century" panose="02040604050505020304" pitchFamily="18" charset="0"/>
+                <a:cs typeface="Adobe Hebrew" panose="02040503050201020203" pitchFamily="18" charset="-79"/>
               </a:rPr>
               <a:t>Corso di Laurea in Informatica</a:t>
             </a:r>
-            <a:endParaRPr sz="2400" dirty="0">
+            <a:endParaRPr sz="2000" dirty="0">
               <a:solidFill>
                 <a:srgbClr val="FFFFFF"/>
               </a:solidFill>
+              <a:latin typeface="Century" panose="02040604050505020304" pitchFamily="18" charset="0"/>
+              <a:cs typeface="Adobe Hebrew" panose="02040503050201020203" pitchFamily="18" charset="-79"/>
             </a:endParaRPr>
           </a:p>
         </p:txBody>
@@ -2982,8 +2978,8 @@
         </p:nvSpPr>
         <p:spPr>
           <a:xfrm>
-            <a:off x="654483" y="4823181"/>
-            <a:ext cx="2219516" cy="461665"/>
+            <a:off x="485152" y="4945275"/>
+            <a:ext cx="2480805" cy="461665"/>
           </a:xfrm>
           <a:prstGeom prst="rect">
             <a:avLst/>
@@ -2993,7 +2989,7 @@
           </a:ln>
           <a:extLst>
             <a:ext uri="{C572A759-6A51-4108-AA02-DFA0A04FC94B}">
-              <ma14:wrappingTextBoxFlag xmlns="" xmlns:ma14="http://schemas.microsoft.com/office/mac/drawingml/2011/main" val="1"/>
+              <ma14:wrappingTextBoxFlag xmlns:ma14="http://schemas.microsoft.com/office/mac/drawingml/2011/main" xmlns="" val="1"/>
             </a:ext>
           </a:extLst>
         </p:spPr>
@@ -3023,6 +3019,8 @@
                 <a:solidFill>
                   <a:srgbClr val="FFFFFF"/>
                 </a:solidFill>
+                <a:latin typeface="Century" panose="02040604050505020304" pitchFamily="18" charset="0"/>
+                <a:cs typeface="Adobe Hebrew" panose="02040503050201020203" pitchFamily="18" charset="-79"/>
               </a:rPr>
               <a:t>6 Dicembre 2017</a:t>
             </a:r>
@@ -3030,10 +3028,49 @@
               <a:solidFill>
                 <a:srgbClr val="FFFFFF"/>
               </a:solidFill>
+              <a:latin typeface="Century" panose="02040604050505020304" pitchFamily="18" charset="0"/>
+              <a:cs typeface="Adobe Hebrew" panose="02040503050201020203" pitchFamily="18" charset="-79"/>
             </a:endParaRPr>
           </a:p>
         </p:txBody>
       </p:sp>
+      <p:pic>
+        <p:nvPicPr>
+          <p:cNvPr id="14" name="dipmat.png">
+            <a:extLst>
+              <a:ext uri="{FF2B5EF4-FFF2-40B4-BE49-F238E27FC236}">
+                <a16:creationId xmlns:a16="http://schemas.microsoft.com/office/drawing/2014/main" id="{E17EB9CC-088F-4A42-A092-4DF249FF91D0}"/>
+              </a:ext>
+            </a:extLst>
+          </p:cNvPr>
+          <p:cNvPicPr/>
+          <p:nvPr/>
+        </p:nvPicPr>
+        <p:blipFill>
+          <a:blip r:embed="rId4" cstate="print">
+            <a:extLst>
+              <a:ext uri="{28A0092B-C50C-407E-A947-70E740481C1C}">
+                <a14:useLocalDpi xmlns:a14="http://schemas.microsoft.com/office/drawing/2010/main" val="0"/>
+              </a:ext>
+            </a:extLst>
+          </a:blip>
+          <a:stretch>
+            <a:fillRect/>
+          </a:stretch>
+        </p:blipFill>
+        <p:spPr>
+          <a:xfrm>
+            <a:off x="226953" y="6128896"/>
+            <a:ext cx="2997201" cy="455574"/>
+          </a:xfrm>
+          <a:prstGeom prst="rect">
+            <a:avLst/>
+          </a:prstGeom>
+          <a:ln w="12700">
+            <a:miter lim="400000"/>
+          </a:ln>
+        </p:spPr>
+      </p:pic>
     </p:spTree>
   </p:cSld>
   <p:clrMapOvr>
@@ -3119,6 +3156,554 @@
                 </a:solidFill>
               </a:defRPr>
             </a:pPr>
+            <a:r>
+              <a:rPr lang="it-IT" sz="2800" dirty="0">
+                <a:latin typeface="Century" panose="02040604050505020304" pitchFamily="18" charset="0"/>
+              </a:rPr>
+              <a:t>L’azienda ospitante</a:t>
+            </a:r>
+            <a:endParaRPr sz="2800" dirty="0">
+              <a:latin typeface="Century" panose="02040604050505020304" pitchFamily="18" charset="0"/>
+            </a:endParaRPr>
+          </a:p>
+        </p:txBody>
+      </p:sp>
+      <p:pic>
+        <p:nvPicPr>
+          <p:cNvPr id="209" name="image4.png"/>
+          <p:cNvPicPr/>
+          <p:nvPr/>
+        </p:nvPicPr>
+        <p:blipFill>
+          <a:blip r:embed="rId3">
+            <a:extLst/>
+          </a:blip>
+          <a:stretch>
+            <a:fillRect/>
+          </a:stretch>
+        </p:blipFill>
+        <p:spPr>
+          <a:xfrm>
+            <a:off x="0" y="6278231"/>
+            <a:ext cx="9144000" cy="541669"/>
+          </a:xfrm>
+          <a:prstGeom prst="rect">
+            <a:avLst/>
+          </a:prstGeom>
+          <a:ln w="12700">
+            <a:miter lim="400000"/>
+          </a:ln>
+        </p:spPr>
+      </p:pic>
+      <p:pic>
+        <p:nvPicPr>
+          <p:cNvPr id="210" name="image5.png"/>
+          <p:cNvPicPr/>
+          <p:nvPr/>
+        </p:nvPicPr>
+        <p:blipFill>
+          <a:blip r:embed="rId4">
+            <a:extLst/>
+          </a:blip>
+          <a:stretch>
+            <a:fillRect/>
+          </a:stretch>
+        </p:blipFill>
+        <p:spPr>
+          <a:xfrm>
+            <a:off x="7340292" y="18533"/>
+            <a:ext cx="1619558" cy="724175"/>
+          </a:xfrm>
+          <a:prstGeom prst="rect">
+            <a:avLst/>
+          </a:prstGeom>
+          <a:ln w="12700">
+            <a:miter lim="400000"/>
+          </a:ln>
+        </p:spPr>
+      </p:pic>
+      <p:sp>
+        <p:nvSpPr>
+          <p:cNvPr id="211" name="Shape 211"/>
+          <p:cNvSpPr>
+            <a:spLocks noGrp="1"/>
+          </p:cNvSpPr>
+          <p:nvPr>
+            <p:ph type="sldNum" sz="quarter" idx="2"/>
+          </p:nvPr>
+        </p:nvSpPr>
+        <p:spPr>
+          <a:xfrm>
+            <a:off x="6915149" y="6395396"/>
+            <a:ext cx="2057401" cy="383541"/>
+          </a:xfrm>
+          <a:prstGeom prst="rect">
+            <a:avLst/>
+          </a:prstGeom>
+          <a:extLst>
+            <a:ext uri="{C572A759-6A51-4108-AA02-DFA0A04FC94B}">
+              <ma14:wrappingTextBoxFlag xmlns:ma14="http://schemas.microsoft.com/office/mac/drawingml/2011/main" xmlns="" val="1"/>
+            </a:ext>
+          </a:extLst>
+        </p:spPr>
+        <p:txBody>
+          <a:bodyPr lIns="0" tIns="0" rIns="0" bIns="0">
+            <a:normAutofit/>
+          </a:bodyPr>
+          <a:lstStyle>
+            <a:lvl1pPr>
+              <a:defRPr sz="2000">
+                <a:solidFill>
+                  <a:srgbClr val="FFFFFF"/>
+                </a:solidFill>
+              </a:defRPr>
+            </a:lvl1pPr>
+          </a:lstStyle>
+          <a:p>
+            <a:pPr lvl="0">
+              <a:defRPr sz="1800">
+                <a:solidFill>
+                  <a:srgbClr val="000000"/>
+                </a:solidFill>
+              </a:defRPr>
+            </a:pPr>
+            <a:fld id="{86CB4B4D-7CA3-9044-876B-883B54F8677D}" type="slidenum">
+              <a:rPr sz="2000">
+                <a:solidFill>
+                  <a:srgbClr val="FFFFFF"/>
+                </a:solidFill>
+              </a:rPr>
+              <a:t>2</a:t>
+            </a:fld>
+            <a:endParaRPr sz="2000" dirty="0">
+              <a:solidFill>
+                <a:srgbClr val="FFFFFF"/>
+              </a:solidFill>
+            </a:endParaRPr>
+          </a:p>
+        </p:txBody>
+      </p:sp>
+      <p:sp>
+        <p:nvSpPr>
+          <p:cNvPr id="214" name="Shape 214"/>
+          <p:cNvSpPr/>
+          <p:nvPr/>
+        </p:nvSpPr>
+        <p:spPr>
+          <a:xfrm>
+            <a:off x="6915149" y="6395396"/>
+            <a:ext cx="2057401" cy="383541"/>
+          </a:xfrm>
+          <a:prstGeom prst="rect">
+            <a:avLst/>
+          </a:prstGeom>
+          <a:ln w="12700">
+            <a:miter lim="400000"/>
+          </a:ln>
+          <a:extLst>
+            <a:ext uri="{C572A759-6A51-4108-AA02-DFA0A04FC94B}">
+              <ma14:wrappingTextBoxFlag xmlns:ma14="http://schemas.microsoft.com/office/mac/drawingml/2011/main" xmlns="" val="1"/>
+            </a:ext>
+          </a:extLst>
+        </p:spPr>
+        <p:txBody>
+          <a:bodyPr lIns="0" tIns="0" rIns="0" bIns="0" anchor="ctr">
+            <a:normAutofit/>
+          </a:bodyPr>
+          <a:lstStyle>
+            <a:lvl1pPr algn="r">
+              <a:defRPr sz="2000">
+                <a:solidFill>
+                  <a:srgbClr val="FFFFFF"/>
+                </a:solidFill>
+              </a:defRPr>
+            </a:lvl1pPr>
+          </a:lstStyle>
+          <a:p>
+            <a:pPr lvl="0">
+              <a:defRPr sz="1800">
+                <a:solidFill>
+                  <a:srgbClr val="000000"/>
+                </a:solidFill>
+              </a:defRPr>
+            </a:pPr>
+            <a:endParaRPr sz="2000" dirty="0">
+              <a:solidFill>
+                <a:srgbClr val="FFFFFF"/>
+              </a:solidFill>
+            </a:endParaRPr>
+          </a:p>
+        </p:txBody>
+      </p:sp>
+      <p:pic>
+        <p:nvPicPr>
+          <p:cNvPr id="3" name="Immagine 2">
+            <a:extLst>
+              <a:ext uri="{FF2B5EF4-FFF2-40B4-BE49-F238E27FC236}">
+                <a16:creationId xmlns:a16="http://schemas.microsoft.com/office/drawing/2014/main" id="{3C84FFE4-A722-4AB7-A529-346C99D6FC97}"/>
+              </a:ext>
+            </a:extLst>
+          </p:cNvPr>
+          <p:cNvPicPr>
+            <a:picLocks noChangeAspect="1"/>
+          </p:cNvPicPr>
+          <p:nvPr/>
+        </p:nvPicPr>
+        <p:blipFill>
+          <a:blip r:embed="rId5" cstate="print">
+            <a:extLst>
+              <a:ext uri="{28A0092B-C50C-407E-A947-70E740481C1C}">
+                <a14:useLocalDpi xmlns:a14="http://schemas.microsoft.com/office/drawing/2010/main" val="0"/>
+              </a:ext>
+            </a:extLst>
+          </a:blip>
+          <a:stretch>
+            <a:fillRect/>
+          </a:stretch>
+        </p:blipFill>
+        <p:spPr>
+          <a:xfrm>
+            <a:off x="4389122" y="850684"/>
+            <a:ext cx="4320540" cy="4320540"/>
+          </a:xfrm>
+          <a:prstGeom prst="rect">
+            <a:avLst/>
+          </a:prstGeom>
+        </p:spPr>
+      </p:pic>
+      <p:sp>
+        <p:nvSpPr>
+          <p:cNvPr id="13" name="Shape 52">
+            <a:extLst>
+              <a:ext uri="{FF2B5EF4-FFF2-40B4-BE49-F238E27FC236}">
+                <a16:creationId xmlns:a16="http://schemas.microsoft.com/office/drawing/2014/main" id="{9ECC361E-3151-4250-8158-91BDA0F0F496}"/>
+              </a:ext>
+            </a:extLst>
+          </p:cNvPr>
+          <p:cNvSpPr/>
+          <p:nvPr/>
+        </p:nvSpPr>
+        <p:spPr>
+          <a:xfrm>
+            <a:off x="434338" y="1056573"/>
+            <a:ext cx="3954784" cy="3908762"/>
+          </a:xfrm>
+          <a:prstGeom prst="rect">
+            <a:avLst/>
+          </a:prstGeom>
+          <a:ln w="12700">
+            <a:miter lim="400000"/>
+          </a:ln>
+          <a:extLst>
+            <a:ext uri="{C572A759-6A51-4108-AA02-DFA0A04FC94B}">
+              <ma14:wrappingTextBoxFlag xmlns:ma14="http://schemas.microsoft.com/office/mac/drawingml/2011/main" xmlns="" val="1"/>
+            </a:ext>
+          </a:extLst>
+        </p:spPr>
+        <p:txBody>
+          <a:bodyPr wrap="square" lIns="45719" rIns="45719">
+            <a:spAutoFit/>
+          </a:bodyPr>
+          <a:lstStyle/>
+          <a:p>
+            <a:pPr lvl="0" algn="l"/>
+            <a:r>
+              <a:rPr lang="it-IT" sz="3200" b="1" dirty="0">
+                <a:solidFill>
+                  <a:schemeClr val="tx1"/>
+                </a:solidFill>
+                <a:latin typeface="Calibri" panose="020F0502020204030204" pitchFamily="34" charset="0"/>
+                <a:cs typeface="Calibri" panose="020F0502020204030204" pitchFamily="34" charset="0"/>
+              </a:rPr>
+              <a:t>Mercati d’interesse</a:t>
+            </a:r>
+          </a:p>
+          <a:p>
+            <a:pPr marL="228600" lvl="0" indent="-228600" algn="l">
+              <a:buFont typeface="Arial" panose="020B0604020202020204" pitchFamily="34" charset="0"/>
+              <a:buChar char="•"/>
+            </a:pPr>
+            <a:r>
+              <a:rPr lang="it-IT" b="1" dirty="0">
+                <a:solidFill>
+                  <a:schemeClr val="tx1"/>
+                </a:solidFill>
+                <a:latin typeface="Calibri" panose="020F0502020204030204" pitchFamily="34" charset="0"/>
+                <a:cs typeface="Calibri" panose="020F0502020204030204" pitchFamily="34" charset="0"/>
+              </a:rPr>
+              <a:t>RETAIL</a:t>
+            </a:r>
+          </a:p>
+          <a:p>
+            <a:pPr marL="228600" lvl="0" indent="-228600" algn="l">
+              <a:buFont typeface="Arial" panose="020B0604020202020204" pitchFamily="34" charset="0"/>
+              <a:buChar char="•"/>
+            </a:pPr>
+            <a:r>
+              <a:rPr lang="it-IT" b="1" dirty="0">
+                <a:solidFill>
+                  <a:schemeClr val="tx1"/>
+                </a:solidFill>
+                <a:latin typeface="Calibri" panose="020F0502020204030204" pitchFamily="34" charset="0"/>
+                <a:cs typeface="Calibri" panose="020F0502020204030204" pitchFamily="34" charset="0"/>
+              </a:rPr>
+              <a:t>FASHION &amp; LUXURY</a:t>
+            </a:r>
+          </a:p>
+          <a:p>
+            <a:pPr marL="228600" lvl="0" indent="-228600" algn="l">
+              <a:buFont typeface="Arial" panose="020B0604020202020204" pitchFamily="34" charset="0"/>
+              <a:buChar char="•"/>
+            </a:pPr>
+            <a:r>
+              <a:rPr lang="it-IT" b="1" dirty="0">
+                <a:solidFill>
+                  <a:schemeClr val="tx1"/>
+                </a:solidFill>
+                <a:latin typeface="Calibri" panose="020F0502020204030204" pitchFamily="34" charset="0"/>
+                <a:cs typeface="Calibri" panose="020F0502020204030204" pitchFamily="34" charset="0"/>
+              </a:rPr>
+              <a:t>MANUFACTURING</a:t>
+            </a:r>
+          </a:p>
+          <a:p>
+            <a:pPr marL="228600" lvl="0" indent="-228600" algn="l">
+              <a:buFont typeface="Arial" panose="020B0604020202020204" pitchFamily="34" charset="0"/>
+              <a:buChar char="•"/>
+            </a:pPr>
+            <a:r>
+              <a:rPr lang="it-IT" b="1" dirty="0">
+                <a:solidFill>
+                  <a:schemeClr val="tx1"/>
+                </a:solidFill>
+                <a:latin typeface="Calibri" panose="020F0502020204030204" pitchFamily="34" charset="0"/>
+                <a:cs typeface="Calibri" panose="020F0502020204030204" pitchFamily="34" charset="0"/>
+              </a:rPr>
+              <a:t>BANKING</a:t>
+            </a:r>
+          </a:p>
+          <a:p>
+            <a:pPr marL="228600" lvl="0" indent="-228600" algn="l">
+              <a:buFont typeface="Arial" panose="020B0604020202020204" pitchFamily="34" charset="0"/>
+              <a:buChar char="•"/>
+            </a:pPr>
+            <a:r>
+              <a:rPr lang="it-IT" b="1" dirty="0">
+                <a:solidFill>
+                  <a:schemeClr val="tx1"/>
+                </a:solidFill>
+                <a:latin typeface="Calibri" panose="020F0502020204030204" pitchFamily="34" charset="0"/>
+                <a:cs typeface="Calibri" panose="020F0502020204030204" pitchFamily="34" charset="0"/>
+              </a:rPr>
+              <a:t>ENERGY</a:t>
+            </a:r>
+          </a:p>
+          <a:p>
+            <a:pPr marL="228600" lvl="0" indent="-228600" algn="l">
+              <a:buFont typeface="Arial" panose="020B0604020202020204" pitchFamily="34" charset="0"/>
+              <a:buChar char="•"/>
+            </a:pPr>
+            <a:r>
+              <a:rPr lang="it-IT" b="1" dirty="0">
+                <a:solidFill>
+                  <a:schemeClr val="tx1"/>
+                </a:solidFill>
+                <a:latin typeface="Calibri" panose="020F0502020204030204" pitchFamily="34" charset="0"/>
+                <a:cs typeface="Calibri" panose="020F0502020204030204" pitchFamily="34" charset="0"/>
+              </a:rPr>
+              <a:t>SETTORE PUBBLICO</a:t>
+            </a:r>
+          </a:p>
+          <a:p>
+            <a:pPr marL="228600" lvl="0" indent="-228600" algn="l">
+              <a:buFont typeface="Arial" panose="020B0604020202020204" pitchFamily="34" charset="0"/>
+              <a:buChar char="•"/>
+            </a:pPr>
+            <a:r>
+              <a:rPr lang="it-IT" b="1" dirty="0">
+                <a:solidFill>
+                  <a:schemeClr val="tx1"/>
+                </a:solidFill>
+                <a:latin typeface="Calibri" panose="020F0502020204030204" pitchFamily="34" charset="0"/>
+                <a:cs typeface="Calibri" panose="020F0502020204030204" pitchFamily="34" charset="0"/>
+              </a:rPr>
+              <a:t>TELECOM</a:t>
+            </a:r>
+          </a:p>
+          <a:p>
+            <a:pPr marL="228600" lvl="0" indent="-228600" algn="l">
+              <a:buFont typeface="Arial" panose="020B0604020202020204" pitchFamily="34" charset="0"/>
+              <a:buChar char="•"/>
+            </a:pPr>
+            <a:r>
+              <a:rPr lang="it-IT" b="1" dirty="0">
+                <a:solidFill>
+                  <a:schemeClr val="tx1"/>
+                </a:solidFill>
+                <a:latin typeface="Calibri" panose="020F0502020204030204" pitchFamily="34" charset="0"/>
+                <a:cs typeface="Calibri" panose="020F0502020204030204" pitchFamily="34" charset="0"/>
+              </a:rPr>
+              <a:t>AEROSPACE</a:t>
+            </a:r>
+          </a:p>
+          <a:p>
+            <a:pPr marL="228600" lvl="0" indent="-228600" algn="l">
+              <a:buFont typeface="Arial" panose="020B0604020202020204" pitchFamily="34" charset="0"/>
+              <a:buChar char="•"/>
+            </a:pPr>
+            <a:r>
+              <a:rPr lang="it-IT" b="1" dirty="0">
+                <a:solidFill>
+                  <a:schemeClr val="tx1"/>
+                </a:solidFill>
+                <a:latin typeface="Calibri" panose="020F0502020204030204" pitchFamily="34" charset="0"/>
+                <a:cs typeface="Calibri" panose="020F0502020204030204" pitchFamily="34" charset="0"/>
+              </a:rPr>
+              <a:t>DIFESA</a:t>
+            </a:r>
+          </a:p>
+          <a:p>
+            <a:pPr marL="228600" lvl="0" indent="-228600" algn="l">
+              <a:buFont typeface="Arial" panose="020B0604020202020204" pitchFamily="34" charset="0"/>
+              <a:buChar char="•"/>
+            </a:pPr>
+            <a:r>
+              <a:rPr lang="it-IT" b="1" dirty="0">
+                <a:solidFill>
+                  <a:schemeClr val="tx1"/>
+                </a:solidFill>
+                <a:latin typeface="Calibri" panose="020F0502020204030204" pitchFamily="34" charset="0"/>
+                <a:cs typeface="Calibri" panose="020F0502020204030204" pitchFamily="34" charset="0"/>
+              </a:rPr>
+              <a:t>TRASPORTI</a:t>
+            </a:r>
+          </a:p>
+          <a:p>
+            <a:pPr marL="228600" lvl="0" indent="-228600" algn="l">
+              <a:buFont typeface="Arial" panose="020B0604020202020204" pitchFamily="34" charset="0"/>
+              <a:buChar char="•"/>
+            </a:pPr>
+            <a:r>
+              <a:rPr lang="it-IT" b="1" dirty="0">
+                <a:solidFill>
+                  <a:schemeClr val="tx1"/>
+                </a:solidFill>
+                <a:latin typeface="Calibri" panose="020F0502020204030204" pitchFamily="34" charset="0"/>
+                <a:cs typeface="Calibri" panose="020F0502020204030204" pitchFamily="34" charset="0"/>
+              </a:rPr>
+              <a:t>INSURANCE &amp; SOCIAL</a:t>
+            </a:r>
+          </a:p>
+          <a:p>
+            <a:pPr marL="228600" lvl="0" indent="-228600" algn="l">
+              <a:buFont typeface="Arial" panose="020B0604020202020204" pitchFamily="34" charset="0"/>
+              <a:buChar char="•"/>
+            </a:pPr>
+            <a:r>
+              <a:rPr lang="it-IT" b="1" dirty="0">
+                <a:solidFill>
+                  <a:schemeClr val="tx1"/>
+                </a:solidFill>
+                <a:latin typeface="Calibri" panose="020F0502020204030204" pitchFamily="34" charset="0"/>
+                <a:cs typeface="Calibri" panose="020F0502020204030204" pitchFamily="34" charset="0"/>
+              </a:rPr>
+              <a:t>SICUREZZA DELLO STATO</a:t>
+            </a:r>
+            <a:endParaRPr b="1" dirty="0">
+              <a:solidFill>
+                <a:schemeClr val="tx1"/>
+              </a:solidFill>
+              <a:latin typeface="Calibri" panose="020F0502020204030204" pitchFamily="34" charset="0"/>
+              <a:cs typeface="Calibri" panose="020F0502020204030204" pitchFamily="34" charset="0"/>
+            </a:endParaRPr>
+          </a:p>
+        </p:txBody>
+      </p:sp>
+    </p:spTree>
+  </p:cSld>
+  <p:clrMapOvr>
+    <a:masterClrMapping/>
+  </p:clrMapOvr>
+  <p:transition spd="med"/>
+</p:sld>
+</file>
+
+<file path=ppt/slides/slide3.xml><?xml version="1.0" encoding="utf-8"?>
+<p:sld xmlns:a="http://schemas.openxmlformats.org/drawingml/2006/main" xmlns:r="http://schemas.openxmlformats.org/officeDocument/2006/relationships" xmlns:p="http://schemas.openxmlformats.org/presentationml/2006/main">
+  <p:cSld>
+    <p:spTree>
+      <p:nvGrpSpPr>
+        <p:cNvPr id="1" name=""/>
+        <p:cNvGrpSpPr/>
+        <p:nvPr/>
+      </p:nvGrpSpPr>
+      <p:grpSpPr>
+        <a:xfrm>
+          <a:off x="0" y="0"/>
+          <a:ext cx="0" cy="0"/>
+          <a:chOff x="0" y="0"/>
+          <a:chExt cx="0" cy="0"/>
+        </a:xfrm>
+      </p:grpSpPr>
+      <p:pic>
+        <p:nvPicPr>
+          <p:cNvPr id="207" name="image3.png"/>
+          <p:cNvPicPr/>
+          <p:nvPr/>
+        </p:nvPicPr>
+        <p:blipFill>
+          <a:blip r:embed="rId2">
+            <a:extLst/>
+          </a:blip>
+          <a:stretch>
+            <a:fillRect/>
+          </a:stretch>
+        </p:blipFill>
+        <p:spPr>
+          <a:xfrm>
+            <a:off x="7340293" y="38100"/>
+            <a:ext cx="1549709" cy="692941"/>
+          </a:xfrm>
+          <a:prstGeom prst="rect">
+            <a:avLst/>
+          </a:prstGeom>
+          <a:ln w="12700">
+            <a:miter lim="400000"/>
+          </a:ln>
+        </p:spPr>
+      </p:pic>
+      <p:sp>
+        <p:nvSpPr>
+          <p:cNvPr id="208" name="Shape 208"/>
+          <p:cNvSpPr/>
+          <p:nvPr/>
+        </p:nvSpPr>
+        <p:spPr>
+          <a:xfrm>
+            <a:off x="0" y="-2479"/>
+            <a:ext cx="9144000" cy="774098"/>
+          </a:xfrm>
+          <a:prstGeom prst="rect">
+            <a:avLst/>
+          </a:prstGeom>
+          <a:solidFill>
+            <a:srgbClr val="9A0014"/>
+          </a:solidFill>
+          <a:ln w="12700">
+            <a:miter lim="400000"/>
+          </a:ln>
+        </p:spPr>
+        <p:txBody>
+          <a:bodyPr lIns="0" tIns="0" rIns="0" bIns="0" anchor="ctr"/>
+          <a:lstStyle/>
+          <a:p>
+            <a:pPr lvl="0" algn="ctr">
+              <a:defRPr>
+                <a:solidFill>
+                  <a:srgbClr val="FFFFFF"/>
+                </a:solidFill>
+              </a:defRPr>
+            </a:pPr>
             <a:endParaRPr/>
           </a:p>
         </p:txBody>
@@ -3197,7 +3782,7 @@
           </a:prstGeom>
           <a:extLst>
             <a:ext uri="{C572A759-6A51-4108-AA02-DFA0A04FC94B}">
-              <ma14:wrappingTextBoxFlag xmlns="" xmlns:ma14="http://schemas.microsoft.com/office/mac/drawingml/2011/main" val="1"/>
+              <ma14:wrappingTextBoxFlag xmlns:ma14="http://schemas.microsoft.com/office/mac/drawingml/2011/main" xmlns="" val="1"/>
             </a:ext>
           </a:extLst>
         </p:spPr>
@@ -3228,7 +3813,7 @@
                   <a:srgbClr val="FFFFFF"/>
                 </a:solidFill>
               </a:rPr>
-              <a:t>2</a:t>
+              <a:t>3</a:t>
             </a:fld>
             <a:endParaRPr sz="2000" dirty="0">
               <a:solidFill>
@@ -3257,7 +3842,7 @@
           </a:ln>
           <a:extLst>
             <a:ext uri="{C572A759-6A51-4108-AA02-DFA0A04FC94B}">
-              <ma14:wrappingTextBoxFlag xmlns="" xmlns:ma14="http://schemas.microsoft.com/office/mac/drawingml/2011/main" val="1"/>
+              <ma14:wrappingTextBoxFlag xmlns:ma14="http://schemas.microsoft.com/office/mac/drawingml/2011/main" xmlns="" val="1"/>
             </a:ext>
           </a:extLst>
         </p:spPr>
@@ -3315,7 +3900,7 @@
           </a:ln>
           <a:extLst>
             <a:ext uri="{C572A759-6A51-4108-AA02-DFA0A04FC94B}">
-              <ma14:wrappingTextBoxFlag xmlns="" xmlns:ma14="http://schemas.microsoft.com/office/mac/drawingml/2011/main" val="1"/>
+              <ma14:wrappingTextBoxFlag xmlns:ma14="http://schemas.microsoft.com/office/mac/drawingml/2011/main" xmlns="" val="1"/>
             </a:ext>
           </a:extLst>
         </p:spPr>
@@ -3373,6 +3958,11 @@
         </p:txBody>
       </p:sp>
     </p:spTree>
+    <p:extLst>
+      <p:ext uri="{BB962C8B-B14F-4D97-AF65-F5344CB8AC3E}">
+        <p14:creationId xmlns:p14="http://schemas.microsoft.com/office/powerpoint/2010/main" val="2105444188"/>
+      </p:ext>
+    </p:extLst>
   </p:cSld>
   <p:clrMapOvr>
     <a:masterClrMapping/>

--- a/presentazione/Pptx/Lahmer_Abdelilah_presentazione.pptx
+++ b/presentazione/Pptx/Lahmer_Abdelilah_presentazione.pptx
@@ -5,12 +5,18 @@
     <p:sldMasterId id="2147483648" r:id="rId1"/>
   </p:sldMasterIdLst>
   <p:notesMasterIdLst>
-    <p:notesMasterId r:id="rId5"/>
+    <p:notesMasterId r:id="rId11"/>
   </p:notesMasterIdLst>
   <p:sldIdLst>
     <p:sldId id="256" r:id="rId2"/>
-    <p:sldId id="270" r:id="rId3"/>
-    <p:sldId id="271" r:id="rId4"/>
+    <p:sldId id="280" r:id="rId3"/>
+    <p:sldId id="279" r:id="rId4"/>
+    <p:sldId id="273" r:id="rId5"/>
+    <p:sldId id="275" r:id="rId6"/>
+    <p:sldId id="276" r:id="rId7"/>
+    <p:sldId id="278" r:id="rId8"/>
+    <p:sldId id="281" r:id="rId9"/>
+    <p:sldId id="282" r:id="rId10"/>
   </p:sldIdLst>
   <p:sldSz cx="9144000" cy="6858000" type="screen4x3"/>
   <p:notesSz cx="6858000" cy="9144000"/>
@@ -2048,7 +2054,7 @@
           </a:ln>
           <a:extLst>
             <a:ext uri="{C572A759-6A51-4108-AA02-DFA0A04FC94B}">
-              <ma14:wrappingTextBoxFlag xmlns:ma14="http://schemas.microsoft.com/office/mac/drawingml/2011/main" xmlns="" val="1"/>
+              <ma14:wrappingTextBoxFlag xmlns="" xmlns:ma14="http://schemas.microsoft.com/office/mac/drawingml/2011/main" val="1"/>
             </a:ext>
           </a:extLst>
         </p:spPr>
@@ -2091,7 +2097,7 @@
           </a:ln>
           <a:extLst>
             <a:ext uri="{C572A759-6A51-4108-AA02-DFA0A04FC94B}">
-              <ma14:wrappingTextBoxFlag xmlns:ma14="http://schemas.microsoft.com/office/mac/drawingml/2011/main" xmlns="" val="1"/>
+              <ma14:wrappingTextBoxFlag xmlns="" xmlns:ma14="http://schemas.microsoft.com/office/mac/drawingml/2011/main" val="1"/>
             </a:ext>
           </a:extLst>
         </p:spPr>
@@ -2208,6 +2214,7 @@
     <p:sldLayoutId id="2147483659" r:id="rId11"/>
   </p:sldLayoutIdLst>
   <p:transition spd="med"/>
+  <p:hf hdr="0" ftr="0" dt="0"/>
   <p:txStyles>
     <p:titleStyle>
       <a:lvl1pPr defTabSz="685800">
@@ -2596,7 +2603,7 @@
         <p:spPr>
           <a:xfrm>
             <a:off x="2133600" y="728980"/>
-            <a:ext cx="5207000" cy="2585323"/>
+            <a:ext cx="5207000" cy="1754326"/>
           </a:xfrm>
           <a:prstGeom prst="rect">
             <a:avLst/>
@@ -2606,7 +2613,7 @@
           </a:ln>
           <a:extLst>
             <a:ext uri="{C572A759-6A51-4108-AA02-DFA0A04FC94B}">
-              <ma14:wrappingTextBoxFlag xmlns:ma14="http://schemas.microsoft.com/office/mac/drawingml/2011/main" xmlns="" val="1"/>
+              <ma14:wrappingTextBoxFlag xmlns="" xmlns:ma14="http://schemas.microsoft.com/office/mac/drawingml/2011/main" val="1"/>
             </a:ext>
           </a:extLst>
         </p:spPr>
@@ -2636,8 +2643,8 @@
                 <a:solidFill>
                   <a:srgbClr val="FFFFFF"/>
                 </a:solidFill>
-                <a:latin typeface="Century" panose="02040604050505020304" pitchFamily="18" charset="0"/>
-                <a:cs typeface="Adobe Hebrew" panose="02040503050201020203" pitchFamily="18" charset="-79"/>
+                <a:latin typeface="Calibri" panose="020F0502020204030204" pitchFamily="34" charset="0"/>
+                <a:cs typeface="Calibri" panose="020F0502020204030204" pitchFamily="34" charset="0"/>
               </a:rPr>
               <a:t>Node Replication Attack in WSN</a:t>
             </a:r>
@@ -2717,7 +2724,7 @@
           </a:ln>
           <a:extLst>
             <a:ext uri="{C572A759-6A51-4108-AA02-DFA0A04FC94B}">
-              <ma14:wrappingTextBoxFlag xmlns:ma14="http://schemas.microsoft.com/office/mac/drawingml/2011/main" xmlns="" val="1"/>
+              <ma14:wrappingTextBoxFlag xmlns="" xmlns:ma14="http://schemas.microsoft.com/office/mac/drawingml/2011/main" val="1"/>
             </a:ext>
           </a:extLst>
         </p:spPr>
@@ -2733,8 +2740,8 @@
                 <a:solidFill>
                   <a:srgbClr val="FFFFFF"/>
                 </a:solidFill>
-                <a:latin typeface="Century" panose="02040604050505020304" pitchFamily="18" charset="0"/>
-                <a:cs typeface="Adobe Hebrew" panose="02040503050201020203" pitchFamily="18" charset="-79"/>
+                <a:latin typeface="Calibri" panose="020F0502020204030204" pitchFamily="34" charset="0"/>
+                <a:cs typeface="Calibri" panose="020F0502020204030204" pitchFamily="34" charset="0"/>
               </a:rPr>
               <a:t>Meccanismi di programmazione back-end e analisi in ambito bancario</a:t>
             </a:r>
@@ -2742,8 +2749,8 @@
               <a:solidFill>
                 <a:srgbClr val="FFFFFF"/>
               </a:solidFill>
-              <a:latin typeface="Century" panose="02040604050505020304" pitchFamily="18" charset="0"/>
-              <a:cs typeface="Adobe Hebrew" panose="02040503050201020203" pitchFamily="18" charset="-79"/>
+              <a:latin typeface="Calibri" panose="020F0502020204030204" pitchFamily="34" charset="0"/>
+              <a:cs typeface="Calibri" panose="020F0502020204030204" pitchFamily="34" charset="0"/>
             </a:endParaRPr>
           </a:p>
         </p:txBody>
@@ -2757,7 +2764,7 @@
         <p:spPr>
           <a:xfrm>
             <a:off x="485152" y="3555504"/>
-            <a:ext cx="4524635" cy="461665"/>
+            <a:ext cx="4130296" cy="461665"/>
           </a:xfrm>
           <a:prstGeom prst="rect">
             <a:avLst/>
@@ -2767,7 +2774,7 @@
           </a:ln>
           <a:extLst>
             <a:ext uri="{C572A759-6A51-4108-AA02-DFA0A04FC94B}">
-              <ma14:wrappingTextBoxFlag xmlns:ma14="http://schemas.microsoft.com/office/mac/drawingml/2011/main" xmlns="" val="1"/>
+              <ma14:wrappingTextBoxFlag xmlns="" xmlns:ma14="http://schemas.microsoft.com/office/mac/drawingml/2011/main" val="1"/>
             </a:ext>
           </a:extLst>
         </p:spPr>
@@ -2797,8 +2804,8 @@
                 <a:solidFill>
                   <a:srgbClr val="FFFFFF"/>
                 </a:solidFill>
-                <a:latin typeface="Century" panose="02040604050505020304" pitchFamily="18" charset="0"/>
-                <a:cs typeface="Adobe Hebrew" panose="02040503050201020203" pitchFamily="18" charset="-79"/>
+                <a:latin typeface="Calibri" panose="020F0502020204030204" pitchFamily="34" charset="0"/>
+                <a:cs typeface="Calibri" panose="020F0502020204030204" pitchFamily="34" charset="0"/>
               </a:rPr>
               <a:t>Candidato: 	Abdelilah Lahmer</a:t>
             </a:r>
@@ -2806,8 +2813,8 @@
               <a:solidFill>
                 <a:srgbClr val="FFFFFF"/>
               </a:solidFill>
-              <a:latin typeface="Century" panose="02040604050505020304" pitchFamily="18" charset="0"/>
-              <a:cs typeface="Adobe Hebrew" panose="02040503050201020203" pitchFamily="18" charset="-79"/>
+              <a:latin typeface="Calibri" panose="020F0502020204030204" pitchFamily="34" charset="0"/>
+              <a:cs typeface="Calibri" panose="020F0502020204030204" pitchFamily="34" charset="0"/>
             </a:endParaRPr>
           </a:p>
         </p:txBody>
@@ -2827,7 +2834,7 @@
         <p:spPr>
           <a:xfrm>
             <a:off x="485152" y="4019557"/>
-            <a:ext cx="4415630" cy="461665"/>
+            <a:ext cx="4040528" cy="461665"/>
           </a:xfrm>
           <a:prstGeom prst="rect">
             <a:avLst/>
@@ -2837,7 +2844,7 @@
           </a:ln>
           <a:extLst>
             <a:ext uri="{C572A759-6A51-4108-AA02-DFA0A04FC94B}">
-              <ma14:wrappingTextBoxFlag xmlns:ma14="http://schemas.microsoft.com/office/mac/drawingml/2011/main" xmlns="" val="1"/>
+              <ma14:wrappingTextBoxFlag xmlns="" xmlns:ma14="http://schemas.microsoft.com/office/mac/drawingml/2011/main" val="1"/>
             </a:ext>
           </a:extLst>
         </p:spPr>
@@ -2867,8 +2874,8 @@
                 <a:solidFill>
                   <a:srgbClr val="FFFFFF"/>
                 </a:solidFill>
-                <a:latin typeface="Century" panose="02040604050505020304" pitchFamily="18" charset="0"/>
-                <a:cs typeface="Adobe Hebrew" panose="02040503050201020203" pitchFamily="18" charset="-79"/>
+                <a:latin typeface="Calibri" panose="020F0502020204030204" pitchFamily="34" charset="0"/>
+                <a:cs typeface="Calibri" panose="020F0502020204030204" pitchFamily="34" charset="0"/>
               </a:rPr>
               <a:t>Relatore: 	Tullio Vardanega</a:t>
             </a:r>
@@ -2876,8 +2883,8 @@
               <a:solidFill>
                 <a:srgbClr val="FFFFFF"/>
               </a:solidFill>
-              <a:latin typeface="Century" panose="02040604050505020304" pitchFamily="18" charset="0"/>
-              <a:cs typeface="Adobe Hebrew" panose="02040503050201020203" pitchFamily="18" charset="-79"/>
+              <a:latin typeface="Calibri" panose="020F0502020204030204" pitchFamily="34" charset="0"/>
+              <a:cs typeface="Calibri" panose="020F0502020204030204" pitchFamily="34" charset="0"/>
             </a:endParaRPr>
           </a:p>
         </p:txBody>
@@ -2907,7 +2914,7 @@
           </a:ln>
           <a:extLst>
             <a:ext uri="{C572A759-6A51-4108-AA02-DFA0A04FC94B}">
-              <ma14:wrappingTextBoxFlag xmlns:ma14="http://schemas.microsoft.com/office/mac/drawingml/2011/main" xmlns="" val="1"/>
+              <ma14:wrappingTextBoxFlag xmlns="" xmlns:ma14="http://schemas.microsoft.com/office/mac/drawingml/2011/main" val="1"/>
             </a:ext>
           </a:extLst>
         </p:spPr>
@@ -2923,8 +2930,8 @@
                 <a:solidFill>
                   <a:srgbClr val="FFFFFF"/>
                 </a:solidFill>
-                <a:latin typeface="Century" panose="02040604050505020304" pitchFamily="18" charset="0"/>
-                <a:cs typeface="Adobe Hebrew" panose="02040503050201020203" pitchFamily="18" charset="-79"/>
+                <a:latin typeface="Calibri" panose="020F0502020204030204" pitchFamily="34" charset="0"/>
+                <a:cs typeface="Calibri" panose="020F0502020204030204" pitchFamily="34" charset="0"/>
               </a:rPr>
               <a:t>UNIVERSITÀ DEGLI STUDI DI PADOVA</a:t>
             </a:r>
@@ -2936,8 +2943,8 @@
                 <a:solidFill>
                   <a:srgbClr val="FFFFFF"/>
                 </a:solidFill>
-                <a:latin typeface="Century" panose="02040604050505020304" pitchFamily="18" charset="0"/>
-                <a:cs typeface="Adobe Hebrew" panose="02040503050201020203" pitchFamily="18" charset="-79"/>
+                <a:latin typeface="Calibri" panose="020F0502020204030204" pitchFamily="34" charset="0"/>
+                <a:cs typeface="Calibri" panose="020F0502020204030204" pitchFamily="34" charset="0"/>
               </a:rPr>
               <a:t>Dipartimento di Matematica "Tullio Levi-Civita"</a:t>
             </a:r>
@@ -2949,8 +2956,8 @@
                 <a:solidFill>
                   <a:srgbClr val="FFFFFF"/>
                 </a:solidFill>
-                <a:latin typeface="Century" panose="02040604050505020304" pitchFamily="18" charset="0"/>
-                <a:cs typeface="Adobe Hebrew" panose="02040503050201020203" pitchFamily="18" charset="-79"/>
+                <a:latin typeface="Calibri" panose="020F0502020204030204" pitchFamily="34" charset="0"/>
+                <a:cs typeface="Calibri" panose="020F0502020204030204" pitchFamily="34" charset="0"/>
               </a:rPr>
               <a:t>Corso di Laurea in Informatica</a:t>
             </a:r>
@@ -2958,8 +2965,8 @@
               <a:solidFill>
                 <a:srgbClr val="FFFFFF"/>
               </a:solidFill>
-              <a:latin typeface="Century" panose="02040604050505020304" pitchFamily="18" charset="0"/>
-              <a:cs typeface="Adobe Hebrew" panose="02040503050201020203" pitchFamily="18" charset="-79"/>
+              <a:latin typeface="Calibri" panose="020F0502020204030204" pitchFamily="34" charset="0"/>
+              <a:cs typeface="Calibri" panose="020F0502020204030204" pitchFamily="34" charset="0"/>
             </a:endParaRPr>
           </a:p>
         </p:txBody>
@@ -2978,8 +2985,8 @@
         </p:nvSpPr>
         <p:spPr>
           <a:xfrm>
-            <a:off x="485152" y="4945275"/>
-            <a:ext cx="2480805" cy="461665"/>
+            <a:off x="485152" y="4643753"/>
+            <a:ext cx="4487765" cy="461665"/>
           </a:xfrm>
           <a:prstGeom prst="rect">
             <a:avLst/>
@@ -2989,7 +2996,7 @@
           </a:ln>
           <a:extLst>
             <a:ext uri="{C572A759-6A51-4108-AA02-DFA0A04FC94B}">
-              <ma14:wrappingTextBoxFlag xmlns:ma14="http://schemas.microsoft.com/office/mac/drawingml/2011/main" xmlns="" val="1"/>
+              <ma14:wrappingTextBoxFlag xmlns="" xmlns:ma14="http://schemas.microsoft.com/office/mac/drawingml/2011/main" val="1"/>
             </a:ext>
           </a:extLst>
         </p:spPr>
@@ -3019,17 +3026,17 @@
                 <a:solidFill>
                   <a:srgbClr val="FFFFFF"/>
                 </a:solidFill>
-                <a:latin typeface="Century" panose="02040604050505020304" pitchFamily="18" charset="0"/>
-                <a:cs typeface="Adobe Hebrew" panose="02040503050201020203" pitchFamily="18" charset="-79"/>
-              </a:rPr>
-              <a:t>6 Dicembre 2017</a:t>
+                <a:latin typeface="Calibri" panose="020F0502020204030204" pitchFamily="34" charset="0"/>
+                <a:cs typeface="Calibri" panose="020F0502020204030204" pitchFamily="34" charset="0"/>
+              </a:rPr>
+              <a:t>Esame di Laurea - 6 Dicembre 2017</a:t>
             </a:r>
             <a:endParaRPr sz="2400" dirty="0">
               <a:solidFill>
                 <a:srgbClr val="FFFFFF"/>
               </a:solidFill>
-              <a:latin typeface="Century" panose="02040604050505020304" pitchFamily="18" charset="0"/>
-              <a:cs typeface="Adobe Hebrew" panose="02040503050201020203" pitchFamily="18" charset="-79"/>
+              <a:latin typeface="Calibri" panose="020F0502020204030204" pitchFamily="34" charset="0"/>
+              <a:cs typeface="Calibri" panose="020F0502020204030204" pitchFamily="34" charset="0"/>
             </a:endParaRPr>
           </a:p>
         </p:txBody>
@@ -3126,104 +3133,6 @@
       </p:pic>
       <p:sp>
         <p:nvSpPr>
-          <p:cNvPr id="208" name="Shape 208"/>
-          <p:cNvSpPr/>
-          <p:nvPr/>
-        </p:nvSpPr>
-        <p:spPr>
-          <a:xfrm>
-            <a:off x="0" y="-2479"/>
-            <a:ext cx="9144000" cy="774098"/>
-          </a:xfrm>
-          <a:prstGeom prst="rect">
-            <a:avLst/>
-          </a:prstGeom>
-          <a:solidFill>
-            <a:srgbClr val="9A0014"/>
-          </a:solidFill>
-          <a:ln w="12700">
-            <a:miter lim="400000"/>
-          </a:ln>
-        </p:spPr>
-        <p:txBody>
-          <a:bodyPr lIns="0" tIns="0" rIns="0" bIns="0" anchor="ctr"/>
-          <a:lstStyle/>
-          <a:p>
-            <a:pPr lvl="0" algn="ctr">
-              <a:defRPr>
-                <a:solidFill>
-                  <a:srgbClr val="FFFFFF"/>
-                </a:solidFill>
-              </a:defRPr>
-            </a:pPr>
-            <a:r>
-              <a:rPr lang="it-IT" sz="2800" dirty="0">
-                <a:latin typeface="Century" panose="02040604050505020304" pitchFamily="18" charset="0"/>
-              </a:rPr>
-              <a:t>L’azienda ospitante</a:t>
-            </a:r>
-            <a:endParaRPr sz="2800" dirty="0">
-              <a:latin typeface="Century" panose="02040604050505020304" pitchFamily="18" charset="0"/>
-            </a:endParaRPr>
-          </a:p>
-        </p:txBody>
-      </p:sp>
-      <p:pic>
-        <p:nvPicPr>
-          <p:cNvPr id="209" name="image4.png"/>
-          <p:cNvPicPr/>
-          <p:nvPr/>
-        </p:nvPicPr>
-        <p:blipFill>
-          <a:blip r:embed="rId3">
-            <a:extLst/>
-          </a:blip>
-          <a:stretch>
-            <a:fillRect/>
-          </a:stretch>
-        </p:blipFill>
-        <p:spPr>
-          <a:xfrm>
-            <a:off x="0" y="6278231"/>
-            <a:ext cx="9144000" cy="541669"/>
-          </a:xfrm>
-          <a:prstGeom prst="rect">
-            <a:avLst/>
-          </a:prstGeom>
-          <a:ln w="12700">
-            <a:miter lim="400000"/>
-          </a:ln>
-        </p:spPr>
-      </p:pic>
-      <p:pic>
-        <p:nvPicPr>
-          <p:cNvPr id="210" name="image5.png"/>
-          <p:cNvPicPr/>
-          <p:nvPr/>
-        </p:nvPicPr>
-        <p:blipFill>
-          <a:blip r:embed="rId4">
-            <a:extLst/>
-          </a:blip>
-          <a:stretch>
-            <a:fillRect/>
-          </a:stretch>
-        </p:blipFill>
-        <p:spPr>
-          <a:xfrm>
-            <a:off x="7340292" y="18533"/>
-            <a:ext cx="1619558" cy="724175"/>
-          </a:xfrm>
-          <a:prstGeom prst="rect">
-            <a:avLst/>
-          </a:prstGeom>
-          <a:ln w="12700">
-            <a:miter lim="400000"/>
-          </a:ln>
-        </p:spPr>
-      </p:pic>
-      <p:sp>
-        <p:nvSpPr>
           <p:cNvPr id="211" name="Shape 211"/>
           <p:cNvSpPr>
             <a:spLocks noGrp="1"/>
@@ -3242,7 +3151,7 @@
           </a:prstGeom>
           <a:extLst>
             <a:ext uri="{C572A759-6A51-4108-AA02-DFA0A04FC94B}">
-              <ma14:wrappingTextBoxFlag xmlns:ma14="http://schemas.microsoft.com/office/mac/drawingml/2011/main" xmlns="" val="1"/>
+              <ma14:wrappingTextBoxFlag xmlns="" xmlns:ma14="http://schemas.microsoft.com/office/mac/drawingml/2011/main" val="1"/>
             </a:ext>
           </a:extLst>
         </p:spPr>
@@ -3268,13 +3177,21 @@
               </a:defRPr>
             </a:pPr>
             <a:fld id="{86CB4B4D-7CA3-9044-876B-883B54F8677D}" type="slidenum">
-              <a:rPr sz="2000">
+              <a:rPr sz="2000" smtClean="0">
                 <a:solidFill>
                   <a:srgbClr val="FFFFFF"/>
                 </a:solidFill>
               </a:rPr>
               <a:t>2</a:t>
             </a:fld>
+            <a:r>
+              <a:rPr lang="it-IT" sz="2000" dirty="0">
+                <a:solidFill>
+                  <a:srgbClr val="FFFFFF"/>
+                </a:solidFill>
+              </a:rPr>
+              <a:t> di 7</a:t>
+            </a:r>
             <a:endParaRPr sz="2000" dirty="0">
               <a:solidFill>
                 <a:srgbClr val="FFFFFF"/>
@@ -3302,7 +3219,7 @@
           </a:ln>
           <a:extLst>
             <a:ext uri="{C572A759-6A51-4108-AA02-DFA0A04FC94B}">
-              <ma14:wrappingTextBoxFlag xmlns:ma14="http://schemas.microsoft.com/office/mac/drawingml/2011/main" xmlns="" val="1"/>
+              <ma14:wrappingTextBoxFlag xmlns="" xmlns:ma14="http://schemas.microsoft.com/office/mac/drawingml/2011/main" val="1"/>
             </a:ext>
           </a:extLst>
         </p:spPr>
@@ -3335,42 +3252,6 @@
           </a:p>
         </p:txBody>
       </p:sp>
-      <p:pic>
-        <p:nvPicPr>
-          <p:cNvPr id="3" name="Immagine 2">
-            <a:extLst>
-              <a:ext uri="{FF2B5EF4-FFF2-40B4-BE49-F238E27FC236}">
-                <a16:creationId xmlns:a16="http://schemas.microsoft.com/office/drawing/2014/main" id="{3C84FFE4-A722-4AB7-A529-346C99D6FC97}"/>
-              </a:ext>
-            </a:extLst>
-          </p:cNvPr>
-          <p:cNvPicPr>
-            <a:picLocks noChangeAspect="1"/>
-          </p:cNvPicPr>
-          <p:nvPr/>
-        </p:nvPicPr>
-        <p:blipFill>
-          <a:blip r:embed="rId5" cstate="print">
-            <a:extLst>
-              <a:ext uri="{28A0092B-C50C-407E-A947-70E740481C1C}">
-                <a14:useLocalDpi xmlns:a14="http://schemas.microsoft.com/office/drawing/2010/main" val="0"/>
-              </a:ext>
-            </a:extLst>
-          </a:blip>
-          <a:stretch>
-            <a:fillRect/>
-          </a:stretch>
-        </p:blipFill>
-        <p:spPr>
-          <a:xfrm>
-            <a:off x="4389122" y="850684"/>
-            <a:ext cx="4320540" cy="4320540"/>
-          </a:xfrm>
-          <a:prstGeom prst="rect">
-            <a:avLst/>
-          </a:prstGeom>
-        </p:spPr>
-      </p:pic>
       <p:sp>
         <p:nvSpPr>
           <p:cNvPr id="13" name="Shape 52">
@@ -3385,8 +3266,8 @@
         </p:nvSpPr>
         <p:spPr>
           <a:xfrm>
-            <a:off x="434338" y="1056573"/>
-            <a:ext cx="3954784" cy="3908762"/>
+            <a:off x="920551" y="1403990"/>
+            <a:ext cx="5994598" cy="4050019"/>
           </a:xfrm>
           <a:prstGeom prst="rect">
             <a:avLst/>
@@ -3396,7 +3277,7 @@
           </a:ln>
           <a:extLst>
             <a:ext uri="{C572A759-6A51-4108-AA02-DFA0A04FC94B}">
-              <ma14:wrappingTextBoxFlag xmlns:ma14="http://schemas.microsoft.com/office/mac/drawingml/2011/main" xmlns="" val="1"/>
+              <ma14:wrappingTextBoxFlag xmlns="" xmlns:ma14="http://schemas.microsoft.com/office/mac/drawingml/2011/main" val="1"/>
             </a:ext>
           </a:extLst>
         </p:spPr>
@@ -3406,220 +3287,568 @@
           </a:bodyPr>
           <a:lstStyle/>
           <a:p>
-            <a:pPr lvl="0" algn="l"/>
-            <a:r>
-              <a:rPr lang="it-IT" sz="3200" b="1" dirty="0">
+            <a:pPr marL="571500" lvl="0" indent="-571500" algn="l">
+              <a:lnSpc>
+                <a:spcPct val="150000"/>
+              </a:lnSpc>
+              <a:buClr>
+                <a:srgbClr val="9A0014"/>
+              </a:buClr>
+              <a:buSzPct val="95000"/>
+              <a:buFont typeface="Wingdings" panose="05000000000000000000" pitchFamily="2" charset="2"/>
+              <a:buChar char="Ø"/>
+            </a:pPr>
+            <a:r>
+              <a:rPr lang="it-IT" sz="4400" b="1" dirty="0">
                 <a:solidFill>
                   <a:schemeClr val="tx1"/>
                 </a:solidFill>
                 <a:latin typeface="Calibri" panose="020F0502020204030204" pitchFamily="34" charset="0"/>
                 <a:cs typeface="Calibri" panose="020F0502020204030204" pitchFamily="34" charset="0"/>
               </a:rPr>
-              <a:t>Mercati d’interesse</a:t>
-            </a:r>
-          </a:p>
-          <a:p>
-            <a:pPr marL="228600" lvl="0" indent="-228600" algn="l">
-              <a:buFont typeface="Arial" panose="020B0604020202020204" pitchFamily="34" charset="0"/>
-              <a:buChar char="•"/>
-            </a:pPr>
-            <a:r>
-              <a:rPr lang="it-IT" b="1" dirty="0">
+              <a:t>L’azienda</a:t>
+            </a:r>
+          </a:p>
+          <a:p>
+            <a:pPr marL="571500" lvl="0" indent="-571500" algn="l">
+              <a:lnSpc>
+                <a:spcPct val="150000"/>
+              </a:lnSpc>
+              <a:buClr>
+                <a:srgbClr val="9A0014"/>
+              </a:buClr>
+              <a:buSzPct val="95000"/>
+              <a:buFont typeface="Wingdings" panose="05000000000000000000" pitchFamily="2" charset="2"/>
+              <a:buChar char="Ø"/>
+            </a:pPr>
+            <a:r>
+              <a:rPr lang="it-IT" sz="4400" b="1" dirty="0">
                 <a:solidFill>
                   <a:schemeClr val="tx1"/>
                 </a:solidFill>
                 <a:latin typeface="Calibri" panose="020F0502020204030204" pitchFamily="34" charset="0"/>
                 <a:cs typeface="Calibri" panose="020F0502020204030204" pitchFamily="34" charset="0"/>
               </a:rPr>
-              <a:t>RETAIL</a:t>
-            </a:r>
-          </a:p>
-          <a:p>
-            <a:pPr marL="228600" lvl="0" indent="-228600" algn="l">
-              <a:buFont typeface="Arial" panose="020B0604020202020204" pitchFamily="34" charset="0"/>
-              <a:buChar char="•"/>
-            </a:pPr>
-            <a:r>
-              <a:rPr lang="it-IT" b="1" dirty="0">
+              <a:t>Il progetto aziendale</a:t>
+            </a:r>
+          </a:p>
+          <a:p>
+            <a:pPr marL="571500" lvl="0" indent="-571500" algn="l">
+              <a:lnSpc>
+                <a:spcPct val="150000"/>
+              </a:lnSpc>
+              <a:buClr>
+                <a:srgbClr val="9A0014"/>
+              </a:buClr>
+              <a:buSzPct val="95000"/>
+              <a:buFont typeface="Wingdings" panose="05000000000000000000" pitchFamily="2" charset="2"/>
+              <a:buChar char="Ø"/>
+            </a:pPr>
+            <a:r>
+              <a:rPr lang="it-IT" sz="4400" b="1" dirty="0">
                 <a:solidFill>
                   <a:schemeClr val="tx1"/>
                 </a:solidFill>
                 <a:latin typeface="Calibri" panose="020F0502020204030204" pitchFamily="34" charset="0"/>
                 <a:cs typeface="Calibri" panose="020F0502020204030204" pitchFamily="34" charset="0"/>
               </a:rPr>
-              <a:t>FASHION &amp; LUXURY</a:t>
-            </a:r>
-          </a:p>
-          <a:p>
-            <a:pPr marL="228600" lvl="0" indent="-228600" algn="l">
-              <a:buFont typeface="Arial" panose="020B0604020202020204" pitchFamily="34" charset="0"/>
-              <a:buChar char="•"/>
-            </a:pPr>
-            <a:r>
-              <a:rPr lang="it-IT" b="1" dirty="0">
+              <a:t>Il progetto di Stage</a:t>
+            </a:r>
+          </a:p>
+          <a:p>
+            <a:pPr marL="571500" lvl="0" indent="-571500" algn="l">
+              <a:lnSpc>
+                <a:spcPct val="150000"/>
+              </a:lnSpc>
+              <a:buClr>
+                <a:srgbClr val="9A0014"/>
+              </a:buClr>
+              <a:buSzPct val="95000"/>
+              <a:buFont typeface="Wingdings" panose="05000000000000000000" pitchFamily="2" charset="2"/>
+              <a:buChar char="Ø"/>
+            </a:pPr>
+            <a:r>
+              <a:rPr lang="it-IT" sz="4400" b="1" dirty="0">
                 <a:solidFill>
                   <a:schemeClr val="tx1"/>
                 </a:solidFill>
                 <a:latin typeface="Calibri" panose="020F0502020204030204" pitchFamily="34" charset="0"/>
                 <a:cs typeface="Calibri" panose="020F0502020204030204" pitchFamily="34" charset="0"/>
               </a:rPr>
-              <a:t>MANUFACTURING</a:t>
-            </a:r>
-          </a:p>
-          <a:p>
-            <a:pPr marL="228600" lvl="0" indent="-228600" algn="l">
-              <a:buFont typeface="Arial" panose="020B0604020202020204" pitchFamily="34" charset="0"/>
-              <a:buChar char="•"/>
-            </a:pPr>
-            <a:r>
-              <a:rPr lang="it-IT" b="1" dirty="0">
-                <a:solidFill>
-                  <a:schemeClr val="tx1"/>
-                </a:solidFill>
-                <a:latin typeface="Calibri" panose="020F0502020204030204" pitchFamily="34" charset="0"/>
-                <a:cs typeface="Calibri" panose="020F0502020204030204" pitchFamily="34" charset="0"/>
-              </a:rPr>
-              <a:t>BANKING</a:t>
-            </a:r>
-          </a:p>
-          <a:p>
-            <a:pPr marL="228600" lvl="0" indent="-228600" algn="l">
-              <a:buFont typeface="Arial" panose="020B0604020202020204" pitchFamily="34" charset="0"/>
-              <a:buChar char="•"/>
-            </a:pPr>
-            <a:r>
-              <a:rPr lang="it-IT" b="1" dirty="0">
-                <a:solidFill>
-                  <a:schemeClr val="tx1"/>
-                </a:solidFill>
-                <a:latin typeface="Calibri" panose="020F0502020204030204" pitchFamily="34" charset="0"/>
-                <a:cs typeface="Calibri" panose="020F0502020204030204" pitchFamily="34" charset="0"/>
-              </a:rPr>
-              <a:t>ENERGY</a:t>
-            </a:r>
-          </a:p>
-          <a:p>
-            <a:pPr marL="228600" lvl="0" indent="-228600" algn="l">
-              <a:buFont typeface="Arial" panose="020B0604020202020204" pitchFamily="34" charset="0"/>
-              <a:buChar char="•"/>
-            </a:pPr>
-            <a:r>
-              <a:rPr lang="it-IT" b="1" dirty="0">
-                <a:solidFill>
-                  <a:schemeClr val="tx1"/>
-                </a:solidFill>
-                <a:latin typeface="Calibri" panose="020F0502020204030204" pitchFamily="34" charset="0"/>
-                <a:cs typeface="Calibri" panose="020F0502020204030204" pitchFamily="34" charset="0"/>
-              </a:rPr>
-              <a:t>SETTORE PUBBLICO</a:t>
-            </a:r>
-          </a:p>
-          <a:p>
-            <a:pPr marL="228600" lvl="0" indent="-228600" algn="l">
-              <a:buFont typeface="Arial" panose="020B0604020202020204" pitchFamily="34" charset="0"/>
-              <a:buChar char="•"/>
-            </a:pPr>
-            <a:r>
-              <a:rPr lang="it-IT" b="1" dirty="0">
-                <a:solidFill>
-                  <a:schemeClr val="tx1"/>
-                </a:solidFill>
-                <a:latin typeface="Calibri" panose="020F0502020204030204" pitchFamily="34" charset="0"/>
-                <a:cs typeface="Calibri" panose="020F0502020204030204" pitchFamily="34" charset="0"/>
-              </a:rPr>
-              <a:t>TELECOM</a:t>
-            </a:r>
-          </a:p>
-          <a:p>
-            <a:pPr marL="228600" lvl="0" indent="-228600" algn="l">
-              <a:buFont typeface="Arial" panose="020B0604020202020204" pitchFamily="34" charset="0"/>
-              <a:buChar char="•"/>
-            </a:pPr>
-            <a:r>
-              <a:rPr lang="it-IT" b="1" dirty="0">
-                <a:solidFill>
-                  <a:schemeClr val="tx1"/>
-                </a:solidFill>
-                <a:latin typeface="Calibri" panose="020F0502020204030204" pitchFamily="34" charset="0"/>
-                <a:cs typeface="Calibri" panose="020F0502020204030204" pitchFamily="34" charset="0"/>
-              </a:rPr>
-              <a:t>AEROSPACE</a:t>
-            </a:r>
-          </a:p>
-          <a:p>
-            <a:pPr marL="228600" lvl="0" indent="-228600" algn="l">
-              <a:buFont typeface="Arial" panose="020B0604020202020204" pitchFamily="34" charset="0"/>
-              <a:buChar char="•"/>
-            </a:pPr>
-            <a:r>
-              <a:rPr lang="it-IT" b="1" dirty="0">
-                <a:solidFill>
-                  <a:schemeClr val="tx1"/>
-                </a:solidFill>
-                <a:latin typeface="Calibri" panose="020F0502020204030204" pitchFamily="34" charset="0"/>
-                <a:cs typeface="Calibri" panose="020F0502020204030204" pitchFamily="34" charset="0"/>
-              </a:rPr>
-              <a:t>DIFESA</a:t>
-            </a:r>
-          </a:p>
-          <a:p>
-            <a:pPr marL="228600" lvl="0" indent="-228600" algn="l">
-              <a:buFont typeface="Arial" panose="020B0604020202020204" pitchFamily="34" charset="0"/>
-              <a:buChar char="•"/>
-            </a:pPr>
-            <a:r>
-              <a:rPr lang="it-IT" b="1" dirty="0">
-                <a:solidFill>
-                  <a:schemeClr val="tx1"/>
-                </a:solidFill>
-                <a:latin typeface="Calibri" panose="020F0502020204030204" pitchFamily="34" charset="0"/>
-                <a:cs typeface="Calibri" panose="020F0502020204030204" pitchFamily="34" charset="0"/>
-              </a:rPr>
-              <a:t>TRASPORTI</a:t>
-            </a:r>
-          </a:p>
-          <a:p>
-            <a:pPr marL="228600" lvl="0" indent="-228600" algn="l">
-              <a:buFont typeface="Arial" panose="020B0604020202020204" pitchFamily="34" charset="0"/>
-              <a:buChar char="•"/>
-            </a:pPr>
-            <a:r>
-              <a:rPr lang="it-IT" b="1" dirty="0">
-                <a:solidFill>
-                  <a:schemeClr val="tx1"/>
-                </a:solidFill>
-                <a:latin typeface="Calibri" panose="020F0502020204030204" pitchFamily="34" charset="0"/>
-                <a:cs typeface="Calibri" panose="020F0502020204030204" pitchFamily="34" charset="0"/>
-              </a:rPr>
-              <a:t>INSURANCE &amp; SOCIAL</a:t>
-            </a:r>
-          </a:p>
-          <a:p>
-            <a:pPr marL="228600" lvl="0" indent="-228600" algn="l">
-              <a:buFont typeface="Arial" panose="020B0604020202020204" pitchFamily="34" charset="0"/>
-              <a:buChar char="•"/>
-            </a:pPr>
-            <a:r>
-              <a:rPr lang="it-IT" b="1" dirty="0">
-                <a:solidFill>
-                  <a:schemeClr val="tx1"/>
-                </a:solidFill>
-                <a:latin typeface="Calibri" panose="020F0502020204030204" pitchFamily="34" charset="0"/>
-                <a:cs typeface="Calibri" panose="020F0502020204030204" pitchFamily="34" charset="0"/>
-              </a:rPr>
-              <a:t>SICUREZZA DELLO STATO</a:t>
-            </a:r>
-            <a:endParaRPr b="1" dirty="0">
-              <a:solidFill>
-                <a:schemeClr val="tx1"/>
-              </a:solidFill>
+              <a:t>I risultati</a:t>
+            </a:r>
+          </a:p>
+        </p:txBody>
+      </p:sp>
+      <p:sp>
+        <p:nvSpPr>
+          <p:cNvPr id="11" name="Shape 211">
+            <a:extLst>
+              <a:ext uri="{FF2B5EF4-FFF2-40B4-BE49-F238E27FC236}">
+                <a16:creationId xmlns:a16="http://schemas.microsoft.com/office/drawing/2014/main" id="{3DE94BEB-68CF-41CE-9B84-0609197C03A5}"/>
+              </a:ext>
+            </a:extLst>
+          </p:cNvPr>
+          <p:cNvSpPr txBox="1">
+            <a:spLocks/>
+          </p:cNvSpPr>
+          <p:nvPr/>
+        </p:nvSpPr>
+        <p:spPr>
+          <a:xfrm>
+            <a:off x="8465707" y="6474459"/>
+            <a:ext cx="678293" cy="383541"/>
+          </a:xfrm>
+          <a:prstGeom prst="rect">
+            <a:avLst/>
+          </a:prstGeom>
+          <a:ln w="12700">
+            <a:miter lim="400000"/>
+          </a:ln>
+          <a:extLst>
+            <a:ext uri="{C572A759-6A51-4108-AA02-DFA0A04FC94B}">
+              <ma14:wrappingTextBoxFlag xmlns="" xmlns:ma14="http://schemas.microsoft.com/office/mac/drawingml/2011/main" val="1"/>
+            </a:ext>
+          </a:extLst>
+        </p:spPr>
+        <p:txBody>
+          <a:bodyPr lIns="0" tIns="0" rIns="0" bIns="0" anchor="ctr">
+            <a:normAutofit/>
+          </a:bodyPr>
+          <a:lstStyle>
+            <a:lvl1pPr algn="r">
+              <a:defRPr sz="2000">
+                <a:solidFill>
+                  <a:srgbClr val="FFFFFF"/>
+                </a:solidFill>
+                <a:latin typeface="Calibri"/>
+                <a:ea typeface="Calibri"/>
+                <a:cs typeface="Calibri"/>
+                <a:sym typeface="Calibri"/>
+              </a:defRPr>
+            </a:lvl1pPr>
+            <a:lvl2pPr indent="457200">
+              <a:defRPr>
+                <a:latin typeface="Calibri"/>
+                <a:ea typeface="Calibri"/>
+                <a:cs typeface="Calibri"/>
+                <a:sym typeface="Calibri"/>
+              </a:defRPr>
+            </a:lvl2pPr>
+            <a:lvl3pPr indent="914400">
+              <a:defRPr>
+                <a:latin typeface="Calibri"/>
+                <a:ea typeface="Calibri"/>
+                <a:cs typeface="Calibri"/>
+                <a:sym typeface="Calibri"/>
+              </a:defRPr>
+            </a:lvl3pPr>
+            <a:lvl4pPr indent="1371600">
+              <a:defRPr>
+                <a:latin typeface="Calibri"/>
+                <a:ea typeface="Calibri"/>
+                <a:cs typeface="Calibri"/>
+                <a:sym typeface="Calibri"/>
+              </a:defRPr>
+            </a:lvl4pPr>
+            <a:lvl5pPr indent="1828800">
+              <a:defRPr>
+                <a:latin typeface="Calibri"/>
+                <a:ea typeface="Calibri"/>
+                <a:cs typeface="Calibri"/>
+                <a:sym typeface="Calibri"/>
+              </a:defRPr>
+            </a:lvl5pPr>
+            <a:lvl6pPr indent="2286000">
+              <a:defRPr>
+                <a:latin typeface="Calibri"/>
+                <a:ea typeface="Calibri"/>
+                <a:cs typeface="Calibri"/>
+                <a:sym typeface="Calibri"/>
+              </a:defRPr>
+            </a:lvl6pPr>
+            <a:lvl7pPr indent="2743200">
+              <a:defRPr>
+                <a:latin typeface="Calibri"/>
+                <a:ea typeface="Calibri"/>
+                <a:cs typeface="Calibri"/>
+                <a:sym typeface="Calibri"/>
+              </a:defRPr>
+            </a:lvl7pPr>
+            <a:lvl8pPr indent="3200400">
+              <a:defRPr>
+                <a:latin typeface="Calibri"/>
+                <a:ea typeface="Calibri"/>
+                <a:cs typeface="Calibri"/>
+                <a:sym typeface="Calibri"/>
+              </a:defRPr>
+            </a:lvl8pPr>
+            <a:lvl9pPr indent="3657600">
+              <a:defRPr>
+                <a:latin typeface="Calibri"/>
+                <a:ea typeface="Calibri"/>
+                <a:cs typeface="Calibri"/>
+                <a:sym typeface="Calibri"/>
+              </a:defRPr>
+            </a:lvl9pPr>
+          </a:lstStyle>
+          <a:p>
+            <a:pPr algn="ctr">
+              <a:defRPr sz="1800">
+                <a:solidFill>
+                  <a:srgbClr val="000000"/>
+                </a:solidFill>
+              </a:defRPr>
+            </a:pPr>
+            <a:fld id="{86CB4B4D-7CA3-9044-876B-883B54F8677D}" type="slidenum">
+              <a:rPr lang="it-IT" sz="2400" smtClean="0">
+                <a:solidFill>
+                  <a:schemeClr val="bg1"/>
+                </a:solidFill>
+                <a:latin typeface="Calibri" panose="020F0502020204030204" pitchFamily="34" charset="0"/>
+                <a:cs typeface="Calibri" panose="020F0502020204030204" pitchFamily="34" charset="0"/>
+              </a:rPr>
+              <a:pPr algn="ctr">
+                <a:defRPr sz="1800">
+                  <a:solidFill>
+                    <a:srgbClr val="000000"/>
+                  </a:solidFill>
+                </a:defRPr>
+              </a:pPr>
+              <a:t>2</a:t>
+            </a:fld>
+            <a:r>
+              <a:rPr lang="it-IT" sz="2400" dirty="0">
+                <a:solidFill>
+                  <a:schemeClr val="bg1"/>
+                </a:solidFill>
+                <a:latin typeface="Calibri" panose="020F0502020204030204" pitchFamily="34" charset="0"/>
+                <a:cs typeface="Calibri" panose="020F0502020204030204" pitchFamily="34" charset="0"/>
+              </a:rPr>
+              <a:t> di 9</a:t>
+            </a:r>
+          </a:p>
+        </p:txBody>
+      </p:sp>
+      <p:sp>
+        <p:nvSpPr>
+          <p:cNvPr id="14" name="Shape 208">
+            <a:extLst>
+              <a:ext uri="{FF2B5EF4-FFF2-40B4-BE49-F238E27FC236}">
+                <a16:creationId xmlns:a16="http://schemas.microsoft.com/office/drawing/2014/main" id="{2E924F55-282A-42D0-880B-B8C55DFABA65}"/>
+              </a:ext>
+            </a:extLst>
+          </p:cNvPr>
+          <p:cNvSpPr/>
+          <p:nvPr/>
+        </p:nvSpPr>
+        <p:spPr>
+          <a:xfrm>
+            <a:off x="0" y="-2479"/>
+            <a:ext cx="9144000" cy="774098"/>
+          </a:xfrm>
+          <a:prstGeom prst="rect">
+            <a:avLst/>
+          </a:prstGeom>
+          <a:solidFill>
+            <a:srgbClr val="9A0014"/>
+          </a:solidFill>
+          <a:ln w="12700">
+            <a:miter lim="400000"/>
+          </a:ln>
+        </p:spPr>
+        <p:txBody>
+          <a:bodyPr lIns="0" tIns="0" rIns="0" bIns="0" anchor="ctr"/>
+          <a:lstStyle/>
+          <a:p>
+            <a:pPr lvl="0" algn="ctr">
+              <a:defRPr>
+                <a:solidFill>
+                  <a:srgbClr val="FFFFFF"/>
+                </a:solidFill>
+              </a:defRPr>
+            </a:pPr>
+            <a:r>
+              <a:rPr lang="it-IT" sz="2800" dirty="0">
+                <a:latin typeface="Calibri" panose="020F0502020204030204" pitchFamily="34" charset="0"/>
+                <a:cs typeface="Calibri" panose="020F0502020204030204" pitchFamily="34" charset="0"/>
+              </a:rPr>
+              <a:t>Argomenti</a:t>
+            </a:r>
+            <a:endParaRPr sz="2800" dirty="0">
               <a:latin typeface="Calibri" panose="020F0502020204030204" pitchFamily="34" charset="0"/>
               <a:cs typeface="Calibri" panose="020F0502020204030204" pitchFamily="34" charset="0"/>
             </a:endParaRPr>
           </a:p>
         </p:txBody>
       </p:sp>
+      <p:sp>
+        <p:nvSpPr>
+          <p:cNvPr id="19" name="Shape 208">
+            <a:extLst>
+              <a:ext uri="{FF2B5EF4-FFF2-40B4-BE49-F238E27FC236}">
+                <a16:creationId xmlns:a16="http://schemas.microsoft.com/office/drawing/2014/main" id="{0BB58B8F-77C4-4A43-9A23-BE82C8462C29}"/>
+              </a:ext>
+            </a:extLst>
+          </p:cNvPr>
+          <p:cNvSpPr>
+            <a:spLocks noChangeAspect="1"/>
+          </p:cNvSpPr>
+          <p:nvPr/>
+        </p:nvSpPr>
+        <p:spPr>
+          <a:xfrm>
+            <a:off x="0" y="6426000"/>
+            <a:ext cx="9144000" cy="432000"/>
+          </a:xfrm>
+          <a:prstGeom prst="rect">
+            <a:avLst/>
+          </a:prstGeom>
+          <a:solidFill>
+            <a:srgbClr val="9A0014"/>
+          </a:solidFill>
+          <a:ln w="12700">
+            <a:miter lim="400000"/>
+          </a:ln>
+        </p:spPr>
+        <p:txBody>
+          <a:bodyPr lIns="0" tIns="0" rIns="0" bIns="0" anchor="ctr"/>
+          <a:lstStyle/>
+          <a:p>
+            <a:pPr lvl="0" algn="ctr">
+              <a:defRPr>
+                <a:solidFill>
+                  <a:srgbClr val="FFFFFF"/>
+                </a:solidFill>
+              </a:defRPr>
+            </a:pPr>
+            <a:endParaRPr lang="it-IT" sz="1400" b="1" dirty="0">
+              <a:latin typeface="Calibri" panose="020F0502020204030204" pitchFamily="34" charset="0"/>
+              <a:cs typeface="Calibri" panose="020F0502020204030204" pitchFamily="34" charset="0"/>
+            </a:endParaRPr>
+          </a:p>
+          <a:p>
+            <a:pPr lvl="0" algn="ctr">
+              <a:defRPr>
+                <a:solidFill>
+                  <a:srgbClr val="FFFFFF"/>
+                </a:solidFill>
+              </a:defRPr>
+            </a:pPr>
+            <a:r>
+              <a:rPr lang="it-IT" sz="1400" b="1" dirty="0">
+                <a:latin typeface="Calibri" panose="020F0502020204030204" pitchFamily="34" charset="0"/>
+                <a:cs typeface="Calibri" panose="020F0502020204030204" pitchFamily="34" charset="0"/>
+              </a:rPr>
+              <a:t>Abdelilah Lahmer - Meccanismi di programmazione back-end e analisi in ambito bancario</a:t>
+            </a:r>
+          </a:p>
+          <a:p>
+            <a:pPr lvl="0" algn="ctr">
+              <a:defRPr>
+                <a:solidFill>
+                  <a:srgbClr val="FFFFFF"/>
+                </a:solidFill>
+              </a:defRPr>
+            </a:pPr>
+            <a:endParaRPr sz="1400" b="1" dirty="0">
+              <a:latin typeface="Calibri" panose="020F0502020204030204" pitchFamily="34" charset="0"/>
+              <a:cs typeface="Calibri" panose="020F0502020204030204" pitchFamily="34" charset="0"/>
+            </a:endParaRPr>
+          </a:p>
+        </p:txBody>
+      </p:sp>
+      <p:pic>
+        <p:nvPicPr>
+          <p:cNvPr id="20" name="image5.png">
+            <a:extLst>
+              <a:ext uri="{FF2B5EF4-FFF2-40B4-BE49-F238E27FC236}">
+                <a16:creationId xmlns:a16="http://schemas.microsoft.com/office/drawing/2014/main" id="{517D4206-94CC-4948-8229-726CC8C0E47F}"/>
+              </a:ext>
+            </a:extLst>
+          </p:cNvPr>
+          <p:cNvPicPr>
+            <a:picLocks noChangeAspect="1"/>
+          </p:cNvPicPr>
+          <p:nvPr/>
+        </p:nvPicPr>
+        <p:blipFill>
+          <a:blip r:embed="rId3">
+            <a:extLst/>
+          </a:blip>
+          <a:stretch>
+            <a:fillRect/>
+          </a:stretch>
+        </p:blipFill>
+        <p:spPr>
+          <a:xfrm>
+            <a:off x="0" y="6426000"/>
+            <a:ext cx="966133" cy="432000"/>
+          </a:xfrm>
+          <a:prstGeom prst="rect">
+            <a:avLst/>
+          </a:prstGeom>
+          <a:ln w="12700">
+            <a:miter lim="400000"/>
+          </a:ln>
+        </p:spPr>
+      </p:pic>
+      <p:sp>
+        <p:nvSpPr>
+          <p:cNvPr id="21" name="Shape 211">
+            <a:extLst>
+              <a:ext uri="{FF2B5EF4-FFF2-40B4-BE49-F238E27FC236}">
+                <a16:creationId xmlns:a16="http://schemas.microsoft.com/office/drawing/2014/main" id="{31518F34-CD05-4129-B17D-B31C49FA0BEE}"/>
+              </a:ext>
+            </a:extLst>
+          </p:cNvPr>
+          <p:cNvSpPr txBox="1">
+            <a:spLocks/>
+          </p:cNvSpPr>
+          <p:nvPr/>
+        </p:nvSpPr>
+        <p:spPr>
+          <a:xfrm>
+            <a:off x="8117059" y="6426000"/>
+            <a:ext cx="1026941" cy="432000"/>
+          </a:xfrm>
+          <a:prstGeom prst="rect">
+            <a:avLst/>
+          </a:prstGeom>
+          <a:ln w="12700">
+            <a:miter lim="400000"/>
+          </a:ln>
+          <a:extLst>
+            <a:ext uri="{C572A759-6A51-4108-AA02-DFA0A04FC94B}">
+              <ma14:wrappingTextBoxFlag xmlns="" xmlns:ma14="http://schemas.microsoft.com/office/mac/drawingml/2011/main" val="1"/>
+            </a:ext>
+          </a:extLst>
+        </p:spPr>
+        <p:txBody>
+          <a:bodyPr lIns="0" tIns="0" rIns="0" bIns="0" anchor="ctr">
+            <a:normAutofit/>
+          </a:bodyPr>
+          <a:lstStyle>
+            <a:lvl1pPr algn="r">
+              <a:defRPr sz="2000">
+                <a:solidFill>
+                  <a:srgbClr val="FFFFFF"/>
+                </a:solidFill>
+                <a:latin typeface="Calibri"/>
+                <a:ea typeface="Calibri"/>
+                <a:cs typeface="Calibri"/>
+                <a:sym typeface="Calibri"/>
+              </a:defRPr>
+            </a:lvl1pPr>
+            <a:lvl2pPr indent="457200">
+              <a:defRPr>
+                <a:latin typeface="Calibri"/>
+                <a:ea typeface="Calibri"/>
+                <a:cs typeface="Calibri"/>
+                <a:sym typeface="Calibri"/>
+              </a:defRPr>
+            </a:lvl2pPr>
+            <a:lvl3pPr indent="914400">
+              <a:defRPr>
+                <a:latin typeface="Calibri"/>
+                <a:ea typeface="Calibri"/>
+                <a:cs typeface="Calibri"/>
+                <a:sym typeface="Calibri"/>
+              </a:defRPr>
+            </a:lvl3pPr>
+            <a:lvl4pPr indent="1371600">
+              <a:defRPr>
+                <a:latin typeface="Calibri"/>
+                <a:ea typeface="Calibri"/>
+                <a:cs typeface="Calibri"/>
+                <a:sym typeface="Calibri"/>
+              </a:defRPr>
+            </a:lvl4pPr>
+            <a:lvl5pPr indent="1828800">
+              <a:defRPr>
+                <a:latin typeface="Calibri"/>
+                <a:ea typeface="Calibri"/>
+                <a:cs typeface="Calibri"/>
+                <a:sym typeface="Calibri"/>
+              </a:defRPr>
+            </a:lvl5pPr>
+            <a:lvl6pPr indent="2286000">
+              <a:defRPr>
+                <a:latin typeface="Calibri"/>
+                <a:ea typeface="Calibri"/>
+                <a:cs typeface="Calibri"/>
+                <a:sym typeface="Calibri"/>
+              </a:defRPr>
+            </a:lvl6pPr>
+            <a:lvl7pPr indent="2743200">
+              <a:defRPr>
+                <a:latin typeface="Calibri"/>
+                <a:ea typeface="Calibri"/>
+                <a:cs typeface="Calibri"/>
+                <a:sym typeface="Calibri"/>
+              </a:defRPr>
+            </a:lvl7pPr>
+            <a:lvl8pPr indent="3200400">
+              <a:defRPr>
+                <a:latin typeface="Calibri"/>
+                <a:ea typeface="Calibri"/>
+                <a:cs typeface="Calibri"/>
+                <a:sym typeface="Calibri"/>
+              </a:defRPr>
+            </a:lvl8pPr>
+            <a:lvl9pPr indent="3657600">
+              <a:defRPr>
+                <a:latin typeface="Calibri"/>
+                <a:ea typeface="Calibri"/>
+                <a:cs typeface="Calibri"/>
+                <a:sym typeface="Calibri"/>
+              </a:defRPr>
+            </a:lvl9pPr>
+          </a:lstStyle>
+          <a:p>
+            <a:pPr algn="ctr">
+              <a:defRPr sz="1800">
+                <a:solidFill>
+                  <a:srgbClr val="000000"/>
+                </a:solidFill>
+              </a:defRPr>
+            </a:pPr>
+            <a:fld id="{86CB4B4D-7CA3-9044-876B-883B54F8677D}" type="slidenum">
+              <a:rPr lang="it-IT" sz="2400" smtClean="0">
+                <a:solidFill>
+                  <a:schemeClr val="bg1"/>
+                </a:solidFill>
+                <a:latin typeface="Calibri" panose="020F0502020204030204" pitchFamily="34" charset="0"/>
+                <a:cs typeface="Calibri" panose="020F0502020204030204" pitchFamily="34" charset="0"/>
+              </a:rPr>
+              <a:pPr algn="ctr">
+                <a:defRPr sz="1800">
+                  <a:solidFill>
+                    <a:srgbClr val="000000"/>
+                  </a:solidFill>
+                </a:defRPr>
+              </a:pPr>
+              <a:t>2</a:t>
+            </a:fld>
+            <a:r>
+              <a:rPr lang="it-IT" sz="2400" dirty="0">
+                <a:solidFill>
+                  <a:schemeClr val="bg1"/>
+                </a:solidFill>
+                <a:latin typeface="Calibri" panose="020F0502020204030204" pitchFamily="34" charset="0"/>
+                <a:cs typeface="Calibri" panose="020F0502020204030204" pitchFamily="34" charset="0"/>
+              </a:rPr>
+              <a:t> di 9</a:t>
+            </a:r>
+          </a:p>
+        </p:txBody>
+      </p:sp>
     </p:spTree>
+    <p:extLst>
+      <p:ext uri="{BB962C8B-B14F-4D97-AF65-F5344CB8AC3E}">
+        <p14:creationId xmlns:p14="http://schemas.microsoft.com/office/powerpoint/2010/main" val="49214378"/>
+      </p:ext>
+    </p:extLst>
   </p:cSld>
   <p:clrMapOvr>
     <a:masterClrMapping/>
@@ -3672,45 +3901,9 @@
           </a:ln>
         </p:spPr>
       </p:pic>
-      <p:sp>
-        <p:nvSpPr>
-          <p:cNvPr id="208" name="Shape 208"/>
-          <p:cNvSpPr/>
-          <p:nvPr/>
-        </p:nvSpPr>
-        <p:spPr>
-          <a:xfrm>
-            <a:off x="0" y="-2479"/>
-            <a:ext cx="9144000" cy="774098"/>
-          </a:xfrm>
-          <a:prstGeom prst="rect">
-            <a:avLst/>
-          </a:prstGeom>
-          <a:solidFill>
-            <a:srgbClr val="9A0014"/>
-          </a:solidFill>
-          <a:ln w="12700">
-            <a:miter lim="400000"/>
-          </a:ln>
-        </p:spPr>
-        <p:txBody>
-          <a:bodyPr lIns="0" tIns="0" rIns="0" bIns="0" anchor="ctr"/>
-          <a:lstStyle/>
-          <a:p>
-            <a:pPr lvl="0" algn="ctr">
-              <a:defRPr>
-                <a:solidFill>
-                  <a:srgbClr val="FFFFFF"/>
-                </a:solidFill>
-              </a:defRPr>
-            </a:pPr>
-            <a:endParaRPr/>
-          </a:p>
-        </p:txBody>
-      </p:sp>
       <p:pic>
         <p:nvPicPr>
-          <p:cNvPr id="209" name="image4.png"/>
+          <p:cNvPr id="210" name="image5.png"/>
           <p:cNvPicPr/>
           <p:nvPr/>
         </p:nvPicPr>
@@ -3724,33 +3917,6 @@
         </p:blipFill>
         <p:spPr>
           <a:xfrm>
-            <a:off x="12700" y="6316331"/>
-            <a:ext cx="9144000" cy="541669"/>
-          </a:xfrm>
-          <a:prstGeom prst="rect">
-            <a:avLst/>
-          </a:prstGeom>
-          <a:ln w="12700">
-            <a:miter lim="400000"/>
-          </a:ln>
-        </p:spPr>
-      </p:pic>
-      <p:pic>
-        <p:nvPicPr>
-          <p:cNvPr id="210" name="image5.png"/>
-          <p:cNvPicPr/>
-          <p:nvPr/>
-        </p:nvPicPr>
-        <p:blipFill>
-          <a:blip r:embed="rId4">
-            <a:extLst/>
-          </a:blip>
-          <a:stretch>
-            <a:fillRect/>
-          </a:stretch>
-        </p:blipFill>
-        <p:spPr>
-          <a:xfrm>
             <a:off x="7340292" y="18533"/>
             <a:ext cx="1619558" cy="724175"/>
           </a:xfrm>
@@ -3782,7 +3948,7 @@
           </a:prstGeom>
           <a:extLst>
             <a:ext uri="{C572A759-6A51-4108-AA02-DFA0A04FC94B}">
-              <ma14:wrappingTextBoxFlag xmlns:ma14="http://schemas.microsoft.com/office/mac/drawingml/2011/main" xmlns="" val="1"/>
+              <ma14:wrappingTextBoxFlag xmlns="" xmlns:ma14="http://schemas.microsoft.com/office/mac/drawingml/2011/main" val="1"/>
             </a:ext>
           </a:extLst>
         </p:spPr>
@@ -3808,13 +3974,21 @@
               </a:defRPr>
             </a:pPr>
             <a:fld id="{86CB4B4D-7CA3-9044-876B-883B54F8677D}" type="slidenum">
-              <a:rPr sz="2000">
+              <a:rPr sz="2000" smtClean="0">
                 <a:solidFill>
                   <a:srgbClr val="FFFFFF"/>
                 </a:solidFill>
               </a:rPr>
               <a:t>3</a:t>
             </a:fld>
+            <a:r>
+              <a:rPr lang="it-IT" sz="2000" dirty="0">
+                <a:solidFill>
+                  <a:srgbClr val="FFFFFF"/>
+                </a:solidFill>
+              </a:rPr>
+              <a:t> di 7</a:t>
+            </a:r>
             <a:endParaRPr sz="2000" dirty="0">
               <a:solidFill>
                 <a:srgbClr val="FFFFFF"/>
@@ -3842,7 +4016,7 @@
           </a:ln>
           <a:extLst>
             <a:ext uri="{C572A759-6A51-4108-AA02-DFA0A04FC94B}">
-              <ma14:wrappingTextBoxFlag xmlns:ma14="http://schemas.microsoft.com/office/mac/drawingml/2011/main" xmlns="" val="1"/>
+              <ma14:wrappingTextBoxFlag xmlns="" xmlns:ma14="http://schemas.microsoft.com/office/mac/drawingml/2011/main" val="1"/>
             </a:ext>
           </a:extLst>
         </p:spPr>
@@ -3875,12 +4049,48 @@
           </a:p>
         </p:txBody>
       </p:sp>
+      <p:pic>
+        <p:nvPicPr>
+          <p:cNvPr id="3" name="Immagine 2">
+            <a:extLst>
+              <a:ext uri="{FF2B5EF4-FFF2-40B4-BE49-F238E27FC236}">
+                <a16:creationId xmlns:a16="http://schemas.microsoft.com/office/drawing/2014/main" id="{3C84FFE4-A722-4AB7-A529-346C99D6FC97}"/>
+              </a:ext>
+            </a:extLst>
+          </p:cNvPr>
+          <p:cNvPicPr>
+            <a:picLocks noChangeAspect="1"/>
+          </p:cNvPicPr>
+          <p:nvPr/>
+        </p:nvPicPr>
+        <p:blipFill>
+          <a:blip r:embed="rId4" cstate="print">
+            <a:extLst>
+              <a:ext uri="{28A0092B-C50C-407E-A947-70E740481C1C}">
+                <a14:useLocalDpi xmlns:a14="http://schemas.microsoft.com/office/drawing/2010/main" val="0"/>
+              </a:ext>
+            </a:extLst>
+          </a:blip>
+          <a:stretch>
+            <a:fillRect/>
+          </a:stretch>
+        </p:blipFill>
+        <p:spPr>
+          <a:xfrm>
+            <a:off x="4754880" y="1268730"/>
+            <a:ext cx="4320540" cy="4320540"/>
+          </a:xfrm>
+          <a:prstGeom prst="rect">
+            <a:avLst/>
+          </a:prstGeom>
+        </p:spPr>
+      </p:pic>
       <p:sp>
         <p:nvSpPr>
-          <p:cNvPr id="10" name="Shape 52">
+          <p:cNvPr id="13" name="Shape 52">
             <a:extLst>
               <a:ext uri="{FF2B5EF4-FFF2-40B4-BE49-F238E27FC236}">
-                <a16:creationId xmlns:a16="http://schemas.microsoft.com/office/drawing/2014/main" id="{87E00A72-7B10-4890-9E95-A684EF94C906}"/>
+                <a16:creationId xmlns:a16="http://schemas.microsoft.com/office/drawing/2014/main" id="{9ECC361E-3151-4250-8158-91BDA0F0F496}"/>
               </a:ext>
             </a:extLst>
           </p:cNvPr>
@@ -3889,8 +4099,8 @@
         </p:nvSpPr>
         <p:spPr>
           <a:xfrm>
-            <a:off x="1282895" y="2459504"/>
-            <a:ext cx="6578209" cy="1938992"/>
+            <a:off x="434337" y="804938"/>
+            <a:ext cx="3954784" cy="5509200"/>
           </a:xfrm>
           <a:prstGeom prst="rect">
             <a:avLst/>
@@ -3900,7 +4110,7 @@
           </a:ln>
           <a:extLst>
             <a:ext uri="{C572A759-6A51-4108-AA02-DFA0A04FC94B}">
-              <ma14:wrappingTextBoxFlag xmlns:ma14="http://schemas.microsoft.com/office/mac/drawingml/2011/main" xmlns="" val="1"/>
+              <ma14:wrappingTextBoxFlag xmlns="" xmlns:ma14="http://schemas.microsoft.com/office/mac/drawingml/2011/main" val="1"/>
             </a:ext>
           </a:extLst>
         </p:spPr>
@@ -3910,44 +4120,21 @@
           </a:bodyPr>
           <a:lstStyle/>
           <a:p>
-            <a:pPr lvl="0" algn="ctr"/>
-            <a:r>
-              <a:rPr lang="it-IT" sz="4000" b="1" dirty="0">
+            <a:pPr lvl="0" algn="l"/>
+            <a:r>
+              <a:rPr lang="it-IT" sz="3200" b="1" dirty="0">
                 <a:solidFill>
                   <a:schemeClr val="tx1"/>
                 </a:solidFill>
                 <a:latin typeface="Calibri" panose="020F0502020204030204" pitchFamily="34" charset="0"/>
                 <a:cs typeface="Calibri" panose="020F0502020204030204" pitchFamily="34" charset="0"/>
               </a:rPr>
-              <a:t>GRAZIE</a:t>
-            </a:r>
-          </a:p>
-          <a:p>
-            <a:pPr lvl="0" algn="ctr"/>
-            <a:r>
-              <a:rPr lang="it-IT" sz="4000" b="1" dirty="0">
-                <a:solidFill>
-                  <a:schemeClr val="tx1"/>
-                </a:solidFill>
-                <a:latin typeface="Calibri" panose="020F0502020204030204" pitchFamily="34" charset="0"/>
-                <a:cs typeface="Calibri" panose="020F0502020204030204" pitchFamily="34" charset="0"/>
-              </a:rPr>
-              <a:t>PER</a:t>
-            </a:r>
-          </a:p>
-          <a:p>
-            <a:pPr lvl="0" algn="ctr"/>
-            <a:r>
-              <a:rPr lang="it-IT" sz="4000" b="1" dirty="0">
-                <a:solidFill>
-                  <a:schemeClr val="tx1"/>
-                </a:solidFill>
-                <a:latin typeface="Calibri" panose="020F0502020204030204" pitchFamily="34" charset="0"/>
-                <a:cs typeface="Calibri" panose="020F0502020204030204" pitchFamily="34" charset="0"/>
-              </a:rPr>
-              <a:t>L’ATTENZIONE!</a:t>
-            </a:r>
-            <a:endParaRPr sz="4000" b="1" dirty="0">
+              <a:t>Mercati d’interesse</a:t>
+            </a:r>
+          </a:p>
+          <a:p>
+            <a:pPr lvl="0" algn="l"/>
+            <a:endParaRPr lang="it-IT" sz="3200" b="1" dirty="0">
               <a:solidFill>
                 <a:schemeClr val="tx1"/>
               </a:solidFill>
@@ -3955,12 +4142,5956 @@
               <a:cs typeface="Calibri" panose="020F0502020204030204" pitchFamily="34" charset="0"/>
             </a:endParaRPr>
           </a:p>
+          <a:p>
+            <a:pPr marL="285750" lvl="0" indent="-285750" algn="l">
+              <a:buClr>
+                <a:srgbClr val="9A0014"/>
+              </a:buClr>
+              <a:buSzPct val="150000"/>
+              <a:buFont typeface="Wingdings" panose="05000000000000000000" pitchFamily="2" charset="2"/>
+              <a:buChar char="§"/>
+            </a:pPr>
+            <a:r>
+              <a:rPr lang="it-IT" sz="2400" b="1" dirty="0">
+                <a:solidFill>
+                  <a:schemeClr val="tx1"/>
+                </a:solidFill>
+                <a:latin typeface="Calibri" panose="020F0502020204030204" pitchFamily="34" charset="0"/>
+                <a:cs typeface="Calibri" panose="020F0502020204030204" pitchFamily="34" charset="0"/>
+              </a:rPr>
+              <a:t>RETAIL</a:t>
+            </a:r>
+          </a:p>
+          <a:p>
+            <a:pPr marL="285750" lvl="0" indent="-285750" algn="l">
+              <a:buClr>
+                <a:srgbClr val="9A0014"/>
+              </a:buClr>
+              <a:buSzPct val="150000"/>
+              <a:buFont typeface="Wingdings" panose="05000000000000000000" pitchFamily="2" charset="2"/>
+              <a:buChar char="§"/>
+            </a:pPr>
+            <a:r>
+              <a:rPr lang="it-IT" sz="2400" b="1" dirty="0">
+                <a:solidFill>
+                  <a:schemeClr val="tx1"/>
+                </a:solidFill>
+                <a:latin typeface="Calibri" panose="020F0502020204030204" pitchFamily="34" charset="0"/>
+                <a:cs typeface="Calibri" panose="020F0502020204030204" pitchFamily="34" charset="0"/>
+              </a:rPr>
+              <a:t>FASHION &amp; LUXURY</a:t>
+            </a:r>
+          </a:p>
+          <a:p>
+            <a:pPr marL="285750" lvl="0" indent="-285750" algn="l">
+              <a:buClr>
+                <a:srgbClr val="9A0014"/>
+              </a:buClr>
+              <a:buSzPct val="150000"/>
+              <a:buFont typeface="Wingdings" panose="05000000000000000000" pitchFamily="2" charset="2"/>
+              <a:buChar char="§"/>
+            </a:pPr>
+            <a:r>
+              <a:rPr lang="it-IT" sz="2400" b="1" dirty="0">
+                <a:solidFill>
+                  <a:schemeClr val="tx1"/>
+                </a:solidFill>
+                <a:latin typeface="Calibri" panose="020F0502020204030204" pitchFamily="34" charset="0"/>
+                <a:cs typeface="Calibri" panose="020F0502020204030204" pitchFamily="34" charset="0"/>
+              </a:rPr>
+              <a:t>MANUFACTURING</a:t>
+            </a:r>
+          </a:p>
+          <a:p>
+            <a:pPr marL="285750" lvl="0" indent="-285750" algn="l">
+              <a:buClr>
+                <a:srgbClr val="9A0014"/>
+              </a:buClr>
+              <a:buSzPct val="150000"/>
+              <a:buFont typeface="Wingdings" panose="05000000000000000000" pitchFamily="2" charset="2"/>
+              <a:buChar char="§"/>
+            </a:pPr>
+            <a:r>
+              <a:rPr lang="it-IT" sz="2400" b="1" dirty="0">
+                <a:solidFill>
+                  <a:schemeClr val="tx1"/>
+                </a:solidFill>
+                <a:latin typeface="Calibri" panose="020F0502020204030204" pitchFamily="34" charset="0"/>
+                <a:cs typeface="Calibri" panose="020F0502020204030204" pitchFamily="34" charset="0"/>
+              </a:rPr>
+              <a:t>BANKING</a:t>
+            </a:r>
+          </a:p>
+          <a:p>
+            <a:pPr marL="285750" lvl="0" indent="-285750" algn="l">
+              <a:buClr>
+                <a:srgbClr val="9A0014"/>
+              </a:buClr>
+              <a:buSzPct val="150000"/>
+              <a:buFont typeface="Wingdings" panose="05000000000000000000" pitchFamily="2" charset="2"/>
+              <a:buChar char="§"/>
+            </a:pPr>
+            <a:r>
+              <a:rPr lang="it-IT" sz="2400" b="1" dirty="0">
+                <a:solidFill>
+                  <a:schemeClr val="tx1"/>
+                </a:solidFill>
+                <a:latin typeface="Calibri" panose="020F0502020204030204" pitchFamily="34" charset="0"/>
+                <a:cs typeface="Calibri" panose="020F0502020204030204" pitchFamily="34" charset="0"/>
+              </a:rPr>
+              <a:t>ENERGY</a:t>
+            </a:r>
+          </a:p>
+          <a:p>
+            <a:pPr marL="285750" lvl="0" indent="-285750" algn="l">
+              <a:buClr>
+                <a:srgbClr val="9A0014"/>
+              </a:buClr>
+              <a:buSzPct val="150000"/>
+              <a:buFont typeface="Wingdings" panose="05000000000000000000" pitchFamily="2" charset="2"/>
+              <a:buChar char="§"/>
+            </a:pPr>
+            <a:r>
+              <a:rPr lang="it-IT" sz="2400" b="1" dirty="0">
+                <a:solidFill>
+                  <a:schemeClr val="tx1"/>
+                </a:solidFill>
+                <a:latin typeface="Calibri" panose="020F0502020204030204" pitchFamily="34" charset="0"/>
+                <a:cs typeface="Calibri" panose="020F0502020204030204" pitchFamily="34" charset="0"/>
+              </a:rPr>
+              <a:t>SETTORE PUBBLICO</a:t>
+            </a:r>
+          </a:p>
+          <a:p>
+            <a:pPr marL="285750" lvl="0" indent="-285750" algn="l">
+              <a:buClr>
+                <a:srgbClr val="9A0014"/>
+              </a:buClr>
+              <a:buSzPct val="150000"/>
+              <a:buFont typeface="Wingdings" panose="05000000000000000000" pitchFamily="2" charset="2"/>
+              <a:buChar char="§"/>
+            </a:pPr>
+            <a:r>
+              <a:rPr lang="it-IT" sz="2400" b="1" dirty="0">
+                <a:solidFill>
+                  <a:schemeClr val="tx1"/>
+                </a:solidFill>
+                <a:latin typeface="Calibri" panose="020F0502020204030204" pitchFamily="34" charset="0"/>
+                <a:cs typeface="Calibri" panose="020F0502020204030204" pitchFamily="34" charset="0"/>
+              </a:rPr>
+              <a:t>TELECOM</a:t>
+            </a:r>
+          </a:p>
+          <a:p>
+            <a:pPr marL="285750" lvl="0" indent="-285750" algn="l">
+              <a:buClr>
+                <a:srgbClr val="9A0014"/>
+              </a:buClr>
+              <a:buSzPct val="150000"/>
+              <a:buFont typeface="Wingdings" panose="05000000000000000000" pitchFamily="2" charset="2"/>
+              <a:buChar char="§"/>
+            </a:pPr>
+            <a:r>
+              <a:rPr lang="it-IT" sz="2400" b="1" dirty="0">
+                <a:solidFill>
+                  <a:schemeClr val="tx1"/>
+                </a:solidFill>
+                <a:latin typeface="Calibri" panose="020F0502020204030204" pitchFamily="34" charset="0"/>
+                <a:cs typeface="Calibri" panose="020F0502020204030204" pitchFamily="34" charset="0"/>
+              </a:rPr>
+              <a:t>AEROSPACE</a:t>
+            </a:r>
+          </a:p>
+          <a:p>
+            <a:pPr marL="285750" lvl="0" indent="-285750" algn="l">
+              <a:buClr>
+                <a:srgbClr val="9A0014"/>
+              </a:buClr>
+              <a:buSzPct val="150000"/>
+              <a:buFont typeface="Wingdings" panose="05000000000000000000" pitchFamily="2" charset="2"/>
+              <a:buChar char="§"/>
+            </a:pPr>
+            <a:r>
+              <a:rPr lang="it-IT" sz="2400" b="1" dirty="0">
+                <a:solidFill>
+                  <a:schemeClr val="tx1"/>
+                </a:solidFill>
+                <a:latin typeface="Calibri" panose="020F0502020204030204" pitchFamily="34" charset="0"/>
+                <a:cs typeface="Calibri" panose="020F0502020204030204" pitchFamily="34" charset="0"/>
+              </a:rPr>
+              <a:t>DIFESA</a:t>
+            </a:r>
+          </a:p>
+          <a:p>
+            <a:pPr marL="285750" lvl="0" indent="-285750" algn="l">
+              <a:buClr>
+                <a:srgbClr val="9A0014"/>
+              </a:buClr>
+              <a:buSzPct val="150000"/>
+              <a:buFont typeface="Wingdings" panose="05000000000000000000" pitchFamily="2" charset="2"/>
+              <a:buChar char="§"/>
+            </a:pPr>
+            <a:r>
+              <a:rPr lang="it-IT" sz="2400" b="1" dirty="0">
+                <a:solidFill>
+                  <a:schemeClr val="tx1"/>
+                </a:solidFill>
+                <a:latin typeface="Calibri" panose="020F0502020204030204" pitchFamily="34" charset="0"/>
+                <a:cs typeface="Calibri" panose="020F0502020204030204" pitchFamily="34" charset="0"/>
+              </a:rPr>
+              <a:t>TRASPORTI</a:t>
+            </a:r>
+          </a:p>
+          <a:p>
+            <a:pPr marL="285750" lvl="0" indent="-285750" algn="l">
+              <a:buClr>
+                <a:srgbClr val="9A0014"/>
+              </a:buClr>
+              <a:buSzPct val="150000"/>
+              <a:buFont typeface="Wingdings" panose="05000000000000000000" pitchFamily="2" charset="2"/>
+              <a:buChar char="§"/>
+            </a:pPr>
+            <a:r>
+              <a:rPr lang="it-IT" sz="2400" b="1" dirty="0">
+                <a:solidFill>
+                  <a:schemeClr val="tx1"/>
+                </a:solidFill>
+                <a:latin typeface="Calibri" panose="020F0502020204030204" pitchFamily="34" charset="0"/>
+                <a:cs typeface="Calibri" panose="020F0502020204030204" pitchFamily="34" charset="0"/>
+              </a:rPr>
+              <a:t>INSURANCE &amp; SOCIAL</a:t>
+            </a:r>
+          </a:p>
+          <a:p>
+            <a:pPr marL="285750" lvl="0" indent="-285750" algn="l">
+              <a:buClr>
+                <a:srgbClr val="9A0014"/>
+              </a:buClr>
+              <a:buSzPct val="150000"/>
+              <a:buFont typeface="Wingdings" panose="05000000000000000000" pitchFamily="2" charset="2"/>
+              <a:buChar char="§"/>
+            </a:pPr>
+            <a:r>
+              <a:rPr lang="it-IT" sz="2400" b="1" dirty="0">
+                <a:solidFill>
+                  <a:schemeClr val="tx1"/>
+                </a:solidFill>
+                <a:latin typeface="Calibri" panose="020F0502020204030204" pitchFamily="34" charset="0"/>
+                <a:cs typeface="Calibri" panose="020F0502020204030204" pitchFamily="34" charset="0"/>
+              </a:rPr>
+              <a:t>SICUREZZA DELLO STATO</a:t>
+            </a:r>
+            <a:endParaRPr sz="2400" b="1" dirty="0">
+              <a:solidFill>
+                <a:schemeClr val="tx1"/>
+              </a:solidFill>
+              <a:latin typeface="Calibri" panose="020F0502020204030204" pitchFamily="34" charset="0"/>
+              <a:cs typeface="Calibri" panose="020F0502020204030204" pitchFamily="34" charset="0"/>
+            </a:endParaRPr>
+          </a:p>
+        </p:txBody>
+      </p:sp>
+      <p:sp>
+        <p:nvSpPr>
+          <p:cNvPr id="11" name="Shape 211">
+            <a:extLst>
+              <a:ext uri="{FF2B5EF4-FFF2-40B4-BE49-F238E27FC236}">
+                <a16:creationId xmlns:a16="http://schemas.microsoft.com/office/drawing/2014/main" id="{3DE94BEB-68CF-41CE-9B84-0609197C03A5}"/>
+              </a:ext>
+            </a:extLst>
+          </p:cNvPr>
+          <p:cNvSpPr txBox="1">
+            <a:spLocks/>
+          </p:cNvSpPr>
+          <p:nvPr/>
+        </p:nvSpPr>
+        <p:spPr>
+          <a:xfrm>
+            <a:off x="7340292" y="6316331"/>
+            <a:ext cx="1803708" cy="541669"/>
+          </a:xfrm>
+          <a:prstGeom prst="rect">
+            <a:avLst/>
+          </a:prstGeom>
+          <a:ln w="12700">
+            <a:miter lim="400000"/>
+          </a:ln>
+          <a:extLst>
+            <a:ext uri="{C572A759-6A51-4108-AA02-DFA0A04FC94B}">
+              <ma14:wrappingTextBoxFlag xmlns="" xmlns:ma14="http://schemas.microsoft.com/office/mac/drawingml/2011/main" val="1"/>
+            </a:ext>
+          </a:extLst>
+        </p:spPr>
+        <p:txBody>
+          <a:bodyPr lIns="0" tIns="0" rIns="0" bIns="0" anchor="ctr">
+            <a:normAutofit/>
+          </a:bodyPr>
+          <a:lstStyle>
+            <a:lvl1pPr algn="r">
+              <a:defRPr sz="2000">
+                <a:solidFill>
+                  <a:srgbClr val="FFFFFF"/>
+                </a:solidFill>
+                <a:latin typeface="Calibri"/>
+                <a:ea typeface="Calibri"/>
+                <a:cs typeface="Calibri"/>
+                <a:sym typeface="Calibri"/>
+              </a:defRPr>
+            </a:lvl1pPr>
+            <a:lvl2pPr indent="457200">
+              <a:defRPr>
+                <a:latin typeface="Calibri"/>
+                <a:ea typeface="Calibri"/>
+                <a:cs typeface="Calibri"/>
+                <a:sym typeface="Calibri"/>
+              </a:defRPr>
+            </a:lvl2pPr>
+            <a:lvl3pPr indent="914400">
+              <a:defRPr>
+                <a:latin typeface="Calibri"/>
+                <a:ea typeface="Calibri"/>
+                <a:cs typeface="Calibri"/>
+                <a:sym typeface="Calibri"/>
+              </a:defRPr>
+            </a:lvl3pPr>
+            <a:lvl4pPr indent="1371600">
+              <a:defRPr>
+                <a:latin typeface="Calibri"/>
+                <a:ea typeface="Calibri"/>
+                <a:cs typeface="Calibri"/>
+                <a:sym typeface="Calibri"/>
+              </a:defRPr>
+            </a:lvl4pPr>
+            <a:lvl5pPr indent="1828800">
+              <a:defRPr>
+                <a:latin typeface="Calibri"/>
+                <a:ea typeface="Calibri"/>
+                <a:cs typeface="Calibri"/>
+                <a:sym typeface="Calibri"/>
+              </a:defRPr>
+            </a:lvl5pPr>
+            <a:lvl6pPr indent="2286000">
+              <a:defRPr>
+                <a:latin typeface="Calibri"/>
+                <a:ea typeface="Calibri"/>
+                <a:cs typeface="Calibri"/>
+                <a:sym typeface="Calibri"/>
+              </a:defRPr>
+            </a:lvl6pPr>
+            <a:lvl7pPr indent="2743200">
+              <a:defRPr>
+                <a:latin typeface="Calibri"/>
+                <a:ea typeface="Calibri"/>
+                <a:cs typeface="Calibri"/>
+                <a:sym typeface="Calibri"/>
+              </a:defRPr>
+            </a:lvl7pPr>
+            <a:lvl8pPr indent="3200400">
+              <a:defRPr>
+                <a:latin typeface="Calibri"/>
+                <a:ea typeface="Calibri"/>
+                <a:cs typeface="Calibri"/>
+                <a:sym typeface="Calibri"/>
+              </a:defRPr>
+            </a:lvl8pPr>
+            <a:lvl9pPr indent="3657600">
+              <a:defRPr>
+                <a:latin typeface="Calibri"/>
+                <a:ea typeface="Calibri"/>
+                <a:cs typeface="Calibri"/>
+                <a:sym typeface="Calibri"/>
+              </a:defRPr>
+            </a:lvl9pPr>
+          </a:lstStyle>
+          <a:p>
+            <a:pPr algn="ctr">
+              <a:defRPr sz="1800">
+                <a:solidFill>
+                  <a:srgbClr val="000000"/>
+                </a:solidFill>
+              </a:defRPr>
+            </a:pPr>
+            <a:fld id="{86CB4B4D-7CA3-9044-876B-883B54F8677D}" type="slidenum">
+              <a:rPr lang="it-IT" sz="2400" smtClean="0">
+                <a:solidFill>
+                  <a:schemeClr val="bg1"/>
+                </a:solidFill>
+                <a:latin typeface="Calibri" panose="020F0502020204030204" pitchFamily="34" charset="0"/>
+                <a:cs typeface="Calibri" panose="020F0502020204030204" pitchFamily="34" charset="0"/>
+              </a:rPr>
+              <a:pPr algn="ctr">
+                <a:defRPr sz="1800">
+                  <a:solidFill>
+                    <a:srgbClr val="000000"/>
+                  </a:solidFill>
+                </a:defRPr>
+              </a:pPr>
+              <a:t>3</a:t>
+            </a:fld>
+            <a:r>
+              <a:rPr lang="it-IT" sz="2400" dirty="0">
+                <a:solidFill>
+                  <a:schemeClr val="bg1"/>
+                </a:solidFill>
+                <a:latin typeface="Calibri" panose="020F0502020204030204" pitchFamily="34" charset="0"/>
+                <a:cs typeface="Calibri" panose="020F0502020204030204" pitchFamily="34" charset="0"/>
+              </a:rPr>
+              <a:t> di 7</a:t>
+            </a:r>
+          </a:p>
+        </p:txBody>
+      </p:sp>
+      <p:sp>
+        <p:nvSpPr>
+          <p:cNvPr id="16" name="Shape 208">
+            <a:extLst>
+              <a:ext uri="{FF2B5EF4-FFF2-40B4-BE49-F238E27FC236}">
+                <a16:creationId xmlns:a16="http://schemas.microsoft.com/office/drawing/2014/main" id="{8C84321B-2E56-4417-A8C0-A3968CA6F681}"/>
+              </a:ext>
+            </a:extLst>
+          </p:cNvPr>
+          <p:cNvSpPr/>
+          <p:nvPr/>
+        </p:nvSpPr>
+        <p:spPr>
+          <a:xfrm>
+            <a:off x="0" y="-2479"/>
+            <a:ext cx="9144000" cy="774098"/>
+          </a:xfrm>
+          <a:prstGeom prst="rect">
+            <a:avLst/>
+          </a:prstGeom>
+          <a:solidFill>
+            <a:srgbClr val="9A0014"/>
+          </a:solidFill>
+          <a:ln w="12700">
+            <a:miter lim="400000"/>
+          </a:ln>
+        </p:spPr>
+        <p:txBody>
+          <a:bodyPr lIns="0" tIns="0" rIns="0" bIns="0" anchor="ctr"/>
+          <a:lstStyle/>
+          <a:p>
+            <a:pPr lvl="0" algn="ctr">
+              <a:defRPr>
+                <a:solidFill>
+                  <a:srgbClr val="FFFFFF"/>
+                </a:solidFill>
+              </a:defRPr>
+            </a:pPr>
+            <a:r>
+              <a:rPr lang="it-IT" sz="2400" b="1" dirty="0">
+                <a:latin typeface="Calibri" panose="020F0502020204030204" pitchFamily="34" charset="0"/>
+                <a:cs typeface="Calibri" panose="020F0502020204030204" pitchFamily="34" charset="0"/>
+              </a:rPr>
+              <a:t>L’azienda</a:t>
+            </a:r>
+            <a:r>
+              <a:rPr lang="it-IT" sz="2400" dirty="0">
+                <a:latin typeface="Calibri" panose="020F0502020204030204" pitchFamily="34" charset="0"/>
+                <a:cs typeface="Calibri" panose="020F0502020204030204" pitchFamily="34" charset="0"/>
+              </a:rPr>
+              <a:t> | </a:t>
+            </a:r>
+            <a:r>
+              <a:rPr lang="it-IT" sz="2400" dirty="0">
+                <a:solidFill>
+                  <a:schemeClr val="bg1">
+                    <a:lumMod val="50000"/>
+                  </a:schemeClr>
+                </a:solidFill>
+                <a:latin typeface="Calibri" panose="020F0502020204030204" pitchFamily="34" charset="0"/>
+                <a:cs typeface="Calibri" panose="020F0502020204030204" pitchFamily="34" charset="0"/>
+              </a:rPr>
+              <a:t>Il progetto aziendale</a:t>
+            </a:r>
+            <a:r>
+              <a:rPr lang="it-IT" sz="2400" dirty="0">
+                <a:latin typeface="Calibri" panose="020F0502020204030204" pitchFamily="34" charset="0"/>
+                <a:cs typeface="Calibri" panose="020F0502020204030204" pitchFamily="34" charset="0"/>
+              </a:rPr>
+              <a:t> | </a:t>
+            </a:r>
+            <a:r>
+              <a:rPr lang="it-IT" sz="2400" dirty="0">
+                <a:solidFill>
+                  <a:schemeClr val="bg1">
+                    <a:lumMod val="50000"/>
+                  </a:schemeClr>
+                </a:solidFill>
+                <a:latin typeface="Calibri" panose="020F0502020204030204" pitchFamily="34" charset="0"/>
+                <a:cs typeface="Calibri" panose="020F0502020204030204" pitchFamily="34" charset="0"/>
+              </a:rPr>
+              <a:t>Il progetto di Stage</a:t>
+            </a:r>
+            <a:r>
+              <a:rPr lang="it-IT" sz="2400" dirty="0">
+                <a:latin typeface="Calibri" panose="020F0502020204030204" pitchFamily="34" charset="0"/>
+                <a:cs typeface="Calibri" panose="020F0502020204030204" pitchFamily="34" charset="0"/>
+              </a:rPr>
+              <a:t> | </a:t>
+            </a:r>
+            <a:r>
+              <a:rPr lang="it-IT" sz="2400" dirty="0">
+                <a:solidFill>
+                  <a:schemeClr val="bg1">
+                    <a:lumMod val="50000"/>
+                  </a:schemeClr>
+                </a:solidFill>
+                <a:latin typeface="Calibri" panose="020F0502020204030204" pitchFamily="34" charset="0"/>
+                <a:cs typeface="Calibri" panose="020F0502020204030204" pitchFamily="34" charset="0"/>
+              </a:rPr>
+              <a:t>I risultati</a:t>
+            </a:r>
+            <a:endParaRPr sz="2400" dirty="0">
+              <a:solidFill>
+                <a:schemeClr val="bg1">
+                  <a:lumMod val="50000"/>
+                </a:schemeClr>
+              </a:solidFill>
+              <a:latin typeface="Calibri" panose="020F0502020204030204" pitchFamily="34" charset="0"/>
+              <a:cs typeface="Calibri" panose="020F0502020204030204" pitchFamily="34" charset="0"/>
+            </a:endParaRPr>
+          </a:p>
+        </p:txBody>
+      </p:sp>
+      <p:sp>
+        <p:nvSpPr>
+          <p:cNvPr id="20" name="Shape 208">
+            <a:extLst>
+              <a:ext uri="{FF2B5EF4-FFF2-40B4-BE49-F238E27FC236}">
+                <a16:creationId xmlns:a16="http://schemas.microsoft.com/office/drawing/2014/main" id="{705C09F7-C25A-48D8-927B-38A60A2AD861}"/>
+              </a:ext>
+            </a:extLst>
+          </p:cNvPr>
+          <p:cNvSpPr>
+            <a:spLocks noChangeAspect="1"/>
+          </p:cNvSpPr>
+          <p:nvPr/>
+        </p:nvSpPr>
+        <p:spPr>
+          <a:xfrm>
+            <a:off x="0" y="6426000"/>
+            <a:ext cx="9144000" cy="432000"/>
+          </a:xfrm>
+          <a:prstGeom prst="rect">
+            <a:avLst/>
+          </a:prstGeom>
+          <a:solidFill>
+            <a:srgbClr val="9A0014"/>
+          </a:solidFill>
+          <a:ln w="12700">
+            <a:miter lim="400000"/>
+          </a:ln>
+        </p:spPr>
+        <p:txBody>
+          <a:bodyPr lIns="0" tIns="0" rIns="0" bIns="0" anchor="ctr"/>
+          <a:lstStyle/>
+          <a:p>
+            <a:pPr lvl="0" algn="ctr">
+              <a:defRPr>
+                <a:solidFill>
+                  <a:srgbClr val="FFFFFF"/>
+                </a:solidFill>
+              </a:defRPr>
+            </a:pPr>
+            <a:endParaRPr lang="it-IT" sz="1400" b="1" dirty="0">
+              <a:latin typeface="Calibri" panose="020F0502020204030204" pitchFamily="34" charset="0"/>
+              <a:cs typeface="Calibri" panose="020F0502020204030204" pitchFamily="34" charset="0"/>
+            </a:endParaRPr>
+          </a:p>
+          <a:p>
+            <a:pPr lvl="0" algn="ctr">
+              <a:defRPr>
+                <a:solidFill>
+                  <a:srgbClr val="FFFFFF"/>
+                </a:solidFill>
+              </a:defRPr>
+            </a:pPr>
+            <a:r>
+              <a:rPr lang="it-IT" sz="1400" b="1" dirty="0">
+                <a:latin typeface="Calibri" panose="020F0502020204030204" pitchFamily="34" charset="0"/>
+                <a:cs typeface="Calibri" panose="020F0502020204030204" pitchFamily="34" charset="0"/>
+              </a:rPr>
+              <a:t>Abdelilah Lahmer - Meccanismi di programmazione back-end e analisi in ambito bancario</a:t>
+            </a:r>
+          </a:p>
+          <a:p>
+            <a:pPr lvl="0" algn="ctr">
+              <a:defRPr>
+                <a:solidFill>
+                  <a:srgbClr val="FFFFFF"/>
+                </a:solidFill>
+              </a:defRPr>
+            </a:pPr>
+            <a:endParaRPr sz="1400" b="1" dirty="0">
+              <a:latin typeface="Calibri" panose="020F0502020204030204" pitchFamily="34" charset="0"/>
+              <a:cs typeface="Calibri" panose="020F0502020204030204" pitchFamily="34" charset="0"/>
+            </a:endParaRPr>
+          </a:p>
+        </p:txBody>
+      </p:sp>
+      <p:pic>
+        <p:nvPicPr>
+          <p:cNvPr id="23" name="image5.png">
+            <a:extLst>
+              <a:ext uri="{FF2B5EF4-FFF2-40B4-BE49-F238E27FC236}">
+                <a16:creationId xmlns:a16="http://schemas.microsoft.com/office/drawing/2014/main" id="{1F866C47-0395-4E98-A97D-3E869715AF3E}"/>
+              </a:ext>
+            </a:extLst>
+          </p:cNvPr>
+          <p:cNvPicPr>
+            <a:picLocks noChangeAspect="1"/>
+          </p:cNvPicPr>
+          <p:nvPr/>
+        </p:nvPicPr>
+        <p:blipFill>
+          <a:blip r:embed="rId3">
+            <a:extLst/>
+          </a:blip>
+          <a:stretch>
+            <a:fillRect/>
+          </a:stretch>
+        </p:blipFill>
+        <p:spPr>
+          <a:xfrm>
+            <a:off x="0" y="6426000"/>
+            <a:ext cx="966133" cy="432000"/>
+          </a:xfrm>
+          <a:prstGeom prst="rect">
+            <a:avLst/>
+          </a:prstGeom>
+          <a:ln w="12700">
+            <a:miter lim="400000"/>
+          </a:ln>
+        </p:spPr>
+      </p:pic>
+      <p:sp>
+        <p:nvSpPr>
+          <p:cNvPr id="24" name="Shape 211">
+            <a:extLst>
+              <a:ext uri="{FF2B5EF4-FFF2-40B4-BE49-F238E27FC236}">
+                <a16:creationId xmlns:a16="http://schemas.microsoft.com/office/drawing/2014/main" id="{14C04986-586E-4A9E-BB23-BBD1CEDC863C}"/>
+              </a:ext>
+            </a:extLst>
+          </p:cNvPr>
+          <p:cNvSpPr txBox="1">
+            <a:spLocks/>
+          </p:cNvSpPr>
+          <p:nvPr/>
+        </p:nvSpPr>
+        <p:spPr>
+          <a:xfrm>
+            <a:off x="8117059" y="6426000"/>
+            <a:ext cx="1026941" cy="432000"/>
+          </a:xfrm>
+          <a:prstGeom prst="rect">
+            <a:avLst/>
+          </a:prstGeom>
+          <a:ln w="12700">
+            <a:miter lim="400000"/>
+          </a:ln>
+          <a:extLst>
+            <a:ext uri="{C572A759-6A51-4108-AA02-DFA0A04FC94B}">
+              <ma14:wrappingTextBoxFlag xmlns="" xmlns:ma14="http://schemas.microsoft.com/office/mac/drawingml/2011/main" val="1"/>
+            </a:ext>
+          </a:extLst>
+        </p:spPr>
+        <p:txBody>
+          <a:bodyPr lIns="0" tIns="0" rIns="0" bIns="0" anchor="ctr">
+            <a:normAutofit/>
+          </a:bodyPr>
+          <a:lstStyle>
+            <a:lvl1pPr algn="r">
+              <a:defRPr sz="2000">
+                <a:solidFill>
+                  <a:srgbClr val="FFFFFF"/>
+                </a:solidFill>
+                <a:latin typeface="Calibri"/>
+                <a:ea typeface="Calibri"/>
+                <a:cs typeface="Calibri"/>
+                <a:sym typeface="Calibri"/>
+              </a:defRPr>
+            </a:lvl1pPr>
+            <a:lvl2pPr indent="457200">
+              <a:defRPr>
+                <a:latin typeface="Calibri"/>
+                <a:ea typeface="Calibri"/>
+                <a:cs typeface="Calibri"/>
+                <a:sym typeface="Calibri"/>
+              </a:defRPr>
+            </a:lvl2pPr>
+            <a:lvl3pPr indent="914400">
+              <a:defRPr>
+                <a:latin typeface="Calibri"/>
+                <a:ea typeface="Calibri"/>
+                <a:cs typeface="Calibri"/>
+                <a:sym typeface="Calibri"/>
+              </a:defRPr>
+            </a:lvl3pPr>
+            <a:lvl4pPr indent="1371600">
+              <a:defRPr>
+                <a:latin typeface="Calibri"/>
+                <a:ea typeface="Calibri"/>
+                <a:cs typeface="Calibri"/>
+                <a:sym typeface="Calibri"/>
+              </a:defRPr>
+            </a:lvl4pPr>
+            <a:lvl5pPr indent="1828800">
+              <a:defRPr>
+                <a:latin typeface="Calibri"/>
+                <a:ea typeface="Calibri"/>
+                <a:cs typeface="Calibri"/>
+                <a:sym typeface="Calibri"/>
+              </a:defRPr>
+            </a:lvl5pPr>
+            <a:lvl6pPr indent="2286000">
+              <a:defRPr>
+                <a:latin typeface="Calibri"/>
+                <a:ea typeface="Calibri"/>
+                <a:cs typeface="Calibri"/>
+                <a:sym typeface="Calibri"/>
+              </a:defRPr>
+            </a:lvl6pPr>
+            <a:lvl7pPr indent="2743200">
+              <a:defRPr>
+                <a:latin typeface="Calibri"/>
+                <a:ea typeface="Calibri"/>
+                <a:cs typeface="Calibri"/>
+                <a:sym typeface="Calibri"/>
+              </a:defRPr>
+            </a:lvl7pPr>
+            <a:lvl8pPr indent="3200400">
+              <a:defRPr>
+                <a:latin typeface="Calibri"/>
+                <a:ea typeface="Calibri"/>
+                <a:cs typeface="Calibri"/>
+                <a:sym typeface="Calibri"/>
+              </a:defRPr>
+            </a:lvl8pPr>
+            <a:lvl9pPr indent="3657600">
+              <a:defRPr>
+                <a:latin typeface="Calibri"/>
+                <a:ea typeface="Calibri"/>
+                <a:cs typeface="Calibri"/>
+                <a:sym typeface="Calibri"/>
+              </a:defRPr>
+            </a:lvl9pPr>
+          </a:lstStyle>
+          <a:p>
+            <a:pPr algn="ctr">
+              <a:defRPr sz="1800">
+                <a:solidFill>
+                  <a:srgbClr val="000000"/>
+                </a:solidFill>
+              </a:defRPr>
+            </a:pPr>
+            <a:fld id="{86CB4B4D-7CA3-9044-876B-883B54F8677D}" type="slidenum">
+              <a:rPr lang="it-IT" sz="2400" smtClean="0">
+                <a:solidFill>
+                  <a:schemeClr val="bg1"/>
+                </a:solidFill>
+                <a:latin typeface="Calibri" panose="020F0502020204030204" pitchFamily="34" charset="0"/>
+                <a:cs typeface="Calibri" panose="020F0502020204030204" pitchFamily="34" charset="0"/>
+              </a:rPr>
+              <a:pPr algn="ctr">
+                <a:defRPr sz="1800">
+                  <a:solidFill>
+                    <a:srgbClr val="000000"/>
+                  </a:solidFill>
+                </a:defRPr>
+              </a:pPr>
+              <a:t>3</a:t>
+            </a:fld>
+            <a:r>
+              <a:rPr lang="it-IT" sz="2400" dirty="0">
+                <a:solidFill>
+                  <a:schemeClr val="bg1"/>
+                </a:solidFill>
+                <a:latin typeface="Calibri" panose="020F0502020204030204" pitchFamily="34" charset="0"/>
+                <a:cs typeface="Calibri" panose="020F0502020204030204" pitchFamily="34" charset="0"/>
+              </a:rPr>
+              <a:t> di 9</a:t>
+            </a:r>
+          </a:p>
         </p:txBody>
       </p:sp>
     </p:spTree>
     <p:extLst>
       <p:ext uri="{BB962C8B-B14F-4D97-AF65-F5344CB8AC3E}">
-        <p14:creationId xmlns:p14="http://schemas.microsoft.com/office/powerpoint/2010/main" val="2105444188"/>
+        <p14:creationId xmlns:p14="http://schemas.microsoft.com/office/powerpoint/2010/main" val="4206448151"/>
+      </p:ext>
+    </p:extLst>
+  </p:cSld>
+  <p:clrMapOvr>
+    <a:masterClrMapping/>
+  </p:clrMapOvr>
+  <p:transition spd="med"/>
+</p:sld>
+</file>
+
+<file path=ppt/slides/slide4.xml><?xml version="1.0" encoding="utf-8"?>
+<p:sld xmlns:a="http://schemas.openxmlformats.org/drawingml/2006/main" xmlns:r="http://schemas.openxmlformats.org/officeDocument/2006/relationships" xmlns:p="http://schemas.openxmlformats.org/presentationml/2006/main">
+  <p:cSld>
+    <p:spTree>
+      <p:nvGrpSpPr>
+        <p:cNvPr id="1" name=""/>
+        <p:cNvGrpSpPr/>
+        <p:nvPr/>
+      </p:nvGrpSpPr>
+      <p:grpSpPr>
+        <a:xfrm>
+          <a:off x="0" y="0"/>
+          <a:ext cx="0" cy="0"/>
+          <a:chOff x="0" y="0"/>
+          <a:chExt cx="0" cy="0"/>
+        </a:xfrm>
+      </p:grpSpPr>
+      <p:pic>
+        <p:nvPicPr>
+          <p:cNvPr id="207" name="image3.png"/>
+          <p:cNvPicPr/>
+          <p:nvPr/>
+        </p:nvPicPr>
+        <p:blipFill>
+          <a:blip r:embed="rId2">
+            <a:extLst/>
+          </a:blip>
+          <a:stretch>
+            <a:fillRect/>
+          </a:stretch>
+        </p:blipFill>
+        <p:spPr>
+          <a:xfrm>
+            <a:off x="7340293" y="38100"/>
+            <a:ext cx="1549709" cy="692941"/>
+          </a:xfrm>
+          <a:prstGeom prst="rect">
+            <a:avLst/>
+          </a:prstGeom>
+          <a:ln w="12700">
+            <a:miter lim="400000"/>
+          </a:ln>
+        </p:spPr>
+      </p:pic>
+      <p:pic>
+        <p:nvPicPr>
+          <p:cNvPr id="210" name="image5.png"/>
+          <p:cNvPicPr/>
+          <p:nvPr/>
+        </p:nvPicPr>
+        <p:blipFill>
+          <a:blip r:embed="rId3">
+            <a:extLst/>
+          </a:blip>
+          <a:stretch>
+            <a:fillRect/>
+          </a:stretch>
+        </p:blipFill>
+        <p:spPr>
+          <a:xfrm>
+            <a:off x="7340292" y="18533"/>
+            <a:ext cx="1619558" cy="724175"/>
+          </a:xfrm>
+          <a:prstGeom prst="rect">
+            <a:avLst/>
+          </a:prstGeom>
+          <a:ln w="12700">
+            <a:miter lim="400000"/>
+          </a:ln>
+        </p:spPr>
+      </p:pic>
+      <p:sp>
+        <p:nvSpPr>
+          <p:cNvPr id="211" name="Shape 211"/>
+          <p:cNvSpPr>
+            <a:spLocks noGrp="1"/>
+          </p:cNvSpPr>
+          <p:nvPr>
+            <p:ph type="sldNum" sz="quarter" idx="2"/>
+          </p:nvPr>
+        </p:nvSpPr>
+        <p:spPr>
+          <a:xfrm>
+            <a:off x="6915149" y="6395396"/>
+            <a:ext cx="2057401" cy="383541"/>
+          </a:xfrm>
+          <a:prstGeom prst="rect">
+            <a:avLst/>
+          </a:prstGeom>
+          <a:extLst>
+            <a:ext uri="{C572A759-6A51-4108-AA02-DFA0A04FC94B}">
+              <ma14:wrappingTextBoxFlag xmlns="" xmlns:ma14="http://schemas.microsoft.com/office/mac/drawingml/2011/main" val="1"/>
+            </a:ext>
+          </a:extLst>
+        </p:spPr>
+        <p:txBody>
+          <a:bodyPr lIns="0" tIns="0" rIns="0" bIns="0">
+            <a:normAutofit/>
+          </a:bodyPr>
+          <a:lstStyle>
+            <a:lvl1pPr>
+              <a:defRPr sz="2000">
+                <a:solidFill>
+                  <a:srgbClr val="FFFFFF"/>
+                </a:solidFill>
+              </a:defRPr>
+            </a:lvl1pPr>
+          </a:lstStyle>
+          <a:p>
+            <a:pPr lvl="0">
+              <a:defRPr sz="1800">
+                <a:solidFill>
+                  <a:srgbClr val="000000"/>
+                </a:solidFill>
+              </a:defRPr>
+            </a:pPr>
+            <a:fld id="{86CB4B4D-7CA3-9044-876B-883B54F8677D}" type="slidenum">
+              <a:rPr sz="2000" smtClean="0">
+                <a:solidFill>
+                  <a:srgbClr val="FFFFFF"/>
+                </a:solidFill>
+              </a:rPr>
+              <a:t>4</a:t>
+            </a:fld>
+            <a:r>
+              <a:rPr lang="it-IT" sz="2000" dirty="0">
+                <a:solidFill>
+                  <a:srgbClr val="FFFFFF"/>
+                </a:solidFill>
+              </a:rPr>
+              <a:t> di 7</a:t>
+            </a:r>
+            <a:endParaRPr sz="2000" dirty="0">
+              <a:solidFill>
+                <a:srgbClr val="FFFFFF"/>
+              </a:solidFill>
+            </a:endParaRPr>
+          </a:p>
+        </p:txBody>
+      </p:sp>
+      <p:sp>
+        <p:nvSpPr>
+          <p:cNvPr id="214" name="Shape 214"/>
+          <p:cNvSpPr/>
+          <p:nvPr/>
+        </p:nvSpPr>
+        <p:spPr>
+          <a:xfrm>
+            <a:off x="6915149" y="6395396"/>
+            <a:ext cx="2057401" cy="383541"/>
+          </a:xfrm>
+          <a:prstGeom prst="rect">
+            <a:avLst/>
+          </a:prstGeom>
+          <a:ln w="12700">
+            <a:miter lim="400000"/>
+          </a:ln>
+          <a:extLst>
+            <a:ext uri="{C572A759-6A51-4108-AA02-DFA0A04FC94B}">
+              <ma14:wrappingTextBoxFlag xmlns="" xmlns:ma14="http://schemas.microsoft.com/office/mac/drawingml/2011/main" val="1"/>
+            </a:ext>
+          </a:extLst>
+        </p:spPr>
+        <p:txBody>
+          <a:bodyPr lIns="0" tIns="0" rIns="0" bIns="0" anchor="ctr">
+            <a:normAutofit/>
+          </a:bodyPr>
+          <a:lstStyle>
+            <a:lvl1pPr algn="r">
+              <a:defRPr sz="2000">
+                <a:solidFill>
+                  <a:srgbClr val="FFFFFF"/>
+                </a:solidFill>
+              </a:defRPr>
+            </a:lvl1pPr>
+          </a:lstStyle>
+          <a:p>
+            <a:pPr lvl="0">
+              <a:defRPr sz="1800">
+                <a:solidFill>
+                  <a:srgbClr val="000000"/>
+                </a:solidFill>
+              </a:defRPr>
+            </a:pPr>
+            <a:endParaRPr sz="2000" dirty="0">
+              <a:solidFill>
+                <a:srgbClr val="FFFFFF"/>
+              </a:solidFill>
+            </a:endParaRPr>
+          </a:p>
+        </p:txBody>
+      </p:sp>
+      <p:pic>
+        <p:nvPicPr>
+          <p:cNvPr id="3" name="Immagine 2">
+            <a:extLst>
+              <a:ext uri="{FF2B5EF4-FFF2-40B4-BE49-F238E27FC236}">
+                <a16:creationId xmlns:a16="http://schemas.microsoft.com/office/drawing/2014/main" id="{3C84FFE4-A722-4AB7-A529-346C99D6FC97}"/>
+              </a:ext>
+            </a:extLst>
+          </p:cNvPr>
+          <p:cNvPicPr>
+            <a:picLocks noChangeAspect="1"/>
+          </p:cNvPicPr>
+          <p:nvPr/>
+        </p:nvPicPr>
+        <p:blipFill>
+          <a:blip r:embed="rId4">
+            <a:extLst>
+              <a:ext uri="{28A0092B-C50C-407E-A947-70E740481C1C}">
+                <a14:useLocalDpi xmlns:a14="http://schemas.microsoft.com/office/drawing/2010/main" val="0"/>
+              </a:ext>
+            </a:extLst>
+          </a:blip>
+          <a:stretch>
+            <a:fillRect/>
+          </a:stretch>
+        </p:blipFill>
+        <p:spPr>
+          <a:xfrm>
+            <a:off x="2411730" y="3147604"/>
+            <a:ext cx="4320540" cy="1377563"/>
+          </a:xfrm>
+          <a:prstGeom prst="rect">
+            <a:avLst/>
+          </a:prstGeom>
+          <a:ln>
+            <a:noFill/>
+          </a:ln>
+          <a:effectLst>
+            <a:outerShdw blurRad="292100" dist="139700" dir="2700000" algn="tl" rotWithShape="0">
+              <a:srgbClr val="333333">
+                <a:alpha val="65000"/>
+              </a:srgbClr>
+            </a:outerShdw>
+          </a:effectLst>
+        </p:spPr>
+      </p:pic>
+      <p:sp>
+        <p:nvSpPr>
+          <p:cNvPr id="13" name="Shape 52">
+            <a:extLst>
+              <a:ext uri="{FF2B5EF4-FFF2-40B4-BE49-F238E27FC236}">
+                <a16:creationId xmlns:a16="http://schemas.microsoft.com/office/drawing/2014/main" id="{9ECC361E-3151-4250-8158-91BDA0F0F496}"/>
+              </a:ext>
+            </a:extLst>
+          </p:cNvPr>
+          <p:cNvSpPr/>
+          <p:nvPr/>
+        </p:nvSpPr>
+        <p:spPr>
+          <a:xfrm>
+            <a:off x="1068264" y="1968278"/>
+            <a:ext cx="7007472" cy="584775"/>
+          </a:xfrm>
+          <a:prstGeom prst="rect">
+            <a:avLst/>
+          </a:prstGeom>
+          <a:ln w="12700">
+            <a:miter lim="400000"/>
+          </a:ln>
+          <a:extLst>
+            <a:ext uri="{C572A759-6A51-4108-AA02-DFA0A04FC94B}">
+              <ma14:wrappingTextBoxFlag xmlns="" xmlns:ma14="http://schemas.microsoft.com/office/mac/drawingml/2011/main" val="1"/>
+            </a:ext>
+          </a:extLst>
+        </p:spPr>
+        <p:txBody>
+          <a:bodyPr wrap="square" lIns="45719" rIns="45719">
+            <a:spAutoFit/>
+          </a:bodyPr>
+          <a:lstStyle/>
+          <a:p>
+            <a:pPr lvl="0" algn="l"/>
+            <a:r>
+              <a:rPr lang="it-IT" sz="3200" b="1" dirty="0">
+                <a:solidFill>
+                  <a:schemeClr val="tx1"/>
+                </a:solidFill>
+                <a:latin typeface="Calibri" panose="020F0502020204030204" pitchFamily="34" charset="0"/>
+                <a:cs typeface="Calibri" panose="020F0502020204030204" pitchFamily="34" charset="0"/>
+              </a:rPr>
+              <a:t>ELISE: Extended </a:t>
+            </a:r>
+            <a:r>
+              <a:rPr lang="it-IT" sz="3200" b="1" dirty="0" err="1">
+                <a:solidFill>
+                  <a:schemeClr val="tx1"/>
+                </a:solidFill>
+                <a:latin typeface="Calibri" panose="020F0502020204030204" pitchFamily="34" charset="0"/>
+                <a:cs typeface="Calibri" panose="020F0502020204030204" pitchFamily="34" charset="0"/>
+              </a:rPr>
+              <a:t>Loans</a:t>
+            </a:r>
+            <a:r>
+              <a:rPr lang="it-IT" sz="3200" b="1" dirty="0">
+                <a:solidFill>
+                  <a:schemeClr val="tx1"/>
+                </a:solidFill>
+                <a:latin typeface="Calibri" panose="020F0502020204030204" pitchFamily="34" charset="0"/>
+                <a:cs typeface="Calibri" panose="020F0502020204030204" pitchFamily="34" charset="0"/>
+              </a:rPr>
+              <a:t> </a:t>
+            </a:r>
+            <a:r>
+              <a:rPr lang="it-IT" sz="3200" b="1" dirty="0" err="1">
+                <a:solidFill>
+                  <a:schemeClr val="tx1"/>
+                </a:solidFill>
+                <a:latin typeface="Calibri" panose="020F0502020204030204" pitchFamily="34" charset="0"/>
+                <a:cs typeface="Calibri" panose="020F0502020204030204" pitchFamily="34" charset="0"/>
+              </a:rPr>
+              <a:t>Integrated</a:t>
+            </a:r>
+            <a:r>
+              <a:rPr lang="it-IT" sz="3200" b="1" dirty="0">
+                <a:solidFill>
+                  <a:schemeClr val="tx1"/>
+                </a:solidFill>
+                <a:latin typeface="Calibri" panose="020F0502020204030204" pitchFamily="34" charset="0"/>
+                <a:cs typeface="Calibri" panose="020F0502020204030204" pitchFamily="34" charset="0"/>
+              </a:rPr>
+              <a:t> System</a:t>
+            </a:r>
+            <a:endParaRPr sz="3200" b="1" dirty="0">
+              <a:solidFill>
+                <a:schemeClr val="tx1"/>
+              </a:solidFill>
+              <a:latin typeface="Calibri" panose="020F0502020204030204" pitchFamily="34" charset="0"/>
+              <a:cs typeface="Calibri" panose="020F0502020204030204" pitchFamily="34" charset="0"/>
+            </a:endParaRPr>
+          </a:p>
+        </p:txBody>
+      </p:sp>
+      <p:sp>
+        <p:nvSpPr>
+          <p:cNvPr id="11" name="Shape 211">
+            <a:extLst>
+              <a:ext uri="{FF2B5EF4-FFF2-40B4-BE49-F238E27FC236}">
+                <a16:creationId xmlns:a16="http://schemas.microsoft.com/office/drawing/2014/main" id="{F54B1DF3-FAB5-401B-8681-DDB3830FBE15}"/>
+              </a:ext>
+            </a:extLst>
+          </p:cNvPr>
+          <p:cNvSpPr txBox="1">
+            <a:spLocks/>
+          </p:cNvSpPr>
+          <p:nvPr/>
+        </p:nvSpPr>
+        <p:spPr>
+          <a:xfrm>
+            <a:off x="7340292" y="6316331"/>
+            <a:ext cx="1803708" cy="541669"/>
+          </a:xfrm>
+          <a:prstGeom prst="rect">
+            <a:avLst/>
+          </a:prstGeom>
+          <a:ln w="12700">
+            <a:miter lim="400000"/>
+          </a:ln>
+          <a:extLst>
+            <a:ext uri="{C572A759-6A51-4108-AA02-DFA0A04FC94B}">
+              <ma14:wrappingTextBoxFlag xmlns="" xmlns:ma14="http://schemas.microsoft.com/office/mac/drawingml/2011/main" val="1"/>
+            </a:ext>
+          </a:extLst>
+        </p:spPr>
+        <p:txBody>
+          <a:bodyPr lIns="0" tIns="0" rIns="0" bIns="0" anchor="ctr">
+            <a:normAutofit/>
+          </a:bodyPr>
+          <a:lstStyle>
+            <a:lvl1pPr algn="r">
+              <a:defRPr sz="2000">
+                <a:solidFill>
+                  <a:srgbClr val="FFFFFF"/>
+                </a:solidFill>
+                <a:latin typeface="Calibri"/>
+                <a:ea typeface="Calibri"/>
+                <a:cs typeface="Calibri"/>
+                <a:sym typeface="Calibri"/>
+              </a:defRPr>
+            </a:lvl1pPr>
+            <a:lvl2pPr indent="457200">
+              <a:defRPr>
+                <a:latin typeface="Calibri"/>
+                <a:ea typeface="Calibri"/>
+                <a:cs typeface="Calibri"/>
+                <a:sym typeface="Calibri"/>
+              </a:defRPr>
+            </a:lvl2pPr>
+            <a:lvl3pPr indent="914400">
+              <a:defRPr>
+                <a:latin typeface="Calibri"/>
+                <a:ea typeface="Calibri"/>
+                <a:cs typeface="Calibri"/>
+                <a:sym typeface="Calibri"/>
+              </a:defRPr>
+            </a:lvl3pPr>
+            <a:lvl4pPr indent="1371600">
+              <a:defRPr>
+                <a:latin typeface="Calibri"/>
+                <a:ea typeface="Calibri"/>
+                <a:cs typeface="Calibri"/>
+                <a:sym typeface="Calibri"/>
+              </a:defRPr>
+            </a:lvl4pPr>
+            <a:lvl5pPr indent="1828800">
+              <a:defRPr>
+                <a:latin typeface="Calibri"/>
+                <a:ea typeface="Calibri"/>
+                <a:cs typeface="Calibri"/>
+                <a:sym typeface="Calibri"/>
+              </a:defRPr>
+            </a:lvl5pPr>
+            <a:lvl6pPr indent="2286000">
+              <a:defRPr>
+                <a:latin typeface="Calibri"/>
+                <a:ea typeface="Calibri"/>
+                <a:cs typeface="Calibri"/>
+                <a:sym typeface="Calibri"/>
+              </a:defRPr>
+            </a:lvl6pPr>
+            <a:lvl7pPr indent="2743200">
+              <a:defRPr>
+                <a:latin typeface="Calibri"/>
+                <a:ea typeface="Calibri"/>
+                <a:cs typeface="Calibri"/>
+                <a:sym typeface="Calibri"/>
+              </a:defRPr>
+            </a:lvl7pPr>
+            <a:lvl8pPr indent="3200400">
+              <a:defRPr>
+                <a:latin typeface="Calibri"/>
+                <a:ea typeface="Calibri"/>
+                <a:cs typeface="Calibri"/>
+                <a:sym typeface="Calibri"/>
+              </a:defRPr>
+            </a:lvl8pPr>
+            <a:lvl9pPr indent="3657600">
+              <a:defRPr>
+                <a:latin typeface="Calibri"/>
+                <a:ea typeface="Calibri"/>
+                <a:cs typeface="Calibri"/>
+                <a:sym typeface="Calibri"/>
+              </a:defRPr>
+            </a:lvl9pPr>
+          </a:lstStyle>
+          <a:p>
+            <a:pPr algn="ctr">
+              <a:defRPr sz="1800">
+                <a:solidFill>
+                  <a:srgbClr val="000000"/>
+                </a:solidFill>
+              </a:defRPr>
+            </a:pPr>
+            <a:fld id="{86CB4B4D-7CA3-9044-876B-883B54F8677D}" type="slidenum">
+              <a:rPr lang="it-IT" sz="2400" smtClean="0">
+                <a:solidFill>
+                  <a:schemeClr val="bg1"/>
+                </a:solidFill>
+                <a:latin typeface="Calibri" panose="020F0502020204030204" pitchFamily="34" charset="0"/>
+                <a:cs typeface="Calibri" panose="020F0502020204030204" pitchFamily="34" charset="0"/>
+              </a:rPr>
+              <a:pPr algn="ctr">
+                <a:defRPr sz="1800">
+                  <a:solidFill>
+                    <a:srgbClr val="000000"/>
+                  </a:solidFill>
+                </a:defRPr>
+              </a:pPr>
+              <a:t>4</a:t>
+            </a:fld>
+            <a:r>
+              <a:rPr lang="it-IT" sz="2400" dirty="0">
+                <a:solidFill>
+                  <a:schemeClr val="bg1"/>
+                </a:solidFill>
+                <a:latin typeface="Calibri" panose="020F0502020204030204" pitchFamily="34" charset="0"/>
+                <a:cs typeface="Calibri" panose="020F0502020204030204" pitchFamily="34" charset="0"/>
+              </a:rPr>
+              <a:t> di 7</a:t>
+            </a:r>
+          </a:p>
+        </p:txBody>
+      </p:sp>
+      <p:sp>
+        <p:nvSpPr>
+          <p:cNvPr id="15" name="Shape 211">
+            <a:extLst>
+              <a:ext uri="{FF2B5EF4-FFF2-40B4-BE49-F238E27FC236}">
+                <a16:creationId xmlns:a16="http://schemas.microsoft.com/office/drawing/2014/main" id="{0395012F-7F88-4B4B-A6B5-D778E3B0D432}"/>
+              </a:ext>
+            </a:extLst>
+          </p:cNvPr>
+          <p:cNvSpPr txBox="1">
+            <a:spLocks/>
+          </p:cNvSpPr>
+          <p:nvPr/>
+        </p:nvSpPr>
+        <p:spPr>
+          <a:xfrm>
+            <a:off x="7340292" y="6316331"/>
+            <a:ext cx="1803708" cy="541669"/>
+          </a:xfrm>
+          <a:prstGeom prst="rect">
+            <a:avLst/>
+          </a:prstGeom>
+          <a:ln w="12700">
+            <a:miter lim="400000"/>
+          </a:ln>
+          <a:extLst>
+            <a:ext uri="{C572A759-6A51-4108-AA02-DFA0A04FC94B}">
+              <ma14:wrappingTextBoxFlag xmlns="" xmlns:ma14="http://schemas.microsoft.com/office/mac/drawingml/2011/main" val="1"/>
+            </a:ext>
+          </a:extLst>
+        </p:spPr>
+        <p:txBody>
+          <a:bodyPr lIns="0" tIns="0" rIns="0" bIns="0" anchor="ctr">
+            <a:normAutofit/>
+          </a:bodyPr>
+          <a:lstStyle>
+            <a:lvl1pPr algn="r">
+              <a:defRPr sz="2000">
+                <a:solidFill>
+                  <a:srgbClr val="FFFFFF"/>
+                </a:solidFill>
+                <a:latin typeface="Calibri"/>
+                <a:ea typeface="Calibri"/>
+                <a:cs typeface="Calibri"/>
+                <a:sym typeface="Calibri"/>
+              </a:defRPr>
+            </a:lvl1pPr>
+            <a:lvl2pPr indent="457200">
+              <a:defRPr>
+                <a:latin typeface="Calibri"/>
+                <a:ea typeface="Calibri"/>
+                <a:cs typeface="Calibri"/>
+                <a:sym typeface="Calibri"/>
+              </a:defRPr>
+            </a:lvl2pPr>
+            <a:lvl3pPr indent="914400">
+              <a:defRPr>
+                <a:latin typeface="Calibri"/>
+                <a:ea typeface="Calibri"/>
+                <a:cs typeface="Calibri"/>
+                <a:sym typeface="Calibri"/>
+              </a:defRPr>
+            </a:lvl3pPr>
+            <a:lvl4pPr indent="1371600">
+              <a:defRPr>
+                <a:latin typeface="Calibri"/>
+                <a:ea typeface="Calibri"/>
+                <a:cs typeface="Calibri"/>
+                <a:sym typeface="Calibri"/>
+              </a:defRPr>
+            </a:lvl4pPr>
+            <a:lvl5pPr indent="1828800">
+              <a:defRPr>
+                <a:latin typeface="Calibri"/>
+                <a:ea typeface="Calibri"/>
+                <a:cs typeface="Calibri"/>
+                <a:sym typeface="Calibri"/>
+              </a:defRPr>
+            </a:lvl5pPr>
+            <a:lvl6pPr indent="2286000">
+              <a:defRPr>
+                <a:latin typeface="Calibri"/>
+                <a:ea typeface="Calibri"/>
+                <a:cs typeface="Calibri"/>
+                <a:sym typeface="Calibri"/>
+              </a:defRPr>
+            </a:lvl6pPr>
+            <a:lvl7pPr indent="2743200">
+              <a:defRPr>
+                <a:latin typeface="Calibri"/>
+                <a:ea typeface="Calibri"/>
+                <a:cs typeface="Calibri"/>
+                <a:sym typeface="Calibri"/>
+              </a:defRPr>
+            </a:lvl7pPr>
+            <a:lvl8pPr indent="3200400">
+              <a:defRPr>
+                <a:latin typeface="Calibri"/>
+                <a:ea typeface="Calibri"/>
+                <a:cs typeface="Calibri"/>
+                <a:sym typeface="Calibri"/>
+              </a:defRPr>
+            </a:lvl8pPr>
+            <a:lvl9pPr indent="3657600">
+              <a:defRPr>
+                <a:latin typeface="Calibri"/>
+                <a:ea typeface="Calibri"/>
+                <a:cs typeface="Calibri"/>
+                <a:sym typeface="Calibri"/>
+              </a:defRPr>
+            </a:lvl9pPr>
+          </a:lstStyle>
+          <a:p>
+            <a:pPr algn="ctr">
+              <a:defRPr sz="1800">
+                <a:solidFill>
+                  <a:srgbClr val="000000"/>
+                </a:solidFill>
+              </a:defRPr>
+            </a:pPr>
+            <a:fld id="{86CB4B4D-7CA3-9044-876B-883B54F8677D}" type="slidenum">
+              <a:rPr lang="it-IT" sz="2400" smtClean="0">
+                <a:solidFill>
+                  <a:schemeClr val="bg1"/>
+                </a:solidFill>
+                <a:latin typeface="Calibri" panose="020F0502020204030204" pitchFamily="34" charset="0"/>
+                <a:cs typeface="Calibri" panose="020F0502020204030204" pitchFamily="34" charset="0"/>
+              </a:rPr>
+              <a:pPr algn="ctr">
+                <a:defRPr sz="1800">
+                  <a:solidFill>
+                    <a:srgbClr val="000000"/>
+                  </a:solidFill>
+                </a:defRPr>
+              </a:pPr>
+              <a:t>4</a:t>
+            </a:fld>
+            <a:r>
+              <a:rPr lang="it-IT" sz="2400" dirty="0">
+                <a:solidFill>
+                  <a:schemeClr val="bg1"/>
+                </a:solidFill>
+                <a:latin typeface="Calibri" panose="020F0502020204030204" pitchFamily="34" charset="0"/>
+                <a:cs typeface="Calibri" panose="020F0502020204030204" pitchFamily="34" charset="0"/>
+              </a:rPr>
+              <a:t> di 9</a:t>
+            </a:r>
+          </a:p>
+        </p:txBody>
+      </p:sp>
+      <p:sp>
+        <p:nvSpPr>
+          <p:cNvPr id="16" name="Shape 208">
+            <a:extLst>
+              <a:ext uri="{FF2B5EF4-FFF2-40B4-BE49-F238E27FC236}">
+                <a16:creationId xmlns:a16="http://schemas.microsoft.com/office/drawing/2014/main" id="{4ABC1E2D-1F66-442C-B814-954AA4620B35}"/>
+              </a:ext>
+            </a:extLst>
+          </p:cNvPr>
+          <p:cNvSpPr/>
+          <p:nvPr/>
+        </p:nvSpPr>
+        <p:spPr>
+          <a:xfrm>
+            <a:off x="0" y="-2479"/>
+            <a:ext cx="9144000" cy="774098"/>
+          </a:xfrm>
+          <a:prstGeom prst="rect">
+            <a:avLst/>
+          </a:prstGeom>
+          <a:solidFill>
+            <a:srgbClr val="9A0014"/>
+          </a:solidFill>
+          <a:ln w="12700">
+            <a:miter lim="400000"/>
+          </a:ln>
+        </p:spPr>
+        <p:txBody>
+          <a:bodyPr lIns="0" tIns="0" rIns="0" bIns="0" anchor="ctr"/>
+          <a:lstStyle/>
+          <a:p>
+            <a:pPr lvl="0" algn="ctr">
+              <a:defRPr>
+                <a:solidFill>
+                  <a:srgbClr val="FFFFFF"/>
+                </a:solidFill>
+              </a:defRPr>
+            </a:pPr>
+            <a:r>
+              <a:rPr lang="it-IT" sz="2400" b="1" dirty="0">
+                <a:solidFill>
+                  <a:schemeClr val="bg1">
+                    <a:lumMod val="50000"/>
+                  </a:schemeClr>
+                </a:solidFill>
+                <a:latin typeface="Calibri" panose="020F0502020204030204" pitchFamily="34" charset="0"/>
+                <a:cs typeface="Calibri" panose="020F0502020204030204" pitchFamily="34" charset="0"/>
+              </a:rPr>
+              <a:t>L’azienda</a:t>
+            </a:r>
+            <a:r>
+              <a:rPr lang="it-IT" sz="2400" dirty="0">
+                <a:latin typeface="Calibri" panose="020F0502020204030204" pitchFamily="34" charset="0"/>
+                <a:cs typeface="Calibri" panose="020F0502020204030204" pitchFamily="34" charset="0"/>
+              </a:rPr>
+              <a:t> | </a:t>
+            </a:r>
+            <a:r>
+              <a:rPr lang="it-IT" sz="2400" dirty="0">
+                <a:solidFill>
+                  <a:schemeClr val="bg1"/>
+                </a:solidFill>
+                <a:latin typeface="Calibri" panose="020F0502020204030204" pitchFamily="34" charset="0"/>
+                <a:cs typeface="Calibri" panose="020F0502020204030204" pitchFamily="34" charset="0"/>
+              </a:rPr>
+              <a:t>Il progetto aziendale</a:t>
+            </a:r>
+            <a:r>
+              <a:rPr lang="it-IT" sz="2400" dirty="0">
+                <a:latin typeface="Calibri" panose="020F0502020204030204" pitchFamily="34" charset="0"/>
+                <a:cs typeface="Calibri" panose="020F0502020204030204" pitchFamily="34" charset="0"/>
+              </a:rPr>
+              <a:t> | </a:t>
+            </a:r>
+            <a:r>
+              <a:rPr lang="it-IT" sz="2400" dirty="0">
+                <a:solidFill>
+                  <a:schemeClr val="bg1">
+                    <a:lumMod val="50000"/>
+                  </a:schemeClr>
+                </a:solidFill>
+                <a:latin typeface="Calibri" panose="020F0502020204030204" pitchFamily="34" charset="0"/>
+                <a:cs typeface="Calibri" panose="020F0502020204030204" pitchFamily="34" charset="0"/>
+              </a:rPr>
+              <a:t>Il progetto di Stage</a:t>
+            </a:r>
+            <a:r>
+              <a:rPr lang="it-IT" sz="2400" dirty="0">
+                <a:latin typeface="Calibri" panose="020F0502020204030204" pitchFamily="34" charset="0"/>
+                <a:cs typeface="Calibri" panose="020F0502020204030204" pitchFamily="34" charset="0"/>
+              </a:rPr>
+              <a:t> | </a:t>
+            </a:r>
+            <a:r>
+              <a:rPr lang="it-IT" sz="2400" dirty="0">
+                <a:solidFill>
+                  <a:schemeClr val="bg1">
+                    <a:lumMod val="50000"/>
+                  </a:schemeClr>
+                </a:solidFill>
+                <a:latin typeface="Calibri" panose="020F0502020204030204" pitchFamily="34" charset="0"/>
+                <a:cs typeface="Calibri" panose="020F0502020204030204" pitchFamily="34" charset="0"/>
+              </a:rPr>
+              <a:t>I risultati</a:t>
+            </a:r>
+            <a:endParaRPr sz="2400" dirty="0">
+              <a:solidFill>
+                <a:schemeClr val="bg1">
+                  <a:lumMod val="50000"/>
+                </a:schemeClr>
+              </a:solidFill>
+              <a:latin typeface="Calibri" panose="020F0502020204030204" pitchFamily="34" charset="0"/>
+              <a:cs typeface="Calibri" panose="020F0502020204030204" pitchFamily="34" charset="0"/>
+            </a:endParaRPr>
+          </a:p>
+        </p:txBody>
+      </p:sp>
+      <p:sp>
+        <p:nvSpPr>
+          <p:cNvPr id="19" name="Shape 211">
+            <a:extLst>
+              <a:ext uri="{FF2B5EF4-FFF2-40B4-BE49-F238E27FC236}">
+                <a16:creationId xmlns:a16="http://schemas.microsoft.com/office/drawing/2014/main" id="{86D6EDDB-A662-4D29-BBA7-1EA4F12DDF65}"/>
+              </a:ext>
+            </a:extLst>
+          </p:cNvPr>
+          <p:cNvSpPr txBox="1">
+            <a:spLocks/>
+          </p:cNvSpPr>
+          <p:nvPr/>
+        </p:nvSpPr>
+        <p:spPr>
+          <a:xfrm>
+            <a:off x="7340292" y="6314400"/>
+            <a:ext cx="1803708" cy="541669"/>
+          </a:xfrm>
+          <a:prstGeom prst="rect">
+            <a:avLst/>
+          </a:prstGeom>
+          <a:ln w="12700">
+            <a:miter lim="400000"/>
+          </a:ln>
+          <a:extLst>
+            <a:ext uri="{C572A759-6A51-4108-AA02-DFA0A04FC94B}">
+              <ma14:wrappingTextBoxFlag xmlns="" xmlns:ma14="http://schemas.microsoft.com/office/mac/drawingml/2011/main" val="1"/>
+            </a:ext>
+          </a:extLst>
+        </p:spPr>
+        <p:txBody>
+          <a:bodyPr lIns="0" tIns="0" rIns="0" bIns="0" anchor="ctr">
+            <a:normAutofit/>
+          </a:bodyPr>
+          <a:lstStyle>
+            <a:lvl1pPr algn="r">
+              <a:defRPr sz="2000">
+                <a:solidFill>
+                  <a:srgbClr val="FFFFFF"/>
+                </a:solidFill>
+                <a:latin typeface="Calibri"/>
+                <a:ea typeface="Calibri"/>
+                <a:cs typeface="Calibri"/>
+                <a:sym typeface="Calibri"/>
+              </a:defRPr>
+            </a:lvl1pPr>
+            <a:lvl2pPr indent="457200">
+              <a:defRPr>
+                <a:latin typeface="Calibri"/>
+                <a:ea typeface="Calibri"/>
+                <a:cs typeface="Calibri"/>
+                <a:sym typeface="Calibri"/>
+              </a:defRPr>
+            </a:lvl2pPr>
+            <a:lvl3pPr indent="914400">
+              <a:defRPr>
+                <a:latin typeface="Calibri"/>
+                <a:ea typeface="Calibri"/>
+                <a:cs typeface="Calibri"/>
+                <a:sym typeface="Calibri"/>
+              </a:defRPr>
+            </a:lvl3pPr>
+            <a:lvl4pPr indent="1371600">
+              <a:defRPr>
+                <a:latin typeface="Calibri"/>
+                <a:ea typeface="Calibri"/>
+                <a:cs typeface="Calibri"/>
+                <a:sym typeface="Calibri"/>
+              </a:defRPr>
+            </a:lvl4pPr>
+            <a:lvl5pPr indent="1828800">
+              <a:defRPr>
+                <a:latin typeface="Calibri"/>
+                <a:ea typeface="Calibri"/>
+                <a:cs typeface="Calibri"/>
+                <a:sym typeface="Calibri"/>
+              </a:defRPr>
+            </a:lvl5pPr>
+            <a:lvl6pPr indent="2286000">
+              <a:defRPr>
+                <a:latin typeface="Calibri"/>
+                <a:ea typeface="Calibri"/>
+                <a:cs typeface="Calibri"/>
+                <a:sym typeface="Calibri"/>
+              </a:defRPr>
+            </a:lvl6pPr>
+            <a:lvl7pPr indent="2743200">
+              <a:defRPr>
+                <a:latin typeface="Calibri"/>
+                <a:ea typeface="Calibri"/>
+                <a:cs typeface="Calibri"/>
+                <a:sym typeface="Calibri"/>
+              </a:defRPr>
+            </a:lvl7pPr>
+            <a:lvl8pPr indent="3200400">
+              <a:defRPr>
+                <a:latin typeface="Calibri"/>
+                <a:ea typeface="Calibri"/>
+                <a:cs typeface="Calibri"/>
+                <a:sym typeface="Calibri"/>
+              </a:defRPr>
+            </a:lvl8pPr>
+            <a:lvl9pPr indent="3657600">
+              <a:defRPr>
+                <a:latin typeface="Calibri"/>
+                <a:ea typeface="Calibri"/>
+                <a:cs typeface="Calibri"/>
+                <a:sym typeface="Calibri"/>
+              </a:defRPr>
+            </a:lvl9pPr>
+          </a:lstStyle>
+          <a:p>
+            <a:pPr algn="ctr">
+              <a:defRPr sz="1800">
+                <a:solidFill>
+                  <a:srgbClr val="000000"/>
+                </a:solidFill>
+              </a:defRPr>
+            </a:pPr>
+            <a:fld id="{86CB4B4D-7CA3-9044-876B-883B54F8677D}" type="slidenum">
+              <a:rPr lang="it-IT" sz="2400" smtClean="0">
+                <a:solidFill>
+                  <a:schemeClr val="bg1"/>
+                </a:solidFill>
+                <a:latin typeface="Calibri" panose="020F0502020204030204" pitchFamily="34" charset="0"/>
+                <a:cs typeface="Calibri" panose="020F0502020204030204" pitchFamily="34" charset="0"/>
+              </a:rPr>
+              <a:pPr algn="ctr">
+                <a:defRPr sz="1800">
+                  <a:solidFill>
+                    <a:srgbClr val="000000"/>
+                  </a:solidFill>
+                </a:defRPr>
+              </a:pPr>
+              <a:t>4</a:t>
+            </a:fld>
+            <a:r>
+              <a:rPr lang="it-IT" sz="2400" dirty="0">
+                <a:solidFill>
+                  <a:schemeClr val="bg1"/>
+                </a:solidFill>
+                <a:latin typeface="Calibri" panose="020F0502020204030204" pitchFamily="34" charset="0"/>
+                <a:cs typeface="Calibri" panose="020F0502020204030204" pitchFamily="34" charset="0"/>
+              </a:rPr>
+              <a:t> di 9</a:t>
+            </a:r>
+          </a:p>
+        </p:txBody>
+      </p:sp>
+      <p:sp>
+        <p:nvSpPr>
+          <p:cNvPr id="23" name="Shape 208">
+            <a:extLst>
+              <a:ext uri="{FF2B5EF4-FFF2-40B4-BE49-F238E27FC236}">
+                <a16:creationId xmlns:a16="http://schemas.microsoft.com/office/drawing/2014/main" id="{9AA16206-6636-46BF-9333-B0C4CFACCDB8}"/>
+              </a:ext>
+            </a:extLst>
+          </p:cNvPr>
+          <p:cNvSpPr>
+            <a:spLocks noChangeAspect="1"/>
+          </p:cNvSpPr>
+          <p:nvPr/>
+        </p:nvSpPr>
+        <p:spPr>
+          <a:xfrm>
+            <a:off x="0" y="6426000"/>
+            <a:ext cx="9144000" cy="432000"/>
+          </a:xfrm>
+          <a:prstGeom prst="rect">
+            <a:avLst/>
+          </a:prstGeom>
+          <a:solidFill>
+            <a:srgbClr val="9A0014"/>
+          </a:solidFill>
+          <a:ln w="12700">
+            <a:miter lim="400000"/>
+          </a:ln>
+        </p:spPr>
+        <p:txBody>
+          <a:bodyPr lIns="0" tIns="0" rIns="0" bIns="0" anchor="ctr"/>
+          <a:lstStyle/>
+          <a:p>
+            <a:pPr lvl="0" algn="ctr">
+              <a:defRPr>
+                <a:solidFill>
+                  <a:srgbClr val="FFFFFF"/>
+                </a:solidFill>
+              </a:defRPr>
+            </a:pPr>
+            <a:endParaRPr lang="it-IT" sz="1400" b="1" dirty="0">
+              <a:latin typeface="Calibri" panose="020F0502020204030204" pitchFamily="34" charset="0"/>
+              <a:cs typeface="Calibri" panose="020F0502020204030204" pitchFamily="34" charset="0"/>
+            </a:endParaRPr>
+          </a:p>
+          <a:p>
+            <a:pPr lvl="0" algn="ctr">
+              <a:defRPr>
+                <a:solidFill>
+                  <a:srgbClr val="FFFFFF"/>
+                </a:solidFill>
+              </a:defRPr>
+            </a:pPr>
+            <a:r>
+              <a:rPr lang="it-IT" sz="1400" b="1" dirty="0">
+                <a:latin typeface="Calibri" panose="020F0502020204030204" pitchFamily="34" charset="0"/>
+                <a:cs typeface="Calibri" panose="020F0502020204030204" pitchFamily="34" charset="0"/>
+              </a:rPr>
+              <a:t>Abdelilah Lahmer - Meccanismi di programmazione back-end e analisi in ambito bancario</a:t>
+            </a:r>
+          </a:p>
+          <a:p>
+            <a:pPr lvl="0" algn="ctr">
+              <a:defRPr>
+                <a:solidFill>
+                  <a:srgbClr val="FFFFFF"/>
+                </a:solidFill>
+              </a:defRPr>
+            </a:pPr>
+            <a:endParaRPr sz="1400" b="1" dirty="0">
+              <a:latin typeface="Calibri" panose="020F0502020204030204" pitchFamily="34" charset="0"/>
+              <a:cs typeface="Calibri" panose="020F0502020204030204" pitchFamily="34" charset="0"/>
+            </a:endParaRPr>
+          </a:p>
+        </p:txBody>
+      </p:sp>
+      <p:pic>
+        <p:nvPicPr>
+          <p:cNvPr id="24" name="image5.png">
+            <a:extLst>
+              <a:ext uri="{FF2B5EF4-FFF2-40B4-BE49-F238E27FC236}">
+                <a16:creationId xmlns:a16="http://schemas.microsoft.com/office/drawing/2014/main" id="{C69C7554-47DE-4A2D-972A-D6DD20F4965F}"/>
+              </a:ext>
+            </a:extLst>
+          </p:cNvPr>
+          <p:cNvPicPr>
+            <a:picLocks noChangeAspect="1"/>
+          </p:cNvPicPr>
+          <p:nvPr/>
+        </p:nvPicPr>
+        <p:blipFill>
+          <a:blip r:embed="rId3">
+            <a:extLst/>
+          </a:blip>
+          <a:stretch>
+            <a:fillRect/>
+          </a:stretch>
+        </p:blipFill>
+        <p:spPr>
+          <a:xfrm>
+            <a:off x="0" y="6426000"/>
+            <a:ext cx="966133" cy="432000"/>
+          </a:xfrm>
+          <a:prstGeom prst="rect">
+            <a:avLst/>
+          </a:prstGeom>
+          <a:ln w="12700">
+            <a:miter lim="400000"/>
+          </a:ln>
+        </p:spPr>
+      </p:pic>
+      <p:sp>
+        <p:nvSpPr>
+          <p:cNvPr id="25" name="Shape 211">
+            <a:extLst>
+              <a:ext uri="{FF2B5EF4-FFF2-40B4-BE49-F238E27FC236}">
+                <a16:creationId xmlns:a16="http://schemas.microsoft.com/office/drawing/2014/main" id="{E4DEA2C1-3191-473D-815D-C6B0BD664503}"/>
+              </a:ext>
+            </a:extLst>
+          </p:cNvPr>
+          <p:cNvSpPr txBox="1">
+            <a:spLocks/>
+          </p:cNvSpPr>
+          <p:nvPr/>
+        </p:nvSpPr>
+        <p:spPr>
+          <a:xfrm>
+            <a:off x="8117059" y="6426000"/>
+            <a:ext cx="1026941" cy="432000"/>
+          </a:xfrm>
+          <a:prstGeom prst="rect">
+            <a:avLst/>
+          </a:prstGeom>
+          <a:ln w="12700">
+            <a:miter lim="400000"/>
+          </a:ln>
+          <a:extLst>
+            <a:ext uri="{C572A759-6A51-4108-AA02-DFA0A04FC94B}">
+              <ma14:wrappingTextBoxFlag xmlns="" xmlns:ma14="http://schemas.microsoft.com/office/mac/drawingml/2011/main" val="1"/>
+            </a:ext>
+          </a:extLst>
+        </p:spPr>
+        <p:txBody>
+          <a:bodyPr lIns="0" tIns="0" rIns="0" bIns="0" anchor="ctr">
+            <a:normAutofit/>
+          </a:bodyPr>
+          <a:lstStyle>
+            <a:lvl1pPr algn="r">
+              <a:defRPr sz="2000">
+                <a:solidFill>
+                  <a:srgbClr val="FFFFFF"/>
+                </a:solidFill>
+                <a:latin typeface="Calibri"/>
+                <a:ea typeface="Calibri"/>
+                <a:cs typeface="Calibri"/>
+                <a:sym typeface="Calibri"/>
+              </a:defRPr>
+            </a:lvl1pPr>
+            <a:lvl2pPr indent="457200">
+              <a:defRPr>
+                <a:latin typeface="Calibri"/>
+                <a:ea typeface="Calibri"/>
+                <a:cs typeface="Calibri"/>
+                <a:sym typeface="Calibri"/>
+              </a:defRPr>
+            </a:lvl2pPr>
+            <a:lvl3pPr indent="914400">
+              <a:defRPr>
+                <a:latin typeface="Calibri"/>
+                <a:ea typeface="Calibri"/>
+                <a:cs typeface="Calibri"/>
+                <a:sym typeface="Calibri"/>
+              </a:defRPr>
+            </a:lvl3pPr>
+            <a:lvl4pPr indent="1371600">
+              <a:defRPr>
+                <a:latin typeface="Calibri"/>
+                <a:ea typeface="Calibri"/>
+                <a:cs typeface="Calibri"/>
+                <a:sym typeface="Calibri"/>
+              </a:defRPr>
+            </a:lvl4pPr>
+            <a:lvl5pPr indent="1828800">
+              <a:defRPr>
+                <a:latin typeface="Calibri"/>
+                <a:ea typeface="Calibri"/>
+                <a:cs typeface="Calibri"/>
+                <a:sym typeface="Calibri"/>
+              </a:defRPr>
+            </a:lvl5pPr>
+            <a:lvl6pPr indent="2286000">
+              <a:defRPr>
+                <a:latin typeface="Calibri"/>
+                <a:ea typeface="Calibri"/>
+                <a:cs typeface="Calibri"/>
+                <a:sym typeface="Calibri"/>
+              </a:defRPr>
+            </a:lvl6pPr>
+            <a:lvl7pPr indent="2743200">
+              <a:defRPr>
+                <a:latin typeface="Calibri"/>
+                <a:ea typeface="Calibri"/>
+                <a:cs typeface="Calibri"/>
+                <a:sym typeface="Calibri"/>
+              </a:defRPr>
+            </a:lvl7pPr>
+            <a:lvl8pPr indent="3200400">
+              <a:defRPr>
+                <a:latin typeface="Calibri"/>
+                <a:ea typeface="Calibri"/>
+                <a:cs typeface="Calibri"/>
+                <a:sym typeface="Calibri"/>
+              </a:defRPr>
+            </a:lvl8pPr>
+            <a:lvl9pPr indent="3657600">
+              <a:defRPr>
+                <a:latin typeface="Calibri"/>
+                <a:ea typeface="Calibri"/>
+                <a:cs typeface="Calibri"/>
+                <a:sym typeface="Calibri"/>
+              </a:defRPr>
+            </a:lvl9pPr>
+          </a:lstStyle>
+          <a:p>
+            <a:pPr algn="ctr">
+              <a:defRPr sz="1800">
+                <a:solidFill>
+                  <a:srgbClr val="000000"/>
+                </a:solidFill>
+              </a:defRPr>
+            </a:pPr>
+            <a:fld id="{86CB4B4D-7CA3-9044-876B-883B54F8677D}" type="slidenum">
+              <a:rPr lang="it-IT" sz="2400" smtClean="0">
+                <a:solidFill>
+                  <a:schemeClr val="bg1"/>
+                </a:solidFill>
+                <a:latin typeface="Calibri" panose="020F0502020204030204" pitchFamily="34" charset="0"/>
+                <a:cs typeface="Calibri" panose="020F0502020204030204" pitchFamily="34" charset="0"/>
+              </a:rPr>
+              <a:pPr algn="ctr">
+                <a:defRPr sz="1800">
+                  <a:solidFill>
+                    <a:srgbClr val="000000"/>
+                  </a:solidFill>
+                </a:defRPr>
+              </a:pPr>
+              <a:t>4</a:t>
+            </a:fld>
+            <a:r>
+              <a:rPr lang="it-IT" sz="2400" dirty="0">
+                <a:solidFill>
+                  <a:schemeClr val="bg1"/>
+                </a:solidFill>
+                <a:latin typeface="Calibri" panose="020F0502020204030204" pitchFamily="34" charset="0"/>
+                <a:cs typeface="Calibri" panose="020F0502020204030204" pitchFamily="34" charset="0"/>
+              </a:rPr>
+              <a:t> di 9</a:t>
+            </a:r>
+          </a:p>
+        </p:txBody>
+      </p:sp>
+    </p:spTree>
+    <p:extLst>
+      <p:ext uri="{BB962C8B-B14F-4D97-AF65-F5344CB8AC3E}">
+        <p14:creationId xmlns:p14="http://schemas.microsoft.com/office/powerpoint/2010/main" val="1163888449"/>
+      </p:ext>
+    </p:extLst>
+  </p:cSld>
+  <p:clrMapOvr>
+    <a:masterClrMapping/>
+  </p:clrMapOvr>
+  <p:transition spd="med"/>
+</p:sld>
+</file>
+
+<file path=ppt/slides/slide5.xml><?xml version="1.0" encoding="utf-8"?>
+<p:sld xmlns:a="http://schemas.openxmlformats.org/drawingml/2006/main" xmlns:r="http://schemas.openxmlformats.org/officeDocument/2006/relationships" xmlns:p="http://schemas.openxmlformats.org/presentationml/2006/main">
+  <p:cSld>
+    <p:spTree>
+      <p:nvGrpSpPr>
+        <p:cNvPr id="1" name=""/>
+        <p:cNvGrpSpPr/>
+        <p:nvPr/>
+      </p:nvGrpSpPr>
+      <p:grpSpPr>
+        <a:xfrm>
+          <a:off x="0" y="0"/>
+          <a:ext cx="0" cy="0"/>
+          <a:chOff x="0" y="0"/>
+          <a:chExt cx="0" cy="0"/>
+        </a:xfrm>
+      </p:grpSpPr>
+      <p:pic>
+        <p:nvPicPr>
+          <p:cNvPr id="207" name="image3.png"/>
+          <p:cNvPicPr/>
+          <p:nvPr/>
+        </p:nvPicPr>
+        <p:blipFill>
+          <a:blip r:embed="rId2">
+            <a:extLst/>
+          </a:blip>
+          <a:stretch>
+            <a:fillRect/>
+          </a:stretch>
+        </p:blipFill>
+        <p:spPr>
+          <a:xfrm>
+            <a:off x="7340293" y="38100"/>
+            <a:ext cx="1549709" cy="692941"/>
+          </a:xfrm>
+          <a:prstGeom prst="rect">
+            <a:avLst/>
+          </a:prstGeom>
+          <a:ln w="12700">
+            <a:miter lim="400000"/>
+          </a:ln>
+        </p:spPr>
+      </p:pic>
+      <p:pic>
+        <p:nvPicPr>
+          <p:cNvPr id="210" name="image5.png"/>
+          <p:cNvPicPr/>
+          <p:nvPr/>
+        </p:nvPicPr>
+        <p:blipFill>
+          <a:blip r:embed="rId3">
+            <a:extLst/>
+          </a:blip>
+          <a:stretch>
+            <a:fillRect/>
+          </a:stretch>
+        </p:blipFill>
+        <p:spPr>
+          <a:xfrm>
+            <a:off x="7340292" y="18533"/>
+            <a:ext cx="1619558" cy="724175"/>
+          </a:xfrm>
+          <a:prstGeom prst="rect">
+            <a:avLst/>
+          </a:prstGeom>
+          <a:ln w="12700">
+            <a:miter lim="400000"/>
+          </a:ln>
+        </p:spPr>
+      </p:pic>
+      <p:sp>
+        <p:nvSpPr>
+          <p:cNvPr id="211" name="Shape 211"/>
+          <p:cNvSpPr>
+            <a:spLocks noGrp="1"/>
+          </p:cNvSpPr>
+          <p:nvPr>
+            <p:ph type="sldNum" sz="quarter" idx="2"/>
+          </p:nvPr>
+        </p:nvSpPr>
+        <p:spPr>
+          <a:xfrm>
+            <a:off x="6915149" y="6395396"/>
+            <a:ext cx="2057401" cy="383541"/>
+          </a:xfrm>
+          <a:prstGeom prst="rect">
+            <a:avLst/>
+          </a:prstGeom>
+          <a:extLst>
+            <a:ext uri="{C572A759-6A51-4108-AA02-DFA0A04FC94B}">
+              <ma14:wrappingTextBoxFlag xmlns="" xmlns:ma14="http://schemas.microsoft.com/office/mac/drawingml/2011/main" val="1"/>
+            </a:ext>
+          </a:extLst>
+        </p:spPr>
+        <p:txBody>
+          <a:bodyPr lIns="0" tIns="0" rIns="0" bIns="0">
+            <a:normAutofit/>
+          </a:bodyPr>
+          <a:lstStyle>
+            <a:lvl1pPr>
+              <a:defRPr sz="2000">
+                <a:solidFill>
+                  <a:srgbClr val="FFFFFF"/>
+                </a:solidFill>
+              </a:defRPr>
+            </a:lvl1pPr>
+          </a:lstStyle>
+          <a:p>
+            <a:pPr lvl="0">
+              <a:defRPr sz="1800">
+                <a:solidFill>
+                  <a:srgbClr val="000000"/>
+                </a:solidFill>
+              </a:defRPr>
+            </a:pPr>
+            <a:fld id="{86CB4B4D-7CA3-9044-876B-883B54F8677D}" type="slidenum">
+              <a:rPr sz="2000" smtClean="0">
+                <a:solidFill>
+                  <a:srgbClr val="FFFFFF"/>
+                </a:solidFill>
+              </a:rPr>
+              <a:t>5</a:t>
+            </a:fld>
+            <a:r>
+              <a:rPr lang="it-IT" sz="2000" dirty="0">
+                <a:solidFill>
+                  <a:srgbClr val="FFFFFF"/>
+                </a:solidFill>
+              </a:rPr>
+              <a:t> di 7</a:t>
+            </a:r>
+            <a:endParaRPr sz="2000" dirty="0">
+              <a:solidFill>
+                <a:srgbClr val="FFFFFF"/>
+              </a:solidFill>
+            </a:endParaRPr>
+          </a:p>
+        </p:txBody>
+      </p:sp>
+      <p:sp>
+        <p:nvSpPr>
+          <p:cNvPr id="214" name="Shape 214"/>
+          <p:cNvSpPr/>
+          <p:nvPr/>
+        </p:nvSpPr>
+        <p:spPr>
+          <a:xfrm>
+            <a:off x="6915149" y="6395396"/>
+            <a:ext cx="2057401" cy="383541"/>
+          </a:xfrm>
+          <a:prstGeom prst="rect">
+            <a:avLst/>
+          </a:prstGeom>
+          <a:ln w="12700">
+            <a:miter lim="400000"/>
+          </a:ln>
+          <a:extLst>
+            <a:ext uri="{C572A759-6A51-4108-AA02-DFA0A04FC94B}">
+              <ma14:wrappingTextBoxFlag xmlns="" xmlns:ma14="http://schemas.microsoft.com/office/mac/drawingml/2011/main" val="1"/>
+            </a:ext>
+          </a:extLst>
+        </p:spPr>
+        <p:txBody>
+          <a:bodyPr lIns="0" tIns="0" rIns="0" bIns="0" anchor="ctr">
+            <a:normAutofit/>
+          </a:bodyPr>
+          <a:lstStyle>
+            <a:lvl1pPr algn="r">
+              <a:defRPr sz="2000">
+                <a:solidFill>
+                  <a:srgbClr val="FFFFFF"/>
+                </a:solidFill>
+              </a:defRPr>
+            </a:lvl1pPr>
+          </a:lstStyle>
+          <a:p>
+            <a:pPr lvl="0">
+              <a:defRPr sz="1800">
+                <a:solidFill>
+                  <a:srgbClr val="000000"/>
+                </a:solidFill>
+              </a:defRPr>
+            </a:pPr>
+            <a:endParaRPr sz="2000" dirty="0">
+              <a:solidFill>
+                <a:srgbClr val="FFFFFF"/>
+              </a:solidFill>
+            </a:endParaRPr>
+          </a:p>
+        </p:txBody>
+      </p:sp>
+      <p:sp>
+        <p:nvSpPr>
+          <p:cNvPr id="13" name="Shape 52">
+            <a:extLst>
+              <a:ext uri="{FF2B5EF4-FFF2-40B4-BE49-F238E27FC236}">
+                <a16:creationId xmlns:a16="http://schemas.microsoft.com/office/drawing/2014/main" id="{9ECC361E-3151-4250-8158-91BDA0F0F496}"/>
+              </a:ext>
+            </a:extLst>
+          </p:cNvPr>
+          <p:cNvSpPr/>
+          <p:nvPr/>
+        </p:nvSpPr>
+        <p:spPr>
+          <a:xfrm>
+            <a:off x="1068264" y="1968278"/>
+            <a:ext cx="3503736" cy="2062103"/>
+          </a:xfrm>
+          <a:prstGeom prst="rect">
+            <a:avLst/>
+          </a:prstGeom>
+          <a:ln w="12700">
+            <a:miter lim="400000"/>
+          </a:ln>
+          <a:extLst>
+            <a:ext uri="{C572A759-6A51-4108-AA02-DFA0A04FC94B}">
+              <ma14:wrappingTextBoxFlag xmlns="" xmlns:ma14="http://schemas.microsoft.com/office/mac/drawingml/2011/main" val="1"/>
+            </a:ext>
+          </a:extLst>
+        </p:spPr>
+        <p:txBody>
+          <a:bodyPr wrap="square" lIns="45719" rIns="45719">
+            <a:spAutoFit/>
+          </a:bodyPr>
+          <a:lstStyle/>
+          <a:p>
+            <a:pPr lvl="0" algn="l"/>
+            <a:r>
+              <a:rPr lang="it-IT" sz="3200" b="1" dirty="0">
+                <a:solidFill>
+                  <a:schemeClr val="tx1"/>
+                </a:solidFill>
+                <a:latin typeface="Calibri" panose="020F0502020204030204" pitchFamily="34" charset="0"/>
+                <a:cs typeface="Calibri" panose="020F0502020204030204" pitchFamily="34" charset="0"/>
+              </a:rPr>
+              <a:t>Formazione</a:t>
+            </a:r>
+          </a:p>
+          <a:p>
+            <a:pPr lvl="0" algn="l"/>
+            <a:endParaRPr lang="it-IT" sz="3200" b="1" dirty="0">
+              <a:solidFill>
+                <a:schemeClr val="tx1"/>
+              </a:solidFill>
+              <a:latin typeface="Calibri" panose="020F0502020204030204" pitchFamily="34" charset="0"/>
+              <a:cs typeface="Calibri" panose="020F0502020204030204" pitchFamily="34" charset="0"/>
+            </a:endParaRPr>
+          </a:p>
+          <a:p>
+            <a:pPr marL="457200" lvl="0" indent="-457200" algn="l">
+              <a:buClr>
+                <a:srgbClr val="C00000"/>
+              </a:buClr>
+              <a:buFont typeface="Wingdings" panose="05000000000000000000" pitchFamily="2" charset="2"/>
+              <a:buChar char="Ø"/>
+            </a:pPr>
+            <a:r>
+              <a:rPr lang="it-IT" sz="3200" b="1" dirty="0">
+                <a:solidFill>
+                  <a:schemeClr val="tx1"/>
+                </a:solidFill>
+                <a:latin typeface="Calibri" panose="020F0502020204030204" pitchFamily="34" charset="0"/>
+                <a:cs typeface="Calibri" panose="020F0502020204030204" pitchFamily="34" charset="0"/>
+              </a:rPr>
+              <a:t>Tecnica</a:t>
+            </a:r>
+          </a:p>
+          <a:p>
+            <a:pPr marL="457200" lvl="0" indent="-457200" algn="l">
+              <a:buClr>
+                <a:srgbClr val="C00000"/>
+              </a:buClr>
+              <a:buFont typeface="Wingdings" panose="05000000000000000000" pitchFamily="2" charset="2"/>
+              <a:buChar char="Ø"/>
+            </a:pPr>
+            <a:r>
+              <a:rPr lang="it-IT" sz="3200" b="1" dirty="0">
+                <a:solidFill>
+                  <a:schemeClr val="tx1"/>
+                </a:solidFill>
+                <a:latin typeface="Calibri" panose="020F0502020204030204" pitchFamily="34" charset="0"/>
+                <a:cs typeface="Calibri" panose="020F0502020204030204" pitchFamily="34" charset="0"/>
+              </a:rPr>
+              <a:t>Funzionale</a:t>
+            </a:r>
+            <a:endParaRPr sz="3200" b="1" dirty="0">
+              <a:solidFill>
+                <a:schemeClr val="tx1"/>
+              </a:solidFill>
+              <a:latin typeface="Calibri" panose="020F0502020204030204" pitchFamily="34" charset="0"/>
+              <a:cs typeface="Calibri" panose="020F0502020204030204" pitchFamily="34" charset="0"/>
+            </a:endParaRPr>
+          </a:p>
+        </p:txBody>
+      </p:sp>
+      <p:pic>
+        <p:nvPicPr>
+          <p:cNvPr id="4" name="Elemento grafico 3" descr="Insegnante">
+            <a:extLst>
+              <a:ext uri="{FF2B5EF4-FFF2-40B4-BE49-F238E27FC236}">
+                <a16:creationId xmlns:a16="http://schemas.microsoft.com/office/drawing/2014/main" id="{5EAE0D86-ECAC-4A34-831E-3FE817F5D93D}"/>
+              </a:ext>
+            </a:extLst>
+          </p:cNvPr>
+          <p:cNvPicPr>
+            <a:picLocks noChangeAspect="1"/>
+          </p:cNvPicPr>
+          <p:nvPr/>
+        </p:nvPicPr>
+        <p:blipFill>
+          <a:blip r:embed="rId4">
+            <a:extLst>
+              <a:ext uri="{28A0092B-C50C-407E-A947-70E740481C1C}">
+                <a14:useLocalDpi xmlns:a14="http://schemas.microsoft.com/office/drawing/2010/main" val="0"/>
+              </a:ext>
+              <a:ext uri="{96DAC541-7B7A-43D3-8B79-37D633B846F1}">
+                <asvg:svgBlip xmlns:asvg="http://schemas.microsoft.com/office/drawing/2016/SVG/main" r:embed="rId5"/>
+              </a:ext>
+            </a:extLst>
+          </a:blip>
+          <a:stretch>
+            <a:fillRect/>
+          </a:stretch>
+        </p:blipFill>
+        <p:spPr>
+          <a:xfrm>
+            <a:off x="1068264" y="3994123"/>
+            <a:ext cx="2286000" cy="2286000"/>
+          </a:xfrm>
+          <a:prstGeom prst="rect">
+            <a:avLst/>
+          </a:prstGeom>
+        </p:spPr>
+      </p:pic>
+      <p:sp>
+        <p:nvSpPr>
+          <p:cNvPr id="15" name="Shape 211">
+            <a:extLst>
+              <a:ext uri="{FF2B5EF4-FFF2-40B4-BE49-F238E27FC236}">
+                <a16:creationId xmlns:a16="http://schemas.microsoft.com/office/drawing/2014/main" id="{12D6C61F-A8E0-464D-85A4-97AED48A7503}"/>
+              </a:ext>
+            </a:extLst>
+          </p:cNvPr>
+          <p:cNvSpPr txBox="1">
+            <a:spLocks/>
+          </p:cNvSpPr>
+          <p:nvPr/>
+        </p:nvSpPr>
+        <p:spPr>
+          <a:xfrm>
+            <a:off x="7340292" y="6316331"/>
+            <a:ext cx="1803708" cy="541669"/>
+          </a:xfrm>
+          <a:prstGeom prst="rect">
+            <a:avLst/>
+          </a:prstGeom>
+          <a:ln w="12700">
+            <a:miter lim="400000"/>
+          </a:ln>
+          <a:extLst>
+            <a:ext uri="{C572A759-6A51-4108-AA02-DFA0A04FC94B}">
+              <ma14:wrappingTextBoxFlag xmlns="" xmlns:ma14="http://schemas.microsoft.com/office/mac/drawingml/2011/main" val="1"/>
+            </a:ext>
+          </a:extLst>
+        </p:spPr>
+        <p:txBody>
+          <a:bodyPr lIns="0" tIns="0" rIns="0" bIns="0" anchor="ctr">
+            <a:normAutofit/>
+          </a:bodyPr>
+          <a:lstStyle>
+            <a:lvl1pPr algn="r">
+              <a:defRPr sz="2000">
+                <a:solidFill>
+                  <a:srgbClr val="FFFFFF"/>
+                </a:solidFill>
+                <a:latin typeface="Calibri"/>
+                <a:ea typeface="Calibri"/>
+                <a:cs typeface="Calibri"/>
+                <a:sym typeface="Calibri"/>
+              </a:defRPr>
+            </a:lvl1pPr>
+            <a:lvl2pPr indent="457200">
+              <a:defRPr>
+                <a:latin typeface="Calibri"/>
+                <a:ea typeface="Calibri"/>
+                <a:cs typeface="Calibri"/>
+                <a:sym typeface="Calibri"/>
+              </a:defRPr>
+            </a:lvl2pPr>
+            <a:lvl3pPr indent="914400">
+              <a:defRPr>
+                <a:latin typeface="Calibri"/>
+                <a:ea typeface="Calibri"/>
+                <a:cs typeface="Calibri"/>
+                <a:sym typeface="Calibri"/>
+              </a:defRPr>
+            </a:lvl3pPr>
+            <a:lvl4pPr indent="1371600">
+              <a:defRPr>
+                <a:latin typeface="Calibri"/>
+                <a:ea typeface="Calibri"/>
+                <a:cs typeface="Calibri"/>
+                <a:sym typeface="Calibri"/>
+              </a:defRPr>
+            </a:lvl4pPr>
+            <a:lvl5pPr indent="1828800">
+              <a:defRPr>
+                <a:latin typeface="Calibri"/>
+                <a:ea typeface="Calibri"/>
+                <a:cs typeface="Calibri"/>
+                <a:sym typeface="Calibri"/>
+              </a:defRPr>
+            </a:lvl5pPr>
+            <a:lvl6pPr indent="2286000">
+              <a:defRPr>
+                <a:latin typeface="Calibri"/>
+                <a:ea typeface="Calibri"/>
+                <a:cs typeface="Calibri"/>
+                <a:sym typeface="Calibri"/>
+              </a:defRPr>
+            </a:lvl6pPr>
+            <a:lvl7pPr indent="2743200">
+              <a:defRPr>
+                <a:latin typeface="Calibri"/>
+                <a:ea typeface="Calibri"/>
+                <a:cs typeface="Calibri"/>
+                <a:sym typeface="Calibri"/>
+              </a:defRPr>
+            </a:lvl7pPr>
+            <a:lvl8pPr indent="3200400">
+              <a:defRPr>
+                <a:latin typeface="Calibri"/>
+                <a:ea typeface="Calibri"/>
+                <a:cs typeface="Calibri"/>
+                <a:sym typeface="Calibri"/>
+              </a:defRPr>
+            </a:lvl8pPr>
+            <a:lvl9pPr indent="3657600">
+              <a:defRPr>
+                <a:latin typeface="Calibri"/>
+                <a:ea typeface="Calibri"/>
+                <a:cs typeface="Calibri"/>
+                <a:sym typeface="Calibri"/>
+              </a:defRPr>
+            </a:lvl9pPr>
+          </a:lstStyle>
+          <a:p>
+            <a:pPr algn="ctr">
+              <a:defRPr sz="1800">
+                <a:solidFill>
+                  <a:srgbClr val="000000"/>
+                </a:solidFill>
+              </a:defRPr>
+            </a:pPr>
+            <a:fld id="{86CB4B4D-7CA3-9044-876B-883B54F8677D}" type="slidenum">
+              <a:rPr lang="it-IT" sz="2400" smtClean="0">
+                <a:solidFill>
+                  <a:schemeClr val="bg1"/>
+                </a:solidFill>
+                <a:latin typeface="Calibri" panose="020F0502020204030204" pitchFamily="34" charset="0"/>
+                <a:cs typeface="Calibri" panose="020F0502020204030204" pitchFamily="34" charset="0"/>
+              </a:rPr>
+              <a:pPr algn="ctr">
+                <a:defRPr sz="1800">
+                  <a:solidFill>
+                    <a:srgbClr val="000000"/>
+                  </a:solidFill>
+                </a:defRPr>
+              </a:pPr>
+              <a:t>5</a:t>
+            </a:fld>
+            <a:r>
+              <a:rPr lang="it-IT" sz="2400" dirty="0">
+                <a:solidFill>
+                  <a:schemeClr val="bg1"/>
+                </a:solidFill>
+                <a:latin typeface="Calibri" panose="020F0502020204030204" pitchFamily="34" charset="0"/>
+                <a:cs typeface="Calibri" panose="020F0502020204030204" pitchFamily="34" charset="0"/>
+              </a:rPr>
+              <a:t> di 7</a:t>
+            </a:r>
+          </a:p>
+        </p:txBody>
+      </p:sp>
+      <p:sp>
+        <p:nvSpPr>
+          <p:cNvPr id="18" name="Shape 211">
+            <a:extLst>
+              <a:ext uri="{FF2B5EF4-FFF2-40B4-BE49-F238E27FC236}">
+                <a16:creationId xmlns:a16="http://schemas.microsoft.com/office/drawing/2014/main" id="{AA6D190C-EC87-44D5-907A-113C846BEA4C}"/>
+              </a:ext>
+            </a:extLst>
+          </p:cNvPr>
+          <p:cNvSpPr txBox="1">
+            <a:spLocks/>
+          </p:cNvSpPr>
+          <p:nvPr/>
+        </p:nvSpPr>
+        <p:spPr>
+          <a:xfrm>
+            <a:off x="7340292" y="6314400"/>
+            <a:ext cx="1803708" cy="541669"/>
+          </a:xfrm>
+          <a:prstGeom prst="rect">
+            <a:avLst/>
+          </a:prstGeom>
+          <a:ln w="12700">
+            <a:miter lim="400000"/>
+          </a:ln>
+          <a:extLst>
+            <a:ext uri="{C572A759-6A51-4108-AA02-DFA0A04FC94B}">
+              <ma14:wrappingTextBoxFlag xmlns="" xmlns:ma14="http://schemas.microsoft.com/office/mac/drawingml/2011/main" val="1"/>
+            </a:ext>
+          </a:extLst>
+        </p:spPr>
+        <p:txBody>
+          <a:bodyPr lIns="0" tIns="0" rIns="0" bIns="0" anchor="ctr">
+            <a:normAutofit/>
+          </a:bodyPr>
+          <a:lstStyle>
+            <a:lvl1pPr algn="r">
+              <a:defRPr sz="2000">
+                <a:solidFill>
+                  <a:srgbClr val="FFFFFF"/>
+                </a:solidFill>
+                <a:latin typeface="Calibri"/>
+                <a:ea typeface="Calibri"/>
+                <a:cs typeface="Calibri"/>
+                <a:sym typeface="Calibri"/>
+              </a:defRPr>
+            </a:lvl1pPr>
+            <a:lvl2pPr indent="457200">
+              <a:defRPr>
+                <a:latin typeface="Calibri"/>
+                <a:ea typeface="Calibri"/>
+                <a:cs typeface="Calibri"/>
+                <a:sym typeface="Calibri"/>
+              </a:defRPr>
+            </a:lvl2pPr>
+            <a:lvl3pPr indent="914400">
+              <a:defRPr>
+                <a:latin typeface="Calibri"/>
+                <a:ea typeface="Calibri"/>
+                <a:cs typeface="Calibri"/>
+                <a:sym typeface="Calibri"/>
+              </a:defRPr>
+            </a:lvl3pPr>
+            <a:lvl4pPr indent="1371600">
+              <a:defRPr>
+                <a:latin typeface="Calibri"/>
+                <a:ea typeface="Calibri"/>
+                <a:cs typeface="Calibri"/>
+                <a:sym typeface="Calibri"/>
+              </a:defRPr>
+            </a:lvl4pPr>
+            <a:lvl5pPr indent="1828800">
+              <a:defRPr>
+                <a:latin typeface="Calibri"/>
+                <a:ea typeface="Calibri"/>
+                <a:cs typeface="Calibri"/>
+                <a:sym typeface="Calibri"/>
+              </a:defRPr>
+            </a:lvl5pPr>
+            <a:lvl6pPr indent="2286000">
+              <a:defRPr>
+                <a:latin typeface="Calibri"/>
+                <a:ea typeface="Calibri"/>
+                <a:cs typeface="Calibri"/>
+                <a:sym typeface="Calibri"/>
+              </a:defRPr>
+            </a:lvl6pPr>
+            <a:lvl7pPr indent="2743200">
+              <a:defRPr>
+                <a:latin typeface="Calibri"/>
+                <a:ea typeface="Calibri"/>
+                <a:cs typeface="Calibri"/>
+                <a:sym typeface="Calibri"/>
+              </a:defRPr>
+            </a:lvl7pPr>
+            <a:lvl8pPr indent="3200400">
+              <a:defRPr>
+                <a:latin typeface="Calibri"/>
+                <a:ea typeface="Calibri"/>
+                <a:cs typeface="Calibri"/>
+                <a:sym typeface="Calibri"/>
+              </a:defRPr>
+            </a:lvl8pPr>
+            <a:lvl9pPr indent="3657600">
+              <a:defRPr>
+                <a:latin typeface="Calibri"/>
+                <a:ea typeface="Calibri"/>
+                <a:cs typeface="Calibri"/>
+                <a:sym typeface="Calibri"/>
+              </a:defRPr>
+            </a:lvl9pPr>
+          </a:lstStyle>
+          <a:p>
+            <a:pPr algn="ctr">
+              <a:defRPr sz="1800">
+                <a:solidFill>
+                  <a:srgbClr val="000000"/>
+                </a:solidFill>
+              </a:defRPr>
+            </a:pPr>
+            <a:fld id="{86CB4B4D-7CA3-9044-876B-883B54F8677D}" type="slidenum">
+              <a:rPr lang="it-IT" sz="2400" smtClean="0">
+                <a:solidFill>
+                  <a:schemeClr val="bg1"/>
+                </a:solidFill>
+                <a:latin typeface="Calibri" panose="020F0502020204030204" pitchFamily="34" charset="0"/>
+                <a:cs typeface="Calibri" panose="020F0502020204030204" pitchFamily="34" charset="0"/>
+              </a:rPr>
+              <a:pPr algn="ctr">
+                <a:defRPr sz="1800">
+                  <a:solidFill>
+                    <a:srgbClr val="000000"/>
+                  </a:solidFill>
+                </a:defRPr>
+              </a:pPr>
+              <a:t>5</a:t>
+            </a:fld>
+            <a:r>
+              <a:rPr lang="it-IT" sz="2400" dirty="0">
+                <a:solidFill>
+                  <a:schemeClr val="bg1"/>
+                </a:solidFill>
+                <a:latin typeface="Calibri" panose="020F0502020204030204" pitchFamily="34" charset="0"/>
+                <a:cs typeface="Calibri" panose="020F0502020204030204" pitchFamily="34" charset="0"/>
+              </a:rPr>
+              <a:t> di 9</a:t>
+            </a:r>
+          </a:p>
+        </p:txBody>
+      </p:sp>
+      <p:sp>
+        <p:nvSpPr>
+          <p:cNvPr id="20" name="Shape 208">
+            <a:extLst>
+              <a:ext uri="{FF2B5EF4-FFF2-40B4-BE49-F238E27FC236}">
+                <a16:creationId xmlns:a16="http://schemas.microsoft.com/office/drawing/2014/main" id="{D5719DDD-1E87-45C6-AD97-36DD76DD7706}"/>
+              </a:ext>
+            </a:extLst>
+          </p:cNvPr>
+          <p:cNvSpPr/>
+          <p:nvPr/>
+        </p:nvSpPr>
+        <p:spPr>
+          <a:xfrm>
+            <a:off x="0" y="-2479"/>
+            <a:ext cx="9144000" cy="774098"/>
+          </a:xfrm>
+          <a:prstGeom prst="rect">
+            <a:avLst/>
+          </a:prstGeom>
+          <a:solidFill>
+            <a:srgbClr val="9A0014"/>
+          </a:solidFill>
+          <a:ln w="12700">
+            <a:miter lim="400000"/>
+          </a:ln>
+        </p:spPr>
+        <p:txBody>
+          <a:bodyPr lIns="0" tIns="0" rIns="0" bIns="0" anchor="ctr"/>
+          <a:lstStyle/>
+          <a:p>
+            <a:pPr lvl="0" algn="ctr">
+              <a:defRPr>
+                <a:solidFill>
+                  <a:srgbClr val="FFFFFF"/>
+                </a:solidFill>
+              </a:defRPr>
+            </a:pPr>
+            <a:r>
+              <a:rPr lang="it-IT" sz="2400" b="1" dirty="0">
+                <a:solidFill>
+                  <a:schemeClr val="bg1">
+                    <a:lumMod val="50000"/>
+                  </a:schemeClr>
+                </a:solidFill>
+                <a:latin typeface="Calibri" panose="020F0502020204030204" pitchFamily="34" charset="0"/>
+                <a:cs typeface="Calibri" panose="020F0502020204030204" pitchFamily="34" charset="0"/>
+              </a:rPr>
+              <a:t>L’azienda</a:t>
+            </a:r>
+            <a:r>
+              <a:rPr lang="it-IT" sz="2400" dirty="0">
+                <a:latin typeface="Calibri" panose="020F0502020204030204" pitchFamily="34" charset="0"/>
+                <a:cs typeface="Calibri" panose="020F0502020204030204" pitchFamily="34" charset="0"/>
+              </a:rPr>
+              <a:t> | </a:t>
+            </a:r>
+            <a:r>
+              <a:rPr lang="it-IT" sz="2400" dirty="0">
+                <a:solidFill>
+                  <a:schemeClr val="bg1">
+                    <a:lumMod val="50000"/>
+                  </a:schemeClr>
+                </a:solidFill>
+                <a:latin typeface="Calibri" panose="020F0502020204030204" pitchFamily="34" charset="0"/>
+                <a:cs typeface="Calibri" panose="020F0502020204030204" pitchFamily="34" charset="0"/>
+              </a:rPr>
+              <a:t>Il progetto aziendale</a:t>
+            </a:r>
+            <a:r>
+              <a:rPr lang="it-IT" sz="2400" dirty="0">
+                <a:latin typeface="Calibri" panose="020F0502020204030204" pitchFamily="34" charset="0"/>
+                <a:cs typeface="Calibri" panose="020F0502020204030204" pitchFamily="34" charset="0"/>
+              </a:rPr>
+              <a:t> | </a:t>
+            </a:r>
+            <a:r>
+              <a:rPr lang="it-IT" sz="2400" dirty="0">
+                <a:solidFill>
+                  <a:schemeClr val="bg1"/>
+                </a:solidFill>
+                <a:latin typeface="Calibri" panose="020F0502020204030204" pitchFamily="34" charset="0"/>
+                <a:cs typeface="Calibri" panose="020F0502020204030204" pitchFamily="34" charset="0"/>
+              </a:rPr>
+              <a:t>Il progetto di Stage</a:t>
+            </a:r>
+            <a:r>
+              <a:rPr lang="it-IT" sz="2400" dirty="0">
+                <a:latin typeface="Calibri" panose="020F0502020204030204" pitchFamily="34" charset="0"/>
+                <a:cs typeface="Calibri" panose="020F0502020204030204" pitchFamily="34" charset="0"/>
+              </a:rPr>
+              <a:t> | </a:t>
+            </a:r>
+            <a:r>
+              <a:rPr lang="it-IT" sz="2400" dirty="0">
+                <a:solidFill>
+                  <a:schemeClr val="bg1">
+                    <a:lumMod val="50000"/>
+                  </a:schemeClr>
+                </a:solidFill>
+                <a:latin typeface="Calibri" panose="020F0502020204030204" pitchFamily="34" charset="0"/>
+                <a:cs typeface="Calibri" panose="020F0502020204030204" pitchFamily="34" charset="0"/>
+              </a:rPr>
+              <a:t>I risultati</a:t>
+            </a:r>
+            <a:endParaRPr sz="2400" dirty="0">
+              <a:solidFill>
+                <a:schemeClr val="bg1">
+                  <a:lumMod val="50000"/>
+                </a:schemeClr>
+              </a:solidFill>
+              <a:latin typeface="Calibri" panose="020F0502020204030204" pitchFamily="34" charset="0"/>
+              <a:cs typeface="Calibri" panose="020F0502020204030204" pitchFamily="34" charset="0"/>
+            </a:endParaRPr>
+          </a:p>
+        </p:txBody>
+      </p:sp>
+      <p:sp>
+        <p:nvSpPr>
+          <p:cNvPr id="24" name="Shape 208">
+            <a:extLst>
+              <a:ext uri="{FF2B5EF4-FFF2-40B4-BE49-F238E27FC236}">
+                <a16:creationId xmlns:a16="http://schemas.microsoft.com/office/drawing/2014/main" id="{082ADC3C-C064-46FF-ADFE-E4221E03649A}"/>
+              </a:ext>
+            </a:extLst>
+          </p:cNvPr>
+          <p:cNvSpPr>
+            <a:spLocks noChangeAspect="1"/>
+          </p:cNvSpPr>
+          <p:nvPr/>
+        </p:nvSpPr>
+        <p:spPr>
+          <a:xfrm>
+            <a:off x="0" y="6426000"/>
+            <a:ext cx="9144000" cy="432000"/>
+          </a:xfrm>
+          <a:prstGeom prst="rect">
+            <a:avLst/>
+          </a:prstGeom>
+          <a:solidFill>
+            <a:srgbClr val="9A0014"/>
+          </a:solidFill>
+          <a:ln w="12700">
+            <a:miter lim="400000"/>
+          </a:ln>
+        </p:spPr>
+        <p:txBody>
+          <a:bodyPr lIns="0" tIns="0" rIns="0" bIns="0" anchor="ctr"/>
+          <a:lstStyle/>
+          <a:p>
+            <a:pPr lvl="0" algn="ctr">
+              <a:defRPr>
+                <a:solidFill>
+                  <a:srgbClr val="FFFFFF"/>
+                </a:solidFill>
+              </a:defRPr>
+            </a:pPr>
+            <a:endParaRPr lang="it-IT" sz="1400" b="1" dirty="0">
+              <a:latin typeface="Calibri" panose="020F0502020204030204" pitchFamily="34" charset="0"/>
+              <a:cs typeface="Calibri" panose="020F0502020204030204" pitchFamily="34" charset="0"/>
+            </a:endParaRPr>
+          </a:p>
+          <a:p>
+            <a:pPr lvl="0" algn="ctr">
+              <a:defRPr>
+                <a:solidFill>
+                  <a:srgbClr val="FFFFFF"/>
+                </a:solidFill>
+              </a:defRPr>
+            </a:pPr>
+            <a:r>
+              <a:rPr lang="it-IT" sz="1400" b="1" dirty="0">
+                <a:latin typeface="Calibri" panose="020F0502020204030204" pitchFamily="34" charset="0"/>
+                <a:cs typeface="Calibri" panose="020F0502020204030204" pitchFamily="34" charset="0"/>
+              </a:rPr>
+              <a:t>Abdelilah Lahmer - Meccanismi di programmazione back-end e analisi in ambito bancario</a:t>
+            </a:r>
+          </a:p>
+          <a:p>
+            <a:pPr lvl="0" algn="ctr">
+              <a:defRPr>
+                <a:solidFill>
+                  <a:srgbClr val="FFFFFF"/>
+                </a:solidFill>
+              </a:defRPr>
+            </a:pPr>
+            <a:endParaRPr sz="1400" b="1" dirty="0">
+              <a:latin typeface="Calibri" panose="020F0502020204030204" pitchFamily="34" charset="0"/>
+              <a:cs typeface="Calibri" panose="020F0502020204030204" pitchFamily="34" charset="0"/>
+            </a:endParaRPr>
+          </a:p>
+        </p:txBody>
+      </p:sp>
+      <p:pic>
+        <p:nvPicPr>
+          <p:cNvPr id="25" name="image5.png">
+            <a:extLst>
+              <a:ext uri="{FF2B5EF4-FFF2-40B4-BE49-F238E27FC236}">
+                <a16:creationId xmlns:a16="http://schemas.microsoft.com/office/drawing/2014/main" id="{80987869-65DF-4229-872B-FAEFB55A3B28}"/>
+              </a:ext>
+            </a:extLst>
+          </p:cNvPr>
+          <p:cNvPicPr>
+            <a:picLocks noChangeAspect="1"/>
+          </p:cNvPicPr>
+          <p:nvPr/>
+        </p:nvPicPr>
+        <p:blipFill>
+          <a:blip r:embed="rId3">
+            <a:extLst/>
+          </a:blip>
+          <a:stretch>
+            <a:fillRect/>
+          </a:stretch>
+        </p:blipFill>
+        <p:spPr>
+          <a:xfrm>
+            <a:off x="0" y="6426000"/>
+            <a:ext cx="966133" cy="432000"/>
+          </a:xfrm>
+          <a:prstGeom prst="rect">
+            <a:avLst/>
+          </a:prstGeom>
+          <a:ln w="12700">
+            <a:miter lim="400000"/>
+          </a:ln>
+        </p:spPr>
+      </p:pic>
+      <p:sp>
+        <p:nvSpPr>
+          <p:cNvPr id="26" name="Shape 211">
+            <a:extLst>
+              <a:ext uri="{FF2B5EF4-FFF2-40B4-BE49-F238E27FC236}">
+                <a16:creationId xmlns:a16="http://schemas.microsoft.com/office/drawing/2014/main" id="{559A516D-D981-43F8-89D3-333F4F106A8F}"/>
+              </a:ext>
+            </a:extLst>
+          </p:cNvPr>
+          <p:cNvSpPr txBox="1">
+            <a:spLocks/>
+          </p:cNvSpPr>
+          <p:nvPr/>
+        </p:nvSpPr>
+        <p:spPr>
+          <a:xfrm>
+            <a:off x="8117059" y="6426000"/>
+            <a:ext cx="1026941" cy="432000"/>
+          </a:xfrm>
+          <a:prstGeom prst="rect">
+            <a:avLst/>
+          </a:prstGeom>
+          <a:ln w="12700">
+            <a:miter lim="400000"/>
+          </a:ln>
+          <a:extLst>
+            <a:ext uri="{C572A759-6A51-4108-AA02-DFA0A04FC94B}">
+              <ma14:wrappingTextBoxFlag xmlns="" xmlns:ma14="http://schemas.microsoft.com/office/mac/drawingml/2011/main" val="1"/>
+            </a:ext>
+          </a:extLst>
+        </p:spPr>
+        <p:txBody>
+          <a:bodyPr lIns="0" tIns="0" rIns="0" bIns="0" anchor="ctr">
+            <a:normAutofit/>
+          </a:bodyPr>
+          <a:lstStyle>
+            <a:lvl1pPr algn="r">
+              <a:defRPr sz="2000">
+                <a:solidFill>
+                  <a:srgbClr val="FFFFFF"/>
+                </a:solidFill>
+                <a:latin typeface="Calibri"/>
+                <a:ea typeface="Calibri"/>
+                <a:cs typeface="Calibri"/>
+                <a:sym typeface="Calibri"/>
+              </a:defRPr>
+            </a:lvl1pPr>
+            <a:lvl2pPr indent="457200">
+              <a:defRPr>
+                <a:latin typeface="Calibri"/>
+                <a:ea typeface="Calibri"/>
+                <a:cs typeface="Calibri"/>
+                <a:sym typeface="Calibri"/>
+              </a:defRPr>
+            </a:lvl2pPr>
+            <a:lvl3pPr indent="914400">
+              <a:defRPr>
+                <a:latin typeface="Calibri"/>
+                <a:ea typeface="Calibri"/>
+                <a:cs typeface="Calibri"/>
+                <a:sym typeface="Calibri"/>
+              </a:defRPr>
+            </a:lvl3pPr>
+            <a:lvl4pPr indent="1371600">
+              <a:defRPr>
+                <a:latin typeface="Calibri"/>
+                <a:ea typeface="Calibri"/>
+                <a:cs typeface="Calibri"/>
+                <a:sym typeface="Calibri"/>
+              </a:defRPr>
+            </a:lvl4pPr>
+            <a:lvl5pPr indent="1828800">
+              <a:defRPr>
+                <a:latin typeface="Calibri"/>
+                <a:ea typeface="Calibri"/>
+                <a:cs typeface="Calibri"/>
+                <a:sym typeface="Calibri"/>
+              </a:defRPr>
+            </a:lvl5pPr>
+            <a:lvl6pPr indent="2286000">
+              <a:defRPr>
+                <a:latin typeface="Calibri"/>
+                <a:ea typeface="Calibri"/>
+                <a:cs typeface="Calibri"/>
+                <a:sym typeface="Calibri"/>
+              </a:defRPr>
+            </a:lvl6pPr>
+            <a:lvl7pPr indent="2743200">
+              <a:defRPr>
+                <a:latin typeface="Calibri"/>
+                <a:ea typeface="Calibri"/>
+                <a:cs typeface="Calibri"/>
+                <a:sym typeface="Calibri"/>
+              </a:defRPr>
+            </a:lvl7pPr>
+            <a:lvl8pPr indent="3200400">
+              <a:defRPr>
+                <a:latin typeface="Calibri"/>
+                <a:ea typeface="Calibri"/>
+                <a:cs typeface="Calibri"/>
+                <a:sym typeface="Calibri"/>
+              </a:defRPr>
+            </a:lvl8pPr>
+            <a:lvl9pPr indent="3657600">
+              <a:defRPr>
+                <a:latin typeface="Calibri"/>
+                <a:ea typeface="Calibri"/>
+                <a:cs typeface="Calibri"/>
+                <a:sym typeface="Calibri"/>
+              </a:defRPr>
+            </a:lvl9pPr>
+          </a:lstStyle>
+          <a:p>
+            <a:pPr algn="ctr">
+              <a:defRPr sz="1800">
+                <a:solidFill>
+                  <a:srgbClr val="000000"/>
+                </a:solidFill>
+              </a:defRPr>
+            </a:pPr>
+            <a:fld id="{86CB4B4D-7CA3-9044-876B-883B54F8677D}" type="slidenum">
+              <a:rPr lang="it-IT" sz="2400" smtClean="0">
+                <a:solidFill>
+                  <a:schemeClr val="bg1"/>
+                </a:solidFill>
+                <a:latin typeface="Calibri" panose="020F0502020204030204" pitchFamily="34" charset="0"/>
+                <a:cs typeface="Calibri" panose="020F0502020204030204" pitchFamily="34" charset="0"/>
+              </a:rPr>
+              <a:pPr algn="ctr">
+                <a:defRPr sz="1800">
+                  <a:solidFill>
+                    <a:srgbClr val="000000"/>
+                  </a:solidFill>
+                </a:defRPr>
+              </a:pPr>
+              <a:t>5</a:t>
+            </a:fld>
+            <a:r>
+              <a:rPr lang="it-IT" sz="2400" dirty="0">
+                <a:solidFill>
+                  <a:schemeClr val="bg1"/>
+                </a:solidFill>
+                <a:latin typeface="Calibri" panose="020F0502020204030204" pitchFamily="34" charset="0"/>
+                <a:cs typeface="Calibri" panose="020F0502020204030204" pitchFamily="34" charset="0"/>
+              </a:rPr>
+              <a:t> di 9</a:t>
+            </a:r>
+          </a:p>
+        </p:txBody>
+      </p:sp>
+    </p:spTree>
+    <p:extLst>
+      <p:ext uri="{BB962C8B-B14F-4D97-AF65-F5344CB8AC3E}">
+        <p14:creationId xmlns:p14="http://schemas.microsoft.com/office/powerpoint/2010/main" val="2205187244"/>
+      </p:ext>
+    </p:extLst>
+  </p:cSld>
+  <p:clrMapOvr>
+    <a:masterClrMapping/>
+  </p:clrMapOvr>
+  <p:transition spd="med"/>
+</p:sld>
+</file>
+
+<file path=ppt/slides/slide6.xml><?xml version="1.0" encoding="utf-8"?>
+<p:sld xmlns:a="http://schemas.openxmlformats.org/drawingml/2006/main" xmlns:r="http://schemas.openxmlformats.org/officeDocument/2006/relationships" xmlns:p="http://schemas.openxmlformats.org/presentationml/2006/main">
+  <p:cSld>
+    <p:spTree>
+      <p:nvGrpSpPr>
+        <p:cNvPr id="1" name=""/>
+        <p:cNvGrpSpPr/>
+        <p:nvPr/>
+      </p:nvGrpSpPr>
+      <p:grpSpPr>
+        <a:xfrm>
+          <a:off x="0" y="0"/>
+          <a:ext cx="0" cy="0"/>
+          <a:chOff x="0" y="0"/>
+          <a:chExt cx="0" cy="0"/>
+        </a:xfrm>
+      </p:grpSpPr>
+      <p:pic>
+        <p:nvPicPr>
+          <p:cNvPr id="207" name="image3.png"/>
+          <p:cNvPicPr/>
+          <p:nvPr/>
+        </p:nvPicPr>
+        <p:blipFill>
+          <a:blip r:embed="rId2">
+            <a:extLst/>
+          </a:blip>
+          <a:stretch>
+            <a:fillRect/>
+          </a:stretch>
+        </p:blipFill>
+        <p:spPr>
+          <a:xfrm>
+            <a:off x="7340293" y="38100"/>
+            <a:ext cx="1549709" cy="692941"/>
+          </a:xfrm>
+          <a:prstGeom prst="rect">
+            <a:avLst/>
+          </a:prstGeom>
+          <a:ln w="12700">
+            <a:miter lim="400000"/>
+          </a:ln>
+        </p:spPr>
+      </p:pic>
+      <p:pic>
+        <p:nvPicPr>
+          <p:cNvPr id="210" name="image5.png"/>
+          <p:cNvPicPr/>
+          <p:nvPr/>
+        </p:nvPicPr>
+        <p:blipFill>
+          <a:blip r:embed="rId3">
+            <a:extLst/>
+          </a:blip>
+          <a:stretch>
+            <a:fillRect/>
+          </a:stretch>
+        </p:blipFill>
+        <p:spPr>
+          <a:xfrm>
+            <a:off x="7340292" y="18533"/>
+            <a:ext cx="1619558" cy="724175"/>
+          </a:xfrm>
+          <a:prstGeom prst="rect">
+            <a:avLst/>
+          </a:prstGeom>
+          <a:ln w="12700">
+            <a:miter lim="400000"/>
+          </a:ln>
+        </p:spPr>
+      </p:pic>
+      <p:sp>
+        <p:nvSpPr>
+          <p:cNvPr id="211" name="Shape 211"/>
+          <p:cNvSpPr>
+            <a:spLocks noGrp="1"/>
+          </p:cNvSpPr>
+          <p:nvPr>
+            <p:ph type="sldNum" sz="quarter" idx="2"/>
+          </p:nvPr>
+        </p:nvSpPr>
+        <p:spPr>
+          <a:xfrm>
+            <a:off x="6915149" y="6395396"/>
+            <a:ext cx="2057401" cy="383541"/>
+          </a:xfrm>
+          <a:prstGeom prst="rect">
+            <a:avLst/>
+          </a:prstGeom>
+          <a:extLst>
+            <a:ext uri="{C572A759-6A51-4108-AA02-DFA0A04FC94B}">
+              <ma14:wrappingTextBoxFlag xmlns="" xmlns:ma14="http://schemas.microsoft.com/office/mac/drawingml/2011/main" val="1"/>
+            </a:ext>
+          </a:extLst>
+        </p:spPr>
+        <p:txBody>
+          <a:bodyPr lIns="0" tIns="0" rIns="0" bIns="0">
+            <a:normAutofit/>
+          </a:bodyPr>
+          <a:lstStyle>
+            <a:lvl1pPr>
+              <a:defRPr sz="2000">
+                <a:solidFill>
+                  <a:srgbClr val="FFFFFF"/>
+                </a:solidFill>
+              </a:defRPr>
+            </a:lvl1pPr>
+          </a:lstStyle>
+          <a:p>
+            <a:pPr lvl="0">
+              <a:defRPr sz="1800">
+                <a:solidFill>
+                  <a:srgbClr val="000000"/>
+                </a:solidFill>
+              </a:defRPr>
+            </a:pPr>
+            <a:fld id="{86CB4B4D-7CA3-9044-876B-883B54F8677D}" type="slidenum">
+              <a:rPr sz="2000" smtClean="0">
+                <a:solidFill>
+                  <a:srgbClr val="FFFFFF"/>
+                </a:solidFill>
+              </a:rPr>
+              <a:t>6</a:t>
+            </a:fld>
+            <a:r>
+              <a:rPr lang="it-IT" sz="2000" dirty="0">
+                <a:solidFill>
+                  <a:srgbClr val="FFFFFF"/>
+                </a:solidFill>
+              </a:rPr>
+              <a:t> di 7</a:t>
+            </a:r>
+            <a:endParaRPr sz="2000" dirty="0">
+              <a:solidFill>
+                <a:srgbClr val="FFFFFF"/>
+              </a:solidFill>
+            </a:endParaRPr>
+          </a:p>
+        </p:txBody>
+      </p:sp>
+      <p:sp>
+        <p:nvSpPr>
+          <p:cNvPr id="214" name="Shape 214"/>
+          <p:cNvSpPr/>
+          <p:nvPr/>
+        </p:nvSpPr>
+        <p:spPr>
+          <a:xfrm>
+            <a:off x="6915149" y="6395396"/>
+            <a:ext cx="2057401" cy="383541"/>
+          </a:xfrm>
+          <a:prstGeom prst="rect">
+            <a:avLst/>
+          </a:prstGeom>
+          <a:ln w="12700">
+            <a:miter lim="400000"/>
+          </a:ln>
+          <a:extLst>
+            <a:ext uri="{C572A759-6A51-4108-AA02-DFA0A04FC94B}">
+              <ma14:wrappingTextBoxFlag xmlns="" xmlns:ma14="http://schemas.microsoft.com/office/mac/drawingml/2011/main" val="1"/>
+            </a:ext>
+          </a:extLst>
+        </p:spPr>
+        <p:txBody>
+          <a:bodyPr lIns="0" tIns="0" rIns="0" bIns="0" anchor="ctr">
+            <a:normAutofit/>
+          </a:bodyPr>
+          <a:lstStyle>
+            <a:lvl1pPr algn="r">
+              <a:defRPr sz="2000">
+                <a:solidFill>
+                  <a:srgbClr val="FFFFFF"/>
+                </a:solidFill>
+              </a:defRPr>
+            </a:lvl1pPr>
+          </a:lstStyle>
+          <a:p>
+            <a:pPr lvl="0">
+              <a:defRPr sz="1800">
+                <a:solidFill>
+                  <a:srgbClr val="000000"/>
+                </a:solidFill>
+              </a:defRPr>
+            </a:pPr>
+            <a:endParaRPr sz="2000" dirty="0">
+              <a:solidFill>
+                <a:srgbClr val="FFFFFF"/>
+              </a:solidFill>
+            </a:endParaRPr>
+          </a:p>
+        </p:txBody>
+      </p:sp>
+      <p:sp>
+        <p:nvSpPr>
+          <p:cNvPr id="13" name="Shape 52">
+            <a:extLst>
+              <a:ext uri="{FF2B5EF4-FFF2-40B4-BE49-F238E27FC236}">
+                <a16:creationId xmlns:a16="http://schemas.microsoft.com/office/drawing/2014/main" id="{9ECC361E-3151-4250-8158-91BDA0F0F496}"/>
+              </a:ext>
+            </a:extLst>
+          </p:cNvPr>
+          <p:cNvSpPr/>
+          <p:nvPr/>
+        </p:nvSpPr>
+        <p:spPr>
+          <a:xfrm>
+            <a:off x="1068264" y="1968278"/>
+            <a:ext cx="3503736" cy="584775"/>
+          </a:xfrm>
+          <a:prstGeom prst="rect">
+            <a:avLst/>
+          </a:prstGeom>
+          <a:ln w="12700">
+            <a:miter lim="400000"/>
+          </a:ln>
+          <a:extLst>
+            <a:ext uri="{C572A759-6A51-4108-AA02-DFA0A04FC94B}">
+              <ma14:wrappingTextBoxFlag xmlns="" xmlns:ma14="http://schemas.microsoft.com/office/mac/drawingml/2011/main" val="1"/>
+            </a:ext>
+          </a:extLst>
+        </p:spPr>
+        <p:txBody>
+          <a:bodyPr wrap="square" lIns="45719" rIns="45719">
+            <a:spAutoFit/>
+          </a:bodyPr>
+          <a:lstStyle/>
+          <a:p>
+            <a:pPr lvl="0" algn="l"/>
+            <a:r>
+              <a:rPr lang="it-IT" sz="3200" b="1" dirty="0">
+                <a:solidFill>
+                  <a:schemeClr val="tx1"/>
+                </a:solidFill>
+                <a:latin typeface="Calibri" panose="020F0502020204030204" pitchFamily="34" charset="0"/>
+                <a:cs typeface="Calibri" panose="020F0502020204030204" pitchFamily="34" charset="0"/>
+              </a:rPr>
+              <a:t>Linguaggio COBOL</a:t>
+            </a:r>
+            <a:endParaRPr sz="3200" b="1" dirty="0">
+              <a:solidFill>
+                <a:schemeClr val="tx1"/>
+              </a:solidFill>
+              <a:latin typeface="Calibri" panose="020F0502020204030204" pitchFamily="34" charset="0"/>
+              <a:cs typeface="Calibri" panose="020F0502020204030204" pitchFamily="34" charset="0"/>
+            </a:endParaRPr>
+          </a:p>
+        </p:txBody>
+      </p:sp>
+      <p:sp>
+        <p:nvSpPr>
+          <p:cNvPr id="11" name="Shape 211">
+            <a:extLst>
+              <a:ext uri="{FF2B5EF4-FFF2-40B4-BE49-F238E27FC236}">
+                <a16:creationId xmlns:a16="http://schemas.microsoft.com/office/drawing/2014/main" id="{AC81B7A6-2764-4B5E-B880-0A1F7700BA1E}"/>
+              </a:ext>
+            </a:extLst>
+          </p:cNvPr>
+          <p:cNvSpPr txBox="1">
+            <a:spLocks/>
+          </p:cNvSpPr>
+          <p:nvPr/>
+        </p:nvSpPr>
+        <p:spPr>
+          <a:xfrm>
+            <a:off x="7340292" y="6316331"/>
+            <a:ext cx="1803708" cy="541669"/>
+          </a:xfrm>
+          <a:prstGeom prst="rect">
+            <a:avLst/>
+          </a:prstGeom>
+          <a:ln w="12700">
+            <a:miter lim="400000"/>
+          </a:ln>
+          <a:extLst>
+            <a:ext uri="{C572A759-6A51-4108-AA02-DFA0A04FC94B}">
+              <ma14:wrappingTextBoxFlag xmlns="" xmlns:ma14="http://schemas.microsoft.com/office/mac/drawingml/2011/main" val="1"/>
+            </a:ext>
+          </a:extLst>
+        </p:spPr>
+        <p:txBody>
+          <a:bodyPr lIns="0" tIns="0" rIns="0" bIns="0" anchor="ctr">
+            <a:normAutofit/>
+          </a:bodyPr>
+          <a:lstStyle>
+            <a:lvl1pPr algn="r">
+              <a:defRPr sz="2000">
+                <a:solidFill>
+                  <a:srgbClr val="FFFFFF"/>
+                </a:solidFill>
+                <a:latin typeface="Calibri"/>
+                <a:ea typeface="Calibri"/>
+                <a:cs typeface="Calibri"/>
+                <a:sym typeface="Calibri"/>
+              </a:defRPr>
+            </a:lvl1pPr>
+            <a:lvl2pPr indent="457200">
+              <a:defRPr>
+                <a:latin typeface="Calibri"/>
+                <a:ea typeface="Calibri"/>
+                <a:cs typeface="Calibri"/>
+                <a:sym typeface="Calibri"/>
+              </a:defRPr>
+            </a:lvl2pPr>
+            <a:lvl3pPr indent="914400">
+              <a:defRPr>
+                <a:latin typeface="Calibri"/>
+                <a:ea typeface="Calibri"/>
+                <a:cs typeface="Calibri"/>
+                <a:sym typeface="Calibri"/>
+              </a:defRPr>
+            </a:lvl3pPr>
+            <a:lvl4pPr indent="1371600">
+              <a:defRPr>
+                <a:latin typeface="Calibri"/>
+                <a:ea typeface="Calibri"/>
+                <a:cs typeface="Calibri"/>
+                <a:sym typeface="Calibri"/>
+              </a:defRPr>
+            </a:lvl4pPr>
+            <a:lvl5pPr indent="1828800">
+              <a:defRPr>
+                <a:latin typeface="Calibri"/>
+                <a:ea typeface="Calibri"/>
+                <a:cs typeface="Calibri"/>
+                <a:sym typeface="Calibri"/>
+              </a:defRPr>
+            </a:lvl5pPr>
+            <a:lvl6pPr indent="2286000">
+              <a:defRPr>
+                <a:latin typeface="Calibri"/>
+                <a:ea typeface="Calibri"/>
+                <a:cs typeface="Calibri"/>
+                <a:sym typeface="Calibri"/>
+              </a:defRPr>
+            </a:lvl6pPr>
+            <a:lvl7pPr indent="2743200">
+              <a:defRPr>
+                <a:latin typeface="Calibri"/>
+                <a:ea typeface="Calibri"/>
+                <a:cs typeface="Calibri"/>
+                <a:sym typeface="Calibri"/>
+              </a:defRPr>
+            </a:lvl7pPr>
+            <a:lvl8pPr indent="3200400">
+              <a:defRPr>
+                <a:latin typeface="Calibri"/>
+                <a:ea typeface="Calibri"/>
+                <a:cs typeface="Calibri"/>
+                <a:sym typeface="Calibri"/>
+              </a:defRPr>
+            </a:lvl8pPr>
+            <a:lvl9pPr indent="3657600">
+              <a:defRPr>
+                <a:latin typeface="Calibri"/>
+                <a:ea typeface="Calibri"/>
+                <a:cs typeface="Calibri"/>
+                <a:sym typeface="Calibri"/>
+              </a:defRPr>
+            </a:lvl9pPr>
+          </a:lstStyle>
+          <a:p>
+            <a:pPr algn="ctr">
+              <a:defRPr sz="1800">
+                <a:solidFill>
+                  <a:srgbClr val="000000"/>
+                </a:solidFill>
+              </a:defRPr>
+            </a:pPr>
+            <a:fld id="{86CB4B4D-7CA3-9044-876B-883B54F8677D}" type="slidenum">
+              <a:rPr lang="it-IT" sz="2400" smtClean="0">
+                <a:solidFill>
+                  <a:schemeClr val="bg1"/>
+                </a:solidFill>
+                <a:latin typeface="Calibri" panose="020F0502020204030204" pitchFamily="34" charset="0"/>
+                <a:cs typeface="Calibri" panose="020F0502020204030204" pitchFamily="34" charset="0"/>
+              </a:rPr>
+              <a:pPr algn="ctr">
+                <a:defRPr sz="1800">
+                  <a:solidFill>
+                    <a:srgbClr val="000000"/>
+                  </a:solidFill>
+                </a:defRPr>
+              </a:pPr>
+              <a:t>6</a:t>
+            </a:fld>
+            <a:r>
+              <a:rPr lang="it-IT" sz="2400" dirty="0">
+                <a:solidFill>
+                  <a:schemeClr val="bg1"/>
+                </a:solidFill>
+                <a:latin typeface="Calibri" panose="020F0502020204030204" pitchFamily="34" charset="0"/>
+                <a:cs typeface="Calibri" panose="020F0502020204030204" pitchFamily="34" charset="0"/>
+              </a:rPr>
+              <a:t> di 7</a:t>
+            </a:r>
+          </a:p>
+        </p:txBody>
+      </p:sp>
+      <p:sp>
+        <p:nvSpPr>
+          <p:cNvPr id="16" name="Shape 211">
+            <a:extLst>
+              <a:ext uri="{FF2B5EF4-FFF2-40B4-BE49-F238E27FC236}">
+                <a16:creationId xmlns:a16="http://schemas.microsoft.com/office/drawing/2014/main" id="{A468B22C-7E3A-4438-AFCC-469EAE2DFB9E}"/>
+              </a:ext>
+            </a:extLst>
+          </p:cNvPr>
+          <p:cNvSpPr txBox="1">
+            <a:spLocks/>
+          </p:cNvSpPr>
+          <p:nvPr/>
+        </p:nvSpPr>
+        <p:spPr>
+          <a:xfrm>
+            <a:off x="7340292" y="6310151"/>
+            <a:ext cx="1803708" cy="541669"/>
+          </a:xfrm>
+          <a:prstGeom prst="rect">
+            <a:avLst/>
+          </a:prstGeom>
+          <a:ln w="12700">
+            <a:miter lim="400000"/>
+          </a:ln>
+          <a:extLst>
+            <a:ext uri="{C572A759-6A51-4108-AA02-DFA0A04FC94B}">
+              <ma14:wrappingTextBoxFlag xmlns="" xmlns:ma14="http://schemas.microsoft.com/office/mac/drawingml/2011/main" val="1"/>
+            </a:ext>
+          </a:extLst>
+        </p:spPr>
+        <p:txBody>
+          <a:bodyPr lIns="0" tIns="0" rIns="0" bIns="0" anchor="ctr">
+            <a:normAutofit/>
+          </a:bodyPr>
+          <a:lstStyle>
+            <a:lvl1pPr algn="r">
+              <a:defRPr sz="2000">
+                <a:solidFill>
+                  <a:srgbClr val="FFFFFF"/>
+                </a:solidFill>
+                <a:latin typeface="Calibri"/>
+                <a:ea typeface="Calibri"/>
+                <a:cs typeface="Calibri"/>
+                <a:sym typeface="Calibri"/>
+              </a:defRPr>
+            </a:lvl1pPr>
+            <a:lvl2pPr indent="457200">
+              <a:defRPr>
+                <a:latin typeface="Calibri"/>
+                <a:ea typeface="Calibri"/>
+                <a:cs typeface="Calibri"/>
+                <a:sym typeface="Calibri"/>
+              </a:defRPr>
+            </a:lvl2pPr>
+            <a:lvl3pPr indent="914400">
+              <a:defRPr>
+                <a:latin typeface="Calibri"/>
+                <a:ea typeface="Calibri"/>
+                <a:cs typeface="Calibri"/>
+                <a:sym typeface="Calibri"/>
+              </a:defRPr>
+            </a:lvl3pPr>
+            <a:lvl4pPr indent="1371600">
+              <a:defRPr>
+                <a:latin typeface="Calibri"/>
+                <a:ea typeface="Calibri"/>
+                <a:cs typeface="Calibri"/>
+                <a:sym typeface="Calibri"/>
+              </a:defRPr>
+            </a:lvl4pPr>
+            <a:lvl5pPr indent="1828800">
+              <a:defRPr>
+                <a:latin typeface="Calibri"/>
+                <a:ea typeface="Calibri"/>
+                <a:cs typeface="Calibri"/>
+                <a:sym typeface="Calibri"/>
+              </a:defRPr>
+            </a:lvl5pPr>
+            <a:lvl6pPr indent="2286000">
+              <a:defRPr>
+                <a:latin typeface="Calibri"/>
+                <a:ea typeface="Calibri"/>
+                <a:cs typeface="Calibri"/>
+                <a:sym typeface="Calibri"/>
+              </a:defRPr>
+            </a:lvl6pPr>
+            <a:lvl7pPr indent="2743200">
+              <a:defRPr>
+                <a:latin typeface="Calibri"/>
+                <a:ea typeface="Calibri"/>
+                <a:cs typeface="Calibri"/>
+                <a:sym typeface="Calibri"/>
+              </a:defRPr>
+            </a:lvl7pPr>
+            <a:lvl8pPr indent="3200400">
+              <a:defRPr>
+                <a:latin typeface="Calibri"/>
+                <a:ea typeface="Calibri"/>
+                <a:cs typeface="Calibri"/>
+                <a:sym typeface="Calibri"/>
+              </a:defRPr>
+            </a:lvl8pPr>
+            <a:lvl9pPr indent="3657600">
+              <a:defRPr>
+                <a:latin typeface="Calibri"/>
+                <a:ea typeface="Calibri"/>
+                <a:cs typeface="Calibri"/>
+                <a:sym typeface="Calibri"/>
+              </a:defRPr>
+            </a:lvl9pPr>
+          </a:lstStyle>
+          <a:p>
+            <a:pPr algn="ctr">
+              <a:defRPr sz="1800">
+                <a:solidFill>
+                  <a:srgbClr val="000000"/>
+                </a:solidFill>
+              </a:defRPr>
+            </a:pPr>
+            <a:fld id="{86CB4B4D-7CA3-9044-876B-883B54F8677D}" type="slidenum">
+              <a:rPr lang="it-IT" sz="2400" smtClean="0">
+                <a:solidFill>
+                  <a:schemeClr val="bg1"/>
+                </a:solidFill>
+                <a:latin typeface="Calibri" panose="020F0502020204030204" pitchFamily="34" charset="0"/>
+                <a:cs typeface="Calibri" panose="020F0502020204030204" pitchFamily="34" charset="0"/>
+              </a:rPr>
+              <a:pPr algn="ctr">
+                <a:defRPr sz="1800">
+                  <a:solidFill>
+                    <a:srgbClr val="000000"/>
+                  </a:solidFill>
+                </a:defRPr>
+              </a:pPr>
+              <a:t>6</a:t>
+            </a:fld>
+            <a:r>
+              <a:rPr lang="it-IT" sz="2400" dirty="0">
+                <a:solidFill>
+                  <a:schemeClr val="bg1"/>
+                </a:solidFill>
+                <a:latin typeface="Calibri" panose="020F0502020204030204" pitchFamily="34" charset="0"/>
+                <a:cs typeface="Calibri" panose="020F0502020204030204" pitchFamily="34" charset="0"/>
+              </a:rPr>
+              <a:t> di 9</a:t>
+            </a:r>
+          </a:p>
+        </p:txBody>
+      </p:sp>
+      <p:sp>
+        <p:nvSpPr>
+          <p:cNvPr id="17" name="Shape 208">
+            <a:extLst>
+              <a:ext uri="{FF2B5EF4-FFF2-40B4-BE49-F238E27FC236}">
+                <a16:creationId xmlns:a16="http://schemas.microsoft.com/office/drawing/2014/main" id="{ED70B3ED-20FD-42BC-A25B-A757C1125AAD}"/>
+              </a:ext>
+            </a:extLst>
+          </p:cNvPr>
+          <p:cNvSpPr/>
+          <p:nvPr/>
+        </p:nvSpPr>
+        <p:spPr>
+          <a:xfrm>
+            <a:off x="0" y="-2479"/>
+            <a:ext cx="9144000" cy="774098"/>
+          </a:xfrm>
+          <a:prstGeom prst="rect">
+            <a:avLst/>
+          </a:prstGeom>
+          <a:solidFill>
+            <a:srgbClr val="9A0014"/>
+          </a:solidFill>
+          <a:ln w="12700">
+            <a:miter lim="400000"/>
+          </a:ln>
+        </p:spPr>
+        <p:txBody>
+          <a:bodyPr lIns="0" tIns="0" rIns="0" bIns="0" anchor="ctr"/>
+          <a:lstStyle/>
+          <a:p>
+            <a:pPr lvl="0" algn="ctr">
+              <a:defRPr>
+                <a:solidFill>
+                  <a:srgbClr val="FFFFFF"/>
+                </a:solidFill>
+              </a:defRPr>
+            </a:pPr>
+            <a:r>
+              <a:rPr lang="it-IT" sz="2400" b="1" dirty="0">
+                <a:solidFill>
+                  <a:schemeClr val="bg1">
+                    <a:lumMod val="50000"/>
+                  </a:schemeClr>
+                </a:solidFill>
+                <a:latin typeface="Calibri" panose="020F0502020204030204" pitchFamily="34" charset="0"/>
+                <a:cs typeface="Calibri" panose="020F0502020204030204" pitchFamily="34" charset="0"/>
+              </a:rPr>
+              <a:t>L’azienda</a:t>
+            </a:r>
+            <a:r>
+              <a:rPr lang="it-IT" sz="2400" dirty="0">
+                <a:latin typeface="Calibri" panose="020F0502020204030204" pitchFamily="34" charset="0"/>
+                <a:cs typeface="Calibri" panose="020F0502020204030204" pitchFamily="34" charset="0"/>
+              </a:rPr>
+              <a:t> | </a:t>
+            </a:r>
+            <a:r>
+              <a:rPr lang="it-IT" sz="2400" dirty="0">
+                <a:solidFill>
+                  <a:schemeClr val="bg1">
+                    <a:lumMod val="50000"/>
+                  </a:schemeClr>
+                </a:solidFill>
+                <a:latin typeface="Calibri" panose="020F0502020204030204" pitchFamily="34" charset="0"/>
+                <a:cs typeface="Calibri" panose="020F0502020204030204" pitchFamily="34" charset="0"/>
+              </a:rPr>
+              <a:t>Il progetto aziendale</a:t>
+            </a:r>
+            <a:r>
+              <a:rPr lang="it-IT" sz="2400" dirty="0">
+                <a:latin typeface="Calibri" panose="020F0502020204030204" pitchFamily="34" charset="0"/>
+                <a:cs typeface="Calibri" panose="020F0502020204030204" pitchFamily="34" charset="0"/>
+              </a:rPr>
+              <a:t> | </a:t>
+            </a:r>
+            <a:r>
+              <a:rPr lang="it-IT" sz="2400" dirty="0">
+                <a:solidFill>
+                  <a:schemeClr val="bg1"/>
+                </a:solidFill>
+                <a:latin typeface="Calibri" panose="020F0502020204030204" pitchFamily="34" charset="0"/>
+                <a:cs typeface="Calibri" panose="020F0502020204030204" pitchFamily="34" charset="0"/>
+              </a:rPr>
+              <a:t>Il progetto di Stage</a:t>
+            </a:r>
+            <a:r>
+              <a:rPr lang="it-IT" sz="2400" dirty="0">
+                <a:latin typeface="Calibri" panose="020F0502020204030204" pitchFamily="34" charset="0"/>
+                <a:cs typeface="Calibri" panose="020F0502020204030204" pitchFamily="34" charset="0"/>
+              </a:rPr>
+              <a:t> | </a:t>
+            </a:r>
+            <a:r>
+              <a:rPr lang="it-IT" sz="2400" dirty="0">
+                <a:solidFill>
+                  <a:schemeClr val="bg1">
+                    <a:lumMod val="50000"/>
+                  </a:schemeClr>
+                </a:solidFill>
+                <a:latin typeface="Calibri" panose="020F0502020204030204" pitchFamily="34" charset="0"/>
+                <a:cs typeface="Calibri" panose="020F0502020204030204" pitchFamily="34" charset="0"/>
+              </a:rPr>
+              <a:t>I risultati</a:t>
+            </a:r>
+            <a:endParaRPr sz="2400" dirty="0">
+              <a:solidFill>
+                <a:schemeClr val="bg1">
+                  <a:lumMod val="50000"/>
+                </a:schemeClr>
+              </a:solidFill>
+              <a:latin typeface="Calibri" panose="020F0502020204030204" pitchFamily="34" charset="0"/>
+              <a:cs typeface="Calibri" panose="020F0502020204030204" pitchFamily="34" charset="0"/>
+            </a:endParaRPr>
+          </a:p>
+        </p:txBody>
+      </p:sp>
+      <p:sp>
+        <p:nvSpPr>
+          <p:cNvPr id="21" name="Shape 208">
+            <a:extLst>
+              <a:ext uri="{FF2B5EF4-FFF2-40B4-BE49-F238E27FC236}">
+                <a16:creationId xmlns:a16="http://schemas.microsoft.com/office/drawing/2014/main" id="{36169D0E-63CB-43F3-B12B-7C7423E342F2}"/>
+              </a:ext>
+            </a:extLst>
+          </p:cNvPr>
+          <p:cNvSpPr>
+            <a:spLocks noChangeAspect="1"/>
+          </p:cNvSpPr>
+          <p:nvPr/>
+        </p:nvSpPr>
+        <p:spPr>
+          <a:xfrm>
+            <a:off x="0" y="6426000"/>
+            <a:ext cx="9144000" cy="432000"/>
+          </a:xfrm>
+          <a:prstGeom prst="rect">
+            <a:avLst/>
+          </a:prstGeom>
+          <a:solidFill>
+            <a:srgbClr val="9A0014"/>
+          </a:solidFill>
+          <a:ln w="12700">
+            <a:miter lim="400000"/>
+          </a:ln>
+        </p:spPr>
+        <p:txBody>
+          <a:bodyPr lIns="0" tIns="0" rIns="0" bIns="0" anchor="ctr"/>
+          <a:lstStyle/>
+          <a:p>
+            <a:pPr lvl="0" algn="ctr">
+              <a:defRPr>
+                <a:solidFill>
+                  <a:srgbClr val="FFFFFF"/>
+                </a:solidFill>
+              </a:defRPr>
+            </a:pPr>
+            <a:endParaRPr lang="it-IT" sz="1400" b="1" dirty="0">
+              <a:latin typeface="Calibri" panose="020F0502020204030204" pitchFamily="34" charset="0"/>
+              <a:cs typeface="Calibri" panose="020F0502020204030204" pitchFamily="34" charset="0"/>
+            </a:endParaRPr>
+          </a:p>
+          <a:p>
+            <a:pPr lvl="0" algn="ctr">
+              <a:defRPr>
+                <a:solidFill>
+                  <a:srgbClr val="FFFFFF"/>
+                </a:solidFill>
+              </a:defRPr>
+            </a:pPr>
+            <a:r>
+              <a:rPr lang="it-IT" sz="1400" b="1" dirty="0">
+                <a:latin typeface="Calibri" panose="020F0502020204030204" pitchFamily="34" charset="0"/>
+                <a:cs typeface="Calibri" panose="020F0502020204030204" pitchFamily="34" charset="0"/>
+              </a:rPr>
+              <a:t>Abdelilah Lahmer - Meccanismi di programmazione back-end e analisi in ambito bancario</a:t>
+            </a:r>
+          </a:p>
+          <a:p>
+            <a:pPr lvl="0" algn="ctr">
+              <a:defRPr>
+                <a:solidFill>
+                  <a:srgbClr val="FFFFFF"/>
+                </a:solidFill>
+              </a:defRPr>
+            </a:pPr>
+            <a:endParaRPr sz="1400" b="1" dirty="0">
+              <a:latin typeface="Calibri" panose="020F0502020204030204" pitchFamily="34" charset="0"/>
+              <a:cs typeface="Calibri" panose="020F0502020204030204" pitchFamily="34" charset="0"/>
+            </a:endParaRPr>
+          </a:p>
+        </p:txBody>
+      </p:sp>
+      <p:pic>
+        <p:nvPicPr>
+          <p:cNvPr id="22" name="image5.png">
+            <a:extLst>
+              <a:ext uri="{FF2B5EF4-FFF2-40B4-BE49-F238E27FC236}">
+                <a16:creationId xmlns:a16="http://schemas.microsoft.com/office/drawing/2014/main" id="{8C6A75AF-01C3-43AA-A69C-87BEDA19EA6A}"/>
+              </a:ext>
+            </a:extLst>
+          </p:cNvPr>
+          <p:cNvPicPr>
+            <a:picLocks noChangeAspect="1"/>
+          </p:cNvPicPr>
+          <p:nvPr/>
+        </p:nvPicPr>
+        <p:blipFill>
+          <a:blip r:embed="rId3">
+            <a:extLst/>
+          </a:blip>
+          <a:stretch>
+            <a:fillRect/>
+          </a:stretch>
+        </p:blipFill>
+        <p:spPr>
+          <a:xfrm>
+            <a:off x="0" y="6426000"/>
+            <a:ext cx="966133" cy="432000"/>
+          </a:xfrm>
+          <a:prstGeom prst="rect">
+            <a:avLst/>
+          </a:prstGeom>
+          <a:ln w="12700">
+            <a:miter lim="400000"/>
+          </a:ln>
+        </p:spPr>
+      </p:pic>
+      <p:sp>
+        <p:nvSpPr>
+          <p:cNvPr id="23" name="Shape 211">
+            <a:extLst>
+              <a:ext uri="{FF2B5EF4-FFF2-40B4-BE49-F238E27FC236}">
+                <a16:creationId xmlns:a16="http://schemas.microsoft.com/office/drawing/2014/main" id="{D4E11CC6-D62E-4A6D-B701-8AE2BA84E201}"/>
+              </a:ext>
+            </a:extLst>
+          </p:cNvPr>
+          <p:cNvSpPr txBox="1">
+            <a:spLocks/>
+          </p:cNvSpPr>
+          <p:nvPr/>
+        </p:nvSpPr>
+        <p:spPr>
+          <a:xfrm>
+            <a:off x="8117059" y="6426000"/>
+            <a:ext cx="1026941" cy="432000"/>
+          </a:xfrm>
+          <a:prstGeom prst="rect">
+            <a:avLst/>
+          </a:prstGeom>
+          <a:ln w="12700">
+            <a:miter lim="400000"/>
+          </a:ln>
+          <a:extLst>
+            <a:ext uri="{C572A759-6A51-4108-AA02-DFA0A04FC94B}">
+              <ma14:wrappingTextBoxFlag xmlns="" xmlns:ma14="http://schemas.microsoft.com/office/mac/drawingml/2011/main" val="1"/>
+            </a:ext>
+          </a:extLst>
+        </p:spPr>
+        <p:txBody>
+          <a:bodyPr lIns="0" tIns="0" rIns="0" bIns="0" anchor="ctr">
+            <a:normAutofit/>
+          </a:bodyPr>
+          <a:lstStyle>
+            <a:lvl1pPr algn="r">
+              <a:defRPr sz="2000">
+                <a:solidFill>
+                  <a:srgbClr val="FFFFFF"/>
+                </a:solidFill>
+                <a:latin typeface="Calibri"/>
+                <a:ea typeface="Calibri"/>
+                <a:cs typeface="Calibri"/>
+                <a:sym typeface="Calibri"/>
+              </a:defRPr>
+            </a:lvl1pPr>
+            <a:lvl2pPr indent="457200">
+              <a:defRPr>
+                <a:latin typeface="Calibri"/>
+                <a:ea typeface="Calibri"/>
+                <a:cs typeface="Calibri"/>
+                <a:sym typeface="Calibri"/>
+              </a:defRPr>
+            </a:lvl2pPr>
+            <a:lvl3pPr indent="914400">
+              <a:defRPr>
+                <a:latin typeface="Calibri"/>
+                <a:ea typeface="Calibri"/>
+                <a:cs typeface="Calibri"/>
+                <a:sym typeface="Calibri"/>
+              </a:defRPr>
+            </a:lvl3pPr>
+            <a:lvl4pPr indent="1371600">
+              <a:defRPr>
+                <a:latin typeface="Calibri"/>
+                <a:ea typeface="Calibri"/>
+                <a:cs typeface="Calibri"/>
+                <a:sym typeface="Calibri"/>
+              </a:defRPr>
+            </a:lvl4pPr>
+            <a:lvl5pPr indent="1828800">
+              <a:defRPr>
+                <a:latin typeface="Calibri"/>
+                <a:ea typeface="Calibri"/>
+                <a:cs typeface="Calibri"/>
+                <a:sym typeface="Calibri"/>
+              </a:defRPr>
+            </a:lvl5pPr>
+            <a:lvl6pPr indent="2286000">
+              <a:defRPr>
+                <a:latin typeface="Calibri"/>
+                <a:ea typeface="Calibri"/>
+                <a:cs typeface="Calibri"/>
+                <a:sym typeface="Calibri"/>
+              </a:defRPr>
+            </a:lvl6pPr>
+            <a:lvl7pPr indent="2743200">
+              <a:defRPr>
+                <a:latin typeface="Calibri"/>
+                <a:ea typeface="Calibri"/>
+                <a:cs typeface="Calibri"/>
+                <a:sym typeface="Calibri"/>
+              </a:defRPr>
+            </a:lvl7pPr>
+            <a:lvl8pPr indent="3200400">
+              <a:defRPr>
+                <a:latin typeface="Calibri"/>
+                <a:ea typeface="Calibri"/>
+                <a:cs typeface="Calibri"/>
+                <a:sym typeface="Calibri"/>
+              </a:defRPr>
+            </a:lvl8pPr>
+            <a:lvl9pPr indent="3657600">
+              <a:defRPr>
+                <a:latin typeface="Calibri"/>
+                <a:ea typeface="Calibri"/>
+                <a:cs typeface="Calibri"/>
+                <a:sym typeface="Calibri"/>
+              </a:defRPr>
+            </a:lvl9pPr>
+          </a:lstStyle>
+          <a:p>
+            <a:pPr algn="ctr">
+              <a:defRPr sz="1800">
+                <a:solidFill>
+                  <a:srgbClr val="000000"/>
+                </a:solidFill>
+              </a:defRPr>
+            </a:pPr>
+            <a:fld id="{86CB4B4D-7CA3-9044-876B-883B54F8677D}" type="slidenum">
+              <a:rPr lang="it-IT" sz="2400" smtClean="0">
+                <a:solidFill>
+                  <a:schemeClr val="bg1"/>
+                </a:solidFill>
+                <a:latin typeface="Calibri" panose="020F0502020204030204" pitchFamily="34" charset="0"/>
+                <a:cs typeface="Calibri" panose="020F0502020204030204" pitchFamily="34" charset="0"/>
+              </a:rPr>
+              <a:pPr algn="ctr">
+                <a:defRPr sz="1800">
+                  <a:solidFill>
+                    <a:srgbClr val="000000"/>
+                  </a:solidFill>
+                </a:defRPr>
+              </a:pPr>
+              <a:t>6</a:t>
+            </a:fld>
+            <a:r>
+              <a:rPr lang="it-IT" sz="2400" dirty="0">
+                <a:solidFill>
+                  <a:schemeClr val="bg1"/>
+                </a:solidFill>
+                <a:latin typeface="Calibri" panose="020F0502020204030204" pitchFamily="34" charset="0"/>
+                <a:cs typeface="Calibri" panose="020F0502020204030204" pitchFamily="34" charset="0"/>
+              </a:rPr>
+              <a:t> di 9</a:t>
+            </a:r>
+          </a:p>
+        </p:txBody>
+      </p:sp>
+    </p:spTree>
+    <p:extLst>
+      <p:ext uri="{BB962C8B-B14F-4D97-AF65-F5344CB8AC3E}">
+        <p14:creationId xmlns:p14="http://schemas.microsoft.com/office/powerpoint/2010/main" val="81456184"/>
+      </p:ext>
+    </p:extLst>
+  </p:cSld>
+  <p:clrMapOvr>
+    <a:masterClrMapping/>
+  </p:clrMapOvr>
+  <p:transition spd="med"/>
+</p:sld>
+</file>
+
+<file path=ppt/slides/slide7.xml><?xml version="1.0" encoding="utf-8"?>
+<p:sld xmlns:a="http://schemas.openxmlformats.org/drawingml/2006/main" xmlns:r="http://schemas.openxmlformats.org/officeDocument/2006/relationships" xmlns:p="http://schemas.openxmlformats.org/presentationml/2006/main">
+  <p:cSld>
+    <p:spTree>
+      <p:nvGrpSpPr>
+        <p:cNvPr id="1" name=""/>
+        <p:cNvGrpSpPr/>
+        <p:nvPr/>
+      </p:nvGrpSpPr>
+      <p:grpSpPr>
+        <a:xfrm>
+          <a:off x="0" y="0"/>
+          <a:ext cx="0" cy="0"/>
+          <a:chOff x="0" y="0"/>
+          <a:chExt cx="0" cy="0"/>
+        </a:xfrm>
+      </p:grpSpPr>
+      <p:pic>
+        <p:nvPicPr>
+          <p:cNvPr id="207" name="image3.png"/>
+          <p:cNvPicPr/>
+          <p:nvPr/>
+        </p:nvPicPr>
+        <p:blipFill>
+          <a:blip r:embed="rId2">
+            <a:extLst/>
+          </a:blip>
+          <a:stretch>
+            <a:fillRect/>
+          </a:stretch>
+        </p:blipFill>
+        <p:spPr>
+          <a:xfrm>
+            <a:off x="7340293" y="38100"/>
+            <a:ext cx="1549709" cy="692941"/>
+          </a:xfrm>
+          <a:prstGeom prst="rect">
+            <a:avLst/>
+          </a:prstGeom>
+          <a:ln w="12700">
+            <a:miter lim="400000"/>
+          </a:ln>
+        </p:spPr>
+      </p:pic>
+      <p:sp>
+        <p:nvSpPr>
+          <p:cNvPr id="211" name="Shape 211"/>
+          <p:cNvSpPr>
+            <a:spLocks noGrp="1"/>
+          </p:cNvSpPr>
+          <p:nvPr>
+            <p:ph type="sldNum" sz="quarter" idx="2"/>
+          </p:nvPr>
+        </p:nvSpPr>
+        <p:spPr>
+          <a:xfrm>
+            <a:off x="6915149" y="6395396"/>
+            <a:ext cx="2057401" cy="383541"/>
+          </a:xfrm>
+          <a:prstGeom prst="rect">
+            <a:avLst/>
+          </a:prstGeom>
+          <a:extLst>
+            <a:ext uri="{C572A759-6A51-4108-AA02-DFA0A04FC94B}">
+              <ma14:wrappingTextBoxFlag xmlns="" xmlns:ma14="http://schemas.microsoft.com/office/mac/drawingml/2011/main" val="1"/>
+            </a:ext>
+          </a:extLst>
+        </p:spPr>
+        <p:txBody>
+          <a:bodyPr lIns="0" tIns="0" rIns="0" bIns="0">
+            <a:normAutofit/>
+          </a:bodyPr>
+          <a:lstStyle>
+            <a:lvl1pPr>
+              <a:defRPr sz="2000">
+                <a:solidFill>
+                  <a:srgbClr val="FFFFFF"/>
+                </a:solidFill>
+              </a:defRPr>
+            </a:lvl1pPr>
+          </a:lstStyle>
+          <a:p>
+            <a:pPr lvl="0">
+              <a:defRPr sz="1800">
+                <a:solidFill>
+                  <a:srgbClr val="000000"/>
+                </a:solidFill>
+              </a:defRPr>
+            </a:pPr>
+            <a:fld id="{86CB4B4D-7CA3-9044-876B-883B54F8677D}" type="slidenum">
+              <a:rPr sz="2000" smtClean="0">
+                <a:solidFill>
+                  <a:srgbClr val="FFFFFF"/>
+                </a:solidFill>
+              </a:rPr>
+              <a:t>7</a:t>
+            </a:fld>
+            <a:r>
+              <a:rPr lang="it-IT" sz="2000" dirty="0">
+                <a:solidFill>
+                  <a:srgbClr val="FFFFFF"/>
+                </a:solidFill>
+              </a:rPr>
+              <a:t> di 7</a:t>
+            </a:r>
+            <a:endParaRPr sz="2000" dirty="0">
+              <a:solidFill>
+                <a:srgbClr val="FFFFFF"/>
+              </a:solidFill>
+            </a:endParaRPr>
+          </a:p>
+        </p:txBody>
+      </p:sp>
+      <p:sp>
+        <p:nvSpPr>
+          <p:cNvPr id="214" name="Shape 214"/>
+          <p:cNvSpPr/>
+          <p:nvPr/>
+        </p:nvSpPr>
+        <p:spPr>
+          <a:xfrm>
+            <a:off x="6915149" y="6395396"/>
+            <a:ext cx="2057401" cy="383541"/>
+          </a:xfrm>
+          <a:prstGeom prst="rect">
+            <a:avLst/>
+          </a:prstGeom>
+          <a:ln w="12700">
+            <a:miter lim="400000"/>
+          </a:ln>
+          <a:extLst>
+            <a:ext uri="{C572A759-6A51-4108-AA02-DFA0A04FC94B}">
+              <ma14:wrappingTextBoxFlag xmlns="" xmlns:ma14="http://schemas.microsoft.com/office/mac/drawingml/2011/main" val="1"/>
+            </a:ext>
+          </a:extLst>
+        </p:spPr>
+        <p:txBody>
+          <a:bodyPr lIns="0" tIns="0" rIns="0" bIns="0" anchor="ctr">
+            <a:normAutofit/>
+          </a:bodyPr>
+          <a:lstStyle>
+            <a:lvl1pPr algn="r">
+              <a:defRPr sz="2000">
+                <a:solidFill>
+                  <a:srgbClr val="FFFFFF"/>
+                </a:solidFill>
+              </a:defRPr>
+            </a:lvl1pPr>
+          </a:lstStyle>
+          <a:p>
+            <a:pPr lvl="0">
+              <a:defRPr sz="1800">
+                <a:solidFill>
+                  <a:srgbClr val="000000"/>
+                </a:solidFill>
+              </a:defRPr>
+            </a:pPr>
+            <a:endParaRPr sz="2000" dirty="0">
+              <a:solidFill>
+                <a:srgbClr val="FFFFFF"/>
+              </a:solidFill>
+            </a:endParaRPr>
+          </a:p>
+        </p:txBody>
+      </p:sp>
+      <p:sp>
+        <p:nvSpPr>
+          <p:cNvPr id="13" name="Shape 52">
+            <a:extLst>
+              <a:ext uri="{FF2B5EF4-FFF2-40B4-BE49-F238E27FC236}">
+                <a16:creationId xmlns:a16="http://schemas.microsoft.com/office/drawing/2014/main" id="{9ECC361E-3151-4250-8158-91BDA0F0F496}"/>
+              </a:ext>
+            </a:extLst>
+          </p:cNvPr>
+          <p:cNvSpPr/>
+          <p:nvPr/>
+        </p:nvSpPr>
+        <p:spPr>
+          <a:xfrm>
+            <a:off x="1068263" y="1968278"/>
+            <a:ext cx="4924573" cy="584775"/>
+          </a:xfrm>
+          <a:prstGeom prst="rect">
+            <a:avLst/>
+          </a:prstGeom>
+          <a:ln w="12700">
+            <a:miter lim="400000"/>
+          </a:ln>
+          <a:extLst>
+            <a:ext uri="{C572A759-6A51-4108-AA02-DFA0A04FC94B}">
+              <ma14:wrappingTextBoxFlag xmlns="" xmlns:ma14="http://schemas.microsoft.com/office/mac/drawingml/2011/main" val="1"/>
+            </a:ext>
+          </a:extLst>
+        </p:spPr>
+        <p:txBody>
+          <a:bodyPr wrap="square" lIns="45719" rIns="45719">
+            <a:spAutoFit/>
+          </a:bodyPr>
+          <a:lstStyle/>
+          <a:p>
+            <a:pPr lvl="0" algn="l"/>
+            <a:r>
+              <a:rPr lang="it-IT" sz="3200" b="1" dirty="0">
+                <a:solidFill>
+                  <a:schemeClr val="tx1"/>
+                </a:solidFill>
+                <a:latin typeface="Calibri" panose="020F0502020204030204" pitchFamily="34" charset="0"/>
+                <a:cs typeface="Calibri" panose="020F0502020204030204" pitchFamily="34" charset="0"/>
+              </a:rPr>
+              <a:t>Concetti teorico-economici</a:t>
+            </a:r>
+            <a:endParaRPr sz="3200" b="1" dirty="0">
+              <a:solidFill>
+                <a:schemeClr val="tx1"/>
+              </a:solidFill>
+              <a:latin typeface="Calibri" panose="020F0502020204030204" pitchFamily="34" charset="0"/>
+              <a:cs typeface="Calibri" panose="020F0502020204030204" pitchFamily="34" charset="0"/>
+            </a:endParaRPr>
+          </a:p>
+        </p:txBody>
+      </p:sp>
+      <p:sp>
+        <p:nvSpPr>
+          <p:cNvPr id="15" name="Shape 211">
+            <a:extLst>
+              <a:ext uri="{FF2B5EF4-FFF2-40B4-BE49-F238E27FC236}">
+                <a16:creationId xmlns:a16="http://schemas.microsoft.com/office/drawing/2014/main" id="{52C1824F-8162-415C-847A-DCF984276A25}"/>
+              </a:ext>
+            </a:extLst>
+          </p:cNvPr>
+          <p:cNvSpPr txBox="1">
+            <a:spLocks/>
+          </p:cNvSpPr>
+          <p:nvPr/>
+        </p:nvSpPr>
+        <p:spPr>
+          <a:xfrm>
+            <a:off x="7340292" y="6316331"/>
+            <a:ext cx="1803708" cy="541669"/>
+          </a:xfrm>
+          <a:prstGeom prst="rect">
+            <a:avLst/>
+          </a:prstGeom>
+          <a:ln w="12700">
+            <a:miter lim="400000"/>
+          </a:ln>
+          <a:extLst>
+            <a:ext uri="{C572A759-6A51-4108-AA02-DFA0A04FC94B}">
+              <ma14:wrappingTextBoxFlag xmlns="" xmlns:ma14="http://schemas.microsoft.com/office/mac/drawingml/2011/main" val="1"/>
+            </a:ext>
+          </a:extLst>
+        </p:spPr>
+        <p:txBody>
+          <a:bodyPr lIns="0" tIns="0" rIns="0" bIns="0" anchor="ctr">
+            <a:normAutofit/>
+          </a:bodyPr>
+          <a:lstStyle>
+            <a:lvl1pPr algn="r">
+              <a:defRPr sz="2000">
+                <a:solidFill>
+                  <a:srgbClr val="FFFFFF"/>
+                </a:solidFill>
+                <a:latin typeface="Calibri"/>
+                <a:ea typeface="Calibri"/>
+                <a:cs typeface="Calibri"/>
+                <a:sym typeface="Calibri"/>
+              </a:defRPr>
+            </a:lvl1pPr>
+            <a:lvl2pPr indent="457200">
+              <a:defRPr>
+                <a:latin typeface="Calibri"/>
+                <a:ea typeface="Calibri"/>
+                <a:cs typeface="Calibri"/>
+                <a:sym typeface="Calibri"/>
+              </a:defRPr>
+            </a:lvl2pPr>
+            <a:lvl3pPr indent="914400">
+              <a:defRPr>
+                <a:latin typeface="Calibri"/>
+                <a:ea typeface="Calibri"/>
+                <a:cs typeface="Calibri"/>
+                <a:sym typeface="Calibri"/>
+              </a:defRPr>
+            </a:lvl3pPr>
+            <a:lvl4pPr indent="1371600">
+              <a:defRPr>
+                <a:latin typeface="Calibri"/>
+                <a:ea typeface="Calibri"/>
+                <a:cs typeface="Calibri"/>
+                <a:sym typeface="Calibri"/>
+              </a:defRPr>
+            </a:lvl4pPr>
+            <a:lvl5pPr indent="1828800">
+              <a:defRPr>
+                <a:latin typeface="Calibri"/>
+                <a:ea typeface="Calibri"/>
+                <a:cs typeface="Calibri"/>
+                <a:sym typeface="Calibri"/>
+              </a:defRPr>
+            </a:lvl5pPr>
+            <a:lvl6pPr indent="2286000">
+              <a:defRPr>
+                <a:latin typeface="Calibri"/>
+                <a:ea typeface="Calibri"/>
+                <a:cs typeface="Calibri"/>
+                <a:sym typeface="Calibri"/>
+              </a:defRPr>
+            </a:lvl6pPr>
+            <a:lvl7pPr indent="2743200">
+              <a:defRPr>
+                <a:latin typeface="Calibri"/>
+                <a:ea typeface="Calibri"/>
+                <a:cs typeface="Calibri"/>
+                <a:sym typeface="Calibri"/>
+              </a:defRPr>
+            </a:lvl7pPr>
+            <a:lvl8pPr indent="3200400">
+              <a:defRPr>
+                <a:latin typeface="Calibri"/>
+                <a:ea typeface="Calibri"/>
+                <a:cs typeface="Calibri"/>
+                <a:sym typeface="Calibri"/>
+              </a:defRPr>
+            </a:lvl8pPr>
+            <a:lvl9pPr indent="3657600">
+              <a:defRPr>
+                <a:latin typeface="Calibri"/>
+                <a:ea typeface="Calibri"/>
+                <a:cs typeface="Calibri"/>
+                <a:sym typeface="Calibri"/>
+              </a:defRPr>
+            </a:lvl9pPr>
+          </a:lstStyle>
+          <a:p>
+            <a:pPr algn="ctr">
+              <a:defRPr sz="1800">
+                <a:solidFill>
+                  <a:srgbClr val="000000"/>
+                </a:solidFill>
+              </a:defRPr>
+            </a:pPr>
+            <a:fld id="{86CB4B4D-7CA3-9044-876B-883B54F8677D}" type="slidenum">
+              <a:rPr lang="it-IT" sz="2400" smtClean="0">
+                <a:solidFill>
+                  <a:schemeClr val="bg1"/>
+                </a:solidFill>
+                <a:latin typeface="Calibri" panose="020F0502020204030204" pitchFamily="34" charset="0"/>
+                <a:cs typeface="Calibri" panose="020F0502020204030204" pitchFamily="34" charset="0"/>
+              </a:rPr>
+              <a:pPr algn="ctr">
+                <a:defRPr sz="1800">
+                  <a:solidFill>
+                    <a:srgbClr val="000000"/>
+                  </a:solidFill>
+                </a:defRPr>
+              </a:pPr>
+              <a:t>7</a:t>
+            </a:fld>
+            <a:r>
+              <a:rPr lang="it-IT" sz="2400" dirty="0">
+                <a:solidFill>
+                  <a:schemeClr val="bg1"/>
+                </a:solidFill>
+                <a:latin typeface="Calibri" panose="020F0502020204030204" pitchFamily="34" charset="0"/>
+                <a:cs typeface="Calibri" panose="020F0502020204030204" pitchFamily="34" charset="0"/>
+              </a:rPr>
+              <a:t> di 7</a:t>
+            </a:r>
+          </a:p>
+        </p:txBody>
+      </p:sp>
+      <p:sp>
+        <p:nvSpPr>
+          <p:cNvPr id="19" name="Shape 211">
+            <a:extLst>
+              <a:ext uri="{FF2B5EF4-FFF2-40B4-BE49-F238E27FC236}">
+                <a16:creationId xmlns:a16="http://schemas.microsoft.com/office/drawing/2014/main" id="{C0842CA3-511F-4F29-AEA6-6697123C7475}"/>
+              </a:ext>
+            </a:extLst>
+          </p:cNvPr>
+          <p:cNvSpPr txBox="1">
+            <a:spLocks/>
+          </p:cNvSpPr>
+          <p:nvPr/>
+        </p:nvSpPr>
+        <p:spPr>
+          <a:xfrm>
+            <a:off x="7340292" y="6316331"/>
+            <a:ext cx="1803708" cy="541669"/>
+          </a:xfrm>
+          <a:prstGeom prst="rect">
+            <a:avLst/>
+          </a:prstGeom>
+          <a:ln w="12700">
+            <a:miter lim="400000"/>
+          </a:ln>
+          <a:extLst>
+            <a:ext uri="{C572A759-6A51-4108-AA02-DFA0A04FC94B}">
+              <ma14:wrappingTextBoxFlag xmlns="" xmlns:ma14="http://schemas.microsoft.com/office/mac/drawingml/2011/main" val="1"/>
+            </a:ext>
+          </a:extLst>
+        </p:spPr>
+        <p:txBody>
+          <a:bodyPr lIns="0" tIns="0" rIns="0" bIns="0" anchor="ctr">
+            <a:normAutofit/>
+          </a:bodyPr>
+          <a:lstStyle>
+            <a:lvl1pPr algn="r">
+              <a:defRPr sz="2000">
+                <a:solidFill>
+                  <a:srgbClr val="FFFFFF"/>
+                </a:solidFill>
+                <a:latin typeface="Calibri"/>
+                <a:ea typeface="Calibri"/>
+                <a:cs typeface="Calibri"/>
+                <a:sym typeface="Calibri"/>
+              </a:defRPr>
+            </a:lvl1pPr>
+            <a:lvl2pPr indent="457200">
+              <a:defRPr>
+                <a:latin typeface="Calibri"/>
+                <a:ea typeface="Calibri"/>
+                <a:cs typeface="Calibri"/>
+                <a:sym typeface="Calibri"/>
+              </a:defRPr>
+            </a:lvl2pPr>
+            <a:lvl3pPr indent="914400">
+              <a:defRPr>
+                <a:latin typeface="Calibri"/>
+                <a:ea typeface="Calibri"/>
+                <a:cs typeface="Calibri"/>
+                <a:sym typeface="Calibri"/>
+              </a:defRPr>
+            </a:lvl3pPr>
+            <a:lvl4pPr indent="1371600">
+              <a:defRPr>
+                <a:latin typeface="Calibri"/>
+                <a:ea typeface="Calibri"/>
+                <a:cs typeface="Calibri"/>
+                <a:sym typeface="Calibri"/>
+              </a:defRPr>
+            </a:lvl4pPr>
+            <a:lvl5pPr indent="1828800">
+              <a:defRPr>
+                <a:latin typeface="Calibri"/>
+                <a:ea typeface="Calibri"/>
+                <a:cs typeface="Calibri"/>
+                <a:sym typeface="Calibri"/>
+              </a:defRPr>
+            </a:lvl5pPr>
+            <a:lvl6pPr indent="2286000">
+              <a:defRPr>
+                <a:latin typeface="Calibri"/>
+                <a:ea typeface="Calibri"/>
+                <a:cs typeface="Calibri"/>
+                <a:sym typeface="Calibri"/>
+              </a:defRPr>
+            </a:lvl6pPr>
+            <a:lvl7pPr indent="2743200">
+              <a:defRPr>
+                <a:latin typeface="Calibri"/>
+                <a:ea typeface="Calibri"/>
+                <a:cs typeface="Calibri"/>
+                <a:sym typeface="Calibri"/>
+              </a:defRPr>
+            </a:lvl7pPr>
+            <a:lvl8pPr indent="3200400">
+              <a:defRPr>
+                <a:latin typeface="Calibri"/>
+                <a:ea typeface="Calibri"/>
+                <a:cs typeface="Calibri"/>
+                <a:sym typeface="Calibri"/>
+              </a:defRPr>
+            </a:lvl8pPr>
+            <a:lvl9pPr indent="3657600">
+              <a:defRPr>
+                <a:latin typeface="Calibri"/>
+                <a:ea typeface="Calibri"/>
+                <a:cs typeface="Calibri"/>
+                <a:sym typeface="Calibri"/>
+              </a:defRPr>
+            </a:lvl9pPr>
+          </a:lstStyle>
+          <a:p>
+            <a:pPr algn="ctr">
+              <a:defRPr sz="1800">
+                <a:solidFill>
+                  <a:srgbClr val="000000"/>
+                </a:solidFill>
+              </a:defRPr>
+            </a:pPr>
+            <a:fld id="{86CB4B4D-7CA3-9044-876B-883B54F8677D}" type="slidenum">
+              <a:rPr lang="it-IT" sz="2400" smtClean="0">
+                <a:solidFill>
+                  <a:schemeClr val="bg1"/>
+                </a:solidFill>
+                <a:latin typeface="Calibri" panose="020F0502020204030204" pitchFamily="34" charset="0"/>
+                <a:cs typeface="Calibri" panose="020F0502020204030204" pitchFamily="34" charset="0"/>
+              </a:rPr>
+              <a:pPr algn="ctr">
+                <a:defRPr sz="1800">
+                  <a:solidFill>
+                    <a:srgbClr val="000000"/>
+                  </a:solidFill>
+                </a:defRPr>
+              </a:pPr>
+              <a:t>7</a:t>
+            </a:fld>
+            <a:r>
+              <a:rPr lang="it-IT" sz="2400" dirty="0">
+                <a:solidFill>
+                  <a:schemeClr val="bg1"/>
+                </a:solidFill>
+                <a:latin typeface="Calibri" panose="020F0502020204030204" pitchFamily="34" charset="0"/>
+                <a:cs typeface="Calibri" panose="020F0502020204030204" pitchFamily="34" charset="0"/>
+              </a:rPr>
+              <a:t> di 9</a:t>
+            </a:r>
+          </a:p>
+        </p:txBody>
+      </p:sp>
+      <p:sp>
+        <p:nvSpPr>
+          <p:cNvPr id="20" name="Shape 208">
+            <a:extLst>
+              <a:ext uri="{FF2B5EF4-FFF2-40B4-BE49-F238E27FC236}">
+                <a16:creationId xmlns:a16="http://schemas.microsoft.com/office/drawing/2014/main" id="{21F37958-286B-43DF-BFBA-0063AFC3765F}"/>
+              </a:ext>
+            </a:extLst>
+          </p:cNvPr>
+          <p:cNvSpPr/>
+          <p:nvPr/>
+        </p:nvSpPr>
+        <p:spPr>
+          <a:xfrm>
+            <a:off x="0" y="-2479"/>
+            <a:ext cx="9144000" cy="774098"/>
+          </a:xfrm>
+          <a:prstGeom prst="rect">
+            <a:avLst/>
+          </a:prstGeom>
+          <a:solidFill>
+            <a:srgbClr val="9A0014"/>
+          </a:solidFill>
+          <a:ln w="12700">
+            <a:miter lim="400000"/>
+          </a:ln>
+        </p:spPr>
+        <p:txBody>
+          <a:bodyPr lIns="0" tIns="0" rIns="0" bIns="0" anchor="ctr"/>
+          <a:lstStyle/>
+          <a:p>
+            <a:pPr lvl="0" algn="ctr">
+              <a:defRPr>
+                <a:solidFill>
+                  <a:srgbClr val="FFFFFF"/>
+                </a:solidFill>
+              </a:defRPr>
+            </a:pPr>
+            <a:r>
+              <a:rPr lang="it-IT" sz="2400" b="1" dirty="0">
+                <a:solidFill>
+                  <a:schemeClr val="bg1">
+                    <a:lumMod val="50000"/>
+                  </a:schemeClr>
+                </a:solidFill>
+                <a:latin typeface="Calibri" panose="020F0502020204030204" pitchFamily="34" charset="0"/>
+                <a:cs typeface="Calibri" panose="020F0502020204030204" pitchFamily="34" charset="0"/>
+              </a:rPr>
+              <a:t>L’azienda</a:t>
+            </a:r>
+            <a:r>
+              <a:rPr lang="it-IT" sz="2400" dirty="0">
+                <a:latin typeface="Calibri" panose="020F0502020204030204" pitchFamily="34" charset="0"/>
+                <a:cs typeface="Calibri" panose="020F0502020204030204" pitchFamily="34" charset="0"/>
+              </a:rPr>
+              <a:t> | </a:t>
+            </a:r>
+            <a:r>
+              <a:rPr lang="it-IT" sz="2400" dirty="0">
+                <a:solidFill>
+                  <a:schemeClr val="bg1">
+                    <a:lumMod val="50000"/>
+                  </a:schemeClr>
+                </a:solidFill>
+                <a:latin typeface="Calibri" panose="020F0502020204030204" pitchFamily="34" charset="0"/>
+                <a:cs typeface="Calibri" panose="020F0502020204030204" pitchFamily="34" charset="0"/>
+              </a:rPr>
+              <a:t>Il progetto aziendale</a:t>
+            </a:r>
+            <a:r>
+              <a:rPr lang="it-IT" sz="2400" dirty="0">
+                <a:latin typeface="Calibri" panose="020F0502020204030204" pitchFamily="34" charset="0"/>
+                <a:cs typeface="Calibri" panose="020F0502020204030204" pitchFamily="34" charset="0"/>
+              </a:rPr>
+              <a:t> | </a:t>
+            </a:r>
+            <a:r>
+              <a:rPr lang="it-IT" sz="2400" dirty="0">
+                <a:solidFill>
+                  <a:schemeClr val="bg1"/>
+                </a:solidFill>
+                <a:latin typeface="Calibri" panose="020F0502020204030204" pitchFamily="34" charset="0"/>
+                <a:cs typeface="Calibri" panose="020F0502020204030204" pitchFamily="34" charset="0"/>
+              </a:rPr>
+              <a:t>Il progetto di Stage</a:t>
+            </a:r>
+            <a:r>
+              <a:rPr lang="it-IT" sz="2400" dirty="0">
+                <a:latin typeface="Calibri" panose="020F0502020204030204" pitchFamily="34" charset="0"/>
+                <a:cs typeface="Calibri" panose="020F0502020204030204" pitchFamily="34" charset="0"/>
+              </a:rPr>
+              <a:t> | </a:t>
+            </a:r>
+            <a:r>
+              <a:rPr lang="it-IT" sz="2400" dirty="0">
+                <a:solidFill>
+                  <a:schemeClr val="bg1">
+                    <a:lumMod val="50000"/>
+                  </a:schemeClr>
+                </a:solidFill>
+                <a:latin typeface="Calibri" panose="020F0502020204030204" pitchFamily="34" charset="0"/>
+                <a:cs typeface="Calibri" panose="020F0502020204030204" pitchFamily="34" charset="0"/>
+              </a:rPr>
+              <a:t>I risultati</a:t>
+            </a:r>
+            <a:endParaRPr sz="2400" dirty="0">
+              <a:solidFill>
+                <a:schemeClr val="bg1">
+                  <a:lumMod val="50000"/>
+                </a:schemeClr>
+              </a:solidFill>
+              <a:latin typeface="Calibri" panose="020F0502020204030204" pitchFamily="34" charset="0"/>
+              <a:cs typeface="Calibri" panose="020F0502020204030204" pitchFamily="34" charset="0"/>
+            </a:endParaRPr>
+          </a:p>
+        </p:txBody>
+      </p:sp>
+      <p:sp>
+        <p:nvSpPr>
+          <p:cNvPr id="24" name="Shape 208">
+            <a:extLst>
+              <a:ext uri="{FF2B5EF4-FFF2-40B4-BE49-F238E27FC236}">
+                <a16:creationId xmlns:a16="http://schemas.microsoft.com/office/drawing/2014/main" id="{9A155AAE-9995-49C7-8A91-51F4633226B4}"/>
+              </a:ext>
+            </a:extLst>
+          </p:cNvPr>
+          <p:cNvSpPr>
+            <a:spLocks noChangeAspect="1"/>
+          </p:cNvSpPr>
+          <p:nvPr/>
+        </p:nvSpPr>
+        <p:spPr>
+          <a:xfrm>
+            <a:off x="0" y="6426000"/>
+            <a:ext cx="9144000" cy="432000"/>
+          </a:xfrm>
+          <a:prstGeom prst="rect">
+            <a:avLst/>
+          </a:prstGeom>
+          <a:solidFill>
+            <a:srgbClr val="9A0014"/>
+          </a:solidFill>
+          <a:ln w="12700">
+            <a:miter lim="400000"/>
+          </a:ln>
+        </p:spPr>
+        <p:txBody>
+          <a:bodyPr lIns="0" tIns="0" rIns="0" bIns="0" anchor="ctr"/>
+          <a:lstStyle/>
+          <a:p>
+            <a:pPr lvl="0" algn="ctr">
+              <a:defRPr>
+                <a:solidFill>
+                  <a:srgbClr val="FFFFFF"/>
+                </a:solidFill>
+              </a:defRPr>
+            </a:pPr>
+            <a:endParaRPr lang="it-IT" sz="1400" b="1" dirty="0">
+              <a:latin typeface="Calibri" panose="020F0502020204030204" pitchFamily="34" charset="0"/>
+              <a:cs typeface="Calibri" panose="020F0502020204030204" pitchFamily="34" charset="0"/>
+            </a:endParaRPr>
+          </a:p>
+          <a:p>
+            <a:pPr lvl="0" algn="ctr">
+              <a:defRPr>
+                <a:solidFill>
+                  <a:srgbClr val="FFFFFF"/>
+                </a:solidFill>
+              </a:defRPr>
+            </a:pPr>
+            <a:r>
+              <a:rPr lang="it-IT" sz="1400" b="1" dirty="0">
+                <a:latin typeface="Calibri" panose="020F0502020204030204" pitchFamily="34" charset="0"/>
+                <a:cs typeface="Calibri" panose="020F0502020204030204" pitchFamily="34" charset="0"/>
+              </a:rPr>
+              <a:t>Abdelilah Lahmer - Meccanismi di programmazione back-end e analisi in ambito bancario</a:t>
+            </a:r>
+          </a:p>
+          <a:p>
+            <a:pPr lvl="0" algn="ctr">
+              <a:defRPr>
+                <a:solidFill>
+                  <a:srgbClr val="FFFFFF"/>
+                </a:solidFill>
+              </a:defRPr>
+            </a:pPr>
+            <a:endParaRPr sz="1400" b="1" dirty="0">
+              <a:latin typeface="Calibri" panose="020F0502020204030204" pitchFamily="34" charset="0"/>
+              <a:cs typeface="Calibri" panose="020F0502020204030204" pitchFamily="34" charset="0"/>
+            </a:endParaRPr>
+          </a:p>
+        </p:txBody>
+      </p:sp>
+      <p:pic>
+        <p:nvPicPr>
+          <p:cNvPr id="25" name="image5.png">
+            <a:extLst>
+              <a:ext uri="{FF2B5EF4-FFF2-40B4-BE49-F238E27FC236}">
+                <a16:creationId xmlns:a16="http://schemas.microsoft.com/office/drawing/2014/main" id="{67F7AB95-CBB4-42CA-983D-2F0A49585365}"/>
+              </a:ext>
+            </a:extLst>
+          </p:cNvPr>
+          <p:cNvPicPr>
+            <a:picLocks noChangeAspect="1"/>
+          </p:cNvPicPr>
+          <p:nvPr/>
+        </p:nvPicPr>
+        <p:blipFill>
+          <a:blip r:embed="rId3">
+            <a:extLst/>
+          </a:blip>
+          <a:stretch>
+            <a:fillRect/>
+          </a:stretch>
+        </p:blipFill>
+        <p:spPr>
+          <a:xfrm>
+            <a:off x="0" y="6426000"/>
+            <a:ext cx="966133" cy="432000"/>
+          </a:xfrm>
+          <a:prstGeom prst="rect">
+            <a:avLst/>
+          </a:prstGeom>
+          <a:ln w="12700">
+            <a:miter lim="400000"/>
+          </a:ln>
+        </p:spPr>
+      </p:pic>
+      <p:sp>
+        <p:nvSpPr>
+          <p:cNvPr id="26" name="Shape 211">
+            <a:extLst>
+              <a:ext uri="{FF2B5EF4-FFF2-40B4-BE49-F238E27FC236}">
+                <a16:creationId xmlns:a16="http://schemas.microsoft.com/office/drawing/2014/main" id="{98C3C432-794C-4D78-80B1-CCF7E7A8B943}"/>
+              </a:ext>
+            </a:extLst>
+          </p:cNvPr>
+          <p:cNvSpPr txBox="1">
+            <a:spLocks/>
+          </p:cNvSpPr>
+          <p:nvPr/>
+        </p:nvSpPr>
+        <p:spPr>
+          <a:xfrm>
+            <a:off x="8117059" y="6426000"/>
+            <a:ext cx="1026941" cy="432000"/>
+          </a:xfrm>
+          <a:prstGeom prst="rect">
+            <a:avLst/>
+          </a:prstGeom>
+          <a:ln w="12700">
+            <a:miter lim="400000"/>
+          </a:ln>
+          <a:extLst>
+            <a:ext uri="{C572A759-6A51-4108-AA02-DFA0A04FC94B}">
+              <ma14:wrappingTextBoxFlag xmlns="" xmlns:ma14="http://schemas.microsoft.com/office/mac/drawingml/2011/main" val="1"/>
+            </a:ext>
+          </a:extLst>
+        </p:spPr>
+        <p:txBody>
+          <a:bodyPr lIns="0" tIns="0" rIns="0" bIns="0" anchor="ctr">
+            <a:normAutofit/>
+          </a:bodyPr>
+          <a:lstStyle>
+            <a:lvl1pPr algn="r">
+              <a:defRPr sz="2000">
+                <a:solidFill>
+                  <a:srgbClr val="FFFFFF"/>
+                </a:solidFill>
+                <a:latin typeface="Calibri"/>
+                <a:ea typeface="Calibri"/>
+                <a:cs typeface="Calibri"/>
+                <a:sym typeface="Calibri"/>
+              </a:defRPr>
+            </a:lvl1pPr>
+            <a:lvl2pPr indent="457200">
+              <a:defRPr>
+                <a:latin typeface="Calibri"/>
+                <a:ea typeface="Calibri"/>
+                <a:cs typeface="Calibri"/>
+                <a:sym typeface="Calibri"/>
+              </a:defRPr>
+            </a:lvl2pPr>
+            <a:lvl3pPr indent="914400">
+              <a:defRPr>
+                <a:latin typeface="Calibri"/>
+                <a:ea typeface="Calibri"/>
+                <a:cs typeface="Calibri"/>
+                <a:sym typeface="Calibri"/>
+              </a:defRPr>
+            </a:lvl3pPr>
+            <a:lvl4pPr indent="1371600">
+              <a:defRPr>
+                <a:latin typeface="Calibri"/>
+                <a:ea typeface="Calibri"/>
+                <a:cs typeface="Calibri"/>
+                <a:sym typeface="Calibri"/>
+              </a:defRPr>
+            </a:lvl4pPr>
+            <a:lvl5pPr indent="1828800">
+              <a:defRPr>
+                <a:latin typeface="Calibri"/>
+                <a:ea typeface="Calibri"/>
+                <a:cs typeface="Calibri"/>
+                <a:sym typeface="Calibri"/>
+              </a:defRPr>
+            </a:lvl5pPr>
+            <a:lvl6pPr indent="2286000">
+              <a:defRPr>
+                <a:latin typeface="Calibri"/>
+                <a:ea typeface="Calibri"/>
+                <a:cs typeface="Calibri"/>
+                <a:sym typeface="Calibri"/>
+              </a:defRPr>
+            </a:lvl6pPr>
+            <a:lvl7pPr indent="2743200">
+              <a:defRPr>
+                <a:latin typeface="Calibri"/>
+                <a:ea typeface="Calibri"/>
+                <a:cs typeface="Calibri"/>
+                <a:sym typeface="Calibri"/>
+              </a:defRPr>
+            </a:lvl7pPr>
+            <a:lvl8pPr indent="3200400">
+              <a:defRPr>
+                <a:latin typeface="Calibri"/>
+                <a:ea typeface="Calibri"/>
+                <a:cs typeface="Calibri"/>
+                <a:sym typeface="Calibri"/>
+              </a:defRPr>
+            </a:lvl8pPr>
+            <a:lvl9pPr indent="3657600">
+              <a:defRPr>
+                <a:latin typeface="Calibri"/>
+                <a:ea typeface="Calibri"/>
+                <a:cs typeface="Calibri"/>
+                <a:sym typeface="Calibri"/>
+              </a:defRPr>
+            </a:lvl9pPr>
+          </a:lstStyle>
+          <a:p>
+            <a:pPr algn="ctr">
+              <a:defRPr sz="1800">
+                <a:solidFill>
+                  <a:srgbClr val="000000"/>
+                </a:solidFill>
+              </a:defRPr>
+            </a:pPr>
+            <a:fld id="{86CB4B4D-7CA3-9044-876B-883B54F8677D}" type="slidenum">
+              <a:rPr lang="it-IT" sz="2400" smtClean="0">
+                <a:solidFill>
+                  <a:schemeClr val="bg1"/>
+                </a:solidFill>
+                <a:latin typeface="Calibri" panose="020F0502020204030204" pitchFamily="34" charset="0"/>
+                <a:cs typeface="Calibri" panose="020F0502020204030204" pitchFamily="34" charset="0"/>
+              </a:rPr>
+              <a:pPr algn="ctr">
+                <a:defRPr sz="1800">
+                  <a:solidFill>
+                    <a:srgbClr val="000000"/>
+                  </a:solidFill>
+                </a:defRPr>
+              </a:pPr>
+              <a:t>7</a:t>
+            </a:fld>
+            <a:r>
+              <a:rPr lang="it-IT" sz="2400" dirty="0">
+                <a:solidFill>
+                  <a:schemeClr val="bg1"/>
+                </a:solidFill>
+                <a:latin typeface="Calibri" panose="020F0502020204030204" pitchFamily="34" charset="0"/>
+                <a:cs typeface="Calibri" panose="020F0502020204030204" pitchFamily="34" charset="0"/>
+              </a:rPr>
+              <a:t> di 9</a:t>
+            </a:r>
+          </a:p>
+        </p:txBody>
+      </p:sp>
+    </p:spTree>
+    <p:extLst>
+      <p:ext uri="{BB962C8B-B14F-4D97-AF65-F5344CB8AC3E}">
+        <p14:creationId xmlns:p14="http://schemas.microsoft.com/office/powerpoint/2010/main" val="1030949317"/>
+      </p:ext>
+    </p:extLst>
+  </p:cSld>
+  <p:clrMapOvr>
+    <a:masterClrMapping/>
+  </p:clrMapOvr>
+  <p:transition spd="med"/>
+</p:sld>
+</file>
+
+<file path=ppt/slides/slide8.xml><?xml version="1.0" encoding="utf-8"?>
+<p:sld xmlns:a="http://schemas.openxmlformats.org/drawingml/2006/main" xmlns:r="http://schemas.openxmlformats.org/officeDocument/2006/relationships" xmlns:p="http://schemas.openxmlformats.org/presentationml/2006/main">
+  <p:cSld>
+    <p:spTree>
+      <p:nvGrpSpPr>
+        <p:cNvPr id="1" name=""/>
+        <p:cNvGrpSpPr/>
+        <p:nvPr/>
+      </p:nvGrpSpPr>
+      <p:grpSpPr>
+        <a:xfrm>
+          <a:off x="0" y="0"/>
+          <a:ext cx="0" cy="0"/>
+          <a:chOff x="0" y="0"/>
+          <a:chExt cx="0" cy="0"/>
+        </a:xfrm>
+      </p:grpSpPr>
+      <p:pic>
+        <p:nvPicPr>
+          <p:cNvPr id="207" name="image3.png"/>
+          <p:cNvPicPr/>
+          <p:nvPr/>
+        </p:nvPicPr>
+        <p:blipFill>
+          <a:blip r:embed="rId2">
+            <a:extLst/>
+          </a:blip>
+          <a:stretch>
+            <a:fillRect/>
+          </a:stretch>
+        </p:blipFill>
+        <p:spPr>
+          <a:xfrm>
+            <a:off x="7340293" y="38100"/>
+            <a:ext cx="1549709" cy="692941"/>
+          </a:xfrm>
+          <a:prstGeom prst="rect">
+            <a:avLst/>
+          </a:prstGeom>
+          <a:ln w="12700">
+            <a:miter lim="400000"/>
+          </a:ln>
+        </p:spPr>
+      </p:pic>
+      <p:sp>
+        <p:nvSpPr>
+          <p:cNvPr id="211" name="Shape 211"/>
+          <p:cNvSpPr>
+            <a:spLocks noGrp="1"/>
+          </p:cNvSpPr>
+          <p:nvPr>
+            <p:ph type="sldNum" sz="quarter" idx="2"/>
+          </p:nvPr>
+        </p:nvSpPr>
+        <p:spPr>
+          <a:xfrm>
+            <a:off x="6915149" y="6395396"/>
+            <a:ext cx="2057401" cy="383541"/>
+          </a:xfrm>
+          <a:prstGeom prst="rect">
+            <a:avLst/>
+          </a:prstGeom>
+          <a:extLst>
+            <a:ext uri="{C572A759-6A51-4108-AA02-DFA0A04FC94B}">
+              <ma14:wrappingTextBoxFlag xmlns="" xmlns:ma14="http://schemas.microsoft.com/office/mac/drawingml/2011/main" val="1"/>
+            </a:ext>
+          </a:extLst>
+        </p:spPr>
+        <p:txBody>
+          <a:bodyPr lIns="0" tIns="0" rIns="0" bIns="0">
+            <a:normAutofit/>
+          </a:bodyPr>
+          <a:lstStyle>
+            <a:lvl1pPr>
+              <a:defRPr sz="2000">
+                <a:solidFill>
+                  <a:srgbClr val="FFFFFF"/>
+                </a:solidFill>
+              </a:defRPr>
+            </a:lvl1pPr>
+          </a:lstStyle>
+          <a:p>
+            <a:pPr lvl="0">
+              <a:defRPr sz="1800">
+                <a:solidFill>
+                  <a:srgbClr val="000000"/>
+                </a:solidFill>
+              </a:defRPr>
+            </a:pPr>
+            <a:fld id="{86CB4B4D-7CA3-9044-876B-883B54F8677D}" type="slidenum">
+              <a:rPr sz="2000" smtClean="0">
+                <a:solidFill>
+                  <a:srgbClr val="FFFFFF"/>
+                </a:solidFill>
+              </a:rPr>
+              <a:t>8</a:t>
+            </a:fld>
+            <a:r>
+              <a:rPr lang="it-IT" sz="2000" dirty="0">
+                <a:solidFill>
+                  <a:srgbClr val="FFFFFF"/>
+                </a:solidFill>
+              </a:rPr>
+              <a:t> di 7</a:t>
+            </a:r>
+            <a:endParaRPr sz="2000" dirty="0">
+              <a:solidFill>
+                <a:srgbClr val="FFFFFF"/>
+              </a:solidFill>
+            </a:endParaRPr>
+          </a:p>
+        </p:txBody>
+      </p:sp>
+      <p:sp>
+        <p:nvSpPr>
+          <p:cNvPr id="214" name="Shape 214"/>
+          <p:cNvSpPr/>
+          <p:nvPr/>
+        </p:nvSpPr>
+        <p:spPr>
+          <a:xfrm>
+            <a:off x="6915149" y="6395396"/>
+            <a:ext cx="2057401" cy="383541"/>
+          </a:xfrm>
+          <a:prstGeom prst="rect">
+            <a:avLst/>
+          </a:prstGeom>
+          <a:ln w="12700">
+            <a:miter lim="400000"/>
+          </a:ln>
+          <a:extLst>
+            <a:ext uri="{C572A759-6A51-4108-AA02-DFA0A04FC94B}">
+              <ma14:wrappingTextBoxFlag xmlns="" xmlns:ma14="http://schemas.microsoft.com/office/mac/drawingml/2011/main" val="1"/>
+            </a:ext>
+          </a:extLst>
+        </p:spPr>
+        <p:txBody>
+          <a:bodyPr lIns="0" tIns="0" rIns="0" bIns="0" anchor="ctr">
+            <a:normAutofit/>
+          </a:bodyPr>
+          <a:lstStyle>
+            <a:lvl1pPr algn="r">
+              <a:defRPr sz="2000">
+                <a:solidFill>
+                  <a:srgbClr val="FFFFFF"/>
+                </a:solidFill>
+              </a:defRPr>
+            </a:lvl1pPr>
+          </a:lstStyle>
+          <a:p>
+            <a:pPr lvl="0">
+              <a:defRPr sz="1800">
+                <a:solidFill>
+                  <a:srgbClr val="000000"/>
+                </a:solidFill>
+              </a:defRPr>
+            </a:pPr>
+            <a:endParaRPr sz="2000" dirty="0">
+              <a:solidFill>
+                <a:srgbClr val="FFFFFF"/>
+              </a:solidFill>
+            </a:endParaRPr>
+          </a:p>
+        </p:txBody>
+      </p:sp>
+      <p:sp>
+        <p:nvSpPr>
+          <p:cNvPr id="15" name="Shape 211">
+            <a:extLst>
+              <a:ext uri="{FF2B5EF4-FFF2-40B4-BE49-F238E27FC236}">
+                <a16:creationId xmlns:a16="http://schemas.microsoft.com/office/drawing/2014/main" id="{52C1824F-8162-415C-847A-DCF984276A25}"/>
+              </a:ext>
+            </a:extLst>
+          </p:cNvPr>
+          <p:cNvSpPr txBox="1">
+            <a:spLocks/>
+          </p:cNvSpPr>
+          <p:nvPr/>
+        </p:nvSpPr>
+        <p:spPr>
+          <a:xfrm>
+            <a:off x="7340292" y="6316331"/>
+            <a:ext cx="1803708" cy="541669"/>
+          </a:xfrm>
+          <a:prstGeom prst="rect">
+            <a:avLst/>
+          </a:prstGeom>
+          <a:ln w="12700">
+            <a:miter lim="400000"/>
+          </a:ln>
+          <a:extLst>
+            <a:ext uri="{C572A759-6A51-4108-AA02-DFA0A04FC94B}">
+              <ma14:wrappingTextBoxFlag xmlns="" xmlns:ma14="http://schemas.microsoft.com/office/mac/drawingml/2011/main" val="1"/>
+            </a:ext>
+          </a:extLst>
+        </p:spPr>
+        <p:txBody>
+          <a:bodyPr lIns="0" tIns="0" rIns="0" bIns="0" anchor="ctr">
+            <a:normAutofit/>
+          </a:bodyPr>
+          <a:lstStyle>
+            <a:lvl1pPr algn="r">
+              <a:defRPr sz="2000">
+                <a:solidFill>
+                  <a:srgbClr val="FFFFFF"/>
+                </a:solidFill>
+                <a:latin typeface="Calibri"/>
+                <a:ea typeface="Calibri"/>
+                <a:cs typeface="Calibri"/>
+                <a:sym typeface="Calibri"/>
+              </a:defRPr>
+            </a:lvl1pPr>
+            <a:lvl2pPr indent="457200">
+              <a:defRPr>
+                <a:latin typeface="Calibri"/>
+                <a:ea typeface="Calibri"/>
+                <a:cs typeface="Calibri"/>
+                <a:sym typeface="Calibri"/>
+              </a:defRPr>
+            </a:lvl2pPr>
+            <a:lvl3pPr indent="914400">
+              <a:defRPr>
+                <a:latin typeface="Calibri"/>
+                <a:ea typeface="Calibri"/>
+                <a:cs typeface="Calibri"/>
+                <a:sym typeface="Calibri"/>
+              </a:defRPr>
+            </a:lvl3pPr>
+            <a:lvl4pPr indent="1371600">
+              <a:defRPr>
+                <a:latin typeface="Calibri"/>
+                <a:ea typeface="Calibri"/>
+                <a:cs typeface="Calibri"/>
+                <a:sym typeface="Calibri"/>
+              </a:defRPr>
+            </a:lvl4pPr>
+            <a:lvl5pPr indent="1828800">
+              <a:defRPr>
+                <a:latin typeface="Calibri"/>
+                <a:ea typeface="Calibri"/>
+                <a:cs typeface="Calibri"/>
+                <a:sym typeface="Calibri"/>
+              </a:defRPr>
+            </a:lvl5pPr>
+            <a:lvl6pPr indent="2286000">
+              <a:defRPr>
+                <a:latin typeface="Calibri"/>
+                <a:ea typeface="Calibri"/>
+                <a:cs typeface="Calibri"/>
+                <a:sym typeface="Calibri"/>
+              </a:defRPr>
+            </a:lvl6pPr>
+            <a:lvl7pPr indent="2743200">
+              <a:defRPr>
+                <a:latin typeface="Calibri"/>
+                <a:ea typeface="Calibri"/>
+                <a:cs typeface="Calibri"/>
+                <a:sym typeface="Calibri"/>
+              </a:defRPr>
+            </a:lvl7pPr>
+            <a:lvl8pPr indent="3200400">
+              <a:defRPr>
+                <a:latin typeface="Calibri"/>
+                <a:ea typeface="Calibri"/>
+                <a:cs typeface="Calibri"/>
+                <a:sym typeface="Calibri"/>
+              </a:defRPr>
+            </a:lvl8pPr>
+            <a:lvl9pPr indent="3657600">
+              <a:defRPr>
+                <a:latin typeface="Calibri"/>
+                <a:ea typeface="Calibri"/>
+                <a:cs typeface="Calibri"/>
+                <a:sym typeface="Calibri"/>
+              </a:defRPr>
+            </a:lvl9pPr>
+          </a:lstStyle>
+          <a:p>
+            <a:pPr algn="ctr">
+              <a:defRPr sz="1800">
+                <a:solidFill>
+                  <a:srgbClr val="000000"/>
+                </a:solidFill>
+              </a:defRPr>
+            </a:pPr>
+            <a:fld id="{86CB4B4D-7CA3-9044-876B-883B54F8677D}" type="slidenum">
+              <a:rPr lang="it-IT" sz="2400" smtClean="0">
+                <a:solidFill>
+                  <a:schemeClr val="bg1"/>
+                </a:solidFill>
+                <a:latin typeface="Calibri" panose="020F0502020204030204" pitchFamily="34" charset="0"/>
+                <a:cs typeface="Calibri" panose="020F0502020204030204" pitchFamily="34" charset="0"/>
+              </a:rPr>
+              <a:pPr algn="ctr">
+                <a:defRPr sz="1800">
+                  <a:solidFill>
+                    <a:srgbClr val="000000"/>
+                  </a:solidFill>
+                </a:defRPr>
+              </a:pPr>
+              <a:t>8</a:t>
+            </a:fld>
+            <a:r>
+              <a:rPr lang="it-IT" sz="2400" dirty="0">
+                <a:solidFill>
+                  <a:schemeClr val="bg1"/>
+                </a:solidFill>
+                <a:latin typeface="Calibri" panose="020F0502020204030204" pitchFamily="34" charset="0"/>
+                <a:cs typeface="Calibri" panose="020F0502020204030204" pitchFamily="34" charset="0"/>
+              </a:rPr>
+              <a:t> di 7</a:t>
+            </a:r>
+          </a:p>
+        </p:txBody>
+      </p:sp>
+      <p:sp>
+        <p:nvSpPr>
+          <p:cNvPr id="19" name="Shape 211">
+            <a:extLst>
+              <a:ext uri="{FF2B5EF4-FFF2-40B4-BE49-F238E27FC236}">
+                <a16:creationId xmlns:a16="http://schemas.microsoft.com/office/drawing/2014/main" id="{C0842CA3-511F-4F29-AEA6-6697123C7475}"/>
+              </a:ext>
+            </a:extLst>
+          </p:cNvPr>
+          <p:cNvSpPr txBox="1">
+            <a:spLocks/>
+          </p:cNvSpPr>
+          <p:nvPr/>
+        </p:nvSpPr>
+        <p:spPr>
+          <a:xfrm>
+            <a:off x="7340292" y="6316331"/>
+            <a:ext cx="1803708" cy="541669"/>
+          </a:xfrm>
+          <a:prstGeom prst="rect">
+            <a:avLst/>
+          </a:prstGeom>
+          <a:ln w="12700">
+            <a:miter lim="400000"/>
+          </a:ln>
+          <a:extLst>
+            <a:ext uri="{C572A759-6A51-4108-AA02-DFA0A04FC94B}">
+              <ma14:wrappingTextBoxFlag xmlns="" xmlns:ma14="http://schemas.microsoft.com/office/mac/drawingml/2011/main" val="1"/>
+            </a:ext>
+          </a:extLst>
+        </p:spPr>
+        <p:txBody>
+          <a:bodyPr lIns="0" tIns="0" rIns="0" bIns="0" anchor="ctr">
+            <a:normAutofit/>
+          </a:bodyPr>
+          <a:lstStyle>
+            <a:lvl1pPr algn="r">
+              <a:defRPr sz="2000">
+                <a:solidFill>
+                  <a:srgbClr val="FFFFFF"/>
+                </a:solidFill>
+                <a:latin typeface="Calibri"/>
+                <a:ea typeface="Calibri"/>
+                <a:cs typeface="Calibri"/>
+                <a:sym typeface="Calibri"/>
+              </a:defRPr>
+            </a:lvl1pPr>
+            <a:lvl2pPr indent="457200">
+              <a:defRPr>
+                <a:latin typeface="Calibri"/>
+                <a:ea typeface="Calibri"/>
+                <a:cs typeface="Calibri"/>
+                <a:sym typeface="Calibri"/>
+              </a:defRPr>
+            </a:lvl2pPr>
+            <a:lvl3pPr indent="914400">
+              <a:defRPr>
+                <a:latin typeface="Calibri"/>
+                <a:ea typeface="Calibri"/>
+                <a:cs typeface="Calibri"/>
+                <a:sym typeface="Calibri"/>
+              </a:defRPr>
+            </a:lvl3pPr>
+            <a:lvl4pPr indent="1371600">
+              <a:defRPr>
+                <a:latin typeface="Calibri"/>
+                <a:ea typeface="Calibri"/>
+                <a:cs typeface="Calibri"/>
+                <a:sym typeface="Calibri"/>
+              </a:defRPr>
+            </a:lvl4pPr>
+            <a:lvl5pPr indent="1828800">
+              <a:defRPr>
+                <a:latin typeface="Calibri"/>
+                <a:ea typeface="Calibri"/>
+                <a:cs typeface="Calibri"/>
+                <a:sym typeface="Calibri"/>
+              </a:defRPr>
+            </a:lvl5pPr>
+            <a:lvl6pPr indent="2286000">
+              <a:defRPr>
+                <a:latin typeface="Calibri"/>
+                <a:ea typeface="Calibri"/>
+                <a:cs typeface="Calibri"/>
+                <a:sym typeface="Calibri"/>
+              </a:defRPr>
+            </a:lvl6pPr>
+            <a:lvl7pPr indent="2743200">
+              <a:defRPr>
+                <a:latin typeface="Calibri"/>
+                <a:ea typeface="Calibri"/>
+                <a:cs typeface="Calibri"/>
+                <a:sym typeface="Calibri"/>
+              </a:defRPr>
+            </a:lvl7pPr>
+            <a:lvl8pPr indent="3200400">
+              <a:defRPr>
+                <a:latin typeface="Calibri"/>
+                <a:ea typeface="Calibri"/>
+                <a:cs typeface="Calibri"/>
+                <a:sym typeface="Calibri"/>
+              </a:defRPr>
+            </a:lvl8pPr>
+            <a:lvl9pPr indent="3657600">
+              <a:defRPr>
+                <a:latin typeface="Calibri"/>
+                <a:ea typeface="Calibri"/>
+                <a:cs typeface="Calibri"/>
+                <a:sym typeface="Calibri"/>
+              </a:defRPr>
+            </a:lvl9pPr>
+          </a:lstStyle>
+          <a:p>
+            <a:pPr algn="ctr">
+              <a:defRPr sz="1800">
+                <a:solidFill>
+                  <a:srgbClr val="000000"/>
+                </a:solidFill>
+              </a:defRPr>
+            </a:pPr>
+            <a:fld id="{86CB4B4D-7CA3-9044-876B-883B54F8677D}" type="slidenum">
+              <a:rPr lang="it-IT" sz="2400" smtClean="0">
+                <a:solidFill>
+                  <a:schemeClr val="bg1"/>
+                </a:solidFill>
+                <a:latin typeface="Calibri" panose="020F0502020204030204" pitchFamily="34" charset="0"/>
+                <a:cs typeface="Calibri" panose="020F0502020204030204" pitchFamily="34" charset="0"/>
+              </a:rPr>
+              <a:pPr algn="ctr">
+                <a:defRPr sz="1800">
+                  <a:solidFill>
+                    <a:srgbClr val="000000"/>
+                  </a:solidFill>
+                </a:defRPr>
+              </a:pPr>
+              <a:t>8</a:t>
+            </a:fld>
+            <a:r>
+              <a:rPr lang="it-IT" sz="2400" dirty="0">
+                <a:solidFill>
+                  <a:schemeClr val="bg1"/>
+                </a:solidFill>
+                <a:latin typeface="Calibri" panose="020F0502020204030204" pitchFamily="34" charset="0"/>
+                <a:cs typeface="Calibri" panose="020F0502020204030204" pitchFamily="34" charset="0"/>
+              </a:rPr>
+              <a:t> di 9</a:t>
+            </a:r>
+          </a:p>
+        </p:txBody>
+      </p:sp>
+      <p:sp>
+        <p:nvSpPr>
+          <p:cNvPr id="20" name="Shape 208">
+            <a:extLst>
+              <a:ext uri="{FF2B5EF4-FFF2-40B4-BE49-F238E27FC236}">
+                <a16:creationId xmlns:a16="http://schemas.microsoft.com/office/drawing/2014/main" id="{21F37958-286B-43DF-BFBA-0063AFC3765F}"/>
+              </a:ext>
+            </a:extLst>
+          </p:cNvPr>
+          <p:cNvSpPr/>
+          <p:nvPr/>
+        </p:nvSpPr>
+        <p:spPr>
+          <a:xfrm>
+            <a:off x="0" y="-2479"/>
+            <a:ext cx="9144000" cy="774098"/>
+          </a:xfrm>
+          <a:prstGeom prst="rect">
+            <a:avLst/>
+          </a:prstGeom>
+          <a:solidFill>
+            <a:srgbClr val="9A0014"/>
+          </a:solidFill>
+          <a:ln w="12700">
+            <a:miter lim="400000"/>
+          </a:ln>
+        </p:spPr>
+        <p:txBody>
+          <a:bodyPr lIns="0" tIns="0" rIns="0" bIns="0" anchor="ctr"/>
+          <a:lstStyle/>
+          <a:p>
+            <a:pPr lvl="0" algn="ctr">
+              <a:defRPr>
+                <a:solidFill>
+                  <a:srgbClr val="FFFFFF"/>
+                </a:solidFill>
+              </a:defRPr>
+            </a:pPr>
+            <a:r>
+              <a:rPr lang="it-IT" sz="2400" b="1" dirty="0">
+                <a:solidFill>
+                  <a:schemeClr val="bg1">
+                    <a:lumMod val="50000"/>
+                  </a:schemeClr>
+                </a:solidFill>
+                <a:latin typeface="Calibri" panose="020F0502020204030204" pitchFamily="34" charset="0"/>
+                <a:cs typeface="Calibri" panose="020F0502020204030204" pitchFamily="34" charset="0"/>
+              </a:rPr>
+              <a:t>L’azienda</a:t>
+            </a:r>
+            <a:r>
+              <a:rPr lang="it-IT" sz="2400" dirty="0">
+                <a:latin typeface="Calibri" panose="020F0502020204030204" pitchFamily="34" charset="0"/>
+                <a:cs typeface="Calibri" panose="020F0502020204030204" pitchFamily="34" charset="0"/>
+              </a:rPr>
+              <a:t> | </a:t>
+            </a:r>
+            <a:r>
+              <a:rPr lang="it-IT" sz="2400" dirty="0">
+                <a:solidFill>
+                  <a:schemeClr val="bg1">
+                    <a:lumMod val="50000"/>
+                  </a:schemeClr>
+                </a:solidFill>
+                <a:latin typeface="Calibri" panose="020F0502020204030204" pitchFamily="34" charset="0"/>
+                <a:cs typeface="Calibri" panose="020F0502020204030204" pitchFamily="34" charset="0"/>
+              </a:rPr>
+              <a:t>Il progetto aziendale</a:t>
+            </a:r>
+            <a:r>
+              <a:rPr lang="it-IT" sz="2400" dirty="0">
+                <a:latin typeface="Calibri" panose="020F0502020204030204" pitchFamily="34" charset="0"/>
+                <a:cs typeface="Calibri" panose="020F0502020204030204" pitchFamily="34" charset="0"/>
+              </a:rPr>
+              <a:t> | </a:t>
+            </a:r>
+            <a:r>
+              <a:rPr lang="it-IT" sz="2400" dirty="0">
+                <a:solidFill>
+                  <a:schemeClr val="bg1">
+                    <a:lumMod val="50000"/>
+                  </a:schemeClr>
+                </a:solidFill>
+                <a:latin typeface="Calibri" panose="020F0502020204030204" pitchFamily="34" charset="0"/>
+                <a:cs typeface="Calibri" panose="020F0502020204030204" pitchFamily="34" charset="0"/>
+              </a:rPr>
+              <a:t>Il progetto di Stage</a:t>
+            </a:r>
+            <a:r>
+              <a:rPr lang="it-IT" sz="2400" dirty="0">
+                <a:latin typeface="Calibri" panose="020F0502020204030204" pitchFamily="34" charset="0"/>
+                <a:cs typeface="Calibri" panose="020F0502020204030204" pitchFamily="34" charset="0"/>
+              </a:rPr>
+              <a:t> | </a:t>
+            </a:r>
+            <a:r>
+              <a:rPr lang="it-IT" sz="2400" dirty="0">
+                <a:solidFill>
+                  <a:schemeClr val="bg1"/>
+                </a:solidFill>
+                <a:latin typeface="Calibri" panose="020F0502020204030204" pitchFamily="34" charset="0"/>
+                <a:cs typeface="Calibri" panose="020F0502020204030204" pitchFamily="34" charset="0"/>
+              </a:rPr>
+              <a:t>I risultati</a:t>
+            </a:r>
+            <a:endParaRPr sz="2400" dirty="0">
+              <a:solidFill>
+                <a:schemeClr val="bg1"/>
+              </a:solidFill>
+              <a:latin typeface="Calibri" panose="020F0502020204030204" pitchFamily="34" charset="0"/>
+              <a:cs typeface="Calibri" panose="020F0502020204030204" pitchFamily="34" charset="0"/>
+            </a:endParaRPr>
+          </a:p>
+        </p:txBody>
+      </p:sp>
+      <p:sp>
+        <p:nvSpPr>
+          <p:cNvPr id="16" name="Shape 208">
+            <a:extLst>
+              <a:ext uri="{FF2B5EF4-FFF2-40B4-BE49-F238E27FC236}">
+                <a16:creationId xmlns:a16="http://schemas.microsoft.com/office/drawing/2014/main" id="{4023EF11-A1D7-40CD-A6D2-305D9A7BB912}"/>
+              </a:ext>
+            </a:extLst>
+          </p:cNvPr>
+          <p:cNvSpPr>
+            <a:spLocks noChangeAspect="1"/>
+          </p:cNvSpPr>
+          <p:nvPr/>
+        </p:nvSpPr>
+        <p:spPr>
+          <a:xfrm>
+            <a:off x="0" y="6426000"/>
+            <a:ext cx="9144000" cy="432000"/>
+          </a:xfrm>
+          <a:prstGeom prst="rect">
+            <a:avLst/>
+          </a:prstGeom>
+          <a:solidFill>
+            <a:srgbClr val="9A0014"/>
+          </a:solidFill>
+          <a:ln w="12700">
+            <a:miter lim="400000"/>
+          </a:ln>
+        </p:spPr>
+        <p:txBody>
+          <a:bodyPr lIns="0" tIns="0" rIns="0" bIns="0" anchor="ctr"/>
+          <a:lstStyle/>
+          <a:p>
+            <a:pPr lvl="0" algn="ctr">
+              <a:defRPr>
+                <a:solidFill>
+                  <a:srgbClr val="FFFFFF"/>
+                </a:solidFill>
+              </a:defRPr>
+            </a:pPr>
+            <a:endParaRPr lang="it-IT" sz="1400" b="1" dirty="0">
+              <a:latin typeface="Calibri" panose="020F0502020204030204" pitchFamily="34" charset="0"/>
+              <a:cs typeface="Calibri" panose="020F0502020204030204" pitchFamily="34" charset="0"/>
+            </a:endParaRPr>
+          </a:p>
+          <a:p>
+            <a:pPr lvl="0" algn="ctr">
+              <a:defRPr>
+                <a:solidFill>
+                  <a:srgbClr val="FFFFFF"/>
+                </a:solidFill>
+              </a:defRPr>
+            </a:pPr>
+            <a:r>
+              <a:rPr lang="it-IT" sz="1400" b="1" dirty="0">
+                <a:latin typeface="Calibri" panose="020F0502020204030204" pitchFamily="34" charset="0"/>
+                <a:cs typeface="Calibri" panose="020F0502020204030204" pitchFamily="34" charset="0"/>
+              </a:rPr>
+              <a:t>Abdelilah Lahmer - Meccanismi di programmazione back-end e analisi in ambito bancario</a:t>
+            </a:r>
+          </a:p>
+          <a:p>
+            <a:pPr lvl="0" algn="ctr">
+              <a:defRPr>
+                <a:solidFill>
+                  <a:srgbClr val="FFFFFF"/>
+                </a:solidFill>
+              </a:defRPr>
+            </a:pPr>
+            <a:endParaRPr sz="1400" b="1" dirty="0">
+              <a:latin typeface="Calibri" panose="020F0502020204030204" pitchFamily="34" charset="0"/>
+              <a:cs typeface="Calibri" panose="020F0502020204030204" pitchFamily="34" charset="0"/>
+            </a:endParaRPr>
+          </a:p>
+        </p:txBody>
+      </p:sp>
+      <p:pic>
+        <p:nvPicPr>
+          <p:cNvPr id="21" name="image5.png">
+            <a:extLst>
+              <a:ext uri="{FF2B5EF4-FFF2-40B4-BE49-F238E27FC236}">
+                <a16:creationId xmlns:a16="http://schemas.microsoft.com/office/drawing/2014/main" id="{FB8F5EAE-A22C-42C8-B212-8AC5110C55F0}"/>
+              </a:ext>
+            </a:extLst>
+          </p:cNvPr>
+          <p:cNvPicPr>
+            <a:picLocks noChangeAspect="1"/>
+          </p:cNvPicPr>
+          <p:nvPr/>
+        </p:nvPicPr>
+        <p:blipFill>
+          <a:blip r:embed="rId3">
+            <a:extLst/>
+          </a:blip>
+          <a:stretch>
+            <a:fillRect/>
+          </a:stretch>
+        </p:blipFill>
+        <p:spPr>
+          <a:xfrm>
+            <a:off x="0" y="6426000"/>
+            <a:ext cx="966133" cy="432000"/>
+          </a:xfrm>
+          <a:prstGeom prst="rect">
+            <a:avLst/>
+          </a:prstGeom>
+          <a:ln w="12700">
+            <a:miter lim="400000"/>
+          </a:ln>
+        </p:spPr>
+      </p:pic>
+      <p:sp>
+        <p:nvSpPr>
+          <p:cNvPr id="22" name="Shape 211">
+            <a:extLst>
+              <a:ext uri="{FF2B5EF4-FFF2-40B4-BE49-F238E27FC236}">
+                <a16:creationId xmlns:a16="http://schemas.microsoft.com/office/drawing/2014/main" id="{7AE42902-B641-4AB9-B302-A124926833D3}"/>
+              </a:ext>
+            </a:extLst>
+          </p:cNvPr>
+          <p:cNvSpPr txBox="1">
+            <a:spLocks/>
+          </p:cNvSpPr>
+          <p:nvPr/>
+        </p:nvSpPr>
+        <p:spPr>
+          <a:xfrm>
+            <a:off x="8117059" y="6426000"/>
+            <a:ext cx="1026941" cy="432000"/>
+          </a:xfrm>
+          <a:prstGeom prst="rect">
+            <a:avLst/>
+          </a:prstGeom>
+          <a:ln w="12700">
+            <a:miter lim="400000"/>
+          </a:ln>
+          <a:extLst>
+            <a:ext uri="{C572A759-6A51-4108-AA02-DFA0A04FC94B}">
+              <ma14:wrappingTextBoxFlag xmlns="" xmlns:ma14="http://schemas.microsoft.com/office/mac/drawingml/2011/main" val="1"/>
+            </a:ext>
+          </a:extLst>
+        </p:spPr>
+        <p:txBody>
+          <a:bodyPr lIns="0" tIns="0" rIns="0" bIns="0" anchor="ctr">
+            <a:normAutofit/>
+          </a:bodyPr>
+          <a:lstStyle>
+            <a:lvl1pPr algn="r">
+              <a:defRPr sz="2000">
+                <a:solidFill>
+                  <a:srgbClr val="FFFFFF"/>
+                </a:solidFill>
+                <a:latin typeface="Calibri"/>
+                <a:ea typeface="Calibri"/>
+                <a:cs typeface="Calibri"/>
+                <a:sym typeface="Calibri"/>
+              </a:defRPr>
+            </a:lvl1pPr>
+            <a:lvl2pPr indent="457200">
+              <a:defRPr>
+                <a:latin typeface="Calibri"/>
+                <a:ea typeface="Calibri"/>
+                <a:cs typeface="Calibri"/>
+                <a:sym typeface="Calibri"/>
+              </a:defRPr>
+            </a:lvl2pPr>
+            <a:lvl3pPr indent="914400">
+              <a:defRPr>
+                <a:latin typeface="Calibri"/>
+                <a:ea typeface="Calibri"/>
+                <a:cs typeface="Calibri"/>
+                <a:sym typeface="Calibri"/>
+              </a:defRPr>
+            </a:lvl3pPr>
+            <a:lvl4pPr indent="1371600">
+              <a:defRPr>
+                <a:latin typeface="Calibri"/>
+                <a:ea typeface="Calibri"/>
+                <a:cs typeface="Calibri"/>
+                <a:sym typeface="Calibri"/>
+              </a:defRPr>
+            </a:lvl4pPr>
+            <a:lvl5pPr indent="1828800">
+              <a:defRPr>
+                <a:latin typeface="Calibri"/>
+                <a:ea typeface="Calibri"/>
+                <a:cs typeface="Calibri"/>
+                <a:sym typeface="Calibri"/>
+              </a:defRPr>
+            </a:lvl5pPr>
+            <a:lvl6pPr indent="2286000">
+              <a:defRPr>
+                <a:latin typeface="Calibri"/>
+                <a:ea typeface="Calibri"/>
+                <a:cs typeface="Calibri"/>
+                <a:sym typeface="Calibri"/>
+              </a:defRPr>
+            </a:lvl6pPr>
+            <a:lvl7pPr indent="2743200">
+              <a:defRPr>
+                <a:latin typeface="Calibri"/>
+                <a:ea typeface="Calibri"/>
+                <a:cs typeface="Calibri"/>
+                <a:sym typeface="Calibri"/>
+              </a:defRPr>
+            </a:lvl7pPr>
+            <a:lvl8pPr indent="3200400">
+              <a:defRPr>
+                <a:latin typeface="Calibri"/>
+                <a:ea typeface="Calibri"/>
+                <a:cs typeface="Calibri"/>
+                <a:sym typeface="Calibri"/>
+              </a:defRPr>
+            </a:lvl8pPr>
+            <a:lvl9pPr indent="3657600">
+              <a:defRPr>
+                <a:latin typeface="Calibri"/>
+                <a:ea typeface="Calibri"/>
+                <a:cs typeface="Calibri"/>
+                <a:sym typeface="Calibri"/>
+              </a:defRPr>
+            </a:lvl9pPr>
+          </a:lstStyle>
+          <a:p>
+            <a:pPr algn="ctr">
+              <a:defRPr sz="1800">
+                <a:solidFill>
+                  <a:srgbClr val="000000"/>
+                </a:solidFill>
+              </a:defRPr>
+            </a:pPr>
+            <a:fld id="{86CB4B4D-7CA3-9044-876B-883B54F8677D}" type="slidenum">
+              <a:rPr lang="it-IT" sz="2400" smtClean="0">
+                <a:solidFill>
+                  <a:schemeClr val="bg1"/>
+                </a:solidFill>
+                <a:latin typeface="Calibri" panose="020F0502020204030204" pitchFamily="34" charset="0"/>
+                <a:cs typeface="Calibri" panose="020F0502020204030204" pitchFamily="34" charset="0"/>
+              </a:rPr>
+              <a:pPr algn="ctr">
+                <a:defRPr sz="1800">
+                  <a:solidFill>
+                    <a:srgbClr val="000000"/>
+                  </a:solidFill>
+                </a:defRPr>
+              </a:pPr>
+              <a:t>8</a:t>
+            </a:fld>
+            <a:r>
+              <a:rPr lang="it-IT" sz="2400" dirty="0">
+                <a:solidFill>
+                  <a:schemeClr val="bg1"/>
+                </a:solidFill>
+                <a:latin typeface="Calibri" panose="020F0502020204030204" pitchFamily="34" charset="0"/>
+                <a:cs typeface="Calibri" panose="020F0502020204030204" pitchFamily="34" charset="0"/>
+              </a:rPr>
+              <a:t> di 9</a:t>
+            </a:r>
+          </a:p>
+        </p:txBody>
+      </p:sp>
+    </p:spTree>
+    <p:extLst>
+      <p:ext uri="{BB962C8B-B14F-4D97-AF65-F5344CB8AC3E}">
+        <p14:creationId xmlns:p14="http://schemas.microsoft.com/office/powerpoint/2010/main" val="2351126367"/>
+      </p:ext>
+    </p:extLst>
+  </p:cSld>
+  <p:clrMapOvr>
+    <a:masterClrMapping/>
+  </p:clrMapOvr>
+  <p:transition spd="med"/>
+</p:sld>
+</file>
+
+<file path=ppt/slides/slide9.xml><?xml version="1.0" encoding="utf-8"?>
+<p:sld xmlns:a="http://schemas.openxmlformats.org/drawingml/2006/main" xmlns:r="http://schemas.openxmlformats.org/officeDocument/2006/relationships" xmlns:p="http://schemas.openxmlformats.org/presentationml/2006/main">
+  <p:cSld>
+    <p:spTree>
+      <p:nvGrpSpPr>
+        <p:cNvPr id="1" name=""/>
+        <p:cNvGrpSpPr/>
+        <p:nvPr/>
+      </p:nvGrpSpPr>
+      <p:grpSpPr>
+        <a:xfrm>
+          <a:off x="0" y="0"/>
+          <a:ext cx="0" cy="0"/>
+          <a:chOff x="0" y="0"/>
+          <a:chExt cx="0" cy="0"/>
+        </a:xfrm>
+      </p:grpSpPr>
+      <p:sp>
+        <p:nvSpPr>
+          <p:cNvPr id="49" name="Shape 49"/>
+          <p:cNvSpPr/>
+          <p:nvPr/>
+        </p:nvSpPr>
+        <p:spPr>
+          <a:xfrm>
+            <a:off x="2133600" y="728980"/>
+            <a:ext cx="5207000" cy="1754326"/>
+          </a:xfrm>
+          <a:prstGeom prst="rect">
+            <a:avLst/>
+          </a:prstGeom>
+          <a:ln w="12700">
+            <a:miter lim="400000"/>
+          </a:ln>
+          <a:extLst>
+            <a:ext uri="{C572A759-6A51-4108-AA02-DFA0A04FC94B}">
+              <ma14:wrappingTextBoxFlag xmlns="" xmlns:ma14="http://schemas.microsoft.com/office/mac/drawingml/2011/main" val="1"/>
+            </a:ext>
+          </a:extLst>
+        </p:spPr>
+        <p:txBody>
+          <a:bodyPr lIns="45719" rIns="45719">
+            <a:spAutoFit/>
+          </a:bodyPr>
+          <a:lstStyle>
+            <a:lvl1pPr algn="ctr">
+              <a:defRPr sz="5400">
+                <a:solidFill>
+                  <a:srgbClr val="FFFFFF"/>
+                </a:solidFill>
+              </a:defRPr>
+            </a:lvl1pPr>
+          </a:lstStyle>
+          <a:p>
+            <a:pPr lvl="0">
+              <a:defRPr sz="1800">
+                <a:solidFill>
+                  <a:srgbClr val="000000"/>
+                </a:solidFill>
+              </a:defRPr>
+            </a:pPr>
+            <a:r>
+              <a:rPr sz="5400">
+                <a:solidFill>
+                  <a:srgbClr val="FFFFFF"/>
+                </a:solidFill>
+                <a:latin typeface="Calibri" panose="020F0502020204030204" pitchFamily="34" charset="0"/>
+                <a:cs typeface="Calibri" panose="020F0502020204030204" pitchFamily="34" charset="0"/>
+              </a:rPr>
+              <a:t>Node Replication Attack in WSN</a:t>
+            </a:r>
+          </a:p>
+        </p:txBody>
+      </p:sp>
+      <p:pic>
+        <p:nvPicPr>
+          <p:cNvPr id="50" name="image1.png"/>
+          <p:cNvPicPr/>
+          <p:nvPr/>
+        </p:nvPicPr>
+        <p:blipFill>
+          <a:blip r:embed="rId2">
+            <a:extLst/>
+          </a:blip>
+          <a:stretch>
+            <a:fillRect/>
+          </a:stretch>
+        </p:blipFill>
+        <p:spPr>
+          <a:xfrm>
+            <a:off x="-50800" y="-29855"/>
+            <a:ext cx="9245600" cy="5917550"/>
+          </a:xfrm>
+          <a:prstGeom prst="rect">
+            <a:avLst/>
+          </a:prstGeom>
+          <a:ln w="12700">
+            <a:miter lim="400000"/>
+          </a:ln>
+        </p:spPr>
+      </p:pic>
+      <p:pic>
+        <p:nvPicPr>
+          <p:cNvPr id="51" name="image2.png"/>
+          <p:cNvPicPr/>
+          <p:nvPr/>
+        </p:nvPicPr>
+        <p:blipFill>
+          <a:blip r:embed="rId3">
+            <a:extLst/>
+          </a:blip>
+          <a:stretch>
+            <a:fillRect/>
+          </a:stretch>
+        </p:blipFill>
+        <p:spPr>
+          <a:xfrm>
+            <a:off x="5918513" y="5328221"/>
+            <a:ext cx="2740335" cy="1229236"/>
+          </a:xfrm>
+          <a:prstGeom prst="rect">
+            <a:avLst/>
+          </a:prstGeom>
+          <a:ln w="12700">
+            <a:miter lim="400000"/>
+          </a:ln>
+        </p:spPr>
+      </p:pic>
+      <p:pic>
+        <p:nvPicPr>
+          <p:cNvPr id="14" name="dipmat.png">
+            <a:extLst>
+              <a:ext uri="{FF2B5EF4-FFF2-40B4-BE49-F238E27FC236}">
+                <a16:creationId xmlns:a16="http://schemas.microsoft.com/office/drawing/2014/main" id="{E17EB9CC-088F-4A42-A092-4DF249FF91D0}"/>
+              </a:ext>
+            </a:extLst>
+          </p:cNvPr>
+          <p:cNvPicPr/>
+          <p:nvPr/>
+        </p:nvPicPr>
+        <p:blipFill>
+          <a:blip r:embed="rId4" cstate="print">
+            <a:extLst>
+              <a:ext uri="{28A0092B-C50C-407E-A947-70E740481C1C}">
+                <a14:useLocalDpi xmlns:a14="http://schemas.microsoft.com/office/drawing/2010/main" val="0"/>
+              </a:ext>
+            </a:extLst>
+          </a:blip>
+          <a:stretch>
+            <a:fillRect/>
+          </a:stretch>
+        </p:blipFill>
+        <p:spPr>
+          <a:xfrm>
+            <a:off x="226953" y="6128896"/>
+            <a:ext cx="2997201" cy="455574"/>
+          </a:xfrm>
+          <a:prstGeom prst="rect">
+            <a:avLst/>
+          </a:prstGeom>
+          <a:ln w="12700">
+            <a:miter lim="400000"/>
+          </a:ln>
+        </p:spPr>
+      </p:pic>
+      <p:sp>
+        <p:nvSpPr>
+          <p:cNvPr id="13" name="Shape 52">
+            <a:extLst>
+              <a:ext uri="{FF2B5EF4-FFF2-40B4-BE49-F238E27FC236}">
+                <a16:creationId xmlns:a16="http://schemas.microsoft.com/office/drawing/2014/main" id="{A5A37ACF-F14F-46B9-BF02-EF9EA484C756}"/>
+              </a:ext>
+            </a:extLst>
+          </p:cNvPr>
+          <p:cNvSpPr/>
+          <p:nvPr/>
+        </p:nvSpPr>
+        <p:spPr>
+          <a:xfrm>
+            <a:off x="1282895" y="1679687"/>
+            <a:ext cx="6578209" cy="1938992"/>
+          </a:xfrm>
+          <a:prstGeom prst="rect">
+            <a:avLst/>
+          </a:prstGeom>
+          <a:ln w="12700">
+            <a:miter lim="400000"/>
+          </a:ln>
+          <a:extLst>
+            <a:ext uri="{C572A759-6A51-4108-AA02-DFA0A04FC94B}">
+              <ma14:wrappingTextBoxFlag xmlns="" xmlns:ma14="http://schemas.microsoft.com/office/mac/drawingml/2011/main" val="1"/>
+            </a:ext>
+          </a:extLst>
+        </p:spPr>
+        <p:txBody>
+          <a:bodyPr wrap="square" lIns="45719" rIns="45719">
+            <a:spAutoFit/>
+          </a:bodyPr>
+          <a:lstStyle/>
+          <a:p>
+            <a:pPr lvl="0" algn="ctr"/>
+            <a:r>
+              <a:rPr lang="it-IT" sz="4000" b="1" dirty="0">
+                <a:solidFill>
+                  <a:schemeClr val="bg1"/>
+                </a:solidFill>
+                <a:latin typeface="Calibri" panose="020F0502020204030204" pitchFamily="34" charset="0"/>
+                <a:cs typeface="Calibri" panose="020F0502020204030204" pitchFamily="34" charset="0"/>
+              </a:rPr>
+              <a:t>GRAZIE</a:t>
+            </a:r>
+          </a:p>
+          <a:p>
+            <a:pPr lvl="0" algn="ctr"/>
+            <a:r>
+              <a:rPr lang="it-IT" sz="4000" b="1" dirty="0">
+                <a:solidFill>
+                  <a:schemeClr val="bg1"/>
+                </a:solidFill>
+                <a:latin typeface="Calibri" panose="020F0502020204030204" pitchFamily="34" charset="0"/>
+                <a:cs typeface="Calibri" panose="020F0502020204030204" pitchFamily="34" charset="0"/>
+              </a:rPr>
+              <a:t>PER</a:t>
+            </a:r>
+          </a:p>
+          <a:p>
+            <a:pPr lvl="0" algn="ctr"/>
+            <a:r>
+              <a:rPr lang="it-IT" sz="4000" b="1" dirty="0">
+                <a:solidFill>
+                  <a:schemeClr val="bg1"/>
+                </a:solidFill>
+                <a:latin typeface="Calibri" panose="020F0502020204030204" pitchFamily="34" charset="0"/>
+                <a:cs typeface="Calibri" panose="020F0502020204030204" pitchFamily="34" charset="0"/>
+              </a:rPr>
+              <a:t>L’ATTENZIONE!</a:t>
+            </a:r>
+            <a:endParaRPr sz="4000" b="1" dirty="0">
+              <a:solidFill>
+                <a:schemeClr val="bg1"/>
+              </a:solidFill>
+              <a:latin typeface="Calibri" panose="020F0502020204030204" pitchFamily="34" charset="0"/>
+              <a:cs typeface="Calibri" panose="020F0502020204030204" pitchFamily="34" charset="0"/>
+            </a:endParaRPr>
+          </a:p>
+        </p:txBody>
+      </p:sp>
+    </p:spTree>
+    <p:extLst>
+      <p:ext uri="{BB962C8B-B14F-4D97-AF65-F5344CB8AC3E}">
+        <p14:creationId xmlns:p14="http://schemas.microsoft.com/office/powerpoint/2010/main" val="1646802030"/>
       </p:ext>
     </p:extLst>
   </p:cSld>

--- a/presentazione/Pptx/Lahmer_Abdelilah_presentazione.pptx
+++ b/presentazione/Pptx/Lahmer_Abdelilah_presentazione.pptx
@@ -2054,7 +2054,7 @@
           </a:ln>
           <a:extLst>
             <a:ext uri="{C572A759-6A51-4108-AA02-DFA0A04FC94B}">
-              <ma14:wrappingTextBoxFlag xmlns="" xmlns:ma14="http://schemas.microsoft.com/office/mac/drawingml/2011/main" val="1"/>
+              <ma14:wrappingTextBoxFlag xmlns:ma14="http://schemas.microsoft.com/office/mac/drawingml/2011/main" xmlns="" val="1"/>
             </a:ext>
           </a:extLst>
         </p:spPr>
@@ -2097,7 +2097,7 @@
           </a:ln>
           <a:extLst>
             <a:ext uri="{C572A759-6A51-4108-AA02-DFA0A04FC94B}">
-              <ma14:wrappingTextBoxFlag xmlns="" xmlns:ma14="http://schemas.microsoft.com/office/mac/drawingml/2011/main" val="1"/>
+              <ma14:wrappingTextBoxFlag xmlns:ma14="http://schemas.microsoft.com/office/mac/drawingml/2011/main" xmlns="" val="1"/>
             </a:ext>
           </a:extLst>
         </p:spPr>
@@ -2613,7 +2613,7 @@
           </a:ln>
           <a:extLst>
             <a:ext uri="{C572A759-6A51-4108-AA02-DFA0A04FC94B}">
-              <ma14:wrappingTextBoxFlag xmlns="" xmlns:ma14="http://schemas.microsoft.com/office/mac/drawingml/2011/main" val="1"/>
+              <ma14:wrappingTextBoxFlag xmlns:ma14="http://schemas.microsoft.com/office/mac/drawingml/2011/main" xmlns="" val="1"/>
             </a:ext>
           </a:extLst>
         </p:spPr>
@@ -2724,7 +2724,7 @@
           </a:ln>
           <a:extLst>
             <a:ext uri="{C572A759-6A51-4108-AA02-DFA0A04FC94B}">
-              <ma14:wrappingTextBoxFlag xmlns="" xmlns:ma14="http://schemas.microsoft.com/office/mac/drawingml/2011/main" val="1"/>
+              <ma14:wrappingTextBoxFlag xmlns:ma14="http://schemas.microsoft.com/office/mac/drawingml/2011/main" xmlns="" val="1"/>
             </a:ext>
           </a:extLst>
         </p:spPr>
@@ -2774,7 +2774,7 @@
           </a:ln>
           <a:extLst>
             <a:ext uri="{C572A759-6A51-4108-AA02-DFA0A04FC94B}">
-              <ma14:wrappingTextBoxFlag xmlns="" xmlns:ma14="http://schemas.microsoft.com/office/mac/drawingml/2011/main" val="1"/>
+              <ma14:wrappingTextBoxFlag xmlns:ma14="http://schemas.microsoft.com/office/mac/drawingml/2011/main" xmlns="" val="1"/>
             </a:ext>
           </a:extLst>
         </p:spPr>
@@ -2844,7 +2844,7 @@
           </a:ln>
           <a:extLst>
             <a:ext uri="{C572A759-6A51-4108-AA02-DFA0A04FC94B}">
-              <ma14:wrappingTextBoxFlag xmlns="" xmlns:ma14="http://schemas.microsoft.com/office/mac/drawingml/2011/main" val="1"/>
+              <ma14:wrappingTextBoxFlag xmlns:ma14="http://schemas.microsoft.com/office/mac/drawingml/2011/main" xmlns="" val="1"/>
             </a:ext>
           </a:extLst>
         </p:spPr>
@@ -2914,7 +2914,7 @@
           </a:ln>
           <a:extLst>
             <a:ext uri="{C572A759-6A51-4108-AA02-DFA0A04FC94B}">
-              <ma14:wrappingTextBoxFlag xmlns="" xmlns:ma14="http://schemas.microsoft.com/office/mac/drawingml/2011/main" val="1"/>
+              <ma14:wrappingTextBoxFlag xmlns:ma14="http://schemas.microsoft.com/office/mac/drawingml/2011/main" xmlns="" val="1"/>
             </a:ext>
           </a:extLst>
         </p:spPr>
@@ -2996,7 +2996,7 @@
           </a:ln>
           <a:extLst>
             <a:ext uri="{C572A759-6A51-4108-AA02-DFA0A04FC94B}">
-              <ma14:wrappingTextBoxFlag xmlns="" xmlns:ma14="http://schemas.microsoft.com/office/mac/drawingml/2011/main" val="1"/>
+              <ma14:wrappingTextBoxFlag xmlns:ma14="http://schemas.microsoft.com/office/mac/drawingml/2011/main" xmlns="" val="1"/>
             </a:ext>
           </a:extLst>
         </p:spPr>
@@ -3151,7 +3151,7 @@
           </a:prstGeom>
           <a:extLst>
             <a:ext uri="{C572A759-6A51-4108-AA02-DFA0A04FC94B}">
-              <ma14:wrappingTextBoxFlag xmlns="" xmlns:ma14="http://schemas.microsoft.com/office/mac/drawingml/2011/main" val="1"/>
+              <ma14:wrappingTextBoxFlag xmlns:ma14="http://schemas.microsoft.com/office/mac/drawingml/2011/main" xmlns="" val="1"/>
             </a:ext>
           </a:extLst>
         </p:spPr>
@@ -3219,7 +3219,7 @@
           </a:ln>
           <a:extLst>
             <a:ext uri="{C572A759-6A51-4108-AA02-DFA0A04FC94B}">
-              <ma14:wrappingTextBoxFlag xmlns="" xmlns:ma14="http://schemas.microsoft.com/office/mac/drawingml/2011/main" val="1"/>
+              <ma14:wrappingTextBoxFlag xmlns:ma14="http://schemas.microsoft.com/office/mac/drawingml/2011/main" xmlns="" val="1"/>
             </a:ext>
           </a:extLst>
         </p:spPr>
@@ -3277,7 +3277,7 @@
           </a:ln>
           <a:extLst>
             <a:ext uri="{C572A759-6A51-4108-AA02-DFA0A04FC94B}">
-              <ma14:wrappingTextBoxFlag xmlns="" xmlns:ma14="http://schemas.microsoft.com/office/mac/drawingml/2011/main" val="1"/>
+              <ma14:wrappingTextBoxFlag xmlns:ma14="http://schemas.microsoft.com/office/mac/drawingml/2011/main" xmlns="" val="1"/>
             </a:ext>
           </a:extLst>
         </p:spPr>
@@ -3407,7 +3407,7 @@
           </a:ln>
           <a:extLst>
             <a:ext uri="{C572A759-6A51-4108-AA02-DFA0A04FC94B}">
-              <ma14:wrappingTextBoxFlag xmlns="" xmlns:ma14="http://schemas.microsoft.com/office/mac/drawingml/2011/main" val="1"/>
+              <ma14:wrappingTextBoxFlag xmlns:ma14="http://schemas.microsoft.com/office/mac/drawingml/2011/main" xmlns="" val="1"/>
             </a:ext>
           </a:extLst>
         </p:spPr>
@@ -3720,7 +3720,7 @@
           </a:ln>
           <a:extLst>
             <a:ext uri="{C572A759-6A51-4108-AA02-DFA0A04FC94B}">
-              <ma14:wrappingTextBoxFlag xmlns="" xmlns:ma14="http://schemas.microsoft.com/office/mac/drawingml/2011/main" val="1"/>
+              <ma14:wrappingTextBoxFlag xmlns:ma14="http://schemas.microsoft.com/office/mac/drawingml/2011/main" xmlns="" val="1"/>
             </a:ext>
           </a:extLst>
         </p:spPr>
@@ -3948,7 +3948,7 @@
           </a:prstGeom>
           <a:extLst>
             <a:ext uri="{C572A759-6A51-4108-AA02-DFA0A04FC94B}">
-              <ma14:wrappingTextBoxFlag xmlns="" xmlns:ma14="http://schemas.microsoft.com/office/mac/drawingml/2011/main" val="1"/>
+              <ma14:wrappingTextBoxFlag xmlns:ma14="http://schemas.microsoft.com/office/mac/drawingml/2011/main" xmlns="" val="1"/>
             </a:ext>
           </a:extLst>
         </p:spPr>
@@ -4016,7 +4016,7 @@
           </a:ln>
           <a:extLst>
             <a:ext uri="{C572A759-6A51-4108-AA02-DFA0A04FC94B}">
-              <ma14:wrappingTextBoxFlag xmlns="" xmlns:ma14="http://schemas.microsoft.com/office/mac/drawingml/2011/main" val="1"/>
+              <ma14:wrappingTextBoxFlag xmlns:ma14="http://schemas.microsoft.com/office/mac/drawingml/2011/main" xmlns="" val="1"/>
             </a:ext>
           </a:extLst>
         </p:spPr>
@@ -4110,7 +4110,7 @@
           </a:ln>
           <a:extLst>
             <a:ext uri="{C572A759-6A51-4108-AA02-DFA0A04FC94B}">
-              <ma14:wrappingTextBoxFlag xmlns="" xmlns:ma14="http://schemas.microsoft.com/office/mac/drawingml/2011/main" val="1"/>
+              <ma14:wrappingTextBoxFlag xmlns:ma14="http://schemas.microsoft.com/office/mac/drawingml/2011/main" xmlns="" val="1"/>
             </a:ext>
           </a:extLst>
         </p:spPr>
@@ -4147,7 +4147,7 @@
               <a:buClr>
                 <a:srgbClr val="9A0014"/>
               </a:buClr>
-              <a:buSzPct val="150000"/>
+              <a:buSzPct val="100000"/>
               <a:buFont typeface="Wingdings" panose="05000000000000000000" pitchFamily="2" charset="2"/>
               <a:buChar char="§"/>
             </a:pPr>
@@ -4167,7 +4167,7 @@
               <a:buClr>
                 <a:srgbClr val="9A0014"/>
               </a:buClr>
-              <a:buSzPct val="150000"/>
+              <a:buSzPct val="100000"/>
               <a:buFont typeface="Wingdings" panose="05000000000000000000" pitchFamily="2" charset="2"/>
               <a:buChar char="§"/>
             </a:pPr>
@@ -4187,7 +4187,7 @@
               <a:buClr>
                 <a:srgbClr val="9A0014"/>
               </a:buClr>
-              <a:buSzPct val="150000"/>
+              <a:buSzPct val="100000"/>
               <a:buFont typeface="Wingdings" panose="05000000000000000000" pitchFamily="2" charset="2"/>
               <a:buChar char="§"/>
             </a:pPr>
@@ -4207,7 +4207,7 @@
               <a:buClr>
                 <a:srgbClr val="9A0014"/>
               </a:buClr>
-              <a:buSzPct val="150000"/>
+              <a:buSzPct val="100000"/>
               <a:buFont typeface="Wingdings" panose="05000000000000000000" pitchFamily="2" charset="2"/>
               <a:buChar char="§"/>
             </a:pPr>
@@ -4227,7 +4227,7 @@
               <a:buClr>
                 <a:srgbClr val="9A0014"/>
               </a:buClr>
-              <a:buSzPct val="150000"/>
+              <a:buSzPct val="100000"/>
               <a:buFont typeface="Wingdings" panose="05000000000000000000" pitchFamily="2" charset="2"/>
               <a:buChar char="§"/>
             </a:pPr>
@@ -4247,7 +4247,7 @@
               <a:buClr>
                 <a:srgbClr val="9A0014"/>
               </a:buClr>
-              <a:buSzPct val="150000"/>
+              <a:buSzPct val="100000"/>
               <a:buFont typeface="Wingdings" panose="05000000000000000000" pitchFamily="2" charset="2"/>
               <a:buChar char="§"/>
             </a:pPr>
@@ -4267,7 +4267,7 @@
               <a:buClr>
                 <a:srgbClr val="9A0014"/>
               </a:buClr>
-              <a:buSzPct val="150000"/>
+              <a:buSzPct val="100000"/>
               <a:buFont typeface="Wingdings" panose="05000000000000000000" pitchFamily="2" charset="2"/>
               <a:buChar char="§"/>
             </a:pPr>
@@ -4287,7 +4287,7 @@
               <a:buClr>
                 <a:srgbClr val="9A0014"/>
               </a:buClr>
-              <a:buSzPct val="150000"/>
+              <a:buSzPct val="100000"/>
               <a:buFont typeface="Wingdings" panose="05000000000000000000" pitchFamily="2" charset="2"/>
               <a:buChar char="§"/>
             </a:pPr>
@@ -4307,7 +4307,7 @@
               <a:buClr>
                 <a:srgbClr val="9A0014"/>
               </a:buClr>
-              <a:buSzPct val="150000"/>
+              <a:buSzPct val="100000"/>
               <a:buFont typeface="Wingdings" panose="05000000000000000000" pitchFamily="2" charset="2"/>
               <a:buChar char="§"/>
             </a:pPr>
@@ -4327,7 +4327,7 @@
               <a:buClr>
                 <a:srgbClr val="9A0014"/>
               </a:buClr>
-              <a:buSzPct val="150000"/>
+              <a:buSzPct val="100000"/>
               <a:buFont typeface="Wingdings" panose="05000000000000000000" pitchFamily="2" charset="2"/>
               <a:buChar char="§"/>
             </a:pPr>
@@ -4347,7 +4347,7 @@
               <a:buClr>
                 <a:srgbClr val="9A0014"/>
               </a:buClr>
-              <a:buSzPct val="150000"/>
+              <a:buSzPct val="100000"/>
               <a:buFont typeface="Wingdings" panose="05000000000000000000" pitchFamily="2" charset="2"/>
               <a:buChar char="§"/>
             </a:pPr>
@@ -4367,7 +4367,7 @@
               <a:buClr>
                 <a:srgbClr val="9A0014"/>
               </a:buClr>
-              <a:buSzPct val="150000"/>
+              <a:buSzPct val="100000"/>
               <a:buFont typeface="Wingdings" panose="05000000000000000000" pitchFamily="2" charset="2"/>
               <a:buChar char="§"/>
             </a:pPr>
@@ -4418,7 +4418,7 @@
           </a:ln>
           <a:extLst>
             <a:ext uri="{C572A759-6A51-4108-AA02-DFA0A04FC94B}">
-              <ma14:wrappingTextBoxFlag xmlns="" xmlns:ma14="http://schemas.microsoft.com/office/mac/drawingml/2011/main" val="1"/>
+              <ma14:wrappingTextBoxFlag xmlns:ma14="http://schemas.microsoft.com/office/mac/drawingml/2011/main" xmlns="" val="1"/>
             </a:ext>
           </a:extLst>
         </p:spPr>
@@ -4793,7 +4793,7 @@
           </a:ln>
           <a:extLst>
             <a:ext uri="{C572A759-6A51-4108-AA02-DFA0A04FC94B}">
-              <ma14:wrappingTextBoxFlag xmlns="" xmlns:ma14="http://schemas.microsoft.com/office/mac/drawingml/2011/main" val="1"/>
+              <ma14:wrappingTextBoxFlag xmlns:ma14="http://schemas.microsoft.com/office/mac/drawingml/2011/main" xmlns="" val="1"/>
             </a:ext>
           </a:extLst>
         </p:spPr>
@@ -5021,7 +5021,7 @@
           </a:prstGeom>
           <a:extLst>
             <a:ext uri="{C572A759-6A51-4108-AA02-DFA0A04FC94B}">
-              <ma14:wrappingTextBoxFlag xmlns="" xmlns:ma14="http://schemas.microsoft.com/office/mac/drawingml/2011/main" val="1"/>
+              <ma14:wrappingTextBoxFlag xmlns:ma14="http://schemas.microsoft.com/office/mac/drawingml/2011/main" xmlns="" val="1"/>
             </a:ext>
           </a:extLst>
         </p:spPr>
@@ -5089,7 +5089,7 @@
           </a:ln>
           <a:extLst>
             <a:ext uri="{C572A759-6A51-4108-AA02-DFA0A04FC94B}">
-              <ma14:wrappingTextBoxFlag xmlns="" xmlns:ma14="http://schemas.microsoft.com/office/mac/drawingml/2011/main" val="1"/>
+              <ma14:wrappingTextBoxFlag xmlns:ma14="http://schemas.microsoft.com/office/mac/drawingml/2011/main" xmlns="" val="1"/>
             </a:ext>
           </a:extLst>
         </p:spPr>
@@ -5183,7 +5183,7 @@
         <p:spPr>
           <a:xfrm>
             <a:off x="1068264" y="1968278"/>
-            <a:ext cx="7007472" cy="584775"/>
+            <a:ext cx="7007472" cy="1077218"/>
           </a:xfrm>
           <a:prstGeom prst="rect">
             <a:avLst/>
@@ -5193,7 +5193,7 @@
           </a:ln>
           <a:extLst>
             <a:ext uri="{C572A759-6A51-4108-AA02-DFA0A04FC94B}">
-              <ma14:wrappingTextBoxFlag xmlns="" xmlns:ma14="http://schemas.microsoft.com/office/mac/drawingml/2011/main" val="1"/>
+              <ma14:wrappingTextBoxFlag xmlns:ma14="http://schemas.microsoft.com/office/mac/drawingml/2011/main" xmlns="" val="1"/>
             </a:ext>
           </a:extLst>
         </p:spPr>
@@ -5291,7 +5291,7 @@
           </a:ln>
           <a:extLst>
             <a:ext uri="{C572A759-6A51-4108-AA02-DFA0A04FC94B}">
-              <ma14:wrappingTextBoxFlag xmlns="" xmlns:ma14="http://schemas.microsoft.com/office/mac/drawingml/2011/main" val="1"/>
+              <ma14:wrappingTextBoxFlag xmlns:ma14="http://schemas.microsoft.com/office/mac/drawingml/2011/main" xmlns="" val="1"/>
             </a:ext>
           </a:extLst>
         </p:spPr>
@@ -5441,7 +5441,7 @@
           </a:ln>
           <a:extLst>
             <a:ext uri="{C572A759-6A51-4108-AA02-DFA0A04FC94B}">
-              <ma14:wrappingTextBoxFlag xmlns="" xmlns:ma14="http://schemas.microsoft.com/office/mac/drawingml/2011/main" val="1"/>
+              <ma14:wrappingTextBoxFlag xmlns:ma14="http://schemas.microsoft.com/office/mac/drawingml/2011/main" xmlns="" val="1"/>
             </a:ext>
           </a:extLst>
         </p:spPr>
@@ -5708,7 +5708,7 @@
           </a:ln>
           <a:extLst>
             <a:ext uri="{C572A759-6A51-4108-AA02-DFA0A04FC94B}">
-              <ma14:wrappingTextBoxFlag xmlns="" xmlns:ma14="http://schemas.microsoft.com/office/mac/drawingml/2011/main" val="1"/>
+              <ma14:wrappingTextBoxFlag xmlns:ma14="http://schemas.microsoft.com/office/mac/drawingml/2011/main" xmlns="" val="1"/>
             </a:ext>
           </a:extLst>
         </p:spPr>
@@ -5969,7 +5969,7 @@
           </a:ln>
           <a:extLst>
             <a:ext uri="{C572A759-6A51-4108-AA02-DFA0A04FC94B}">
-              <ma14:wrappingTextBoxFlag xmlns="" xmlns:ma14="http://schemas.microsoft.com/office/mac/drawingml/2011/main" val="1"/>
+              <ma14:wrappingTextBoxFlag xmlns:ma14="http://schemas.microsoft.com/office/mac/drawingml/2011/main" xmlns="" val="1"/>
             </a:ext>
           </a:extLst>
         </p:spPr>
@@ -6197,7 +6197,7 @@
           </a:prstGeom>
           <a:extLst>
             <a:ext uri="{C572A759-6A51-4108-AA02-DFA0A04FC94B}">
-              <ma14:wrappingTextBoxFlag xmlns="" xmlns:ma14="http://schemas.microsoft.com/office/mac/drawingml/2011/main" val="1"/>
+              <ma14:wrappingTextBoxFlag xmlns:ma14="http://schemas.microsoft.com/office/mac/drawingml/2011/main" xmlns="" val="1"/>
             </a:ext>
           </a:extLst>
         </p:spPr>
@@ -6265,7 +6265,7 @@
           </a:ln>
           <a:extLst>
             <a:ext uri="{C572A759-6A51-4108-AA02-DFA0A04FC94B}">
-              <ma14:wrappingTextBoxFlag xmlns="" xmlns:ma14="http://schemas.microsoft.com/office/mac/drawingml/2011/main" val="1"/>
+              <ma14:wrappingTextBoxFlag xmlns:ma14="http://schemas.microsoft.com/office/mac/drawingml/2011/main" xmlns="" val="1"/>
             </a:ext>
           </a:extLst>
         </p:spPr>
@@ -6312,8 +6312,8 @@
         </p:nvSpPr>
         <p:spPr>
           <a:xfrm>
-            <a:off x="1068264" y="1968278"/>
-            <a:ext cx="3503736" cy="2062103"/>
+            <a:off x="784199" y="1111632"/>
+            <a:ext cx="3503736" cy="4031873"/>
           </a:xfrm>
           <a:prstGeom prst="rect">
             <a:avLst/>
@@ -6323,7 +6323,7 @@
           </a:ln>
           <a:extLst>
             <a:ext uri="{C572A759-6A51-4108-AA02-DFA0A04FC94B}">
-              <ma14:wrappingTextBoxFlag xmlns="" xmlns:ma14="http://schemas.microsoft.com/office/mac/drawingml/2011/main" val="1"/>
+              <ma14:wrappingTextBoxFlag xmlns:ma14="http://schemas.microsoft.com/office/mac/drawingml/2011/main" xmlns="" val="1"/>
             </a:ext>
           </a:extLst>
         </p:spPr>
@@ -6356,6 +6356,25 @@
             </a:endParaRPr>
           </a:p>
           <a:p>
+            <a:pPr marL="457200" lvl="2" indent="-457200" algn="l">
+              <a:buClr>
+                <a:srgbClr val="C00000"/>
+              </a:buClr>
+              <a:buFont typeface="Wingdings" panose="05000000000000000000" pitchFamily="2" charset="2"/>
+              <a:buChar char="Ø"/>
+            </a:pPr>
+            <a:r>
+              <a:rPr lang="it-IT" sz="3200" b="1" dirty="0">
+                <a:solidFill>
+                  <a:schemeClr val="tx1"/>
+                </a:solidFill>
+                <a:latin typeface="Calibri" panose="020F0502020204030204" pitchFamily="34" charset="0"/>
+                <a:cs typeface="Calibri" panose="020F0502020204030204" pitchFamily="34" charset="0"/>
+              </a:rPr>
+              <a:t>	Tecnica</a:t>
+            </a:r>
+          </a:p>
+          <a:p>
             <a:pPr marL="457200" lvl="0" indent="-457200" algn="l">
               <a:buClr>
                 <a:srgbClr val="C00000"/>
@@ -6363,16 +6382,13 @@
               <a:buFont typeface="Wingdings" panose="05000000000000000000" pitchFamily="2" charset="2"/>
               <a:buChar char="Ø"/>
             </a:pPr>
-            <a:r>
-              <a:rPr lang="it-IT" sz="3200" b="1" dirty="0">
-                <a:solidFill>
-                  <a:schemeClr val="tx1"/>
-                </a:solidFill>
-                <a:latin typeface="Calibri" panose="020F0502020204030204" pitchFamily="34" charset="0"/>
-                <a:cs typeface="Calibri" panose="020F0502020204030204" pitchFamily="34" charset="0"/>
-              </a:rPr>
-              <a:t>Tecnica</a:t>
-            </a:r>
+            <a:endParaRPr lang="it-IT" sz="3200" b="1" dirty="0">
+              <a:solidFill>
+                <a:schemeClr val="tx1"/>
+              </a:solidFill>
+              <a:latin typeface="Calibri" panose="020F0502020204030204" pitchFamily="34" charset="0"/>
+              <a:cs typeface="Calibri" panose="020F0502020204030204" pitchFamily="34" charset="0"/>
+            </a:endParaRPr>
           </a:p>
           <a:p>
             <a:pPr marL="457200" lvl="0" indent="-457200" algn="l">
@@ -6382,6 +6398,54 @@
               <a:buFont typeface="Wingdings" panose="05000000000000000000" pitchFamily="2" charset="2"/>
               <a:buChar char="Ø"/>
             </a:pPr>
+            <a:endParaRPr lang="it-IT" sz="3200" b="1" dirty="0">
+              <a:solidFill>
+                <a:schemeClr val="tx1"/>
+              </a:solidFill>
+              <a:latin typeface="Calibri" panose="020F0502020204030204" pitchFamily="34" charset="0"/>
+              <a:cs typeface="Calibri" panose="020F0502020204030204" pitchFamily="34" charset="0"/>
+            </a:endParaRPr>
+          </a:p>
+          <a:p>
+            <a:pPr marL="457200" lvl="0" indent="-457200" algn="l">
+              <a:buClr>
+                <a:srgbClr val="C00000"/>
+              </a:buClr>
+              <a:buFont typeface="Wingdings" panose="05000000000000000000" pitchFamily="2" charset="2"/>
+              <a:buChar char="Ø"/>
+            </a:pPr>
+            <a:endParaRPr lang="it-IT" sz="3200" b="1" dirty="0">
+              <a:solidFill>
+                <a:schemeClr val="tx1"/>
+              </a:solidFill>
+              <a:latin typeface="Calibri" panose="020F0502020204030204" pitchFamily="34" charset="0"/>
+              <a:cs typeface="Calibri" panose="020F0502020204030204" pitchFamily="34" charset="0"/>
+            </a:endParaRPr>
+          </a:p>
+          <a:p>
+            <a:pPr marL="457200" lvl="0" indent="-457200" algn="l">
+              <a:buClr>
+                <a:srgbClr val="C00000"/>
+              </a:buClr>
+              <a:buFont typeface="Wingdings" panose="05000000000000000000" pitchFamily="2" charset="2"/>
+              <a:buChar char="Ø"/>
+            </a:pPr>
+            <a:endParaRPr lang="it-IT" sz="3200" b="1" dirty="0">
+              <a:solidFill>
+                <a:schemeClr val="tx1"/>
+              </a:solidFill>
+              <a:latin typeface="Calibri" panose="020F0502020204030204" pitchFamily="34" charset="0"/>
+              <a:cs typeface="Calibri" panose="020F0502020204030204" pitchFamily="34" charset="0"/>
+            </a:endParaRPr>
+          </a:p>
+          <a:p>
+            <a:pPr marL="457200" lvl="0" indent="-457200" algn="l">
+              <a:buClr>
+                <a:srgbClr val="C00000"/>
+              </a:buClr>
+              <a:buFont typeface="Wingdings" panose="05000000000000000000" pitchFamily="2" charset="2"/>
+              <a:buChar char="Ø"/>
+            </a:pPr>
             <a:r>
               <a:rPr lang="it-IT" sz="3200" b="1" dirty="0">
                 <a:solidFill>
@@ -6390,7 +6454,7 @@
                 <a:latin typeface="Calibri" panose="020F0502020204030204" pitchFamily="34" charset="0"/>
                 <a:cs typeface="Calibri" panose="020F0502020204030204" pitchFamily="34" charset="0"/>
               </a:rPr>
-              <a:t>Funzionale</a:t>
+              <a:t>	Funzionale</a:t>
             </a:r>
             <a:endParaRPr sz="3200" b="1" dirty="0">
               <a:solidFill>
@@ -6402,45 +6466,6 @@
           </a:p>
         </p:txBody>
       </p:sp>
-      <p:pic>
-        <p:nvPicPr>
-          <p:cNvPr id="4" name="Elemento grafico 3" descr="Insegnante">
-            <a:extLst>
-              <a:ext uri="{FF2B5EF4-FFF2-40B4-BE49-F238E27FC236}">
-                <a16:creationId xmlns:a16="http://schemas.microsoft.com/office/drawing/2014/main" id="{5EAE0D86-ECAC-4A34-831E-3FE817F5D93D}"/>
-              </a:ext>
-            </a:extLst>
-          </p:cNvPr>
-          <p:cNvPicPr>
-            <a:picLocks noChangeAspect="1"/>
-          </p:cNvPicPr>
-          <p:nvPr/>
-        </p:nvPicPr>
-        <p:blipFill>
-          <a:blip r:embed="rId4">
-            <a:extLst>
-              <a:ext uri="{28A0092B-C50C-407E-A947-70E740481C1C}">
-                <a14:useLocalDpi xmlns:a14="http://schemas.microsoft.com/office/drawing/2010/main" val="0"/>
-              </a:ext>
-              <a:ext uri="{96DAC541-7B7A-43D3-8B79-37D633B846F1}">
-                <asvg:svgBlip xmlns:asvg="http://schemas.microsoft.com/office/drawing/2016/SVG/main" r:embed="rId5"/>
-              </a:ext>
-            </a:extLst>
-          </a:blip>
-          <a:stretch>
-            <a:fillRect/>
-          </a:stretch>
-        </p:blipFill>
-        <p:spPr>
-          <a:xfrm>
-            <a:off x="1068264" y="3994123"/>
-            <a:ext cx="2286000" cy="2286000"/>
-          </a:xfrm>
-          <a:prstGeom prst="rect">
-            <a:avLst/>
-          </a:prstGeom>
-        </p:spPr>
-      </p:pic>
       <p:sp>
         <p:nvSpPr>
           <p:cNvPr id="15" name="Shape 211">
@@ -6468,7 +6493,7 @@
           </a:ln>
           <a:extLst>
             <a:ext uri="{C572A759-6A51-4108-AA02-DFA0A04FC94B}">
-              <ma14:wrappingTextBoxFlag xmlns="" xmlns:ma14="http://schemas.microsoft.com/office/mac/drawingml/2011/main" val="1"/>
+              <ma14:wrappingTextBoxFlag xmlns:ma14="http://schemas.microsoft.com/office/mac/drawingml/2011/main" xmlns="" val="1"/>
             </a:ext>
           </a:extLst>
         </p:spPr>
@@ -6618,7 +6643,7 @@
           </a:ln>
           <a:extLst>
             <a:ext uri="{C572A759-6A51-4108-AA02-DFA0A04FC94B}">
-              <ma14:wrappingTextBoxFlag xmlns="" xmlns:ma14="http://schemas.microsoft.com/office/mac/drawingml/2011/main" val="1"/>
+              <ma14:wrappingTextBoxFlag xmlns:ma14="http://schemas.microsoft.com/office/mac/drawingml/2011/main" xmlns="" val="1"/>
             </a:ext>
           </a:extLst>
         </p:spPr>
@@ -6996,7 +7021,7 @@
           </a:ln>
           <a:extLst>
             <a:ext uri="{C572A759-6A51-4108-AA02-DFA0A04FC94B}">
-              <ma14:wrappingTextBoxFlag xmlns="" xmlns:ma14="http://schemas.microsoft.com/office/mac/drawingml/2011/main" val="1"/>
+              <ma14:wrappingTextBoxFlag xmlns:ma14="http://schemas.microsoft.com/office/mac/drawingml/2011/main" xmlns="" val="1"/>
             </a:ext>
           </a:extLst>
         </p:spPr>
@@ -7116,6 +7141,272 @@
               </a:rPr>
               <a:t> di 9</a:t>
             </a:r>
+          </a:p>
+        </p:txBody>
+      </p:sp>
+      <p:pic>
+        <p:nvPicPr>
+          <p:cNvPr id="3" name="Immagine 2">
+            <a:extLst>
+              <a:ext uri="{FF2B5EF4-FFF2-40B4-BE49-F238E27FC236}">
+                <a16:creationId xmlns:a16="http://schemas.microsoft.com/office/drawing/2014/main" id="{B4712237-FBFF-4DC5-BC69-F9EEE321C730}"/>
+              </a:ext>
+            </a:extLst>
+          </p:cNvPr>
+          <p:cNvPicPr>
+            <a:picLocks noChangeAspect="1"/>
+          </p:cNvPicPr>
+          <p:nvPr/>
+        </p:nvPicPr>
+        <p:blipFill>
+          <a:blip r:embed="rId4">
+            <a:extLst>
+              <a:ext uri="{28A0092B-C50C-407E-A947-70E740481C1C}">
+                <a14:useLocalDpi xmlns:a14="http://schemas.microsoft.com/office/drawing/2010/main" val="0"/>
+              </a:ext>
+            </a:extLst>
+          </a:blip>
+          <a:stretch>
+            <a:fillRect/>
+          </a:stretch>
+        </p:blipFill>
+        <p:spPr>
+          <a:xfrm>
+            <a:off x="5816600" y="1111632"/>
+            <a:ext cx="3143250" cy="1178719"/>
+          </a:xfrm>
+          <a:prstGeom prst="rect">
+            <a:avLst/>
+          </a:prstGeom>
+        </p:spPr>
+      </p:pic>
+      <p:pic>
+        <p:nvPicPr>
+          <p:cNvPr id="16" name="Immagine 15">
+            <a:extLst>
+              <a:ext uri="{FF2B5EF4-FFF2-40B4-BE49-F238E27FC236}">
+                <a16:creationId xmlns:a16="http://schemas.microsoft.com/office/drawing/2014/main" id="{A4C5F206-6ED2-4848-99C0-C29ACF1C5D94}"/>
+              </a:ext>
+            </a:extLst>
+          </p:cNvPr>
+          <p:cNvPicPr>
+            <a:picLocks noChangeAspect="1"/>
+          </p:cNvPicPr>
+          <p:nvPr/>
+        </p:nvPicPr>
+        <p:blipFill>
+          <a:blip r:embed="rId5" cstate="print">
+            <a:extLst>
+              <a:ext uri="{28A0092B-C50C-407E-A947-70E740481C1C}">
+                <a14:useLocalDpi xmlns:a14="http://schemas.microsoft.com/office/drawing/2010/main" val="0"/>
+              </a:ext>
+            </a:extLst>
+          </a:blip>
+          <a:stretch>
+            <a:fillRect/>
+          </a:stretch>
+        </p:blipFill>
+        <p:spPr>
+          <a:xfrm>
+            <a:off x="6832896" y="2290351"/>
+            <a:ext cx="1178719" cy="1178719"/>
+          </a:xfrm>
+          <a:prstGeom prst="rect">
+            <a:avLst/>
+          </a:prstGeom>
+        </p:spPr>
+      </p:pic>
+      <p:sp>
+        <p:nvSpPr>
+          <p:cNvPr id="5" name="Parentesi graffa aperta 4">
+            <a:extLst>
+              <a:ext uri="{FF2B5EF4-FFF2-40B4-BE49-F238E27FC236}">
+                <a16:creationId xmlns:a16="http://schemas.microsoft.com/office/drawing/2014/main" id="{0A7F53BA-C6E2-44B0-A5D3-482A34C23B4A}"/>
+              </a:ext>
+            </a:extLst>
+          </p:cNvPr>
+          <p:cNvSpPr/>
+          <p:nvPr/>
+        </p:nvSpPr>
+        <p:spPr>
+          <a:xfrm>
+            <a:off x="5020165" y="1466641"/>
+            <a:ext cx="348270" cy="2076368"/>
+          </a:xfrm>
+          <a:prstGeom prst="leftBrace">
+            <a:avLst/>
+          </a:prstGeom>
+          <a:noFill/>
+          <a:ln w="44450" cap="flat">
+            <a:solidFill>
+              <a:schemeClr val="accent2">
+                <a:lumMod val="75000"/>
+              </a:schemeClr>
+            </a:solidFill>
+            <a:prstDash val="solid"/>
+            <a:miter lim="800000"/>
+          </a:ln>
+          <a:effectLst/>
+        </p:spPr>
+        <p:style>
+          <a:lnRef idx="0">
+            <a:scrgbClr r="0" g="0" b="0"/>
+          </a:lnRef>
+          <a:fillRef idx="0">
+            <a:scrgbClr r="0" g="0" b="0"/>
+          </a:fillRef>
+          <a:effectRef idx="0">
+            <a:scrgbClr r="0" g="0" b="0"/>
+          </a:effectRef>
+          <a:fontRef idx="none"/>
+        </p:style>
+        <p:txBody>
+          <a:bodyPr rot="0" spcFirstLastPara="1" vertOverflow="overflow" horzOverflow="overflow" vert="horz" wrap="square" lIns="91439" tIns="45719" rIns="91439" bIns="45719" numCol="1" spcCol="38100" rtlCol="0" anchor="t">
+            <a:noAutofit/>
+          </a:bodyPr>
+          <a:lstStyle/>
+          <a:p>
+            <a:pPr marL="0" marR="0" indent="0" algn="l" defTabSz="914400" rtl="0" fontAlgn="auto" latinLnBrk="1" hangingPunct="0">
+              <a:lnSpc>
+                <a:spcPct val="100000"/>
+              </a:lnSpc>
+              <a:spcBef>
+                <a:spcPts val="0"/>
+              </a:spcBef>
+              <a:spcAft>
+                <a:spcPts val="0"/>
+              </a:spcAft>
+              <a:buClrTx/>
+              <a:buSzTx/>
+              <a:buFontTx/>
+              <a:buNone/>
+              <a:tabLst/>
+            </a:pPr>
+            <a:endParaRPr kumimoji="0" lang="it-IT" sz="1800" b="0" i="0" u="none" strike="noStrike" cap="none" spc="0" normalizeH="0" baseline="0" dirty="0">
+              <a:ln>
+                <a:noFill/>
+              </a:ln>
+              <a:solidFill>
+                <a:srgbClr val="000000"/>
+              </a:solidFill>
+              <a:effectLst/>
+              <a:uFillTx/>
+            </a:endParaRPr>
+          </a:p>
+        </p:txBody>
+      </p:sp>
+      <p:pic>
+        <p:nvPicPr>
+          <p:cNvPr id="19" name="Immagine 18">
+            <a:extLst>
+              <a:ext uri="{FF2B5EF4-FFF2-40B4-BE49-F238E27FC236}">
+                <a16:creationId xmlns:a16="http://schemas.microsoft.com/office/drawing/2014/main" id="{3640550B-2CBA-4A40-9E31-2B389E101AEE}"/>
+              </a:ext>
+            </a:extLst>
+          </p:cNvPr>
+          <p:cNvPicPr>
+            <a:picLocks noChangeAspect="1"/>
+          </p:cNvPicPr>
+          <p:nvPr/>
+        </p:nvPicPr>
+        <p:blipFill>
+          <a:blip r:embed="rId6">
+            <a:extLst>
+              <a:ext uri="{28A0092B-C50C-407E-A947-70E740481C1C}">
+                <a14:useLocalDpi xmlns:a14="http://schemas.microsoft.com/office/drawing/2010/main" val="0"/>
+              </a:ext>
+            </a:extLst>
+          </a:blip>
+          <a:stretch>
+            <a:fillRect/>
+          </a:stretch>
+        </p:blipFill>
+        <p:spPr>
+          <a:xfrm>
+            <a:off x="5947783" y="3601009"/>
+            <a:ext cx="2948943" cy="2772000"/>
+          </a:xfrm>
+          <a:prstGeom prst="rect">
+            <a:avLst/>
+          </a:prstGeom>
+        </p:spPr>
+      </p:pic>
+      <p:sp>
+        <p:nvSpPr>
+          <p:cNvPr id="21" name="Parentesi graffa aperta 20">
+            <a:extLst>
+              <a:ext uri="{FF2B5EF4-FFF2-40B4-BE49-F238E27FC236}">
+                <a16:creationId xmlns:a16="http://schemas.microsoft.com/office/drawing/2014/main" id="{4CABE76B-F95A-4D74-916D-BE1C0DFBC6F0}"/>
+              </a:ext>
+            </a:extLst>
+          </p:cNvPr>
+          <p:cNvSpPr/>
+          <p:nvPr/>
+        </p:nvSpPr>
+        <p:spPr>
+          <a:xfrm>
+            <a:off x="5020165" y="3948825"/>
+            <a:ext cx="348270" cy="2076368"/>
+          </a:xfrm>
+          <a:prstGeom prst="leftBrace">
+            <a:avLst/>
+          </a:prstGeom>
+          <a:noFill/>
+          <a:ln w="44450" cap="flat">
+            <a:solidFill>
+              <a:schemeClr val="accent2">
+                <a:lumMod val="75000"/>
+              </a:schemeClr>
+            </a:solidFill>
+            <a:prstDash val="solid"/>
+            <a:miter lim="800000"/>
+          </a:ln>
+          <a:effectLst/>
+        </p:spPr>
+        <p:style>
+          <a:lnRef idx="0">
+            <a:scrgbClr r="0" g="0" b="0"/>
+          </a:lnRef>
+          <a:fillRef idx="0">
+            <a:scrgbClr r="0" g="0" b="0"/>
+          </a:fillRef>
+          <a:effectRef idx="0">
+            <a:scrgbClr r="0" g="0" b="0"/>
+          </a:effectRef>
+          <a:fontRef idx="none"/>
+        </p:style>
+        <p:txBody>
+          <a:bodyPr rot="0" spcFirstLastPara="1" vertOverflow="overflow" horzOverflow="overflow" vert="horz" wrap="square" lIns="91439" tIns="45719" rIns="91439" bIns="45719" numCol="1" spcCol="38100" rtlCol="0" anchor="t">
+            <a:noAutofit/>
+          </a:bodyPr>
+          <a:lstStyle/>
+          <a:p>
+            <a:pPr marL="0" marR="0" indent="0" algn="l" defTabSz="914400" rtl="0" fontAlgn="auto" latinLnBrk="1" hangingPunct="0">
+              <a:lnSpc>
+                <a:spcPct val="100000"/>
+              </a:lnSpc>
+              <a:spcBef>
+                <a:spcPts val="0"/>
+              </a:spcBef>
+              <a:spcAft>
+                <a:spcPts val="0"/>
+              </a:spcAft>
+              <a:buClrTx/>
+              <a:buSzTx/>
+              <a:buFontTx/>
+              <a:buNone/>
+              <a:tabLst/>
+            </a:pPr>
+            <a:endParaRPr kumimoji="0" lang="it-IT" sz="1800" b="0" i="0" u="none" strike="noStrike" cap="none" spc="0" normalizeH="0" baseline="0" dirty="0">
+              <a:ln>
+                <a:noFill/>
+              </a:ln>
+              <a:solidFill>
+                <a:srgbClr val="000000"/>
+              </a:solidFill>
+              <a:effectLst/>
+              <a:uFillTx/>
+            </a:endParaRPr>
           </a:p>
         </p:txBody>
       </p:sp>
@@ -7224,7 +7515,7 @@
           </a:prstGeom>
           <a:extLst>
             <a:ext uri="{C572A759-6A51-4108-AA02-DFA0A04FC94B}">
-              <ma14:wrappingTextBoxFlag xmlns="" xmlns:ma14="http://schemas.microsoft.com/office/mac/drawingml/2011/main" val="1"/>
+              <ma14:wrappingTextBoxFlag xmlns:ma14="http://schemas.microsoft.com/office/mac/drawingml/2011/main" xmlns="" val="1"/>
             </a:ext>
           </a:extLst>
         </p:spPr>
@@ -7292,7 +7583,7 @@
           </a:ln>
           <a:extLst>
             <a:ext uri="{C572A759-6A51-4108-AA02-DFA0A04FC94B}">
-              <ma14:wrappingTextBoxFlag xmlns="" xmlns:ma14="http://schemas.microsoft.com/office/mac/drawingml/2011/main" val="1"/>
+              <ma14:wrappingTextBoxFlag xmlns:ma14="http://schemas.microsoft.com/office/mac/drawingml/2011/main" xmlns="" val="1"/>
             </a:ext>
           </a:extLst>
         </p:spPr>
@@ -7339,8 +7630,8 @@
         </p:nvSpPr>
         <p:spPr>
           <a:xfrm>
-            <a:off x="1068264" y="1968278"/>
-            <a:ext cx="3503736" cy="584775"/>
+            <a:off x="2978613" y="881121"/>
+            <a:ext cx="3186773" cy="584775"/>
           </a:xfrm>
           <a:prstGeom prst="rect">
             <a:avLst/>
@@ -7350,7 +7641,7 @@
           </a:ln>
           <a:extLst>
             <a:ext uri="{C572A759-6A51-4108-AA02-DFA0A04FC94B}">
-              <ma14:wrappingTextBoxFlag xmlns="" xmlns:ma14="http://schemas.microsoft.com/office/mac/drawingml/2011/main" val="1"/>
+              <ma14:wrappingTextBoxFlag xmlns:ma14="http://schemas.microsoft.com/office/mac/drawingml/2011/main" xmlns="" val="1"/>
             </a:ext>
           </a:extLst>
         </p:spPr>
@@ -7408,7 +7699,7 @@
           </a:ln>
           <a:extLst>
             <a:ext uri="{C572A759-6A51-4108-AA02-DFA0A04FC94B}">
-              <ma14:wrappingTextBoxFlag xmlns="" xmlns:ma14="http://schemas.microsoft.com/office/mac/drawingml/2011/main" val="1"/>
+              <ma14:wrappingTextBoxFlag xmlns:ma14="http://schemas.microsoft.com/office/mac/drawingml/2011/main" xmlns="" val="1"/>
             </a:ext>
           </a:extLst>
         </p:spPr>
@@ -7558,7 +7849,7 @@
           </a:ln>
           <a:extLst>
             <a:ext uri="{C572A759-6A51-4108-AA02-DFA0A04FC94B}">
-              <ma14:wrappingTextBoxFlag xmlns="" xmlns:ma14="http://schemas.microsoft.com/office/mac/drawingml/2011/main" val="1"/>
+              <ma14:wrappingTextBoxFlag xmlns:ma14="http://schemas.microsoft.com/office/mac/drawingml/2011/main" xmlns="" val="1"/>
             </a:ext>
           </a:extLst>
         </p:spPr>
@@ -7936,7 +8227,7 @@
           </a:ln>
           <a:extLst>
             <a:ext uri="{C572A759-6A51-4108-AA02-DFA0A04FC94B}">
-              <ma14:wrappingTextBoxFlag xmlns="" xmlns:ma14="http://schemas.microsoft.com/office/mac/drawingml/2011/main" val="1"/>
+              <ma14:wrappingTextBoxFlag xmlns:ma14="http://schemas.microsoft.com/office/mac/drawingml/2011/main" xmlns="" val="1"/>
             </a:ext>
           </a:extLst>
         </p:spPr>
@@ -8055,6 +8346,433 @@
                 <a:cs typeface="Calibri" panose="020F0502020204030204" pitchFamily="34" charset="0"/>
               </a:rPr>
               <a:t> di 9</a:t>
+            </a:r>
+          </a:p>
+        </p:txBody>
+      </p:sp>
+      <p:sp>
+        <p:nvSpPr>
+          <p:cNvPr id="14" name="Text Box 4">
+            <a:extLst>
+              <a:ext uri="{FF2B5EF4-FFF2-40B4-BE49-F238E27FC236}">
+                <a16:creationId xmlns:a16="http://schemas.microsoft.com/office/drawing/2014/main" id="{E77C91AC-B413-4E74-8BA9-8C8FA914EA0E}"/>
+              </a:ext>
+            </a:extLst>
+          </p:cNvPr>
+          <p:cNvSpPr txBox="1">
+            <a:spLocks noChangeArrowheads="1"/>
+          </p:cNvSpPr>
+          <p:nvPr/>
+        </p:nvSpPr>
+        <p:spPr bwMode="auto">
+          <a:xfrm>
+            <a:off x="5386266" y="1575732"/>
+            <a:ext cx="3503736" cy="4524315"/>
+          </a:xfrm>
+          <a:prstGeom prst="rect">
+            <a:avLst/>
+          </a:prstGeom>
+          <a:solidFill>
+            <a:schemeClr val="tx1"/>
+          </a:solidFill>
+          <a:ln w="9525">
+            <a:solidFill>
+              <a:schemeClr val="tx1"/>
+            </a:solidFill>
+            <a:prstDash val="dash"/>
+            <a:miter lim="800000"/>
+            <a:headEnd/>
+            <a:tailEnd/>
+          </a:ln>
+          <a:effectLst/>
+        </p:spPr>
+        <p:txBody>
+          <a:bodyPr wrap="square">
+            <a:spAutoFit/>
+          </a:bodyPr>
+          <a:lstStyle/>
+          <a:p>
+            <a:r>
+              <a:rPr lang="en-US" altLang="it-IT" dirty="0">
+                <a:solidFill>
+                  <a:srgbClr val="00FF00"/>
+                </a:solidFill>
+              </a:rPr>
+              <a:t>IDENTIFICATION DIVISION .</a:t>
+            </a:r>
+          </a:p>
+          <a:p>
+            <a:r>
+              <a:rPr lang="en-US" altLang="it-IT" dirty="0">
+                <a:solidFill>
+                  <a:srgbClr val="00FF00"/>
+                </a:solidFill>
+              </a:rPr>
+              <a:t>   PROGRAM-ID. ESCOBOL .</a:t>
+            </a:r>
+          </a:p>
+          <a:p>
+            <a:r>
+              <a:rPr lang="en-US" altLang="it-IT" dirty="0">
+                <a:solidFill>
+                  <a:srgbClr val="00FF00"/>
+                </a:solidFill>
+              </a:rPr>
+              <a:t>   AUTHOR. ABDELILAH LAHMER .</a:t>
+            </a:r>
+          </a:p>
+          <a:p>
+            <a:r>
+              <a:rPr lang="en-US" altLang="it-IT" dirty="0">
+                <a:solidFill>
+                  <a:srgbClr val="00FF00"/>
+                </a:solidFill>
+              </a:rPr>
+              <a:t>   DATE-WRITTEN. 2017-12-01.</a:t>
+            </a:r>
+          </a:p>
+          <a:p>
+            <a:r>
+              <a:rPr lang="en-US" altLang="it-IT" dirty="0">
+                <a:solidFill>
+                  <a:srgbClr val="00FF00"/>
+                </a:solidFill>
+              </a:rPr>
+              <a:t>ENVIRONMENT DIVISION.</a:t>
+            </a:r>
+          </a:p>
+          <a:p>
+            <a:r>
+              <a:rPr lang="en-US" altLang="it-IT" dirty="0">
+                <a:solidFill>
+                  <a:srgbClr val="00FF00"/>
+                </a:solidFill>
+              </a:rPr>
+              <a:t>DATA DIVISION.</a:t>
+            </a:r>
+          </a:p>
+          <a:p>
+            <a:r>
+              <a:rPr lang="en-US" altLang="it-IT" dirty="0">
+                <a:solidFill>
+                  <a:srgbClr val="00FF00"/>
+                </a:solidFill>
+              </a:rPr>
+              <a:t>   WORKING-STORAGE SECTION.</a:t>
+            </a:r>
+          </a:p>
+          <a:p>
+            <a:r>
+              <a:rPr lang="en-US" altLang="it-IT" dirty="0">
+                <a:solidFill>
+                  <a:srgbClr val="00FF00"/>
+                </a:solidFill>
+              </a:rPr>
+              <a:t>PROCEDURE DIVISION.</a:t>
+            </a:r>
+          </a:p>
+          <a:p>
+            <a:r>
+              <a:rPr lang="en-US" altLang="it-IT" dirty="0">
+                <a:solidFill>
+                  <a:srgbClr val="00FF00"/>
+                </a:solidFill>
+              </a:rPr>
+              <a:t>   INIZIO-PGM.</a:t>
+            </a:r>
+          </a:p>
+          <a:p>
+            <a:r>
+              <a:rPr lang="en-US" altLang="it-IT" dirty="0">
+                <a:solidFill>
+                  <a:srgbClr val="00FF00"/>
+                </a:solidFill>
+              </a:rPr>
+              <a:t>      DISPLAY 'INIZIO PROGRAMMA'</a:t>
+            </a:r>
+          </a:p>
+          <a:p>
+            <a:r>
+              <a:rPr lang="en-US" altLang="it-IT" dirty="0">
+                <a:solidFill>
+                  <a:srgbClr val="00FF00"/>
+                </a:solidFill>
+              </a:rPr>
+              <a:t>      PERFORM CORPO-PGM</a:t>
+            </a:r>
+          </a:p>
+          <a:p>
+            <a:r>
+              <a:rPr lang="en-US" altLang="it-IT" dirty="0">
+                <a:solidFill>
+                  <a:srgbClr val="00FF00"/>
+                </a:solidFill>
+              </a:rPr>
+              <a:t>      PERFORM STAMPA-FINE.</a:t>
+            </a:r>
+          </a:p>
+          <a:p>
+            <a:r>
+              <a:rPr lang="en-US" altLang="it-IT" dirty="0">
+                <a:solidFill>
+                  <a:srgbClr val="00FF00"/>
+                </a:solidFill>
+              </a:rPr>
+              <a:t>   CORPO-PGM.</a:t>
+            </a:r>
+          </a:p>
+          <a:p>
+            <a:r>
+              <a:rPr lang="en-US" altLang="it-IT" dirty="0">
+                <a:solidFill>
+                  <a:srgbClr val="00FF00"/>
+                </a:solidFill>
+              </a:rPr>
+              <a:t>      DISPLAY 'ESECUZIONE CORPO'.</a:t>
+            </a:r>
+          </a:p>
+          <a:p>
+            <a:r>
+              <a:rPr lang="en-US" altLang="it-IT" dirty="0">
+                <a:solidFill>
+                  <a:srgbClr val="00FF00"/>
+                </a:solidFill>
+              </a:rPr>
+              <a:t>   STAMPA-FINE.</a:t>
+            </a:r>
+          </a:p>
+          <a:p>
+            <a:r>
+              <a:rPr lang="en-US" altLang="it-IT" dirty="0">
+                <a:solidFill>
+                  <a:srgbClr val="00FF00"/>
+                </a:solidFill>
+              </a:rPr>
+              <a:t>      DISPLAY 'FINE PROGRAMMA'.</a:t>
+            </a:r>
+          </a:p>
+        </p:txBody>
+      </p:sp>
+      <p:sp>
+        <p:nvSpPr>
+          <p:cNvPr id="15" name="Shape 52">
+            <a:extLst>
+              <a:ext uri="{FF2B5EF4-FFF2-40B4-BE49-F238E27FC236}">
+                <a16:creationId xmlns:a16="http://schemas.microsoft.com/office/drawing/2014/main" id="{454D6858-15DA-47DA-A82B-E1CCE26DD232}"/>
+              </a:ext>
+            </a:extLst>
+          </p:cNvPr>
+          <p:cNvSpPr/>
+          <p:nvPr/>
+        </p:nvSpPr>
+        <p:spPr>
+          <a:xfrm>
+            <a:off x="171450" y="1685234"/>
+            <a:ext cx="5214816" cy="4154984"/>
+          </a:xfrm>
+          <a:prstGeom prst="rect">
+            <a:avLst/>
+          </a:prstGeom>
+          <a:ln w="12700">
+            <a:miter lim="400000"/>
+          </a:ln>
+          <a:extLst>
+            <a:ext uri="{C572A759-6A51-4108-AA02-DFA0A04FC94B}">
+              <ma14:wrappingTextBoxFlag xmlns:ma14="http://schemas.microsoft.com/office/mac/drawingml/2011/main" xmlns="" val="1"/>
+            </a:ext>
+          </a:extLst>
+        </p:spPr>
+        <p:txBody>
+          <a:bodyPr wrap="square" lIns="45719" rIns="45719">
+            <a:spAutoFit/>
+          </a:bodyPr>
+          <a:lstStyle/>
+          <a:p>
+            <a:pPr marL="285750" lvl="0" indent="-285750" algn="l">
+              <a:buClr>
+                <a:srgbClr val="9A0014"/>
+              </a:buClr>
+              <a:buSzPct val="100000"/>
+              <a:buFont typeface="Wingdings" panose="05000000000000000000" pitchFamily="2" charset="2"/>
+              <a:buChar char="§"/>
+            </a:pPr>
+            <a:r>
+              <a:rPr lang="it-IT" sz="2400" b="1" dirty="0">
+                <a:solidFill>
+                  <a:schemeClr val="tx1"/>
+                </a:solidFill>
+                <a:latin typeface="Calibri" panose="020F0502020204030204" pitchFamily="34" charset="0"/>
+                <a:cs typeface="Calibri" panose="020F0502020204030204" pitchFamily="34" charset="0"/>
+              </a:rPr>
+              <a:t>COmmon Business-</a:t>
+            </a:r>
+            <a:r>
+              <a:rPr lang="it-IT" sz="2400" b="1" dirty="0" err="1">
+                <a:solidFill>
+                  <a:schemeClr val="tx1"/>
+                </a:solidFill>
+                <a:latin typeface="Calibri" panose="020F0502020204030204" pitchFamily="34" charset="0"/>
+                <a:cs typeface="Calibri" panose="020F0502020204030204" pitchFamily="34" charset="0"/>
+              </a:rPr>
+              <a:t>Oriented</a:t>
+            </a:r>
+            <a:r>
+              <a:rPr lang="it-IT" sz="2400" b="1" dirty="0">
+                <a:solidFill>
+                  <a:schemeClr val="tx1"/>
+                </a:solidFill>
+                <a:latin typeface="Calibri" panose="020F0502020204030204" pitchFamily="34" charset="0"/>
+                <a:cs typeface="Calibri" panose="020F0502020204030204" pitchFamily="34" charset="0"/>
+              </a:rPr>
+              <a:t> Language</a:t>
+            </a:r>
+          </a:p>
+          <a:p>
+            <a:pPr marL="285750" lvl="0" indent="-285750" algn="l">
+              <a:buClr>
+                <a:srgbClr val="9A0014"/>
+              </a:buClr>
+              <a:buSzPct val="100000"/>
+              <a:buFont typeface="Wingdings" panose="05000000000000000000" pitchFamily="2" charset="2"/>
+              <a:buChar char="§"/>
+            </a:pPr>
+            <a:endParaRPr lang="it-IT" sz="2400" b="1" dirty="0">
+              <a:solidFill>
+                <a:schemeClr val="tx1"/>
+              </a:solidFill>
+              <a:latin typeface="Calibri" panose="020F0502020204030204" pitchFamily="34" charset="0"/>
+              <a:cs typeface="Calibri" panose="020F0502020204030204" pitchFamily="34" charset="0"/>
+            </a:endParaRPr>
+          </a:p>
+          <a:p>
+            <a:pPr marL="285750" lvl="0" indent="-285750" algn="l">
+              <a:buClr>
+                <a:srgbClr val="9A0014"/>
+              </a:buClr>
+              <a:buSzPct val="100000"/>
+              <a:buFont typeface="Wingdings" panose="05000000000000000000" pitchFamily="2" charset="2"/>
+              <a:buChar char="§"/>
+            </a:pPr>
+            <a:r>
+              <a:rPr lang="it-IT" sz="2400" b="1" dirty="0">
+                <a:solidFill>
+                  <a:schemeClr val="tx1"/>
+                </a:solidFill>
+                <a:latin typeface="Calibri" panose="020F0502020204030204" pitchFamily="34" charset="0"/>
+                <a:cs typeface="Calibri" panose="020F0502020204030204" pitchFamily="34" charset="0"/>
+              </a:rPr>
+              <a:t>Aritmetica con punto decimale fisso</a:t>
+            </a:r>
+          </a:p>
+          <a:p>
+            <a:pPr marL="285750" lvl="0" indent="-285750" algn="l">
+              <a:buClr>
+                <a:srgbClr val="9A0014"/>
+              </a:buClr>
+              <a:buSzPct val="100000"/>
+              <a:buFont typeface="Wingdings" panose="05000000000000000000" pitchFamily="2" charset="2"/>
+              <a:buChar char="§"/>
+            </a:pPr>
+            <a:endParaRPr lang="it-IT" sz="2400" b="1" dirty="0">
+              <a:solidFill>
+                <a:schemeClr val="tx1"/>
+              </a:solidFill>
+              <a:latin typeface="Calibri" panose="020F0502020204030204" pitchFamily="34" charset="0"/>
+              <a:cs typeface="Calibri" panose="020F0502020204030204" pitchFamily="34" charset="0"/>
+            </a:endParaRPr>
+          </a:p>
+          <a:p>
+            <a:pPr marL="285750" lvl="0" indent="-285750" algn="l">
+              <a:buClr>
+                <a:srgbClr val="9A0014"/>
+              </a:buClr>
+              <a:buSzPct val="100000"/>
+              <a:buFont typeface="Wingdings" panose="05000000000000000000" pitchFamily="2" charset="2"/>
+              <a:buChar char="§"/>
+            </a:pPr>
+            <a:r>
+              <a:rPr lang="it-IT" sz="2400" b="1" dirty="0">
+                <a:solidFill>
+                  <a:schemeClr val="tx1"/>
+                </a:solidFill>
+                <a:latin typeface="Calibri" panose="020F0502020204030204" pitchFamily="34" charset="0"/>
+                <a:cs typeface="Calibri" panose="020F0502020204030204" pitchFamily="34" charset="0"/>
+              </a:rPr>
+              <a:t>Stabilità</a:t>
+            </a:r>
+          </a:p>
+          <a:p>
+            <a:pPr marL="285750" lvl="0" indent="-285750" algn="l">
+              <a:buClr>
+                <a:srgbClr val="9A0014"/>
+              </a:buClr>
+              <a:buSzPct val="100000"/>
+              <a:buFont typeface="Wingdings" panose="05000000000000000000" pitchFamily="2" charset="2"/>
+              <a:buChar char="§"/>
+            </a:pPr>
+            <a:endParaRPr lang="it-IT" sz="2400" b="1" dirty="0">
+              <a:solidFill>
+                <a:schemeClr val="tx1"/>
+              </a:solidFill>
+              <a:latin typeface="Calibri" panose="020F0502020204030204" pitchFamily="34" charset="0"/>
+              <a:cs typeface="Calibri" panose="020F0502020204030204" pitchFamily="34" charset="0"/>
+            </a:endParaRPr>
+          </a:p>
+          <a:p>
+            <a:pPr marL="285750" lvl="0" indent="-285750" algn="l">
+              <a:buClr>
+                <a:srgbClr val="9A0014"/>
+              </a:buClr>
+              <a:buSzPct val="100000"/>
+              <a:buFont typeface="Wingdings" panose="05000000000000000000" pitchFamily="2" charset="2"/>
+              <a:buChar char="§"/>
+            </a:pPr>
+            <a:r>
+              <a:rPr lang="it-IT" sz="2400" b="1" dirty="0">
+                <a:solidFill>
+                  <a:schemeClr val="tx1"/>
+                </a:solidFill>
+                <a:latin typeface="Calibri" panose="020F0502020204030204" pitchFamily="34" charset="0"/>
+                <a:cs typeface="Calibri" panose="020F0502020204030204" pitchFamily="34" charset="0"/>
+              </a:rPr>
+              <a:t>Sintassi con ottima leggibilità</a:t>
+            </a:r>
+          </a:p>
+          <a:p>
+            <a:pPr marL="285750" lvl="0" indent="-285750" algn="l">
+              <a:buClr>
+                <a:srgbClr val="9A0014"/>
+              </a:buClr>
+              <a:buSzPct val="100000"/>
+              <a:buFont typeface="Wingdings" panose="05000000000000000000" pitchFamily="2" charset="2"/>
+              <a:buChar char="§"/>
+            </a:pPr>
+            <a:endParaRPr lang="it-IT" sz="2400" b="1" dirty="0">
+              <a:solidFill>
+                <a:schemeClr val="tx1"/>
+              </a:solidFill>
+              <a:latin typeface="Calibri" panose="020F0502020204030204" pitchFamily="34" charset="0"/>
+              <a:cs typeface="Calibri" panose="020F0502020204030204" pitchFamily="34" charset="0"/>
+            </a:endParaRPr>
+          </a:p>
+          <a:p>
+            <a:pPr marL="285750" lvl="0" indent="-285750" algn="l">
+              <a:buClr>
+                <a:srgbClr val="9A0014"/>
+              </a:buClr>
+              <a:buSzPct val="100000"/>
+              <a:buFont typeface="Wingdings" panose="05000000000000000000" pitchFamily="2" charset="2"/>
+              <a:buChar char="§"/>
+            </a:pPr>
+            <a:r>
+              <a:rPr lang="it-IT" sz="2400" b="1" dirty="0">
+                <a:solidFill>
+                  <a:schemeClr val="tx1"/>
+                </a:solidFill>
+                <a:latin typeface="Calibri" panose="020F0502020204030204" pitchFamily="34" charset="0"/>
+                <a:cs typeface="Calibri" panose="020F0502020204030204" pitchFamily="34" charset="0"/>
+              </a:rPr>
+              <a:t>Gestione enormi volumi di elaborazione con facilità</a:t>
             </a:r>
           </a:p>
         </p:txBody>
@@ -8137,7 +8855,7 @@
           </a:prstGeom>
           <a:extLst>
             <a:ext uri="{C572A759-6A51-4108-AA02-DFA0A04FC94B}">
-              <ma14:wrappingTextBoxFlag xmlns="" xmlns:ma14="http://schemas.microsoft.com/office/mac/drawingml/2011/main" val="1"/>
+              <ma14:wrappingTextBoxFlag xmlns:ma14="http://schemas.microsoft.com/office/mac/drawingml/2011/main" xmlns="" val="1"/>
             </a:ext>
           </a:extLst>
         </p:spPr>
@@ -8205,7 +8923,7 @@
           </a:ln>
           <a:extLst>
             <a:ext uri="{C572A759-6A51-4108-AA02-DFA0A04FC94B}">
-              <ma14:wrappingTextBoxFlag xmlns="" xmlns:ma14="http://schemas.microsoft.com/office/mac/drawingml/2011/main" val="1"/>
+              <ma14:wrappingTextBoxFlag xmlns:ma14="http://schemas.microsoft.com/office/mac/drawingml/2011/main" xmlns="" val="1"/>
             </a:ext>
           </a:extLst>
         </p:spPr>
@@ -8252,8 +8970,8 @@
         </p:nvSpPr>
         <p:spPr>
           <a:xfrm>
-            <a:off x="1068263" y="1968278"/>
-            <a:ext cx="4924573" cy="584775"/>
+            <a:off x="2225332" y="881288"/>
+            <a:ext cx="4693335" cy="584775"/>
           </a:xfrm>
           <a:prstGeom prst="rect">
             <a:avLst/>
@@ -8263,7 +8981,7 @@
           </a:ln>
           <a:extLst>
             <a:ext uri="{C572A759-6A51-4108-AA02-DFA0A04FC94B}">
-              <ma14:wrappingTextBoxFlag xmlns="" xmlns:ma14="http://schemas.microsoft.com/office/mac/drawingml/2011/main" val="1"/>
+              <ma14:wrappingTextBoxFlag xmlns:ma14="http://schemas.microsoft.com/office/mac/drawingml/2011/main" xmlns="" val="1"/>
             </a:ext>
           </a:extLst>
         </p:spPr>
@@ -8321,7 +9039,7 @@
           </a:ln>
           <a:extLst>
             <a:ext uri="{C572A759-6A51-4108-AA02-DFA0A04FC94B}">
-              <ma14:wrappingTextBoxFlag xmlns="" xmlns:ma14="http://schemas.microsoft.com/office/mac/drawingml/2011/main" val="1"/>
+              <ma14:wrappingTextBoxFlag xmlns:ma14="http://schemas.microsoft.com/office/mac/drawingml/2011/main" xmlns="" val="1"/>
             </a:ext>
           </a:extLst>
         </p:spPr>
@@ -8471,7 +9189,7 @@
           </a:ln>
           <a:extLst>
             <a:ext uri="{C572A759-6A51-4108-AA02-DFA0A04FC94B}">
-              <ma14:wrappingTextBoxFlag xmlns="" xmlns:ma14="http://schemas.microsoft.com/office/mac/drawingml/2011/main" val="1"/>
+              <ma14:wrappingTextBoxFlag xmlns:ma14="http://schemas.microsoft.com/office/mac/drawingml/2011/main" xmlns="" val="1"/>
             </a:ext>
           </a:extLst>
         </p:spPr>
@@ -8849,7 +9567,7 @@
           </a:ln>
           <a:extLst>
             <a:ext uri="{C572A759-6A51-4108-AA02-DFA0A04FC94B}">
-              <ma14:wrappingTextBoxFlag xmlns="" xmlns:ma14="http://schemas.microsoft.com/office/mac/drawingml/2011/main" val="1"/>
+              <ma14:wrappingTextBoxFlag xmlns:ma14="http://schemas.microsoft.com/office/mac/drawingml/2011/main" xmlns="" val="1"/>
             </a:ext>
           </a:extLst>
         </p:spPr>
@@ -8972,6 +9690,318 @@
           </a:p>
         </p:txBody>
       </p:sp>
+      <p:sp>
+        <p:nvSpPr>
+          <p:cNvPr id="12" name="Shape 52">
+            <a:extLst>
+              <a:ext uri="{FF2B5EF4-FFF2-40B4-BE49-F238E27FC236}">
+                <a16:creationId xmlns:a16="http://schemas.microsoft.com/office/drawing/2014/main" id="{B938FB9B-FCBF-4E70-B522-407684C8118D}"/>
+              </a:ext>
+            </a:extLst>
+          </p:cNvPr>
+          <p:cNvSpPr/>
+          <p:nvPr/>
+        </p:nvSpPr>
+        <p:spPr>
+          <a:xfrm>
+            <a:off x="2868049" y="1720840"/>
+            <a:ext cx="3407899" cy="3416320"/>
+          </a:xfrm>
+          <a:prstGeom prst="rect">
+            <a:avLst/>
+          </a:prstGeom>
+          <a:ln w="12700">
+            <a:miter lim="400000"/>
+          </a:ln>
+          <a:extLst>
+            <a:ext uri="{C572A759-6A51-4108-AA02-DFA0A04FC94B}">
+              <ma14:wrappingTextBoxFlag xmlns:ma14="http://schemas.microsoft.com/office/mac/drawingml/2011/main" xmlns="" val="1"/>
+            </a:ext>
+          </a:extLst>
+        </p:spPr>
+        <p:txBody>
+          <a:bodyPr wrap="square" lIns="45719" rIns="45719">
+            <a:spAutoFit/>
+          </a:bodyPr>
+          <a:lstStyle/>
+          <a:p>
+            <a:pPr marL="285750" lvl="0" indent="-285750" algn="l">
+              <a:buClr>
+                <a:srgbClr val="9A0014"/>
+              </a:buClr>
+              <a:buSzPct val="100000"/>
+              <a:buFont typeface="Wingdings" panose="05000000000000000000" pitchFamily="2" charset="2"/>
+              <a:buChar char="§"/>
+            </a:pPr>
+            <a:r>
+              <a:rPr lang="it-IT" sz="2400" b="1" dirty="0">
+                <a:solidFill>
+                  <a:schemeClr val="tx1"/>
+                </a:solidFill>
+                <a:latin typeface="Calibri" panose="020F0502020204030204" pitchFamily="34" charset="0"/>
+                <a:cs typeface="Calibri" panose="020F0502020204030204" pitchFamily="34" charset="0"/>
+              </a:rPr>
+              <a:t>Finanziamenti</a:t>
+            </a:r>
+          </a:p>
+          <a:p>
+            <a:pPr marL="285750" lvl="0" indent="-285750" algn="l">
+              <a:buClr>
+                <a:srgbClr val="9A0014"/>
+              </a:buClr>
+              <a:buSzPct val="100000"/>
+              <a:buFont typeface="Wingdings" panose="05000000000000000000" pitchFamily="2" charset="2"/>
+              <a:buChar char="§"/>
+            </a:pPr>
+            <a:endParaRPr lang="it-IT" sz="2400" b="1" dirty="0">
+              <a:solidFill>
+                <a:schemeClr val="tx1"/>
+              </a:solidFill>
+              <a:latin typeface="Calibri" panose="020F0502020204030204" pitchFamily="34" charset="0"/>
+              <a:cs typeface="Calibri" panose="020F0502020204030204" pitchFamily="34" charset="0"/>
+            </a:endParaRPr>
+          </a:p>
+          <a:p>
+            <a:pPr marL="285750" lvl="0" indent="-285750" algn="l">
+              <a:buClr>
+                <a:srgbClr val="9A0014"/>
+              </a:buClr>
+              <a:buSzPct val="100000"/>
+              <a:buFont typeface="Wingdings" panose="05000000000000000000" pitchFamily="2" charset="2"/>
+              <a:buChar char="§"/>
+            </a:pPr>
+            <a:r>
+              <a:rPr lang="it-IT" sz="2400" b="1" dirty="0">
+                <a:solidFill>
+                  <a:schemeClr val="tx1"/>
+                </a:solidFill>
+                <a:latin typeface="Calibri" panose="020F0502020204030204" pitchFamily="34" charset="0"/>
+                <a:cs typeface="Calibri" panose="020F0502020204030204" pitchFamily="34" charset="0"/>
+              </a:rPr>
+              <a:t>Fidi</a:t>
+            </a:r>
+          </a:p>
+          <a:p>
+            <a:pPr marL="285750" lvl="0" indent="-285750" algn="l">
+              <a:buClr>
+                <a:srgbClr val="9A0014"/>
+              </a:buClr>
+              <a:buSzPct val="100000"/>
+              <a:buFont typeface="Wingdings" panose="05000000000000000000" pitchFamily="2" charset="2"/>
+              <a:buChar char="§"/>
+            </a:pPr>
+            <a:endParaRPr lang="it-IT" sz="2400" b="1" dirty="0">
+              <a:solidFill>
+                <a:schemeClr val="tx1"/>
+              </a:solidFill>
+              <a:latin typeface="Calibri" panose="020F0502020204030204" pitchFamily="34" charset="0"/>
+              <a:cs typeface="Calibri" panose="020F0502020204030204" pitchFamily="34" charset="0"/>
+            </a:endParaRPr>
+          </a:p>
+          <a:p>
+            <a:pPr marL="285750" lvl="0" indent="-285750" algn="l">
+              <a:buClr>
+                <a:srgbClr val="9A0014"/>
+              </a:buClr>
+              <a:buSzPct val="100000"/>
+              <a:buFont typeface="Wingdings" panose="05000000000000000000" pitchFamily="2" charset="2"/>
+              <a:buChar char="§"/>
+            </a:pPr>
+            <a:r>
+              <a:rPr lang="it-IT" sz="2400" b="1" dirty="0">
+                <a:solidFill>
+                  <a:schemeClr val="tx1"/>
+                </a:solidFill>
+                <a:latin typeface="Calibri" panose="020F0502020204030204" pitchFamily="34" charset="0"/>
+                <a:cs typeface="Calibri" panose="020F0502020204030204" pitchFamily="34" charset="0"/>
+              </a:rPr>
+              <a:t>Tassi</a:t>
+            </a:r>
+          </a:p>
+          <a:p>
+            <a:pPr marL="285750" lvl="0" indent="-285750" algn="l">
+              <a:buClr>
+                <a:srgbClr val="9A0014"/>
+              </a:buClr>
+              <a:buSzPct val="100000"/>
+              <a:buFont typeface="Wingdings" panose="05000000000000000000" pitchFamily="2" charset="2"/>
+              <a:buChar char="§"/>
+            </a:pPr>
+            <a:endParaRPr lang="it-IT" sz="2400" b="1" dirty="0">
+              <a:solidFill>
+                <a:schemeClr val="tx1"/>
+              </a:solidFill>
+              <a:latin typeface="Calibri" panose="020F0502020204030204" pitchFamily="34" charset="0"/>
+              <a:cs typeface="Calibri" panose="020F0502020204030204" pitchFamily="34" charset="0"/>
+            </a:endParaRPr>
+          </a:p>
+          <a:p>
+            <a:pPr marL="285750" lvl="0" indent="-285750" algn="l">
+              <a:buClr>
+                <a:srgbClr val="9A0014"/>
+              </a:buClr>
+              <a:buSzPct val="100000"/>
+              <a:buFont typeface="Wingdings" panose="05000000000000000000" pitchFamily="2" charset="2"/>
+              <a:buChar char="§"/>
+            </a:pPr>
+            <a:r>
+              <a:rPr lang="it-IT" sz="2400" b="1" dirty="0">
+                <a:solidFill>
+                  <a:schemeClr val="tx1"/>
+                </a:solidFill>
+                <a:latin typeface="Calibri" panose="020F0502020204030204" pitchFamily="34" charset="0"/>
+                <a:cs typeface="Calibri" panose="020F0502020204030204" pitchFamily="34" charset="0"/>
+              </a:rPr>
+              <a:t>Piani di ammortamento</a:t>
+            </a:r>
+          </a:p>
+          <a:p>
+            <a:pPr marL="285750" lvl="0" indent="-285750" algn="l">
+              <a:buClr>
+                <a:srgbClr val="9A0014"/>
+              </a:buClr>
+              <a:buSzPct val="100000"/>
+              <a:buFont typeface="Wingdings" panose="05000000000000000000" pitchFamily="2" charset="2"/>
+              <a:buChar char="§"/>
+            </a:pPr>
+            <a:endParaRPr lang="it-IT" sz="2400" b="1" dirty="0">
+              <a:solidFill>
+                <a:schemeClr val="tx1"/>
+              </a:solidFill>
+              <a:latin typeface="Calibri" panose="020F0502020204030204" pitchFamily="34" charset="0"/>
+              <a:cs typeface="Calibri" panose="020F0502020204030204" pitchFamily="34" charset="0"/>
+            </a:endParaRPr>
+          </a:p>
+          <a:p>
+            <a:pPr marL="285750" lvl="0" indent="-285750" algn="l">
+              <a:buClr>
+                <a:srgbClr val="9A0014"/>
+              </a:buClr>
+              <a:buSzPct val="100000"/>
+              <a:buFont typeface="Wingdings" panose="05000000000000000000" pitchFamily="2" charset="2"/>
+              <a:buChar char="§"/>
+            </a:pPr>
+            <a:r>
+              <a:rPr lang="it-IT" sz="2400" b="1" dirty="0">
+                <a:solidFill>
+                  <a:schemeClr val="tx1"/>
+                </a:solidFill>
+                <a:latin typeface="Calibri" panose="020F0502020204030204" pitchFamily="34" charset="0"/>
+                <a:cs typeface="Calibri" panose="020F0502020204030204" pitchFamily="34" charset="0"/>
+              </a:rPr>
+              <a:t>Pool</a:t>
+            </a:r>
+          </a:p>
+        </p:txBody>
+      </p:sp>
+      <p:pic>
+        <p:nvPicPr>
+          <p:cNvPr id="14" name="Immagine 13">
+            <a:extLst>
+              <a:ext uri="{FF2B5EF4-FFF2-40B4-BE49-F238E27FC236}">
+                <a16:creationId xmlns:a16="http://schemas.microsoft.com/office/drawing/2014/main" id="{C90C3E43-18CF-4A2B-81A0-17C9B595591C}"/>
+              </a:ext>
+            </a:extLst>
+          </p:cNvPr>
+          <p:cNvPicPr>
+            <a:picLocks noChangeAspect="1"/>
+          </p:cNvPicPr>
+          <p:nvPr/>
+        </p:nvPicPr>
+        <p:blipFill>
+          <a:blip r:embed="rId4" cstate="print">
+            <a:extLst>
+              <a:ext uri="{28A0092B-C50C-407E-A947-70E740481C1C}">
+                <a14:useLocalDpi xmlns:a14="http://schemas.microsoft.com/office/drawing/2010/main" val="0"/>
+              </a:ext>
+            </a:extLst>
+          </a:blip>
+          <a:stretch>
+            <a:fillRect/>
+          </a:stretch>
+        </p:blipFill>
+        <p:spPr>
+          <a:xfrm>
+            <a:off x="6325789" y="1423781"/>
+            <a:ext cx="1178719" cy="1178719"/>
+          </a:xfrm>
+          <a:prstGeom prst="rect">
+            <a:avLst/>
+          </a:prstGeom>
+        </p:spPr>
+      </p:pic>
+      <p:pic>
+        <p:nvPicPr>
+          <p:cNvPr id="16" name="Immagine 15">
+            <a:extLst>
+              <a:ext uri="{FF2B5EF4-FFF2-40B4-BE49-F238E27FC236}">
+                <a16:creationId xmlns:a16="http://schemas.microsoft.com/office/drawing/2014/main" id="{0B671E2F-AE3F-4559-991B-371F5FFCF31C}"/>
+              </a:ext>
+            </a:extLst>
+          </p:cNvPr>
+          <p:cNvPicPr>
+            <a:picLocks noChangeAspect="1"/>
+          </p:cNvPicPr>
+          <p:nvPr/>
+        </p:nvPicPr>
+        <p:blipFill>
+          <a:blip r:embed="rId5">
+            <a:extLst>
+              <a:ext uri="{28A0092B-C50C-407E-A947-70E740481C1C}">
+                <a14:useLocalDpi xmlns:a14="http://schemas.microsoft.com/office/drawing/2010/main" val="0"/>
+              </a:ext>
+            </a:extLst>
+          </a:blip>
+          <a:stretch>
+            <a:fillRect/>
+          </a:stretch>
+        </p:blipFill>
+        <p:spPr>
+          <a:xfrm>
+            <a:off x="483066" y="2691000"/>
+            <a:ext cx="1476000" cy="1476000"/>
+          </a:xfrm>
+          <a:prstGeom prst="rect">
+            <a:avLst/>
+          </a:prstGeom>
+        </p:spPr>
+      </p:pic>
+      <p:pic>
+        <p:nvPicPr>
+          <p:cNvPr id="17" name="Immagine 16">
+            <a:extLst>
+              <a:ext uri="{FF2B5EF4-FFF2-40B4-BE49-F238E27FC236}">
+                <a16:creationId xmlns:a16="http://schemas.microsoft.com/office/drawing/2014/main" id="{27C638D8-C040-43F9-9FEA-5F7236090BA2}"/>
+              </a:ext>
+            </a:extLst>
+          </p:cNvPr>
+          <p:cNvPicPr>
+            <a:picLocks noChangeAspect="1"/>
+          </p:cNvPicPr>
+          <p:nvPr/>
+        </p:nvPicPr>
+        <p:blipFill>
+          <a:blip r:embed="rId6" cstate="print">
+            <a:extLst>
+              <a:ext uri="{28A0092B-C50C-407E-A947-70E740481C1C}">
+                <a14:useLocalDpi xmlns:a14="http://schemas.microsoft.com/office/drawing/2010/main" val="0"/>
+              </a:ext>
+            </a:extLst>
+          </a:blip>
+          <a:stretch>
+            <a:fillRect/>
+          </a:stretch>
+        </p:blipFill>
+        <p:spPr>
+          <a:xfrm>
+            <a:off x="6028508" y="4255501"/>
+            <a:ext cx="1476000" cy="1476000"/>
+          </a:xfrm>
+          <a:prstGeom prst="rect">
+            <a:avLst/>
+          </a:prstGeom>
+        </p:spPr>
+      </p:pic>
     </p:spTree>
     <p:extLst>
       <p:ext uri="{BB962C8B-B14F-4D97-AF65-F5344CB8AC3E}">
@@ -9050,7 +10080,7 @@
           </a:prstGeom>
           <a:extLst>
             <a:ext uri="{C572A759-6A51-4108-AA02-DFA0A04FC94B}">
-              <ma14:wrappingTextBoxFlag xmlns="" xmlns:ma14="http://schemas.microsoft.com/office/mac/drawingml/2011/main" val="1"/>
+              <ma14:wrappingTextBoxFlag xmlns:ma14="http://schemas.microsoft.com/office/mac/drawingml/2011/main" xmlns="" val="1"/>
             </a:ext>
           </a:extLst>
         </p:spPr>
@@ -9118,7 +10148,7 @@
           </a:ln>
           <a:extLst>
             <a:ext uri="{C572A759-6A51-4108-AA02-DFA0A04FC94B}">
-              <ma14:wrappingTextBoxFlag xmlns="" xmlns:ma14="http://schemas.microsoft.com/office/mac/drawingml/2011/main" val="1"/>
+              <ma14:wrappingTextBoxFlag xmlns:ma14="http://schemas.microsoft.com/office/mac/drawingml/2011/main" xmlns="" val="1"/>
             </a:ext>
           </a:extLst>
         </p:spPr>
@@ -9178,7 +10208,7 @@
           </a:ln>
           <a:extLst>
             <a:ext uri="{C572A759-6A51-4108-AA02-DFA0A04FC94B}">
-              <ma14:wrappingTextBoxFlag xmlns="" xmlns:ma14="http://schemas.microsoft.com/office/mac/drawingml/2011/main" val="1"/>
+              <ma14:wrappingTextBoxFlag xmlns:ma14="http://schemas.microsoft.com/office/mac/drawingml/2011/main" xmlns="" val="1"/>
             </a:ext>
           </a:extLst>
         </p:spPr>
@@ -9328,7 +10358,7 @@
           </a:ln>
           <a:extLst>
             <a:ext uri="{C572A759-6A51-4108-AA02-DFA0A04FC94B}">
-              <ma14:wrappingTextBoxFlag xmlns="" xmlns:ma14="http://schemas.microsoft.com/office/mac/drawingml/2011/main" val="1"/>
+              <ma14:wrappingTextBoxFlag xmlns:ma14="http://schemas.microsoft.com/office/mac/drawingml/2011/main" xmlns="" val="1"/>
             </a:ext>
           </a:extLst>
         </p:spPr>
@@ -9704,7 +10734,7 @@
           </a:ln>
           <a:extLst>
             <a:ext uri="{C572A759-6A51-4108-AA02-DFA0A04FC94B}">
-              <ma14:wrappingTextBoxFlag xmlns="" xmlns:ma14="http://schemas.microsoft.com/office/mac/drawingml/2011/main" val="1"/>
+              <ma14:wrappingTextBoxFlag xmlns:ma14="http://schemas.microsoft.com/office/mac/drawingml/2011/main" xmlns="" val="1"/>
             </a:ext>
           </a:extLst>
         </p:spPr>
@@ -9827,6 +10857,930 @@
           </a:p>
         </p:txBody>
       </p:sp>
+      <p:graphicFrame>
+        <p:nvGraphicFramePr>
+          <p:cNvPr id="2" name="Tabella 1">
+            <a:extLst>
+              <a:ext uri="{FF2B5EF4-FFF2-40B4-BE49-F238E27FC236}">
+                <a16:creationId xmlns:a16="http://schemas.microsoft.com/office/drawing/2014/main" id="{72467CEF-9F1D-418F-BDED-8789E2ED4345}"/>
+              </a:ext>
+            </a:extLst>
+          </p:cNvPr>
+          <p:cNvGraphicFramePr>
+            <a:graphicFrameLocks noGrp="1"/>
+          </p:cNvGraphicFramePr>
+          <p:nvPr>
+            <p:extLst>
+              <p:ext uri="{D42A27DB-BD31-4B8C-83A1-F6EECF244321}">
+                <p14:modId xmlns:p14="http://schemas.microsoft.com/office/powerpoint/2010/main" val="740934270"/>
+              </p:ext>
+            </p:extLst>
+          </p:nvPr>
+        </p:nvGraphicFramePr>
+        <p:xfrm>
+          <a:off x="366150" y="2286000"/>
+          <a:ext cx="8411700" cy="2286000"/>
+        </p:xfrm>
+        <a:graphic>
+          <a:graphicData uri="http://schemas.openxmlformats.org/drawingml/2006/table">
+            <a:tbl>
+              <a:tblPr firstRow="1" bandRow="1">
+                <a:tableStyleId>{5940675A-B579-460E-94D1-54222C63F5DA}</a:tableStyleId>
+              </a:tblPr>
+              <a:tblGrid>
+                <a:gridCol w="3192976">
+                  <a:extLst>
+                    <a:ext uri="{9D8B030D-6E8A-4147-A177-3AD203B41FA5}">
+                      <a16:colId xmlns:a16="http://schemas.microsoft.com/office/drawing/2014/main" val="363835493"/>
+                    </a:ext>
+                  </a:extLst>
+                </a:gridCol>
+                <a:gridCol w="759656">
+                  <a:extLst>
+                    <a:ext uri="{9D8B030D-6E8A-4147-A177-3AD203B41FA5}">
+                      <a16:colId xmlns:a16="http://schemas.microsoft.com/office/drawing/2014/main" val="3770353167"/>
+                    </a:ext>
+                  </a:extLst>
+                </a:gridCol>
+                <a:gridCol w="2011680">
+                  <a:extLst>
+                    <a:ext uri="{9D8B030D-6E8A-4147-A177-3AD203B41FA5}">
+                      <a16:colId xmlns:a16="http://schemas.microsoft.com/office/drawing/2014/main" val="1220582810"/>
+                    </a:ext>
+                  </a:extLst>
+                </a:gridCol>
+                <a:gridCol w="2447388">
+                  <a:extLst>
+                    <a:ext uri="{9D8B030D-6E8A-4147-A177-3AD203B41FA5}">
+                      <a16:colId xmlns:a16="http://schemas.microsoft.com/office/drawing/2014/main" val="3226459532"/>
+                    </a:ext>
+                  </a:extLst>
+                </a:gridCol>
+              </a:tblGrid>
+              <a:tr h="370840">
+                <a:tc>
+                  <a:txBody>
+                    <a:bodyPr/>
+                    <a:lstStyle/>
+                    <a:p>
+                      <a:endParaRPr lang="it-IT" sz="2400" dirty="0"/>
+                    </a:p>
+                  </a:txBody>
+                  <a:tcPr>
+                    <a:lnL w="12700" cap="flat" cmpd="sng" algn="ctr">
+                      <a:noFill/>
+                      <a:prstDash val="solid"/>
+                      <a:round/>
+                      <a:headEnd type="none" w="med" len="med"/>
+                      <a:tailEnd type="none" w="med" len="med"/>
+                    </a:lnL>
+                    <a:lnR w="12700" cap="flat" cmpd="sng" algn="ctr">
+                      <a:noFill/>
+                      <a:prstDash val="solid"/>
+                      <a:round/>
+                      <a:headEnd type="none" w="med" len="med"/>
+                      <a:tailEnd type="none" w="med" len="med"/>
+                    </a:lnR>
+                    <a:lnT w="12700" cap="flat" cmpd="sng" algn="ctr">
+                      <a:noFill/>
+                      <a:prstDash val="solid"/>
+                      <a:round/>
+                      <a:headEnd type="none" w="med" len="med"/>
+                      <a:tailEnd type="none" w="med" len="med"/>
+                    </a:lnT>
+                    <a:lnB w="12700" cap="flat" cmpd="sng" algn="ctr">
+                      <a:noFill/>
+                      <a:prstDash val="solid"/>
+                      <a:round/>
+                      <a:headEnd type="none" w="med" len="med"/>
+                      <a:tailEnd type="none" w="med" len="med"/>
+                    </a:lnB>
+                    <a:lnTlToBr w="12700" cmpd="sng">
+                      <a:noFill/>
+                      <a:prstDash val="solid"/>
+                    </a:lnTlToBr>
+                    <a:lnBlToTr w="12700" cmpd="sng">
+                      <a:noFill/>
+                      <a:prstDash val="solid"/>
+                    </a:lnBlToTr>
+                  </a:tcPr>
+                </a:tc>
+                <a:tc>
+                  <a:txBody>
+                    <a:bodyPr/>
+                    <a:lstStyle/>
+                    <a:p>
+                      <a:pPr algn="ctr"/>
+                      <a:r>
+                        <a:rPr lang="it-IT" sz="2400" b="1" dirty="0">
+                          <a:latin typeface="Calibri" panose="020F0502020204030204" pitchFamily="34" charset="0"/>
+                          <a:cs typeface="Calibri" panose="020F0502020204030204" pitchFamily="34" charset="0"/>
+                        </a:rPr>
+                        <a:t>Ore</a:t>
+                      </a:r>
+                    </a:p>
+                  </a:txBody>
+                  <a:tcPr>
+                    <a:lnL w="12700" cap="flat" cmpd="sng" algn="ctr">
+                      <a:noFill/>
+                      <a:prstDash val="solid"/>
+                      <a:round/>
+                      <a:headEnd type="none" w="med" len="med"/>
+                      <a:tailEnd type="none" w="med" len="med"/>
+                    </a:lnL>
+                    <a:lnR w="12700" cmpd="sng">
+                      <a:noFill/>
+                    </a:lnR>
+                    <a:lnT w="12700" cmpd="sng">
+                      <a:noFill/>
+                    </a:lnT>
+                    <a:lnB w="12700" cmpd="sng">
+                      <a:noFill/>
+                    </a:lnB>
+                    <a:lnTlToBr w="12700" cmpd="sng">
+                      <a:noFill/>
+                      <a:prstDash val="solid"/>
+                    </a:lnTlToBr>
+                    <a:lnBlToTr w="12700" cmpd="sng">
+                      <a:noFill/>
+                      <a:prstDash val="solid"/>
+                    </a:lnBlToTr>
+                  </a:tcPr>
+                </a:tc>
+                <a:tc>
+                  <a:txBody>
+                    <a:bodyPr/>
+                    <a:lstStyle/>
+                    <a:p>
+                      <a:pPr algn="ctr"/>
+                      <a:r>
+                        <a:rPr lang="it-IT" sz="2400" b="1" dirty="0">
+                          <a:latin typeface="Calibri" panose="020F0502020204030204" pitchFamily="34" charset="0"/>
+                          <a:cs typeface="Calibri" panose="020F0502020204030204" pitchFamily="34" charset="0"/>
+                        </a:rPr>
+                        <a:t>Documenti</a:t>
+                      </a:r>
+                    </a:p>
+                  </a:txBody>
+                  <a:tcPr>
+                    <a:lnL w="12700" cmpd="sng">
+                      <a:noFill/>
+                    </a:lnL>
+                    <a:lnR w="12700" cmpd="sng">
+                      <a:noFill/>
+                    </a:lnR>
+                    <a:lnT w="12700" cmpd="sng">
+                      <a:noFill/>
+                    </a:lnT>
+                    <a:lnB w="12700" cmpd="sng">
+                      <a:noFill/>
+                    </a:lnB>
+                    <a:lnTlToBr w="12700" cmpd="sng">
+                      <a:noFill/>
+                      <a:prstDash val="solid"/>
+                    </a:lnTlToBr>
+                    <a:lnBlToTr w="12700" cmpd="sng">
+                      <a:noFill/>
+                      <a:prstDash val="solid"/>
+                    </a:lnBlToTr>
+                  </a:tcPr>
+                </a:tc>
+                <a:tc>
+                  <a:txBody>
+                    <a:bodyPr/>
+                    <a:lstStyle/>
+                    <a:p>
+                      <a:pPr algn="ctr"/>
+                      <a:r>
+                        <a:rPr lang="it-IT" sz="2400" b="1" dirty="0">
+                          <a:latin typeface="Calibri" panose="020F0502020204030204" pitchFamily="34" charset="0"/>
+                          <a:cs typeface="Calibri" panose="020F0502020204030204" pitchFamily="34" charset="0"/>
+                        </a:rPr>
+                        <a:t>Righe di codice</a:t>
+                      </a:r>
+                    </a:p>
+                  </a:txBody>
+                  <a:tcPr>
+                    <a:lnL w="12700" cmpd="sng">
+                      <a:noFill/>
+                    </a:lnL>
+                    <a:lnR w="12700" cmpd="sng">
+                      <a:noFill/>
+                    </a:lnR>
+                    <a:lnT w="12700" cmpd="sng">
+                      <a:noFill/>
+                    </a:lnT>
+                    <a:lnB w="12700" cmpd="sng">
+                      <a:noFill/>
+                    </a:lnB>
+                    <a:lnTlToBr w="12700" cmpd="sng">
+                      <a:noFill/>
+                      <a:prstDash val="solid"/>
+                    </a:lnTlToBr>
+                    <a:lnBlToTr w="12700" cmpd="sng">
+                      <a:noFill/>
+                      <a:prstDash val="solid"/>
+                    </a:lnBlToTr>
+                  </a:tcPr>
+                </a:tc>
+                <a:extLst>
+                  <a:ext uri="{0D108BD9-81ED-4DB2-BD59-A6C34878D82A}">
+                    <a16:rowId xmlns:a16="http://schemas.microsoft.com/office/drawing/2014/main" val="2912310407"/>
+                  </a:ext>
+                </a:extLst>
+              </a:tr>
+              <a:tr h="370840">
+                <a:tc>
+                  <a:txBody>
+                    <a:bodyPr/>
+                    <a:lstStyle/>
+                    <a:p>
+                      <a:pPr algn="l"/>
+                      <a:r>
+                        <a:rPr lang="it-IT" sz="2400" b="1" dirty="0">
+                          <a:latin typeface="Calibri" panose="020F0502020204030204" pitchFamily="34" charset="0"/>
+                          <a:cs typeface="Calibri" panose="020F0502020204030204" pitchFamily="34" charset="0"/>
+                        </a:rPr>
+                        <a:t>Formazione Tecnica</a:t>
+                      </a:r>
+                    </a:p>
+                  </a:txBody>
+                  <a:tcPr>
+                    <a:lnL w="12700" cmpd="sng">
+                      <a:noFill/>
+                    </a:lnL>
+                    <a:lnR w="12700" cmpd="sng">
+                      <a:noFill/>
+                    </a:lnR>
+                    <a:lnT w="12700" cap="flat" cmpd="sng" algn="ctr">
+                      <a:noFill/>
+                      <a:prstDash val="solid"/>
+                      <a:round/>
+                      <a:headEnd type="none" w="med" len="med"/>
+                      <a:tailEnd type="none" w="med" len="med"/>
+                    </a:lnT>
+                    <a:lnB w="12700" cmpd="sng">
+                      <a:noFill/>
+                    </a:lnB>
+                    <a:lnTlToBr w="12700" cmpd="sng">
+                      <a:noFill/>
+                      <a:prstDash val="solid"/>
+                    </a:lnTlToBr>
+                    <a:lnBlToTr w="12700" cmpd="sng">
+                      <a:noFill/>
+                      <a:prstDash val="solid"/>
+                    </a:lnBlToTr>
+                  </a:tcPr>
+                </a:tc>
+                <a:tc>
+                  <a:txBody>
+                    <a:bodyPr/>
+                    <a:lstStyle/>
+                    <a:p>
+                      <a:pPr algn="ctr"/>
+                      <a:r>
+                        <a:rPr lang="it-IT" sz="2400" dirty="0">
+                          <a:latin typeface="Calibri" panose="020F0502020204030204" pitchFamily="34" charset="0"/>
+                          <a:cs typeface="Calibri" panose="020F0502020204030204" pitchFamily="34" charset="0"/>
+                        </a:rPr>
+                        <a:t>76</a:t>
+                      </a:r>
+                    </a:p>
+                  </a:txBody>
+                  <a:tcPr>
+                    <a:lnL w="12700" cmpd="sng">
+                      <a:noFill/>
+                    </a:lnL>
+                    <a:lnR w="12700" cmpd="sng">
+                      <a:noFill/>
+                    </a:lnR>
+                    <a:lnT w="12700" cmpd="sng">
+                      <a:noFill/>
+                    </a:lnT>
+                    <a:lnB w="12700" cmpd="sng">
+                      <a:noFill/>
+                    </a:lnB>
+                    <a:lnTlToBr w="12700" cmpd="sng">
+                      <a:noFill/>
+                      <a:prstDash val="solid"/>
+                    </a:lnTlToBr>
+                    <a:lnBlToTr w="12700" cmpd="sng">
+                      <a:noFill/>
+                      <a:prstDash val="solid"/>
+                    </a:lnBlToTr>
+                  </a:tcPr>
+                </a:tc>
+                <a:tc>
+                  <a:txBody>
+                    <a:bodyPr/>
+                    <a:lstStyle/>
+                    <a:p>
+                      <a:pPr algn="ctr"/>
+                      <a:r>
+                        <a:rPr lang="it-IT" sz="2400" dirty="0">
+                          <a:latin typeface="Calibri" panose="020F0502020204030204" pitchFamily="34" charset="0"/>
+                          <a:cs typeface="Calibri" panose="020F0502020204030204" pitchFamily="34" charset="0"/>
+                        </a:rPr>
+                        <a:t>0</a:t>
+                      </a:r>
+                    </a:p>
+                  </a:txBody>
+                  <a:tcPr>
+                    <a:lnL w="12700" cmpd="sng">
+                      <a:noFill/>
+                    </a:lnL>
+                    <a:lnR w="12700" cmpd="sng">
+                      <a:noFill/>
+                    </a:lnR>
+                    <a:lnT w="12700" cmpd="sng">
+                      <a:noFill/>
+                    </a:lnT>
+                    <a:lnB w="12700" cmpd="sng">
+                      <a:noFill/>
+                    </a:lnB>
+                    <a:lnTlToBr w="12700" cmpd="sng">
+                      <a:noFill/>
+                      <a:prstDash val="solid"/>
+                    </a:lnTlToBr>
+                    <a:lnBlToTr w="12700" cmpd="sng">
+                      <a:noFill/>
+                      <a:prstDash val="solid"/>
+                    </a:lnBlToTr>
+                  </a:tcPr>
+                </a:tc>
+                <a:tc>
+                  <a:txBody>
+                    <a:bodyPr/>
+                    <a:lstStyle/>
+                    <a:p>
+                      <a:pPr algn="ctr"/>
+                      <a:r>
+                        <a:rPr lang="it-IT" sz="2400" dirty="0">
+                          <a:latin typeface="Calibri" panose="020F0502020204030204" pitchFamily="34" charset="0"/>
+                          <a:cs typeface="Calibri" panose="020F0502020204030204" pitchFamily="34" charset="0"/>
+                        </a:rPr>
+                        <a:t>Più di 1000</a:t>
+                      </a:r>
+                    </a:p>
+                  </a:txBody>
+                  <a:tcPr>
+                    <a:lnL w="12700" cmpd="sng">
+                      <a:noFill/>
+                    </a:lnL>
+                    <a:lnR w="12700" cmpd="sng">
+                      <a:noFill/>
+                    </a:lnR>
+                    <a:lnT w="12700" cmpd="sng">
+                      <a:noFill/>
+                    </a:lnT>
+                    <a:lnB w="12700" cmpd="sng">
+                      <a:noFill/>
+                    </a:lnB>
+                    <a:lnTlToBr w="12700" cmpd="sng">
+                      <a:noFill/>
+                      <a:prstDash val="solid"/>
+                    </a:lnTlToBr>
+                    <a:lnBlToTr w="12700" cmpd="sng">
+                      <a:noFill/>
+                      <a:prstDash val="solid"/>
+                    </a:lnBlToTr>
+                  </a:tcPr>
+                </a:tc>
+                <a:extLst>
+                  <a:ext uri="{0D108BD9-81ED-4DB2-BD59-A6C34878D82A}">
+                    <a16:rowId xmlns:a16="http://schemas.microsoft.com/office/drawing/2014/main" val="2909285620"/>
+                  </a:ext>
+                </a:extLst>
+              </a:tr>
+              <a:tr h="0">
+                <a:tc>
+                  <a:txBody>
+                    <a:bodyPr/>
+                    <a:lstStyle/>
+                    <a:p>
+                      <a:pPr algn="l"/>
+                      <a:r>
+                        <a:rPr lang="it-IT" sz="2400" b="1" dirty="0">
+                          <a:latin typeface="Calibri" panose="020F0502020204030204" pitchFamily="34" charset="0"/>
+                          <a:cs typeface="Calibri" panose="020F0502020204030204" pitchFamily="34" charset="0"/>
+                        </a:rPr>
+                        <a:t>Formazione Funzionale</a:t>
+                      </a:r>
+                    </a:p>
+                  </a:txBody>
+                  <a:tcPr>
+                    <a:lnL w="12700" cmpd="sng">
+                      <a:noFill/>
+                    </a:lnL>
+                    <a:lnR w="12700" cmpd="sng">
+                      <a:noFill/>
+                    </a:lnR>
+                    <a:lnT w="12700" cmpd="sng">
+                      <a:noFill/>
+                    </a:lnT>
+                    <a:lnB w="12700" cmpd="sng">
+                      <a:noFill/>
+                    </a:lnB>
+                    <a:lnTlToBr w="12700" cmpd="sng">
+                      <a:noFill/>
+                      <a:prstDash val="solid"/>
+                    </a:lnTlToBr>
+                    <a:lnBlToTr w="12700" cmpd="sng">
+                      <a:noFill/>
+                      <a:prstDash val="solid"/>
+                    </a:lnBlToTr>
+                  </a:tcPr>
+                </a:tc>
+                <a:tc>
+                  <a:txBody>
+                    <a:bodyPr/>
+                    <a:lstStyle/>
+                    <a:p>
+                      <a:pPr algn="ctr"/>
+                      <a:r>
+                        <a:rPr lang="it-IT" sz="2400" dirty="0">
+                          <a:latin typeface="Calibri" panose="020F0502020204030204" pitchFamily="34" charset="0"/>
+                          <a:cs typeface="Calibri" panose="020F0502020204030204" pitchFamily="34" charset="0"/>
+                        </a:rPr>
+                        <a:t>76</a:t>
+                      </a:r>
+                    </a:p>
+                  </a:txBody>
+                  <a:tcPr>
+                    <a:lnL w="12700" cmpd="sng">
+                      <a:noFill/>
+                    </a:lnL>
+                    <a:lnR w="12700" cmpd="sng">
+                      <a:noFill/>
+                    </a:lnR>
+                    <a:lnT w="12700" cmpd="sng">
+                      <a:noFill/>
+                    </a:lnT>
+                    <a:lnB w="12700" cmpd="sng">
+                      <a:noFill/>
+                    </a:lnB>
+                    <a:lnTlToBr w="12700" cmpd="sng">
+                      <a:noFill/>
+                      <a:prstDash val="solid"/>
+                    </a:lnTlToBr>
+                    <a:lnBlToTr w="12700" cmpd="sng">
+                      <a:noFill/>
+                      <a:prstDash val="solid"/>
+                    </a:lnBlToTr>
+                  </a:tcPr>
+                </a:tc>
+                <a:tc>
+                  <a:txBody>
+                    <a:bodyPr/>
+                    <a:lstStyle/>
+                    <a:p>
+                      <a:pPr algn="ctr"/>
+                      <a:r>
+                        <a:rPr lang="it-IT" sz="2400" dirty="0">
+                          <a:latin typeface="Calibri" panose="020F0502020204030204" pitchFamily="34" charset="0"/>
+                          <a:cs typeface="Calibri" panose="020F0502020204030204" pitchFamily="34" charset="0"/>
+                        </a:rPr>
+                        <a:t>1</a:t>
+                      </a:r>
+                    </a:p>
+                  </a:txBody>
+                  <a:tcPr>
+                    <a:lnL w="12700" cmpd="sng">
+                      <a:noFill/>
+                    </a:lnL>
+                    <a:lnR w="12700" cmpd="sng">
+                      <a:noFill/>
+                    </a:lnR>
+                    <a:lnT w="12700" cmpd="sng">
+                      <a:noFill/>
+                    </a:lnT>
+                    <a:lnB w="12700" cmpd="sng">
+                      <a:noFill/>
+                    </a:lnB>
+                    <a:lnTlToBr w="12700" cmpd="sng">
+                      <a:noFill/>
+                      <a:prstDash val="solid"/>
+                    </a:lnTlToBr>
+                    <a:lnBlToTr w="12700" cmpd="sng">
+                      <a:noFill/>
+                      <a:prstDash val="solid"/>
+                    </a:lnBlToTr>
+                  </a:tcPr>
+                </a:tc>
+                <a:tc>
+                  <a:txBody>
+                    <a:bodyPr/>
+                    <a:lstStyle/>
+                    <a:p>
+                      <a:pPr algn="ctr"/>
+                      <a:r>
+                        <a:rPr lang="it-IT" sz="2400" dirty="0">
+                          <a:latin typeface="Calibri" panose="020F0502020204030204" pitchFamily="34" charset="0"/>
+                          <a:cs typeface="Calibri" panose="020F0502020204030204" pitchFamily="34" charset="0"/>
+                        </a:rPr>
+                        <a:t>0</a:t>
+                      </a:r>
+                    </a:p>
+                  </a:txBody>
+                  <a:tcPr>
+                    <a:lnL w="12700" cmpd="sng">
+                      <a:noFill/>
+                    </a:lnL>
+                    <a:lnR w="12700" cmpd="sng">
+                      <a:noFill/>
+                    </a:lnR>
+                    <a:lnT w="12700" cmpd="sng">
+                      <a:noFill/>
+                    </a:lnT>
+                    <a:lnB w="12700" cmpd="sng">
+                      <a:noFill/>
+                    </a:lnB>
+                    <a:lnTlToBr w="12700" cmpd="sng">
+                      <a:noFill/>
+                      <a:prstDash val="solid"/>
+                    </a:lnTlToBr>
+                    <a:lnBlToTr w="12700" cmpd="sng">
+                      <a:noFill/>
+                      <a:prstDash val="solid"/>
+                    </a:lnBlToTr>
+                  </a:tcPr>
+                </a:tc>
+                <a:extLst>
+                  <a:ext uri="{0D108BD9-81ED-4DB2-BD59-A6C34878D82A}">
+                    <a16:rowId xmlns:a16="http://schemas.microsoft.com/office/drawing/2014/main" val="1271589987"/>
+                  </a:ext>
+                </a:extLst>
+              </a:tr>
+              <a:tr h="370840">
+                <a:tc>
+                  <a:txBody>
+                    <a:bodyPr/>
+                    <a:lstStyle/>
+                    <a:p>
+                      <a:pPr algn="l"/>
+                      <a:r>
+                        <a:rPr lang="it-IT" sz="2400" b="1" dirty="0">
+                          <a:latin typeface="Calibri" panose="020F0502020204030204" pitchFamily="34" charset="0"/>
+                          <a:cs typeface="Calibri" panose="020F0502020204030204" pitchFamily="34" charset="0"/>
+                        </a:rPr>
+                        <a:t>Progetto di Stage</a:t>
+                      </a:r>
+                    </a:p>
+                  </a:txBody>
+                  <a:tcPr>
+                    <a:lnL w="12700" cmpd="sng">
+                      <a:noFill/>
+                    </a:lnL>
+                    <a:lnR w="12700" cmpd="sng">
+                      <a:noFill/>
+                    </a:lnR>
+                    <a:lnT w="12700" cmpd="sng">
+                      <a:noFill/>
+                    </a:lnT>
+                    <a:lnB w="12700" cap="flat" cmpd="sng" algn="ctr">
+                      <a:solidFill>
+                        <a:schemeClr val="tx1"/>
+                      </a:solidFill>
+                      <a:prstDash val="solid"/>
+                      <a:round/>
+                      <a:headEnd type="none" w="med" len="med"/>
+                      <a:tailEnd type="none" w="med" len="med"/>
+                    </a:lnB>
+                    <a:lnTlToBr w="12700" cmpd="sng">
+                      <a:noFill/>
+                      <a:prstDash val="solid"/>
+                    </a:lnTlToBr>
+                    <a:lnBlToTr w="12700" cmpd="sng">
+                      <a:noFill/>
+                      <a:prstDash val="solid"/>
+                    </a:lnBlToTr>
+                  </a:tcPr>
+                </a:tc>
+                <a:tc>
+                  <a:txBody>
+                    <a:bodyPr/>
+                    <a:lstStyle/>
+                    <a:p>
+                      <a:pPr algn="ctr"/>
+                      <a:r>
+                        <a:rPr lang="it-IT" sz="2400" dirty="0">
+                          <a:latin typeface="Calibri" panose="020F0502020204030204" pitchFamily="34" charset="0"/>
+                          <a:cs typeface="Calibri" panose="020F0502020204030204" pitchFamily="34" charset="0"/>
+                        </a:rPr>
+                        <a:t>152</a:t>
+                      </a:r>
+                    </a:p>
+                  </a:txBody>
+                  <a:tcPr>
+                    <a:lnL w="12700" cmpd="sng">
+                      <a:noFill/>
+                    </a:lnL>
+                    <a:lnR w="12700" cmpd="sng">
+                      <a:noFill/>
+                    </a:lnR>
+                    <a:lnT w="12700" cmpd="sng">
+                      <a:noFill/>
+                    </a:lnT>
+                    <a:lnB w="12700" cap="flat" cmpd="sng" algn="ctr">
+                      <a:solidFill>
+                        <a:schemeClr val="tx1"/>
+                      </a:solidFill>
+                      <a:prstDash val="solid"/>
+                      <a:round/>
+                      <a:headEnd type="none" w="med" len="med"/>
+                      <a:tailEnd type="none" w="med" len="med"/>
+                    </a:lnB>
+                    <a:lnTlToBr w="12700" cmpd="sng">
+                      <a:noFill/>
+                      <a:prstDash val="solid"/>
+                    </a:lnTlToBr>
+                    <a:lnBlToTr w="12700" cmpd="sng">
+                      <a:noFill/>
+                      <a:prstDash val="solid"/>
+                    </a:lnBlToTr>
+                  </a:tcPr>
+                </a:tc>
+                <a:tc>
+                  <a:txBody>
+                    <a:bodyPr/>
+                    <a:lstStyle/>
+                    <a:p>
+                      <a:pPr algn="ctr"/>
+                      <a:r>
+                        <a:rPr lang="it-IT" sz="2400" dirty="0">
+                          <a:latin typeface="Calibri" panose="020F0502020204030204" pitchFamily="34" charset="0"/>
+                          <a:cs typeface="Calibri" panose="020F0502020204030204" pitchFamily="34" charset="0"/>
+                        </a:rPr>
+                        <a:t>2</a:t>
+                      </a:r>
+                    </a:p>
+                  </a:txBody>
+                  <a:tcPr>
+                    <a:lnL w="12700" cmpd="sng">
+                      <a:noFill/>
+                    </a:lnL>
+                    <a:lnR w="12700" cmpd="sng">
+                      <a:noFill/>
+                    </a:lnR>
+                    <a:lnT w="12700" cmpd="sng">
+                      <a:noFill/>
+                    </a:lnT>
+                    <a:lnB w="12700" cap="flat" cmpd="sng" algn="ctr">
+                      <a:solidFill>
+                        <a:schemeClr val="tx1"/>
+                      </a:solidFill>
+                      <a:prstDash val="solid"/>
+                      <a:round/>
+                      <a:headEnd type="none" w="med" len="med"/>
+                      <a:tailEnd type="none" w="med" len="med"/>
+                    </a:lnB>
+                    <a:lnTlToBr w="12700" cmpd="sng">
+                      <a:noFill/>
+                      <a:prstDash val="solid"/>
+                    </a:lnTlToBr>
+                    <a:lnBlToTr w="12700" cmpd="sng">
+                      <a:noFill/>
+                      <a:prstDash val="solid"/>
+                    </a:lnBlToTr>
+                  </a:tcPr>
+                </a:tc>
+                <a:tc>
+                  <a:txBody>
+                    <a:bodyPr/>
+                    <a:lstStyle/>
+                    <a:p>
+                      <a:pPr algn="ctr"/>
+                      <a:r>
+                        <a:rPr lang="it-IT" sz="2400" dirty="0">
+                          <a:latin typeface="Calibri" panose="020F0502020204030204" pitchFamily="34" charset="0"/>
+                          <a:cs typeface="Calibri" panose="020F0502020204030204" pitchFamily="34" charset="0"/>
+                        </a:rPr>
+                        <a:t>Più di 1500</a:t>
+                      </a:r>
+                    </a:p>
+                  </a:txBody>
+                  <a:tcPr>
+                    <a:lnL w="12700" cmpd="sng">
+                      <a:noFill/>
+                    </a:lnL>
+                    <a:lnR w="12700" cmpd="sng">
+                      <a:noFill/>
+                    </a:lnR>
+                    <a:lnT w="12700" cmpd="sng">
+                      <a:noFill/>
+                    </a:lnT>
+                    <a:lnB w="12700" cap="flat" cmpd="sng" algn="ctr">
+                      <a:solidFill>
+                        <a:schemeClr val="tx1"/>
+                      </a:solidFill>
+                      <a:prstDash val="solid"/>
+                      <a:round/>
+                      <a:headEnd type="none" w="med" len="med"/>
+                      <a:tailEnd type="none" w="med" len="med"/>
+                    </a:lnB>
+                    <a:lnTlToBr w="12700" cmpd="sng">
+                      <a:noFill/>
+                      <a:prstDash val="solid"/>
+                    </a:lnTlToBr>
+                    <a:lnBlToTr w="12700" cmpd="sng">
+                      <a:noFill/>
+                      <a:prstDash val="solid"/>
+                    </a:lnBlToTr>
+                  </a:tcPr>
+                </a:tc>
+                <a:extLst>
+                  <a:ext uri="{0D108BD9-81ED-4DB2-BD59-A6C34878D82A}">
+                    <a16:rowId xmlns:a16="http://schemas.microsoft.com/office/drawing/2014/main" val="2827606555"/>
+                  </a:ext>
+                </a:extLst>
+              </a:tr>
+              <a:tr h="370840">
+                <a:tc>
+                  <a:txBody>
+                    <a:bodyPr/>
+                    <a:lstStyle/>
+                    <a:p>
+                      <a:pPr algn="l"/>
+                      <a:r>
+                        <a:rPr lang="it-IT" sz="2400" b="1" dirty="0">
+                          <a:latin typeface="Calibri" panose="020F0502020204030204" pitchFamily="34" charset="0"/>
+                          <a:cs typeface="Calibri" panose="020F0502020204030204" pitchFamily="34" charset="0"/>
+                        </a:rPr>
+                        <a:t>Totale</a:t>
+                      </a:r>
+                    </a:p>
+                  </a:txBody>
+                  <a:tcPr>
+                    <a:lnL w="12700" cmpd="sng">
+                      <a:noFill/>
+                    </a:lnL>
+                    <a:lnR w="12700" cmpd="sng">
+                      <a:noFill/>
+                    </a:lnR>
+                    <a:lnT w="12700" cap="flat" cmpd="sng" algn="ctr">
+                      <a:solidFill>
+                        <a:schemeClr val="tx1"/>
+                      </a:solidFill>
+                      <a:prstDash val="solid"/>
+                      <a:round/>
+                      <a:headEnd type="none" w="med" len="med"/>
+                      <a:tailEnd type="none" w="med" len="med"/>
+                    </a:lnT>
+                    <a:lnB w="12700" cmpd="sng">
+                      <a:noFill/>
+                    </a:lnB>
+                    <a:lnTlToBr w="12700" cmpd="sng">
+                      <a:noFill/>
+                      <a:prstDash val="solid"/>
+                    </a:lnTlToBr>
+                    <a:lnBlToTr w="12700" cmpd="sng">
+                      <a:noFill/>
+                      <a:prstDash val="solid"/>
+                    </a:lnBlToTr>
+                  </a:tcPr>
+                </a:tc>
+                <a:tc>
+                  <a:txBody>
+                    <a:bodyPr/>
+                    <a:lstStyle/>
+                    <a:p>
+                      <a:pPr algn="ctr"/>
+                      <a:r>
+                        <a:rPr lang="it-IT" sz="2400" dirty="0">
+                          <a:latin typeface="Calibri" panose="020F0502020204030204" pitchFamily="34" charset="0"/>
+                          <a:cs typeface="Calibri" panose="020F0502020204030204" pitchFamily="34" charset="0"/>
+                        </a:rPr>
+                        <a:t>304</a:t>
+                      </a:r>
+                    </a:p>
+                  </a:txBody>
+                  <a:tcPr>
+                    <a:lnL w="12700" cmpd="sng">
+                      <a:noFill/>
+                    </a:lnL>
+                    <a:lnR w="12700" cmpd="sng">
+                      <a:noFill/>
+                    </a:lnR>
+                    <a:lnT w="12700" cap="flat" cmpd="sng" algn="ctr">
+                      <a:solidFill>
+                        <a:schemeClr val="tx1"/>
+                      </a:solidFill>
+                      <a:prstDash val="solid"/>
+                      <a:round/>
+                      <a:headEnd type="none" w="med" len="med"/>
+                      <a:tailEnd type="none" w="med" len="med"/>
+                    </a:lnT>
+                    <a:lnB w="12700" cmpd="sng">
+                      <a:noFill/>
+                    </a:lnB>
+                    <a:lnTlToBr w="12700" cmpd="sng">
+                      <a:noFill/>
+                      <a:prstDash val="solid"/>
+                    </a:lnTlToBr>
+                    <a:lnBlToTr w="12700" cmpd="sng">
+                      <a:noFill/>
+                      <a:prstDash val="solid"/>
+                    </a:lnBlToTr>
+                  </a:tcPr>
+                </a:tc>
+                <a:tc>
+                  <a:txBody>
+                    <a:bodyPr/>
+                    <a:lstStyle/>
+                    <a:p>
+                      <a:pPr algn="ctr"/>
+                      <a:r>
+                        <a:rPr lang="it-IT" sz="2400" dirty="0">
+                          <a:latin typeface="Calibri" panose="020F0502020204030204" pitchFamily="34" charset="0"/>
+                          <a:cs typeface="Calibri" panose="020F0502020204030204" pitchFamily="34" charset="0"/>
+                        </a:rPr>
+                        <a:t>3</a:t>
+                      </a:r>
+                    </a:p>
+                  </a:txBody>
+                  <a:tcPr>
+                    <a:lnL w="12700" cmpd="sng">
+                      <a:noFill/>
+                    </a:lnL>
+                    <a:lnR w="12700" cmpd="sng">
+                      <a:noFill/>
+                    </a:lnR>
+                    <a:lnT w="12700" cap="flat" cmpd="sng" algn="ctr">
+                      <a:solidFill>
+                        <a:schemeClr val="tx1"/>
+                      </a:solidFill>
+                      <a:prstDash val="solid"/>
+                      <a:round/>
+                      <a:headEnd type="none" w="med" len="med"/>
+                      <a:tailEnd type="none" w="med" len="med"/>
+                    </a:lnT>
+                    <a:lnB w="12700" cmpd="sng">
+                      <a:noFill/>
+                    </a:lnB>
+                    <a:lnTlToBr w="12700" cmpd="sng">
+                      <a:noFill/>
+                      <a:prstDash val="solid"/>
+                    </a:lnTlToBr>
+                    <a:lnBlToTr w="12700" cmpd="sng">
+                      <a:noFill/>
+                      <a:prstDash val="solid"/>
+                    </a:lnBlToTr>
+                  </a:tcPr>
+                </a:tc>
+                <a:tc>
+                  <a:txBody>
+                    <a:bodyPr/>
+                    <a:lstStyle/>
+                    <a:p>
+                      <a:pPr algn="ctr"/>
+                      <a:r>
+                        <a:rPr lang="it-IT" sz="2400" dirty="0">
+                          <a:latin typeface="Calibri" panose="020F0502020204030204" pitchFamily="34" charset="0"/>
+                          <a:cs typeface="Calibri" panose="020F0502020204030204" pitchFamily="34" charset="0"/>
+                        </a:rPr>
+                        <a:t>Più di 2500</a:t>
+                      </a:r>
+                    </a:p>
+                  </a:txBody>
+                  <a:tcPr>
+                    <a:lnL w="12700" cmpd="sng">
+                      <a:noFill/>
+                    </a:lnL>
+                    <a:lnR w="12700" cmpd="sng">
+                      <a:noFill/>
+                    </a:lnR>
+                    <a:lnT w="12700" cap="flat" cmpd="sng" algn="ctr">
+                      <a:solidFill>
+                        <a:schemeClr val="tx1"/>
+                      </a:solidFill>
+                      <a:prstDash val="solid"/>
+                      <a:round/>
+                      <a:headEnd type="none" w="med" len="med"/>
+                      <a:tailEnd type="none" w="med" len="med"/>
+                    </a:lnT>
+                    <a:lnB w="12700" cmpd="sng">
+                      <a:noFill/>
+                    </a:lnB>
+                    <a:lnTlToBr w="12700" cmpd="sng">
+                      <a:noFill/>
+                      <a:prstDash val="solid"/>
+                    </a:lnTlToBr>
+                    <a:lnBlToTr w="12700" cmpd="sng">
+                      <a:noFill/>
+                      <a:prstDash val="solid"/>
+                    </a:lnBlToTr>
+                  </a:tcPr>
+                </a:tc>
+                <a:extLst>
+                  <a:ext uri="{0D108BD9-81ED-4DB2-BD59-A6C34878D82A}">
+                    <a16:rowId xmlns:a16="http://schemas.microsoft.com/office/drawing/2014/main" val="3149182034"/>
+                  </a:ext>
+                </a:extLst>
+              </a:tr>
+            </a:tbl>
+          </a:graphicData>
+        </a:graphic>
+      </p:graphicFrame>
     </p:spTree>
     <p:extLst>
       <p:ext uri="{BB962C8B-B14F-4D97-AF65-F5344CB8AC3E}">
@@ -9877,7 +11831,7 @@
           </a:ln>
           <a:extLst>
             <a:ext uri="{C572A759-6A51-4108-AA02-DFA0A04FC94B}">
-              <ma14:wrappingTextBoxFlag xmlns="" xmlns:ma14="http://schemas.microsoft.com/office/mac/drawingml/2011/main" val="1"/>
+              <ma14:wrappingTextBoxFlag xmlns:ma14="http://schemas.microsoft.com/office/mac/drawingml/2011/main" xmlns="" val="1"/>
             </a:ext>
           </a:extLst>
         </p:spPr>
@@ -10031,7 +11985,7 @@
           </a:ln>
           <a:extLst>
             <a:ext uri="{C572A759-6A51-4108-AA02-DFA0A04FC94B}">
-              <ma14:wrappingTextBoxFlag xmlns="" xmlns:ma14="http://schemas.microsoft.com/office/mac/drawingml/2011/main" val="1"/>
+              <ma14:wrappingTextBoxFlag xmlns:ma14="http://schemas.microsoft.com/office/mac/drawingml/2011/main" xmlns="" val="1"/>
             </a:ext>
           </a:extLst>
         </p:spPr>

--- a/presentazione/Pptx/Lahmer_Abdelilah_presentazione.pptx
+++ b/presentazione/Pptx/Lahmer_Abdelilah_presentazione.pptx
@@ -5,7 +5,7 @@
     <p:sldMasterId id="2147483648" r:id="rId1"/>
   </p:sldMasterIdLst>
   <p:notesMasterIdLst>
-    <p:notesMasterId r:id="rId17"/>
+    <p:notesMasterId r:id="rId16"/>
   </p:notesMasterIdLst>
   <p:sldIdLst>
     <p:sldId id="256" r:id="rId2"/>
@@ -22,7 +22,6 @@
     <p:sldId id="286" r:id="rId13"/>
     <p:sldId id="287" r:id="rId14"/>
     <p:sldId id="281" r:id="rId15"/>
-    <p:sldId id="282" r:id="rId16"/>
   </p:sldIdLst>
   <p:sldSz cx="9144000" cy="6858000" type="screen4x3"/>
   <p:notesSz cx="6858000" cy="9144000"/>
@@ -2060,7 +2059,7 @@
           </a:ln>
           <a:extLst>
             <a:ext uri="{C572A759-6A51-4108-AA02-DFA0A04FC94B}">
-              <ma14:wrappingTextBoxFlag xmlns="" xmlns:ma14="http://schemas.microsoft.com/office/mac/drawingml/2011/main" val="1"/>
+              <ma14:wrappingTextBoxFlag xmlns:ma14="http://schemas.microsoft.com/office/mac/drawingml/2011/main" xmlns="" val="1"/>
             </a:ext>
           </a:extLst>
         </p:spPr>
@@ -2103,7 +2102,7 @@
           </a:ln>
           <a:extLst>
             <a:ext uri="{C572A759-6A51-4108-AA02-DFA0A04FC94B}">
-              <ma14:wrappingTextBoxFlag xmlns="" xmlns:ma14="http://schemas.microsoft.com/office/mac/drawingml/2011/main" val="1"/>
+              <ma14:wrappingTextBoxFlag xmlns:ma14="http://schemas.microsoft.com/office/mac/drawingml/2011/main" xmlns="" val="1"/>
             </a:ext>
           </a:extLst>
         </p:spPr>
@@ -2619,7 +2618,7 @@
           </a:ln>
           <a:extLst>
             <a:ext uri="{C572A759-6A51-4108-AA02-DFA0A04FC94B}">
-              <ma14:wrappingTextBoxFlag xmlns="" xmlns:ma14="http://schemas.microsoft.com/office/mac/drawingml/2011/main" val="1"/>
+              <ma14:wrappingTextBoxFlag xmlns:ma14="http://schemas.microsoft.com/office/mac/drawingml/2011/main" xmlns="" val="1"/>
             </a:ext>
           </a:extLst>
         </p:spPr>
@@ -2730,7 +2729,7 @@
           </a:ln>
           <a:extLst>
             <a:ext uri="{C572A759-6A51-4108-AA02-DFA0A04FC94B}">
-              <ma14:wrappingTextBoxFlag xmlns="" xmlns:ma14="http://schemas.microsoft.com/office/mac/drawingml/2011/main" val="1"/>
+              <ma14:wrappingTextBoxFlag xmlns:ma14="http://schemas.microsoft.com/office/mac/drawingml/2011/main" xmlns="" val="1"/>
             </a:ext>
           </a:extLst>
         </p:spPr>
@@ -2780,7 +2779,7 @@
           </a:ln>
           <a:extLst>
             <a:ext uri="{C572A759-6A51-4108-AA02-DFA0A04FC94B}">
-              <ma14:wrappingTextBoxFlag xmlns="" xmlns:ma14="http://schemas.microsoft.com/office/mac/drawingml/2011/main" val="1"/>
+              <ma14:wrappingTextBoxFlag xmlns:ma14="http://schemas.microsoft.com/office/mac/drawingml/2011/main" xmlns="" val="1"/>
             </a:ext>
           </a:extLst>
         </p:spPr>
@@ -2850,7 +2849,7 @@
           </a:ln>
           <a:extLst>
             <a:ext uri="{C572A759-6A51-4108-AA02-DFA0A04FC94B}">
-              <ma14:wrappingTextBoxFlag xmlns="" xmlns:ma14="http://schemas.microsoft.com/office/mac/drawingml/2011/main" val="1"/>
+              <ma14:wrappingTextBoxFlag xmlns:ma14="http://schemas.microsoft.com/office/mac/drawingml/2011/main" xmlns="" val="1"/>
             </a:ext>
           </a:extLst>
         </p:spPr>
@@ -2920,7 +2919,7 @@
           </a:ln>
           <a:extLst>
             <a:ext uri="{C572A759-6A51-4108-AA02-DFA0A04FC94B}">
-              <ma14:wrappingTextBoxFlag xmlns="" xmlns:ma14="http://schemas.microsoft.com/office/mac/drawingml/2011/main" val="1"/>
+              <ma14:wrappingTextBoxFlag xmlns:ma14="http://schemas.microsoft.com/office/mac/drawingml/2011/main" xmlns="" val="1"/>
             </a:ext>
           </a:extLst>
         </p:spPr>
@@ -3002,7 +3001,7 @@
           </a:ln>
           <a:extLst>
             <a:ext uri="{C572A759-6A51-4108-AA02-DFA0A04FC94B}">
-              <ma14:wrappingTextBoxFlag xmlns="" xmlns:ma14="http://schemas.microsoft.com/office/mac/drawingml/2011/main" val="1"/>
+              <ma14:wrappingTextBoxFlag xmlns:ma14="http://schemas.microsoft.com/office/mac/drawingml/2011/main" xmlns="" val="1"/>
             </a:ext>
           </a:extLst>
         </p:spPr>
@@ -3157,7 +3156,7 @@
           </a:prstGeom>
           <a:extLst>
             <a:ext uri="{C572A759-6A51-4108-AA02-DFA0A04FC94B}">
-              <ma14:wrappingTextBoxFlag xmlns="" xmlns:ma14="http://schemas.microsoft.com/office/mac/drawingml/2011/main" val="1"/>
+              <ma14:wrappingTextBoxFlag xmlns:ma14="http://schemas.microsoft.com/office/mac/drawingml/2011/main" xmlns="" val="1"/>
             </a:ext>
           </a:extLst>
         </p:spPr>
@@ -3225,7 +3224,7 @@
           </a:ln>
           <a:extLst>
             <a:ext uri="{C572A759-6A51-4108-AA02-DFA0A04FC94B}">
-              <ma14:wrappingTextBoxFlag xmlns="" xmlns:ma14="http://schemas.microsoft.com/office/mac/drawingml/2011/main" val="1"/>
+              <ma14:wrappingTextBoxFlag xmlns:ma14="http://schemas.microsoft.com/office/mac/drawingml/2011/main" xmlns="" val="1"/>
             </a:ext>
           </a:extLst>
         </p:spPr>
@@ -3283,7 +3282,7 @@
           </a:ln>
           <a:extLst>
             <a:ext uri="{C572A759-6A51-4108-AA02-DFA0A04FC94B}">
-              <ma14:wrappingTextBoxFlag xmlns="" xmlns:ma14="http://schemas.microsoft.com/office/mac/drawingml/2011/main" val="1"/>
+              <ma14:wrappingTextBoxFlag xmlns:ma14="http://schemas.microsoft.com/office/mac/drawingml/2011/main" xmlns="" val="1"/>
             </a:ext>
           </a:extLst>
         </p:spPr>
@@ -3341,7 +3340,7 @@
           </a:ln>
           <a:extLst>
             <a:ext uri="{C572A759-6A51-4108-AA02-DFA0A04FC94B}">
-              <ma14:wrappingTextBoxFlag xmlns="" xmlns:ma14="http://schemas.microsoft.com/office/mac/drawingml/2011/main" val="1"/>
+              <ma14:wrappingTextBoxFlag xmlns:ma14="http://schemas.microsoft.com/office/mac/drawingml/2011/main" xmlns="" val="1"/>
             </a:ext>
           </a:extLst>
         </p:spPr>
@@ -3491,7 +3490,7 @@
           </a:ln>
           <a:extLst>
             <a:ext uri="{C572A759-6A51-4108-AA02-DFA0A04FC94B}">
-              <ma14:wrappingTextBoxFlag xmlns="" xmlns:ma14="http://schemas.microsoft.com/office/mac/drawingml/2011/main" val="1"/>
+              <ma14:wrappingTextBoxFlag xmlns:ma14="http://schemas.microsoft.com/office/mac/drawingml/2011/main" xmlns="" val="1"/>
             </a:ext>
           </a:extLst>
         </p:spPr>
@@ -3869,7 +3868,7 @@
           </a:ln>
           <a:extLst>
             <a:ext uri="{C572A759-6A51-4108-AA02-DFA0A04FC94B}">
-              <ma14:wrappingTextBoxFlag xmlns="" xmlns:ma14="http://schemas.microsoft.com/office/mac/drawingml/2011/main" val="1"/>
+              <ma14:wrappingTextBoxFlag xmlns:ma14="http://schemas.microsoft.com/office/mac/drawingml/2011/main" xmlns="" val="1"/>
             </a:ext>
           </a:extLst>
         </p:spPr>
@@ -3987,7 +3986,7 @@
                 <a:latin typeface="Calibri" panose="020F0502020204030204" pitchFamily="34" charset="0"/>
                 <a:cs typeface="Calibri" panose="020F0502020204030204" pitchFamily="34" charset="0"/>
               </a:rPr>
-              <a:t> di 15</a:t>
+              <a:t> di 14</a:t>
             </a:r>
           </a:p>
         </p:txBody>
@@ -4017,7 +4016,7 @@
           </a:ln>
           <a:extLst>
             <a:ext uri="{C572A759-6A51-4108-AA02-DFA0A04FC94B}">
-              <ma14:wrappingTextBoxFlag xmlns="" xmlns:ma14="http://schemas.microsoft.com/office/mac/drawingml/2011/main" val="1"/>
+              <ma14:wrappingTextBoxFlag xmlns:ma14="http://schemas.microsoft.com/office/mac/drawingml/2011/main" xmlns="" val="1"/>
             </a:ext>
           </a:extLst>
         </p:spPr>
@@ -4296,8 +4295,8 @@
         </p:blipFill>
         <p:spPr>
           <a:xfrm>
-            <a:off x="2805880" y="1899000"/>
-            <a:ext cx="6238366" cy="3060000"/>
+            <a:off x="2805880" y="1902591"/>
+            <a:ext cx="6238366" cy="3052817"/>
           </a:xfrm>
           <a:prstGeom prst="rect">
             <a:avLst/>
@@ -4382,7 +4381,7 @@
           </a:prstGeom>
           <a:extLst>
             <a:ext uri="{C572A759-6A51-4108-AA02-DFA0A04FC94B}">
-              <ma14:wrappingTextBoxFlag xmlns="" xmlns:ma14="http://schemas.microsoft.com/office/mac/drawingml/2011/main" val="1"/>
+              <ma14:wrappingTextBoxFlag xmlns:ma14="http://schemas.microsoft.com/office/mac/drawingml/2011/main" xmlns="" val="1"/>
             </a:ext>
           </a:extLst>
         </p:spPr>
@@ -4450,7 +4449,7 @@
           </a:ln>
           <a:extLst>
             <a:ext uri="{C572A759-6A51-4108-AA02-DFA0A04FC94B}">
-              <ma14:wrappingTextBoxFlag xmlns="" xmlns:ma14="http://schemas.microsoft.com/office/mac/drawingml/2011/main" val="1"/>
+              <ma14:wrappingTextBoxFlag xmlns:ma14="http://schemas.microsoft.com/office/mac/drawingml/2011/main" xmlns="" val="1"/>
             </a:ext>
           </a:extLst>
         </p:spPr>
@@ -4510,7 +4509,7 @@
           </a:ln>
           <a:extLst>
             <a:ext uri="{C572A759-6A51-4108-AA02-DFA0A04FC94B}">
-              <ma14:wrappingTextBoxFlag xmlns="" xmlns:ma14="http://schemas.microsoft.com/office/mac/drawingml/2011/main" val="1"/>
+              <ma14:wrappingTextBoxFlag xmlns:ma14="http://schemas.microsoft.com/office/mac/drawingml/2011/main" xmlns="" val="1"/>
             </a:ext>
           </a:extLst>
         </p:spPr>
@@ -4660,7 +4659,7 @@
           </a:ln>
           <a:extLst>
             <a:ext uri="{C572A759-6A51-4108-AA02-DFA0A04FC94B}">
-              <ma14:wrappingTextBoxFlag xmlns="" xmlns:ma14="http://schemas.microsoft.com/office/mac/drawingml/2011/main" val="1"/>
+              <ma14:wrappingTextBoxFlag xmlns:ma14="http://schemas.microsoft.com/office/mac/drawingml/2011/main" xmlns="" val="1"/>
             </a:ext>
           </a:extLst>
         </p:spPr>
@@ -5038,7 +5037,7 @@
           </a:ln>
           <a:extLst>
             <a:ext uri="{C572A759-6A51-4108-AA02-DFA0A04FC94B}">
-              <ma14:wrappingTextBoxFlag xmlns="" xmlns:ma14="http://schemas.microsoft.com/office/mac/drawingml/2011/main" val="1"/>
+              <ma14:wrappingTextBoxFlag xmlns:ma14="http://schemas.microsoft.com/office/mac/drawingml/2011/main" xmlns="" val="1"/>
             </a:ext>
           </a:extLst>
         </p:spPr>
@@ -5156,7 +5155,7 @@
                 <a:latin typeface="Calibri" panose="020F0502020204030204" pitchFamily="34" charset="0"/>
                 <a:cs typeface="Calibri" panose="020F0502020204030204" pitchFamily="34" charset="0"/>
               </a:rPr>
-              <a:t> di 15</a:t>
+              <a:t> di 14</a:t>
             </a:r>
           </a:p>
         </p:txBody>
@@ -6200,7 +6199,7 @@
           </a:prstGeom>
           <a:extLst>
             <a:ext uri="{C572A759-6A51-4108-AA02-DFA0A04FC94B}">
-              <ma14:wrappingTextBoxFlag xmlns="" xmlns:ma14="http://schemas.microsoft.com/office/mac/drawingml/2011/main" val="1"/>
+              <ma14:wrappingTextBoxFlag xmlns:ma14="http://schemas.microsoft.com/office/mac/drawingml/2011/main" xmlns="" val="1"/>
             </a:ext>
           </a:extLst>
         </p:spPr>
@@ -6268,7 +6267,7 @@
           </a:ln>
           <a:extLst>
             <a:ext uri="{C572A759-6A51-4108-AA02-DFA0A04FC94B}">
-              <ma14:wrappingTextBoxFlag xmlns="" xmlns:ma14="http://schemas.microsoft.com/office/mac/drawingml/2011/main" val="1"/>
+              <ma14:wrappingTextBoxFlag xmlns:ma14="http://schemas.microsoft.com/office/mac/drawingml/2011/main" xmlns="" val="1"/>
             </a:ext>
           </a:extLst>
         </p:spPr>
@@ -6326,7 +6325,7 @@
           </a:ln>
           <a:extLst>
             <a:ext uri="{C572A759-6A51-4108-AA02-DFA0A04FC94B}">
-              <ma14:wrappingTextBoxFlag xmlns="" xmlns:ma14="http://schemas.microsoft.com/office/mac/drawingml/2011/main" val="1"/>
+              <ma14:wrappingTextBoxFlag xmlns:ma14="http://schemas.microsoft.com/office/mac/drawingml/2011/main" xmlns="" val="1"/>
             </a:ext>
           </a:extLst>
         </p:spPr>
@@ -6384,7 +6383,7 @@
           </a:ln>
           <a:extLst>
             <a:ext uri="{C572A759-6A51-4108-AA02-DFA0A04FC94B}">
-              <ma14:wrappingTextBoxFlag xmlns="" xmlns:ma14="http://schemas.microsoft.com/office/mac/drawingml/2011/main" val="1"/>
+              <ma14:wrappingTextBoxFlag xmlns:ma14="http://schemas.microsoft.com/office/mac/drawingml/2011/main" xmlns="" val="1"/>
             </a:ext>
           </a:extLst>
         </p:spPr>
@@ -6534,7 +6533,7 @@
           </a:ln>
           <a:extLst>
             <a:ext uri="{C572A759-6A51-4108-AA02-DFA0A04FC94B}">
-              <ma14:wrappingTextBoxFlag xmlns="" xmlns:ma14="http://schemas.microsoft.com/office/mac/drawingml/2011/main" val="1"/>
+              <ma14:wrappingTextBoxFlag xmlns:ma14="http://schemas.microsoft.com/office/mac/drawingml/2011/main" xmlns="" val="1"/>
             </a:ext>
           </a:extLst>
         </p:spPr>
@@ -6912,7 +6911,7 @@
           </a:ln>
           <a:extLst>
             <a:ext uri="{C572A759-6A51-4108-AA02-DFA0A04FC94B}">
-              <ma14:wrappingTextBoxFlag xmlns="" xmlns:ma14="http://schemas.microsoft.com/office/mac/drawingml/2011/main" val="1"/>
+              <ma14:wrappingTextBoxFlag xmlns:ma14="http://schemas.microsoft.com/office/mac/drawingml/2011/main" xmlns="" val="1"/>
             </a:ext>
           </a:extLst>
         </p:spPr>
@@ -7030,7 +7029,7 @@
                 <a:latin typeface="Calibri" panose="020F0502020204030204" pitchFamily="34" charset="0"/>
                 <a:cs typeface="Calibri" panose="020F0502020204030204" pitchFamily="34" charset="0"/>
               </a:rPr>
-              <a:t> di 15</a:t>
+              <a:t> di 14</a:t>
             </a:r>
           </a:p>
         </p:txBody>
@@ -7277,7 +7276,7 @@
           </a:ln>
           <a:extLst>
             <a:ext uri="{C572A759-6A51-4108-AA02-DFA0A04FC94B}">
-              <ma14:wrappingTextBoxFlag xmlns="" xmlns:ma14="http://schemas.microsoft.com/office/mac/drawingml/2011/main" val="1"/>
+              <ma14:wrappingTextBoxFlag xmlns:ma14="http://schemas.microsoft.com/office/mac/drawingml/2011/main" xmlns="" val="1"/>
             </a:ext>
           </a:extLst>
         </p:spPr>
@@ -7546,7 +7545,7 @@
           </a:prstGeom>
           <a:extLst>
             <a:ext uri="{C572A759-6A51-4108-AA02-DFA0A04FC94B}">
-              <ma14:wrappingTextBoxFlag xmlns="" xmlns:ma14="http://schemas.microsoft.com/office/mac/drawingml/2011/main" val="1"/>
+              <ma14:wrappingTextBoxFlag xmlns:ma14="http://schemas.microsoft.com/office/mac/drawingml/2011/main" xmlns="" val="1"/>
             </a:ext>
           </a:extLst>
         </p:spPr>
@@ -7614,7 +7613,7 @@
           </a:ln>
           <a:extLst>
             <a:ext uri="{C572A759-6A51-4108-AA02-DFA0A04FC94B}">
-              <ma14:wrappingTextBoxFlag xmlns="" xmlns:ma14="http://schemas.microsoft.com/office/mac/drawingml/2011/main" val="1"/>
+              <ma14:wrappingTextBoxFlag xmlns:ma14="http://schemas.microsoft.com/office/mac/drawingml/2011/main" xmlns="" val="1"/>
             </a:ext>
           </a:extLst>
         </p:spPr>
@@ -7674,7 +7673,7 @@
           </a:ln>
           <a:extLst>
             <a:ext uri="{C572A759-6A51-4108-AA02-DFA0A04FC94B}">
-              <ma14:wrappingTextBoxFlag xmlns="" xmlns:ma14="http://schemas.microsoft.com/office/mac/drawingml/2011/main" val="1"/>
+              <ma14:wrappingTextBoxFlag xmlns:ma14="http://schemas.microsoft.com/office/mac/drawingml/2011/main" xmlns="" val="1"/>
             </a:ext>
           </a:extLst>
         </p:spPr>
@@ -7824,7 +7823,7 @@
           </a:ln>
           <a:extLst>
             <a:ext uri="{C572A759-6A51-4108-AA02-DFA0A04FC94B}">
-              <ma14:wrappingTextBoxFlag xmlns="" xmlns:ma14="http://schemas.microsoft.com/office/mac/drawingml/2011/main" val="1"/>
+              <ma14:wrappingTextBoxFlag xmlns:ma14="http://schemas.microsoft.com/office/mac/drawingml/2011/main" xmlns="" val="1"/>
             </a:ext>
           </a:extLst>
         </p:spPr>
@@ -8200,7 +8199,7 @@
           </a:ln>
           <a:extLst>
             <a:ext uri="{C572A759-6A51-4108-AA02-DFA0A04FC94B}">
-              <ma14:wrappingTextBoxFlag xmlns="" xmlns:ma14="http://schemas.microsoft.com/office/mac/drawingml/2011/main" val="1"/>
+              <ma14:wrappingTextBoxFlag xmlns:ma14="http://schemas.microsoft.com/office/mac/drawingml/2011/main" xmlns="" val="1"/>
             </a:ext>
           </a:extLst>
         </p:spPr>
@@ -8318,7 +8317,7 @@
                 <a:latin typeface="Calibri" panose="020F0502020204030204" pitchFamily="34" charset="0"/>
                 <a:cs typeface="Calibri" panose="020F0502020204030204" pitchFamily="34" charset="0"/>
               </a:rPr>
-              <a:t> di 15</a:t>
+              <a:t> di 14</a:t>
             </a:r>
           </a:p>
         </p:txBody>
@@ -9364,7 +9363,7 @@
           </a:prstGeom>
           <a:extLst>
             <a:ext uri="{C572A759-6A51-4108-AA02-DFA0A04FC94B}">
-              <ma14:wrappingTextBoxFlag xmlns="" xmlns:ma14="http://schemas.microsoft.com/office/mac/drawingml/2011/main" val="1"/>
+              <ma14:wrappingTextBoxFlag xmlns:ma14="http://schemas.microsoft.com/office/mac/drawingml/2011/main" xmlns="" val="1"/>
             </a:ext>
           </a:extLst>
         </p:spPr>
@@ -9432,7 +9431,7 @@
           </a:ln>
           <a:extLst>
             <a:ext uri="{C572A759-6A51-4108-AA02-DFA0A04FC94B}">
-              <ma14:wrappingTextBoxFlag xmlns="" xmlns:ma14="http://schemas.microsoft.com/office/mac/drawingml/2011/main" val="1"/>
+              <ma14:wrappingTextBoxFlag xmlns:ma14="http://schemas.microsoft.com/office/mac/drawingml/2011/main" xmlns="" val="1"/>
             </a:ext>
           </a:extLst>
         </p:spPr>
@@ -9492,7 +9491,7 @@
           </a:ln>
           <a:extLst>
             <a:ext uri="{C572A759-6A51-4108-AA02-DFA0A04FC94B}">
-              <ma14:wrappingTextBoxFlag xmlns="" xmlns:ma14="http://schemas.microsoft.com/office/mac/drawingml/2011/main" val="1"/>
+              <ma14:wrappingTextBoxFlag xmlns:ma14="http://schemas.microsoft.com/office/mac/drawingml/2011/main" xmlns="" val="1"/>
             </a:ext>
           </a:extLst>
         </p:spPr>
@@ -9642,7 +9641,7 @@
           </a:ln>
           <a:extLst>
             <a:ext uri="{C572A759-6A51-4108-AA02-DFA0A04FC94B}">
-              <ma14:wrappingTextBoxFlag xmlns="" xmlns:ma14="http://schemas.microsoft.com/office/mac/drawingml/2011/main" val="1"/>
+              <ma14:wrappingTextBoxFlag xmlns:ma14="http://schemas.microsoft.com/office/mac/drawingml/2011/main" xmlns="" val="1"/>
             </a:ext>
           </a:extLst>
         </p:spPr>
@@ -10018,7 +10017,7 @@
           </a:ln>
           <a:extLst>
             <a:ext uri="{C572A759-6A51-4108-AA02-DFA0A04FC94B}">
-              <ma14:wrappingTextBoxFlag xmlns="" xmlns:ma14="http://schemas.microsoft.com/office/mac/drawingml/2011/main" val="1"/>
+              <ma14:wrappingTextBoxFlag xmlns:ma14="http://schemas.microsoft.com/office/mac/drawingml/2011/main" xmlns="" val="1"/>
             </a:ext>
           </a:extLst>
         </p:spPr>
@@ -10136,7 +10135,7 @@
                 <a:latin typeface="Calibri" panose="020F0502020204030204" pitchFamily="34" charset="0"/>
                 <a:cs typeface="Calibri" panose="020F0502020204030204" pitchFamily="34" charset="0"/>
               </a:rPr>
-              <a:t> di 15</a:t>
+              <a:t> di 14</a:t>
             </a:r>
           </a:p>
         </p:txBody>
@@ -10166,7 +10165,7 @@
           </a:ln>
           <a:extLst>
             <a:ext uri="{C572A759-6A51-4108-AA02-DFA0A04FC94B}">
-              <ma14:wrappingTextBoxFlag xmlns="" xmlns:ma14="http://schemas.microsoft.com/office/mac/drawingml/2011/main" val="1"/>
+              <ma14:wrappingTextBoxFlag xmlns:ma14="http://schemas.microsoft.com/office/mac/drawingml/2011/main" xmlns="" val="1"/>
             </a:ext>
           </a:extLst>
         </p:spPr>
@@ -10222,7 +10221,7 @@
           </a:ln>
           <a:extLst>
             <a:ext uri="{C572A759-6A51-4108-AA02-DFA0A04FC94B}">
-              <ma14:wrappingTextBoxFlag xmlns="" xmlns:ma14="http://schemas.microsoft.com/office/mac/drawingml/2011/main" val="1"/>
+              <ma14:wrappingTextBoxFlag xmlns:ma14="http://schemas.microsoft.com/office/mac/drawingml/2011/main" xmlns="" val="1"/>
             </a:ext>
           </a:extLst>
         </p:spPr>
@@ -10329,267 +10328,6 @@
     <p:extLst>
       <p:ext uri="{BB962C8B-B14F-4D97-AF65-F5344CB8AC3E}">
         <p14:creationId xmlns:p14="http://schemas.microsoft.com/office/powerpoint/2010/main" val="2351126367"/>
-      </p:ext>
-    </p:extLst>
-  </p:cSld>
-  <p:clrMapOvr>
-    <a:masterClrMapping/>
-  </p:clrMapOvr>
-  <p:transition spd="med"/>
-</p:sld>
-</file>
-
-<file path=ppt/slides/slide15.xml><?xml version="1.0" encoding="utf-8"?>
-<p:sld xmlns:a="http://schemas.openxmlformats.org/drawingml/2006/main" xmlns:r="http://schemas.openxmlformats.org/officeDocument/2006/relationships" xmlns:p="http://schemas.openxmlformats.org/presentationml/2006/main">
-  <p:cSld>
-    <p:spTree>
-      <p:nvGrpSpPr>
-        <p:cNvPr id="1" name=""/>
-        <p:cNvGrpSpPr/>
-        <p:nvPr/>
-      </p:nvGrpSpPr>
-      <p:grpSpPr>
-        <a:xfrm>
-          <a:off x="0" y="0"/>
-          <a:ext cx="0" cy="0"/>
-          <a:chOff x="0" y="0"/>
-          <a:chExt cx="0" cy="0"/>
-        </a:xfrm>
-      </p:grpSpPr>
-      <p:sp>
-        <p:nvSpPr>
-          <p:cNvPr id="49" name="Shape 49"/>
-          <p:cNvSpPr/>
-          <p:nvPr/>
-        </p:nvSpPr>
-        <p:spPr>
-          <a:xfrm>
-            <a:off x="2133600" y="728980"/>
-            <a:ext cx="5207000" cy="1754326"/>
-          </a:xfrm>
-          <a:prstGeom prst="rect">
-            <a:avLst/>
-          </a:prstGeom>
-          <a:ln w="12700">
-            <a:miter lim="400000"/>
-          </a:ln>
-          <a:extLst>
-            <a:ext uri="{C572A759-6A51-4108-AA02-DFA0A04FC94B}">
-              <ma14:wrappingTextBoxFlag xmlns="" xmlns:ma14="http://schemas.microsoft.com/office/mac/drawingml/2011/main" val="1"/>
-            </a:ext>
-          </a:extLst>
-        </p:spPr>
-        <p:txBody>
-          <a:bodyPr lIns="45719" rIns="45719">
-            <a:spAutoFit/>
-          </a:bodyPr>
-          <a:lstStyle>
-            <a:lvl1pPr algn="ctr">
-              <a:defRPr sz="5400">
-                <a:solidFill>
-                  <a:srgbClr val="FFFFFF"/>
-                </a:solidFill>
-              </a:defRPr>
-            </a:lvl1pPr>
-          </a:lstStyle>
-          <a:p>
-            <a:pPr lvl="0">
-              <a:defRPr sz="1800">
-                <a:solidFill>
-                  <a:srgbClr val="000000"/>
-                </a:solidFill>
-              </a:defRPr>
-            </a:pPr>
-            <a:r>
-              <a:rPr sz="5400">
-                <a:solidFill>
-                  <a:srgbClr val="FFFFFF"/>
-                </a:solidFill>
-                <a:latin typeface="Calibri" panose="020F0502020204030204" pitchFamily="34" charset="0"/>
-                <a:cs typeface="Calibri" panose="020F0502020204030204" pitchFamily="34" charset="0"/>
-              </a:rPr>
-              <a:t>Node Replication Attack in WSN</a:t>
-            </a:r>
-          </a:p>
-        </p:txBody>
-      </p:sp>
-      <p:pic>
-        <p:nvPicPr>
-          <p:cNvPr id="50" name="image1.png"/>
-          <p:cNvPicPr/>
-          <p:nvPr/>
-        </p:nvPicPr>
-        <p:blipFill>
-          <a:blip r:embed="rId2">
-            <a:extLst/>
-          </a:blip>
-          <a:stretch>
-            <a:fillRect/>
-          </a:stretch>
-        </p:blipFill>
-        <p:spPr>
-          <a:xfrm>
-            <a:off x="-50800" y="-29855"/>
-            <a:ext cx="9245600" cy="5917550"/>
-          </a:xfrm>
-          <a:prstGeom prst="rect">
-            <a:avLst/>
-          </a:prstGeom>
-          <a:ln w="12700">
-            <a:miter lim="400000"/>
-          </a:ln>
-        </p:spPr>
-      </p:pic>
-      <p:pic>
-        <p:nvPicPr>
-          <p:cNvPr id="51" name="image2.png"/>
-          <p:cNvPicPr/>
-          <p:nvPr/>
-        </p:nvPicPr>
-        <p:blipFill>
-          <a:blip r:embed="rId3">
-            <a:extLst/>
-          </a:blip>
-          <a:stretch>
-            <a:fillRect/>
-          </a:stretch>
-        </p:blipFill>
-        <p:spPr>
-          <a:xfrm>
-            <a:off x="5918513" y="5328221"/>
-            <a:ext cx="2740335" cy="1229236"/>
-          </a:xfrm>
-          <a:prstGeom prst="rect">
-            <a:avLst/>
-          </a:prstGeom>
-          <a:ln w="12700">
-            <a:miter lim="400000"/>
-          </a:ln>
-        </p:spPr>
-      </p:pic>
-      <p:pic>
-        <p:nvPicPr>
-          <p:cNvPr id="14" name="dipmat.png">
-            <a:extLst>
-              <a:ext uri="{FF2B5EF4-FFF2-40B4-BE49-F238E27FC236}">
-                <a16:creationId xmlns:a16="http://schemas.microsoft.com/office/drawing/2014/main" id="{E17EB9CC-088F-4A42-A092-4DF249FF91D0}"/>
-              </a:ext>
-            </a:extLst>
-          </p:cNvPr>
-          <p:cNvPicPr/>
-          <p:nvPr/>
-        </p:nvPicPr>
-        <p:blipFill>
-          <a:blip r:embed="rId4" cstate="print">
-            <a:extLst>
-              <a:ext uri="{28A0092B-C50C-407E-A947-70E740481C1C}">
-                <a14:useLocalDpi xmlns:a14="http://schemas.microsoft.com/office/drawing/2010/main" val="0"/>
-              </a:ext>
-            </a:extLst>
-          </a:blip>
-          <a:stretch>
-            <a:fillRect/>
-          </a:stretch>
-        </p:blipFill>
-        <p:spPr>
-          <a:xfrm>
-            <a:off x="226953" y="6128896"/>
-            <a:ext cx="2997201" cy="455574"/>
-          </a:xfrm>
-          <a:prstGeom prst="rect">
-            <a:avLst/>
-          </a:prstGeom>
-          <a:ln w="12700">
-            <a:miter lim="400000"/>
-          </a:ln>
-        </p:spPr>
-      </p:pic>
-      <p:sp>
-        <p:nvSpPr>
-          <p:cNvPr id="13" name="Shape 52">
-            <a:extLst>
-              <a:ext uri="{FF2B5EF4-FFF2-40B4-BE49-F238E27FC236}">
-                <a16:creationId xmlns:a16="http://schemas.microsoft.com/office/drawing/2014/main" id="{A5A37ACF-F14F-46B9-BF02-EF9EA484C756}"/>
-              </a:ext>
-            </a:extLst>
-          </p:cNvPr>
-          <p:cNvSpPr/>
-          <p:nvPr/>
-        </p:nvSpPr>
-        <p:spPr>
-          <a:xfrm>
-            <a:off x="1282895" y="1679687"/>
-            <a:ext cx="6578209" cy="1938992"/>
-          </a:xfrm>
-          <a:prstGeom prst="rect">
-            <a:avLst/>
-          </a:prstGeom>
-          <a:ln w="12700">
-            <a:miter lim="400000"/>
-          </a:ln>
-          <a:extLst>
-            <a:ext uri="{C572A759-6A51-4108-AA02-DFA0A04FC94B}">
-              <ma14:wrappingTextBoxFlag xmlns="" xmlns:ma14="http://schemas.microsoft.com/office/mac/drawingml/2011/main" val="1"/>
-            </a:ext>
-          </a:extLst>
-        </p:spPr>
-        <p:txBody>
-          <a:bodyPr wrap="square" lIns="45719" rIns="45719">
-            <a:spAutoFit/>
-          </a:bodyPr>
-          <a:lstStyle/>
-          <a:p>
-            <a:pPr lvl="0" algn="ctr"/>
-            <a:r>
-              <a:rPr lang="it-IT" sz="4000" b="1" dirty="0">
-                <a:solidFill>
-                  <a:schemeClr val="bg1"/>
-                </a:solidFill>
-                <a:latin typeface="Calibri" panose="020F0502020204030204" pitchFamily="34" charset="0"/>
-                <a:cs typeface="Calibri" panose="020F0502020204030204" pitchFamily="34" charset="0"/>
-              </a:rPr>
-              <a:t>GRAZIE</a:t>
-            </a:r>
-          </a:p>
-          <a:p>
-            <a:pPr lvl="0" algn="ctr"/>
-            <a:r>
-              <a:rPr lang="it-IT" sz="4000" b="1" dirty="0">
-                <a:solidFill>
-                  <a:schemeClr val="bg1"/>
-                </a:solidFill>
-                <a:latin typeface="Calibri" panose="020F0502020204030204" pitchFamily="34" charset="0"/>
-                <a:cs typeface="Calibri" panose="020F0502020204030204" pitchFamily="34" charset="0"/>
-              </a:rPr>
-              <a:t>PER</a:t>
-            </a:r>
-          </a:p>
-          <a:p>
-            <a:pPr lvl="0" algn="ctr"/>
-            <a:r>
-              <a:rPr lang="it-IT" sz="4000" b="1" dirty="0">
-                <a:solidFill>
-                  <a:schemeClr val="bg1"/>
-                </a:solidFill>
-                <a:latin typeface="Calibri" panose="020F0502020204030204" pitchFamily="34" charset="0"/>
-                <a:cs typeface="Calibri" panose="020F0502020204030204" pitchFamily="34" charset="0"/>
-              </a:rPr>
-              <a:t>L’ATTENZIONE!</a:t>
-            </a:r>
-            <a:endParaRPr sz="4000" b="1" dirty="0">
-              <a:solidFill>
-                <a:schemeClr val="bg1"/>
-              </a:solidFill>
-              <a:latin typeface="Calibri" panose="020F0502020204030204" pitchFamily="34" charset="0"/>
-              <a:cs typeface="Calibri" panose="020F0502020204030204" pitchFamily="34" charset="0"/>
-            </a:endParaRPr>
-          </a:p>
-        </p:txBody>
-      </p:sp>
-    </p:spTree>
-    <p:extLst>
-      <p:ext uri="{BB962C8B-B14F-4D97-AF65-F5344CB8AC3E}">
-        <p14:creationId xmlns:p14="http://schemas.microsoft.com/office/powerpoint/2010/main" val="1646802030"/>
       </p:ext>
     </p:extLst>
   </p:cSld>
@@ -10664,7 +10402,7 @@
           </a:prstGeom>
           <a:extLst>
             <a:ext uri="{C572A759-6A51-4108-AA02-DFA0A04FC94B}">
-              <ma14:wrappingTextBoxFlag xmlns="" xmlns:ma14="http://schemas.microsoft.com/office/mac/drawingml/2011/main" val="1"/>
+              <ma14:wrappingTextBoxFlag xmlns:ma14="http://schemas.microsoft.com/office/mac/drawingml/2011/main" xmlns="" val="1"/>
             </a:ext>
           </a:extLst>
         </p:spPr>
@@ -10732,7 +10470,7 @@
           </a:ln>
           <a:extLst>
             <a:ext uri="{C572A759-6A51-4108-AA02-DFA0A04FC94B}">
-              <ma14:wrappingTextBoxFlag xmlns="" xmlns:ma14="http://schemas.microsoft.com/office/mac/drawingml/2011/main" val="1"/>
+              <ma14:wrappingTextBoxFlag xmlns:ma14="http://schemas.microsoft.com/office/mac/drawingml/2011/main" xmlns="" val="1"/>
             </a:ext>
           </a:extLst>
         </p:spPr>
@@ -10790,7 +10528,7 @@
           </a:ln>
           <a:extLst>
             <a:ext uri="{C572A759-6A51-4108-AA02-DFA0A04FC94B}">
-              <ma14:wrappingTextBoxFlag xmlns="" xmlns:ma14="http://schemas.microsoft.com/office/mac/drawingml/2011/main" val="1"/>
+              <ma14:wrappingTextBoxFlag xmlns:ma14="http://schemas.microsoft.com/office/mac/drawingml/2011/main" xmlns="" val="1"/>
             </a:ext>
           </a:extLst>
         </p:spPr>
@@ -10920,7 +10658,7 @@
           </a:ln>
           <a:extLst>
             <a:ext uri="{C572A759-6A51-4108-AA02-DFA0A04FC94B}">
-              <ma14:wrappingTextBoxFlag xmlns="" xmlns:ma14="http://schemas.microsoft.com/office/mac/drawingml/2011/main" val="1"/>
+              <ma14:wrappingTextBoxFlag xmlns:ma14="http://schemas.microsoft.com/office/mac/drawingml/2011/main" xmlns="" val="1"/>
             </a:ext>
           </a:extLst>
         </p:spPr>
@@ -11233,7 +10971,7 @@
           </a:ln>
           <a:extLst>
             <a:ext uri="{C572A759-6A51-4108-AA02-DFA0A04FC94B}">
-              <ma14:wrappingTextBoxFlag xmlns="" xmlns:ma14="http://schemas.microsoft.com/office/mac/drawingml/2011/main" val="1"/>
+              <ma14:wrappingTextBoxFlag xmlns:ma14="http://schemas.microsoft.com/office/mac/drawingml/2011/main" xmlns="" val="1"/>
             </a:ext>
           </a:extLst>
         </p:spPr>
@@ -11361,7 +11099,7 @@
                 <a:latin typeface="Calibri" panose="020F0502020204030204" pitchFamily="34" charset="0"/>
                 <a:cs typeface="Calibri" panose="020F0502020204030204" pitchFamily="34" charset="0"/>
               </a:rPr>
-              <a:t> di 15</a:t>
+              <a:t> di 14</a:t>
             </a:r>
           </a:p>
         </p:txBody>
@@ -11471,7 +11209,7 @@
           </a:prstGeom>
           <a:extLst>
             <a:ext uri="{C572A759-6A51-4108-AA02-DFA0A04FC94B}">
-              <ma14:wrappingTextBoxFlag xmlns="" xmlns:ma14="http://schemas.microsoft.com/office/mac/drawingml/2011/main" val="1"/>
+              <ma14:wrappingTextBoxFlag xmlns:ma14="http://schemas.microsoft.com/office/mac/drawingml/2011/main" xmlns="" val="1"/>
             </a:ext>
           </a:extLst>
         </p:spPr>
@@ -11539,7 +11277,7 @@
           </a:ln>
           <a:extLst>
             <a:ext uri="{C572A759-6A51-4108-AA02-DFA0A04FC94B}">
-              <ma14:wrappingTextBoxFlag xmlns="" xmlns:ma14="http://schemas.microsoft.com/office/mac/drawingml/2011/main" val="1"/>
+              <ma14:wrappingTextBoxFlag xmlns:ma14="http://schemas.microsoft.com/office/mac/drawingml/2011/main" xmlns="" val="1"/>
             </a:ext>
           </a:extLst>
         </p:spPr>
@@ -11599,7 +11337,7 @@
           </a:ln>
           <a:extLst>
             <a:ext uri="{C572A759-6A51-4108-AA02-DFA0A04FC94B}">
-              <ma14:wrappingTextBoxFlag xmlns="" xmlns:ma14="http://schemas.microsoft.com/office/mac/drawingml/2011/main" val="1"/>
+              <ma14:wrappingTextBoxFlag xmlns:ma14="http://schemas.microsoft.com/office/mac/drawingml/2011/main" xmlns="" val="1"/>
             </a:ext>
           </a:extLst>
         </p:spPr>
@@ -11974,7 +11712,7 @@
           </a:ln>
           <a:extLst>
             <a:ext uri="{C572A759-6A51-4108-AA02-DFA0A04FC94B}">
-              <ma14:wrappingTextBoxFlag xmlns="" xmlns:ma14="http://schemas.microsoft.com/office/mac/drawingml/2011/main" val="1"/>
+              <ma14:wrappingTextBoxFlag xmlns:ma14="http://schemas.microsoft.com/office/mac/drawingml/2011/main" xmlns="" val="1"/>
             </a:ext>
           </a:extLst>
         </p:spPr>
@@ -12102,7 +11840,7 @@
                 <a:latin typeface="Calibri" panose="020F0502020204030204" pitchFamily="34" charset="0"/>
                 <a:cs typeface="Calibri" panose="020F0502020204030204" pitchFamily="34" charset="0"/>
               </a:rPr>
-              <a:t> di 15</a:t>
+              <a:t> di 14</a:t>
             </a:r>
           </a:p>
         </p:txBody>
@@ -12320,7 +12058,7 @@
           </a:prstGeom>
           <a:extLst>
             <a:ext uri="{C572A759-6A51-4108-AA02-DFA0A04FC94B}">
-              <ma14:wrappingTextBoxFlag xmlns="" xmlns:ma14="http://schemas.microsoft.com/office/mac/drawingml/2011/main" val="1"/>
+              <ma14:wrappingTextBoxFlag xmlns:ma14="http://schemas.microsoft.com/office/mac/drawingml/2011/main" xmlns="" val="1"/>
             </a:ext>
           </a:extLst>
         </p:spPr>
@@ -12388,7 +12126,7 @@
           </a:ln>
           <a:extLst>
             <a:ext uri="{C572A759-6A51-4108-AA02-DFA0A04FC94B}">
-              <ma14:wrappingTextBoxFlag xmlns="" xmlns:ma14="http://schemas.microsoft.com/office/mac/drawingml/2011/main" val="1"/>
+              <ma14:wrappingTextBoxFlag xmlns:ma14="http://schemas.microsoft.com/office/mac/drawingml/2011/main" xmlns="" val="1"/>
             </a:ext>
           </a:extLst>
         </p:spPr>
@@ -12482,7 +12220,7 @@
           </a:ln>
           <a:extLst>
             <a:ext uri="{C572A759-6A51-4108-AA02-DFA0A04FC94B}">
-              <ma14:wrappingTextBoxFlag xmlns="" xmlns:ma14="http://schemas.microsoft.com/office/mac/drawingml/2011/main" val="1"/>
+              <ma14:wrappingTextBoxFlag xmlns:ma14="http://schemas.microsoft.com/office/mac/drawingml/2011/main" xmlns="" val="1"/>
             </a:ext>
           </a:extLst>
         </p:spPr>
@@ -12790,7 +12528,7 @@
           </a:ln>
           <a:extLst>
             <a:ext uri="{C572A759-6A51-4108-AA02-DFA0A04FC94B}">
-              <ma14:wrappingTextBoxFlag xmlns="" xmlns:ma14="http://schemas.microsoft.com/office/mac/drawingml/2011/main" val="1"/>
+              <ma14:wrappingTextBoxFlag xmlns:ma14="http://schemas.microsoft.com/office/mac/drawingml/2011/main" xmlns="" val="1"/>
             </a:ext>
           </a:extLst>
         </p:spPr>
@@ -13165,7 +12903,7 @@
           </a:ln>
           <a:extLst>
             <a:ext uri="{C572A759-6A51-4108-AA02-DFA0A04FC94B}">
-              <ma14:wrappingTextBoxFlag xmlns="" xmlns:ma14="http://schemas.microsoft.com/office/mac/drawingml/2011/main" val="1"/>
+              <ma14:wrappingTextBoxFlag xmlns:ma14="http://schemas.microsoft.com/office/mac/drawingml/2011/main" xmlns="" val="1"/>
             </a:ext>
           </a:extLst>
         </p:spPr>
@@ -13293,7 +13031,7 @@
                 <a:latin typeface="Calibri" panose="020F0502020204030204" pitchFamily="34" charset="0"/>
                 <a:cs typeface="Calibri" panose="020F0502020204030204" pitchFamily="34" charset="0"/>
               </a:rPr>
-              <a:t> di 15</a:t>
+              <a:t> di 14</a:t>
             </a:r>
           </a:p>
         </p:txBody>
@@ -13403,7 +13141,7 @@
           </a:prstGeom>
           <a:extLst>
             <a:ext uri="{C572A759-6A51-4108-AA02-DFA0A04FC94B}">
-              <ma14:wrappingTextBoxFlag xmlns="" xmlns:ma14="http://schemas.microsoft.com/office/mac/drawingml/2011/main" val="1"/>
+              <ma14:wrappingTextBoxFlag xmlns:ma14="http://schemas.microsoft.com/office/mac/drawingml/2011/main" xmlns="" val="1"/>
             </a:ext>
           </a:extLst>
         </p:spPr>
@@ -13471,7 +13209,7 @@
           </a:ln>
           <a:extLst>
             <a:ext uri="{C572A759-6A51-4108-AA02-DFA0A04FC94B}">
-              <ma14:wrappingTextBoxFlag xmlns="" xmlns:ma14="http://schemas.microsoft.com/office/mac/drawingml/2011/main" val="1"/>
+              <ma14:wrappingTextBoxFlag xmlns:ma14="http://schemas.microsoft.com/office/mac/drawingml/2011/main" xmlns="" val="1"/>
             </a:ext>
           </a:extLst>
         </p:spPr>
@@ -13504,52 +13242,6 @@
           </a:p>
         </p:txBody>
       </p:sp>
-      <p:pic>
-        <p:nvPicPr>
-          <p:cNvPr id="3" name="Immagine 2">
-            <a:extLst>
-              <a:ext uri="{FF2B5EF4-FFF2-40B4-BE49-F238E27FC236}">
-                <a16:creationId xmlns:a16="http://schemas.microsoft.com/office/drawing/2014/main" id="{3C84FFE4-A722-4AB7-A529-346C99D6FC97}"/>
-              </a:ext>
-            </a:extLst>
-          </p:cNvPr>
-          <p:cNvPicPr>
-            <a:picLocks noChangeAspect="1"/>
-          </p:cNvPicPr>
-          <p:nvPr/>
-        </p:nvPicPr>
-        <p:blipFill>
-          <a:blip r:embed="rId4">
-            <a:extLst>
-              <a:ext uri="{28A0092B-C50C-407E-A947-70E740481C1C}">
-                <a14:useLocalDpi xmlns:a14="http://schemas.microsoft.com/office/drawing/2010/main" val="0"/>
-              </a:ext>
-            </a:extLst>
-          </a:blip>
-          <a:stretch>
-            <a:fillRect/>
-          </a:stretch>
-        </p:blipFill>
-        <p:spPr>
-          <a:xfrm>
-            <a:off x="2411730" y="3147604"/>
-            <a:ext cx="4320540" cy="1377563"/>
-          </a:xfrm>
-          <a:prstGeom prst="rect">
-            <a:avLst/>
-          </a:prstGeom>
-          <a:ln>
-            <a:noFill/>
-          </a:ln>
-          <a:effectLst>
-            <a:outerShdw blurRad="292100" dist="139700" dir="2700000" algn="tl" rotWithShape="0">
-              <a:srgbClr val="333333">
-                <a:alpha val="65000"/>
-              </a:srgbClr>
-            </a:outerShdw>
-          </a:effectLst>
-        </p:spPr>
-      </p:pic>
       <p:sp>
         <p:nvSpPr>
           <p:cNvPr id="13" name="Shape 52">
@@ -13564,7 +13256,7 @@
         </p:nvSpPr>
         <p:spPr>
           <a:xfrm>
-            <a:off x="1068264" y="1968278"/>
+            <a:off x="1068264" y="828000"/>
             <a:ext cx="7007472" cy="1077218"/>
           </a:xfrm>
           <a:prstGeom prst="rect">
@@ -13575,7 +13267,7 @@
           </a:ln>
           <a:extLst>
             <a:ext uri="{C572A759-6A51-4108-AA02-DFA0A04FC94B}">
-              <ma14:wrappingTextBoxFlag xmlns="" xmlns:ma14="http://schemas.microsoft.com/office/mac/drawingml/2011/main" val="1"/>
+              <ma14:wrappingTextBoxFlag xmlns:ma14="http://schemas.microsoft.com/office/mac/drawingml/2011/main" xmlns="" val="1"/>
             </a:ext>
           </a:extLst>
         </p:spPr>
@@ -13673,7 +13365,7 @@
           </a:ln>
           <a:extLst>
             <a:ext uri="{C572A759-6A51-4108-AA02-DFA0A04FC94B}">
-              <ma14:wrappingTextBoxFlag xmlns="" xmlns:ma14="http://schemas.microsoft.com/office/mac/drawingml/2011/main" val="1"/>
+              <ma14:wrappingTextBoxFlag xmlns:ma14="http://schemas.microsoft.com/office/mac/drawingml/2011/main" xmlns="" val="1"/>
             </a:ext>
           </a:extLst>
         </p:spPr>
@@ -13823,7 +13515,7 @@
           </a:ln>
           <a:extLst>
             <a:ext uri="{C572A759-6A51-4108-AA02-DFA0A04FC94B}">
-              <ma14:wrappingTextBoxFlag xmlns="" xmlns:ma14="http://schemas.microsoft.com/office/mac/drawingml/2011/main" val="1"/>
+              <ma14:wrappingTextBoxFlag xmlns:ma14="http://schemas.microsoft.com/office/mac/drawingml/2011/main" xmlns="" val="1"/>
             </a:ext>
           </a:extLst>
         </p:spPr>
@@ -14090,7 +13782,7 @@
           </a:ln>
           <a:extLst>
             <a:ext uri="{C572A759-6A51-4108-AA02-DFA0A04FC94B}">
-              <ma14:wrappingTextBoxFlag xmlns="" xmlns:ma14="http://schemas.microsoft.com/office/mac/drawingml/2011/main" val="1"/>
+              <ma14:wrappingTextBoxFlag xmlns:ma14="http://schemas.microsoft.com/office/mac/drawingml/2011/main" xmlns="" val="1"/>
             </a:ext>
           </a:extLst>
         </p:spPr>
@@ -14351,7 +14043,7 @@
           </a:ln>
           <a:extLst>
             <a:ext uri="{C572A759-6A51-4108-AA02-DFA0A04FC94B}">
-              <ma14:wrappingTextBoxFlag xmlns="" xmlns:ma14="http://schemas.microsoft.com/office/mac/drawingml/2011/main" val="1"/>
+              <ma14:wrappingTextBoxFlag xmlns:ma14="http://schemas.microsoft.com/office/mac/drawingml/2011/main" xmlns="" val="1"/>
             </a:ext>
           </a:extLst>
         </p:spPr>
@@ -14479,11 +14171,47 @@
                 <a:latin typeface="Calibri" panose="020F0502020204030204" pitchFamily="34" charset="0"/>
                 <a:cs typeface="Calibri" panose="020F0502020204030204" pitchFamily="34" charset="0"/>
               </a:rPr>
-              <a:t> di 15</a:t>
+              <a:t> di 14</a:t>
             </a:r>
           </a:p>
         </p:txBody>
       </p:sp>
+      <p:pic>
+        <p:nvPicPr>
+          <p:cNvPr id="17" name="Immagine 16">
+            <a:extLst>
+              <a:ext uri="{FF2B5EF4-FFF2-40B4-BE49-F238E27FC236}">
+                <a16:creationId xmlns:a16="http://schemas.microsoft.com/office/drawing/2014/main" id="{823A22F2-691F-4B37-B2BA-B506D99DF4F8}"/>
+              </a:ext>
+            </a:extLst>
+          </p:cNvPr>
+          <p:cNvPicPr>
+            <a:picLocks noChangeAspect="1"/>
+          </p:cNvPicPr>
+          <p:nvPr/>
+        </p:nvPicPr>
+        <p:blipFill>
+          <a:blip r:embed="rId4">
+            <a:extLst>
+              <a:ext uri="{28A0092B-C50C-407E-A947-70E740481C1C}">
+                <a14:useLocalDpi xmlns:a14="http://schemas.microsoft.com/office/drawing/2010/main" val="0"/>
+              </a:ext>
+            </a:extLst>
+          </a:blip>
+          <a:stretch>
+            <a:fillRect/>
+          </a:stretch>
+        </p:blipFill>
+        <p:spPr>
+          <a:xfrm>
+            <a:off x="718887" y="1539000"/>
+            <a:ext cx="7706226" cy="3780000"/>
+          </a:xfrm>
+          <a:prstGeom prst="rect">
+            <a:avLst/>
+          </a:prstGeom>
+        </p:spPr>
+      </p:pic>
     </p:spTree>
     <p:extLst>
       <p:ext uri="{BB962C8B-B14F-4D97-AF65-F5344CB8AC3E}">
@@ -14589,7 +14317,7 @@
           </a:prstGeom>
           <a:extLst>
             <a:ext uri="{C572A759-6A51-4108-AA02-DFA0A04FC94B}">
-              <ma14:wrappingTextBoxFlag xmlns="" xmlns:ma14="http://schemas.microsoft.com/office/mac/drawingml/2011/main" val="1"/>
+              <ma14:wrappingTextBoxFlag xmlns:ma14="http://schemas.microsoft.com/office/mac/drawingml/2011/main" xmlns="" val="1"/>
             </a:ext>
           </a:extLst>
         </p:spPr>
@@ -14657,7 +14385,7 @@
           </a:ln>
           <a:extLst>
             <a:ext uri="{C572A759-6A51-4108-AA02-DFA0A04FC94B}">
-              <ma14:wrappingTextBoxFlag xmlns="" xmlns:ma14="http://schemas.microsoft.com/office/mac/drawingml/2011/main" val="1"/>
+              <ma14:wrappingTextBoxFlag xmlns:ma14="http://schemas.microsoft.com/office/mac/drawingml/2011/main" xmlns="" val="1"/>
             </a:ext>
           </a:extLst>
         </p:spPr>
@@ -14717,7 +14445,7 @@
           </a:ln>
           <a:extLst>
             <a:ext uri="{C572A759-6A51-4108-AA02-DFA0A04FC94B}">
-              <ma14:wrappingTextBoxFlag xmlns="" xmlns:ma14="http://schemas.microsoft.com/office/mac/drawingml/2011/main" val="1"/>
+              <ma14:wrappingTextBoxFlag xmlns:ma14="http://schemas.microsoft.com/office/mac/drawingml/2011/main" xmlns="" val="1"/>
             </a:ext>
           </a:extLst>
         </p:spPr>
@@ -14867,7 +14595,7 @@
           </a:ln>
           <a:extLst>
             <a:ext uri="{C572A759-6A51-4108-AA02-DFA0A04FC94B}">
-              <ma14:wrappingTextBoxFlag xmlns="" xmlns:ma14="http://schemas.microsoft.com/office/mac/drawingml/2011/main" val="1"/>
+              <ma14:wrappingTextBoxFlag xmlns:ma14="http://schemas.microsoft.com/office/mac/drawingml/2011/main" xmlns="" val="1"/>
             </a:ext>
           </a:extLst>
         </p:spPr>
@@ -15134,7 +14862,7 @@
           </a:ln>
           <a:extLst>
             <a:ext uri="{C572A759-6A51-4108-AA02-DFA0A04FC94B}">
-              <ma14:wrappingTextBoxFlag xmlns="" xmlns:ma14="http://schemas.microsoft.com/office/mac/drawingml/2011/main" val="1"/>
+              <ma14:wrappingTextBoxFlag xmlns:ma14="http://schemas.microsoft.com/office/mac/drawingml/2011/main" xmlns="" val="1"/>
             </a:ext>
           </a:extLst>
         </p:spPr>
@@ -15395,7 +15123,7 @@
           </a:ln>
           <a:extLst>
             <a:ext uri="{C572A759-6A51-4108-AA02-DFA0A04FC94B}">
-              <ma14:wrappingTextBoxFlag xmlns="" xmlns:ma14="http://schemas.microsoft.com/office/mac/drawingml/2011/main" val="1"/>
+              <ma14:wrappingTextBoxFlag xmlns:ma14="http://schemas.microsoft.com/office/mac/drawingml/2011/main" xmlns="" val="1"/>
             </a:ext>
           </a:extLst>
         </p:spPr>
@@ -15523,7 +15251,7 @@
                 <a:latin typeface="Calibri" panose="020F0502020204030204" pitchFamily="34" charset="0"/>
                 <a:cs typeface="Calibri" panose="020F0502020204030204" pitchFamily="34" charset="0"/>
               </a:rPr>
-              <a:t> di 15</a:t>
+              <a:t> di 14</a:t>
             </a:r>
           </a:p>
         </p:txBody>
@@ -15589,7 +15317,7 @@
           </a:ln>
           <a:extLst>
             <a:ext uri="{C572A759-6A51-4108-AA02-DFA0A04FC94B}">
-              <ma14:wrappingTextBoxFlag xmlns="" xmlns:ma14="http://schemas.microsoft.com/office/mac/drawingml/2011/main" val="1"/>
+              <ma14:wrappingTextBoxFlag xmlns:ma14="http://schemas.microsoft.com/office/mac/drawingml/2011/main" xmlns="" val="1"/>
             </a:ext>
           </a:extLst>
         </p:spPr>
@@ -15725,7 +15453,7 @@
           </a:prstGeom>
           <a:extLst>
             <a:ext uri="{C572A759-6A51-4108-AA02-DFA0A04FC94B}">
-              <ma14:wrappingTextBoxFlag xmlns="" xmlns:ma14="http://schemas.microsoft.com/office/mac/drawingml/2011/main" val="1"/>
+              <ma14:wrappingTextBoxFlag xmlns:ma14="http://schemas.microsoft.com/office/mac/drawingml/2011/main" xmlns="" val="1"/>
             </a:ext>
           </a:extLst>
         </p:spPr>
@@ -15793,7 +15521,7 @@
           </a:ln>
           <a:extLst>
             <a:ext uri="{C572A759-6A51-4108-AA02-DFA0A04FC94B}">
-              <ma14:wrappingTextBoxFlag xmlns="" xmlns:ma14="http://schemas.microsoft.com/office/mac/drawingml/2011/main" val="1"/>
+              <ma14:wrappingTextBoxFlag xmlns:ma14="http://schemas.microsoft.com/office/mac/drawingml/2011/main" xmlns="" val="1"/>
             </a:ext>
           </a:extLst>
         </p:spPr>
@@ -15851,7 +15579,7 @@
           </a:ln>
           <a:extLst>
             <a:ext uri="{C572A759-6A51-4108-AA02-DFA0A04FC94B}">
-              <ma14:wrappingTextBoxFlag xmlns="" xmlns:ma14="http://schemas.microsoft.com/office/mac/drawingml/2011/main" val="1"/>
+              <ma14:wrappingTextBoxFlag xmlns:ma14="http://schemas.microsoft.com/office/mac/drawingml/2011/main" xmlns="" val="1"/>
             </a:ext>
           </a:extLst>
         </p:spPr>
@@ -16021,7 +15749,7 @@
           </a:ln>
           <a:extLst>
             <a:ext uri="{C572A759-6A51-4108-AA02-DFA0A04FC94B}">
-              <ma14:wrappingTextBoxFlag xmlns="" xmlns:ma14="http://schemas.microsoft.com/office/mac/drawingml/2011/main" val="1"/>
+              <ma14:wrappingTextBoxFlag xmlns:ma14="http://schemas.microsoft.com/office/mac/drawingml/2011/main" xmlns="" val="1"/>
             </a:ext>
           </a:extLst>
         </p:spPr>
@@ -16171,7 +15899,7 @@
           </a:ln>
           <a:extLst>
             <a:ext uri="{C572A759-6A51-4108-AA02-DFA0A04FC94B}">
-              <ma14:wrappingTextBoxFlag xmlns="" xmlns:ma14="http://schemas.microsoft.com/office/mac/drawingml/2011/main" val="1"/>
+              <ma14:wrappingTextBoxFlag xmlns:ma14="http://schemas.microsoft.com/office/mac/drawingml/2011/main" xmlns="" val="1"/>
             </a:ext>
           </a:extLst>
         </p:spPr>
@@ -16549,7 +16277,7 @@
           </a:ln>
           <a:extLst>
             <a:ext uri="{C572A759-6A51-4108-AA02-DFA0A04FC94B}">
-              <ma14:wrappingTextBoxFlag xmlns="" xmlns:ma14="http://schemas.microsoft.com/office/mac/drawingml/2011/main" val="1"/>
+              <ma14:wrappingTextBoxFlag xmlns:ma14="http://schemas.microsoft.com/office/mac/drawingml/2011/main" xmlns="" val="1"/>
             </a:ext>
           </a:extLst>
         </p:spPr>
@@ -16677,7 +16405,7 @@
                 <a:latin typeface="Calibri" panose="020F0502020204030204" pitchFamily="34" charset="0"/>
                 <a:cs typeface="Calibri" panose="020F0502020204030204" pitchFamily="34" charset="0"/>
               </a:rPr>
-              <a:t> di 15</a:t>
+              <a:t> di 14</a:t>
             </a:r>
           </a:p>
         </p:txBody>
@@ -17053,7 +16781,7 @@
           </a:prstGeom>
           <a:extLst>
             <a:ext uri="{C572A759-6A51-4108-AA02-DFA0A04FC94B}">
-              <ma14:wrappingTextBoxFlag xmlns="" xmlns:ma14="http://schemas.microsoft.com/office/mac/drawingml/2011/main" val="1"/>
+              <ma14:wrappingTextBoxFlag xmlns:ma14="http://schemas.microsoft.com/office/mac/drawingml/2011/main" xmlns="" val="1"/>
             </a:ext>
           </a:extLst>
         </p:spPr>
@@ -17121,7 +16849,7 @@
           </a:ln>
           <a:extLst>
             <a:ext uri="{C572A759-6A51-4108-AA02-DFA0A04FC94B}">
-              <ma14:wrappingTextBoxFlag xmlns="" xmlns:ma14="http://schemas.microsoft.com/office/mac/drawingml/2011/main" val="1"/>
+              <ma14:wrappingTextBoxFlag xmlns:ma14="http://schemas.microsoft.com/office/mac/drawingml/2011/main" xmlns="" val="1"/>
             </a:ext>
           </a:extLst>
         </p:spPr>
@@ -17179,7 +16907,7 @@
           </a:ln>
           <a:extLst>
             <a:ext uri="{C572A759-6A51-4108-AA02-DFA0A04FC94B}">
-              <ma14:wrappingTextBoxFlag xmlns="" xmlns:ma14="http://schemas.microsoft.com/office/mac/drawingml/2011/main" val="1"/>
+              <ma14:wrappingTextBoxFlag xmlns:ma14="http://schemas.microsoft.com/office/mac/drawingml/2011/main" xmlns="" val="1"/>
             </a:ext>
           </a:extLst>
         </p:spPr>
@@ -17237,7 +16965,7 @@
           </a:ln>
           <a:extLst>
             <a:ext uri="{C572A759-6A51-4108-AA02-DFA0A04FC94B}">
-              <ma14:wrappingTextBoxFlag xmlns="" xmlns:ma14="http://schemas.microsoft.com/office/mac/drawingml/2011/main" val="1"/>
+              <ma14:wrappingTextBoxFlag xmlns:ma14="http://schemas.microsoft.com/office/mac/drawingml/2011/main" xmlns="" val="1"/>
             </a:ext>
           </a:extLst>
         </p:spPr>
@@ -17387,7 +17115,7 @@
           </a:ln>
           <a:extLst>
             <a:ext uri="{C572A759-6A51-4108-AA02-DFA0A04FC94B}">
-              <ma14:wrappingTextBoxFlag xmlns="" xmlns:ma14="http://schemas.microsoft.com/office/mac/drawingml/2011/main" val="1"/>
+              <ma14:wrappingTextBoxFlag xmlns:ma14="http://schemas.microsoft.com/office/mac/drawingml/2011/main" xmlns="" val="1"/>
             </a:ext>
           </a:extLst>
         </p:spPr>
@@ -17765,7 +17493,7 @@
           </a:ln>
           <a:extLst>
             <a:ext uri="{C572A759-6A51-4108-AA02-DFA0A04FC94B}">
-              <ma14:wrappingTextBoxFlag xmlns="" xmlns:ma14="http://schemas.microsoft.com/office/mac/drawingml/2011/main" val="1"/>
+              <ma14:wrappingTextBoxFlag xmlns:ma14="http://schemas.microsoft.com/office/mac/drawingml/2011/main" xmlns="" val="1"/>
             </a:ext>
           </a:extLst>
         </p:spPr>
@@ -17893,7 +17621,7 @@
                 <a:latin typeface="Calibri" panose="020F0502020204030204" pitchFamily="34" charset="0"/>
                 <a:cs typeface="Calibri" panose="020F0502020204030204" pitchFamily="34" charset="0"/>
               </a:rPr>
-              <a:t> di 15</a:t>
+              <a:t> di 14</a:t>
             </a:r>
           </a:p>
         </p:txBody>
@@ -18126,7 +17854,7 @@
           </a:ln>
           <a:extLst>
             <a:ext uri="{C572A759-6A51-4108-AA02-DFA0A04FC94B}">
-              <ma14:wrappingTextBoxFlag xmlns="" xmlns:ma14="http://schemas.microsoft.com/office/mac/drawingml/2011/main" val="1"/>
+              <ma14:wrappingTextBoxFlag xmlns:ma14="http://schemas.microsoft.com/office/mac/drawingml/2011/main" xmlns="" val="1"/>
             </a:ext>
           </a:extLst>
         </p:spPr>
@@ -18403,7 +18131,7 @@
           </a:prstGeom>
           <a:extLst>
             <a:ext uri="{C572A759-6A51-4108-AA02-DFA0A04FC94B}">
-              <ma14:wrappingTextBoxFlag xmlns="" xmlns:ma14="http://schemas.microsoft.com/office/mac/drawingml/2011/main" val="1"/>
+              <ma14:wrappingTextBoxFlag xmlns:ma14="http://schemas.microsoft.com/office/mac/drawingml/2011/main" xmlns="" val="1"/>
             </a:ext>
           </a:extLst>
         </p:spPr>
@@ -18471,7 +18199,7 @@
           </a:ln>
           <a:extLst>
             <a:ext uri="{C572A759-6A51-4108-AA02-DFA0A04FC94B}">
-              <ma14:wrappingTextBoxFlag xmlns="" xmlns:ma14="http://schemas.microsoft.com/office/mac/drawingml/2011/main" val="1"/>
+              <ma14:wrappingTextBoxFlag xmlns:ma14="http://schemas.microsoft.com/office/mac/drawingml/2011/main" xmlns="" val="1"/>
             </a:ext>
           </a:extLst>
         </p:spPr>
@@ -18529,7 +18257,7 @@
           </a:ln>
           <a:extLst>
             <a:ext uri="{C572A759-6A51-4108-AA02-DFA0A04FC94B}">
-              <ma14:wrappingTextBoxFlag xmlns="" xmlns:ma14="http://schemas.microsoft.com/office/mac/drawingml/2011/main" val="1"/>
+              <ma14:wrappingTextBoxFlag xmlns:ma14="http://schemas.microsoft.com/office/mac/drawingml/2011/main" xmlns="" val="1"/>
             </a:ext>
           </a:extLst>
         </p:spPr>
@@ -18587,7 +18315,7 @@
           </a:ln>
           <a:extLst>
             <a:ext uri="{C572A759-6A51-4108-AA02-DFA0A04FC94B}">
-              <ma14:wrappingTextBoxFlag xmlns="" xmlns:ma14="http://schemas.microsoft.com/office/mac/drawingml/2011/main" val="1"/>
+              <ma14:wrappingTextBoxFlag xmlns:ma14="http://schemas.microsoft.com/office/mac/drawingml/2011/main" xmlns="" val="1"/>
             </a:ext>
           </a:extLst>
         </p:spPr>
@@ -18737,7 +18465,7 @@
           </a:ln>
           <a:extLst>
             <a:ext uri="{C572A759-6A51-4108-AA02-DFA0A04FC94B}">
-              <ma14:wrappingTextBoxFlag xmlns="" xmlns:ma14="http://schemas.microsoft.com/office/mac/drawingml/2011/main" val="1"/>
+              <ma14:wrappingTextBoxFlag xmlns:ma14="http://schemas.microsoft.com/office/mac/drawingml/2011/main" xmlns="" val="1"/>
             </a:ext>
           </a:extLst>
         </p:spPr>
@@ -19115,7 +18843,7 @@
           </a:ln>
           <a:extLst>
             <a:ext uri="{C572A759-6A51-4108-AA02-DFA0A04FC94B}">
-              <ma14:wrappingTextBoxFlag xmlns="" xmlns:ma14="http://schemas.microsoft.com/office/mac/drawingml/2011/main" val="1"/>
+              <ma14:wrappingTextBoxFlag xmlns:ma14="http://schemas.microsoft.com/office/mac/drawingml/2011/main" xmlns="" val="1"/>
             </a:ext>
           </a:extLst>
         </p:spPr>
@@ -19243,7 +18971,7 @@
                 <a:latin typeface="Calibri" panose="020F0502020204030204" pitchFamily="34" charset="0"/>
                 <a:cs typeface="Calibri" panose="020F0502020204030204" pitchFamily="34" charset="0"/>
               </a:rPr>
-              <a:t> di 15</a:t>
+              <a:t> di 14</a:t>
             </a:r>
           </a:p>
         </p:txBody>
@@ -19273,7 +19001,7 @@
           </a:ln>
           <a:extLst>
             <a:ext uri="{C572A759-6A51-4108-AA02-DFA0A04FC94B}">
-              <ma14:wrappingTextBoxFlag xmlns="" xmlns:ma14="http://schemas.microsoft.com/office/mac/drawingml/2011/main" val="1"/>
+              <ma14:wrappingTextBoxFlag xmlns:ma14="http://schemas.microsoft.com/office/mac/drawingml/2011/main" xmlns="" val="1"/>
             </a:ext>
           </a:extLst>
         </p:spPr>

--- a/presentazione/Pptx/Lahmer_Abdelilah_presentazione.pptx
+++ b/presentazione/Pptx/Lahmer_Abdelilah_presentazione.pptx
@@ -2059,7 +2059,7 @@
           </a:ln>
           <a:extLst>
             <a:ext uri="{C572A759-6A51-4108-AA02-DFA0A04FC94B}">
-              <ma14:wrappingTextBoxFlag xmlns:ma14="http://schemas.microsoft.com/office/mac/drawingml/2011/main" xmlns="" val="1"/>
+              <ma14:wrappingTextBoxFlag xmlns="" xmlns:ma14="http://schemas.microsoft.com/office/mac/drawingml/2011/main" val="1"/>
             </a:ext>
           </a:extLst>
         </p:spPr>
@@ -2102,7 +2102,7 @@
           </a:ln>
           <a:extLst>
             <a:ext uri="{C572A759-6A51-4108-AA02-DFA0A04FC94B}">
-              <ma14:wrappingTextBoxFlag xmlns:ma14="http://schemas.microsoft.com/office/mac/drawingml/2011/main" xmlns="" val="1"/>
+              <ma14:wrappingTextBoxFlag xmlns="" xmlns:ma14="http://schemas.microsoft.com/office/mac/drawingml/2011/main" val="1"/>
             </a:ext>
           </a:extLst>
         </p:spPr>
@@ -2618,7 +2618,7 @@
           </a:ln>
           <a:extLst>
             <a:ext uri="{C572A759-6A51-4108-AA02-DFA0A04FC94B}">
-              <ma14:wrappingTextBoxFlag xmlns:ma14="http://schemas.microsoft.com/office/mac/drawingml/2011/main" xmlns="" val="1"/>
+              <ma14:wrappingTextBoxFlag xmlns="" xmlns:ma14="http://schemas.microsoft.com/office/mac/drawingml/2011/main" val="1"/>
             </a:ext>
           </a:extLst>
         </p:spPr>
@@ -2729,7 +2729,7 @@
           </a:ln>
           <a:extLst>
             <a:ext uri="{C572A759-6A51-4108-AA02-DFA0A04FC94B}">
-              <ma14:wrappingTextBoxFlag xmlns:ma14="http://schemas.microsoft.com/office/mac/drawingml/2011/main" xmlns="" val="1"/>
+              <ma14:wrappingTextBoxFlag xmlns="" xmlns:ma14="http://schemas.microsoft.com/office/mac/drawingml/2011/main" val="1"/>
             </a:ext>
           </a:extLst>
         </p:spPr>
@@ -2779,7 +2779,7 @@
           </a:ln>
           <a:extLst>
             <a:ext uri="{C572A759-6A51-4108-AA02-DFA0A04FC94B}">
-              <ma14:wrappingTextBoxFlag xmlns:ma14="http://schemas.microsoft.com/office/mac/drawingml/2011/main" xmlns="" val="1"/>
+              <ma14:wrappingTextBoxFlag xmlns="" xmlns:ma14="http://schemas.microsoft.com/office/mac/drawingml/2011/main" val="1"/>
             </a:ext>
           </a:extLst>
         </p:spPr>
@@ -2849,7 +2849,7 @@
           </a:ln>
           <a:extLst>
             <a:ext uri="{C572A759-6A51-4108-AA02-DFA0A04FC94B}">
-              <ma14:wrappingTextBoxFlag xmlns:ma14="http://schemas.microsoft.com/office/mac/drawingml/2011/main" xmlns="" val="1"/>
+              <ma14:wrappingTextBoxFlag xmlns="" xmlns:ma14="http://schemas.microsoft.com/office/mac/drawingml/2011/main" val="1"/>
             </a:ext>
           </a:extLst>
         </p:spPr>
@@ -2919,7 +2919,7 @@
           </a:ln>
           <a:extLst>
             <a:ext uri="{C572A759-6A51-4108-AA02-DFA0A04FC94B}">
-              <ma14:wrappingTextBoxFlag xmlns:ma14="http://schemas.microsoft.com/office/mac/drawingml/2011/main" xmlns="" val="1"/>
+              <ma14:wrappingTextBoxFlag xmlns="" xmlns:ma14="http://schemas.microsoft.com/office/mac/drawingml/2011/main" val="1"/>
             </a:ext>
           </a:extLst>
         </p:spPr>
@@ -3001,7 +3001,7 @@
           </a:ln>
           <a:extLst>
             <a:ext uri="{C572A759-6A51-4108-AA02-DFA0A04FC94B}">
-              <ma14:wrappingTextBoxFlag xmlns:ma14="http://schemas.microsoft.com/office/mac/drawingml/2011/main" xmlns="" val="1"/>
+              <ma14:wrappingTextBoxFlag xmlns="" xmlns:ma14="http://schemas.microsoft.com/office/mac/drawingml/2011/main" val="1"/>
             </a:ext>
           </a:extLst>
         </p:spPr>
@@ -3156,7 +3156,7 @@
           </a:prstGeom>
           <a:extLst>
             <a:ext uri="{C572A759-6A51-4108-AA02-DFA0A04FC94B}">
-              <ma14:wrappingTextBoxFlag xmlns:ma14="http://schemas.microsoft.com/office/mac/drawingml/2011/main" xmlns="" val="1"/>
+              <ma14:wrappingTextBoxFlag xmlns="" xmlns:ma14="http://schemas.microsoft.com/office/mac/drawingml/2011/main" val="1"/>
             </a:ext>
           </a:extLst>
         </p:spPr>
@@ -3224,7 +3224,7 @@
           </a:ln>
           <a:extLst>
             <a:ext uri="{C572A759-6A51-4108-AA02-DFA0A04FC94B}">
-              <ma14:wrappingTextBoxFlag xmlns:ma14="http://schemas.microsoft.com/office/mac/drawingml/2011/main" xmlns="" val="1"/>
+              <ma14:wrappingTextBoxFlag xmlns="" xmlns:ma14="http://schemas.microsoft.com/office/mac/drawingml/2011/main" val="1"/>
             </a:ext>
           </a:extLst>
         </p:spPr>
@@ -3282,7 +3282,7 @@
           </a:ln>
           <a:extLst>
             <a:ext uri="{C572A759-6A51-4108-AA02-DFA0A04FC94B}">
-              <ma14:wrappingTextBoxFlag xmlns:ma14="http://schemas.microsoft.com/office/mac/drawingml/2011/main" xmlns="" val="1"/>
+              <ma14:wrappingTextBoxFlag xmlns="" xmlns:ma14="http://schemas.microsoft.com/office/mac/drawingml/2011/main" val="1"/>
             </a:ext>
           </a:extLst>
         </p:spPr>
@@ -3340,7 +3340,7 @@
           </a:ln>
           <a:extLst>
             <a:ext uri="{C572A759-6A51-4108-AA02-DFA0A04FC94B}">
-              <ma14:wrappingTextBoxFlag xmlns:ma14="http://schemas.microsoft.com/office/mac/drawingml/2011/main" xmlns="" val="1"/>
+              <ma14:wrappingTextBoxFlag xmlns="" xmlns:ma14="http://schemas.microsoft.com/office/mac/drawingml/2011/main" val="1"/>
             </a:ext>
           </a:extLst>
         </p:spPr>
@@ -3490,7 +3490,7 @@
           </a:ln>
           <a:extLst>
             <a:ext uri="{C572A759-6A51-4108-AA02-DFA0A04FC94B}">
-              <ma14:wrappingTextBoxFlag xmlns:ma14="http://schemas.microsoft.com/office/mac/drawingml/2011/main" xmlns="" val="1"/>
+              <ma14:wrappingTextBoxFlag xmlns="" xmlns:ma14="http://schemas.microsoft.com/office/mac/drawingml/2011/main" val="1"/>
             </a:ext>
           </a:extLst>
         </p:spPr>
@@ -3868,7 +3868,7 @@
           </a:ln>
           <a:extLst>
             <a:ext uri="{C572A759-6A51-4108-AA02-DFA0A04FC94B}">
-              <ma14:wrappingTextBoxFlag xmlns:ma14="http://schemas.microsoft.com/office/mac/drawingml/2011/main" xmlns="" val="1"/>
+              <ma14:wrappingTextBoxFlag xmlns="" xmlns:ma14="http://schemas.microsoft.com/office/mac/drawingml/2011/main" val="1"/>
             </a:ext>
           </a:extLst>
         </p:spPr>
@@ -4016,7 +4016,7 @@
           </a:ln>
           <a:extLst>
             <a:ext uri="{C572A759-6A51-4108-AA02-DFA0A04FC94B}">
-              <ma14:wrappingTextBoxFlag xmlns:ma14="http://schemas.microsoft.com/office/mac/drawingml/2011/main" xmlns="" val="1"/>
+              <ma14:wrappingTextBoxFlag xmlns="" xmlns:ma14="http://schemas.microsoft.com/office/mac/drawingml/2011/main" val="1"/>
             </a:ext>
           </a:extLst>
         </p:spPr>
@@ -4381,7 +4381,7 @@
           </a:prstGeom>
           <a:extLst>
             <a:ext uri="{C572A759-6A51-4108-AA02-DFA0A04FC94B}">
-              <ma14:wrappingTextBoxFlag xmlns:ma14="http://schemas.microsoft.com/office/mac/drawingml/2011/main" xmlns="" val="1"/>
+              <ma14:wrappingTextBoxFlag xmlns="" xmlns:ma14="http://schemas.microsoft.com/office/mac/drawingml/2011/main" val="1"/>
             </a:ext>
           </a:extLst>
         </p:spPr>
@@ -4449,7 +4449,7 @@
           </a:ln>
           <a:extLst>
             <a:ext uri="{C572A759-6A51-4108-AA02-DFA0A04FC94B}">
-              <ma14:wrappingTextBoxFlag xmlns:ma14="http://schemas.microsoft.com/office/mac/drawingml/2011/main" xmlns="" val="1"/>
+              <ma14:wrappingTextBoxFlag xmlns="" xmlns:ma14="http://schemas.microsoft.com/office/mac/drawingml/2011/main" val="1"/>
             </a:ext>
           </a:extLst>
         </p:spPr>
@@ -4509,7 +4509,7 @@
           </a:ln>
           <a:extLst>
             <a:ext uri="{C572A759-6A51-4108-AA02-DFA0A04FC94B}">
-              <ma14:wrappingTextBoxFlag xmlns:ma14="http://schemas.microsoft.com/office/mac/drawingml/2011/main" xmlns="" val="1"/>
+              <ma14:wrappingTextBoxFlag xmlns="" xmlns:ma14="http://schemas.microsoft.com/office/mac/drawingml/2011/main" val="1"/>
             </a:ext>
           </a:extLst>
         </p:spPr>
@@ -4659,7 +4659,7 @@
           </a:ln>
           <a:extLst>
             <a:ext uri="{C572A759-6A51-4108-AA02-DFA0A04FC94B}">
-              <ma14:wrappingTextBoxFlag xmlns:ma14="http://schemas.microsoft.com/office/mac/drawingml/2011/main" xmlns="" val="1"/>
+              <ma14:wrappingTextBoxFlag xmlns="" xmlns:ma14="http://schemas.microsoft.com/office/mac/drawingml/2011/main" val="1"/>
             </a:ext>
           </a:extLst>
         </p:spPr>
@@ -5037,7 +5037,7 @@
           </a:ln>
           <a:extLst>
             <a:ext uri="{C572A759-6A51-4108-AA02-DFA0A04FC94B}">
-              <ma14:wrappingTextBoxFlag xmlns:ma14="http://schemas.microsoft.com/office/mac/drawingml/2011/main" xmlns="" val="1"/>
+              <ma14:wrappingTextBoxFlag xmlns="" xmlns:ma14="http://schemas.microsoft.com/office/mac/drawingml/2011/main" val="1"/>
             </a:ext>
           </a:extLst>
         </p:spPr>
@@ -6199,7 +6199,7 @@
           </a:prstGeom>
           <a:extLst>
             <a:ext uri="{C572A759-6A51-4108-AA02-DFA0A04FC94B}">
-              <ma14:wrappingTextBoxFlag xmlns:ma14="http://schemas.microsoft.com/office/mac/drawingml/2011/main" xmlns="" val="1"/>
+              <ma14:wrappingTextBoxFlag xmlns="" xmlns:ma14="http://schemas.microsoft.com/office/mac/drawingml/2011/main" val="1"/>
             </a:ext>
           </a:extLst>
         </p:spPr>
@@ -6267,7 +6267,7 @@
           </a:ln>
           <a:extLst>
             <a:ext uri="{C572A759-6A51-4108-AA02-DFA0A04FC94B}">
-              <ma14:wrappingTextBoxFlag xmlns:ma14="http://schemas.microsoft.com/office/mac/drawingml/2011/main" xmlns="" val="1"/>
+              <ma14:wrappingTextBoxFlag xmlns="" xmlns:ma14="http://schemas.microsoft.com/office/mac/drawingml/2011/main" val="1"/>
             </a:ext>
           </a:extLst>
         </p:spPr>
@@ -6325,7 +6325,7 @@
           </a:ln>
           <a:extLst>
             <a:ext uri="{C572A759-6A51-4108-AA02-DFA0A04FC94B}">
-              <ma14:wrappingTextBoxFlag xmlns:ma14="http://schemas.microsoft.com/office/mac/drawingml/2011/main" xmlns="" val="1"/>
+              <ma14:wrappingTextBoxFlag xmlns="" xmlns:ma14="http://schemas.microsoft.com/office/mac/drawingml/2011/main" val="1"/>
             </a:ext>
           </a:extLst>
         </p:spPr>
@@ -6383,7 +6383,7 @@
           </a:ln>
           <a:extLst>
             <a:ext uri="{C572A759-6A51-4108-AA02-DFA0A04FC94B}">
-              <ma14:wrappingTextBoxFlag xmlns:ma14="http://schemas.microsoft.com/office/mac/drawingml/2011/main" xmlns="" val="1"/>
+              <ma14:wrappingTextBoxFlag xmlns="" xmlns:ma14="http://schemas.microsoft.com/office/mac/drawingml/2011/main" val="1"/>
             </a:ext>
           </a:extLst>
         </p:spPr>
@@ -6533,7 +6533,7 @@
           </a:ln>
           <a:extLst>
             <a:ext uri="{C572A759-6A51-4108-AA02-DFA0A04FC94B}">
-              <ma14:wrappingTextBoxFlag xmlns:ma14="http://schemas.microsoft.com/office/mac/drawingml/2011/main" xmlns="" val="1"/>
+              <ma14:wrappingTextBoxFlag xmlns="" xmlns:ma14="http://schemas.microsoft.com/office/mac/drawingml/2011/main" val="1"/>
             </a:ext>
           </a:extLst>
         </p:spPr>
@@ -6911,7 +6911,7 @@
           </a:ln>
           <a:extLst>
             <a:ext uri="{C572A759-6A51-4108-AA02-DFA0A04FC94B}">
-              <ma14:wrappingTextBoxFlag xmlns:ma14="http://schemas.microsoft.com/office/mac/drawingml/2011/main" xmlns="" val="1"/>
+              <ma14:wrappingTextBoxFlag xmlns="" xmlns:ma14="http://schemas.microsoft.com/office/mac/drawingml/2011/main" val="1"/>
             </a:ext>
           </a:extLst>
         </p:spPr>
@@ -7276,7 +7276,7 @@
           </a:ln>
           <a:extLst>
             <a:ext uri="{C572A759-6A51-4108-AA02-DFA0A04FC94B}">
-              <ma14:wrappingTextBoxFlag xmlns:ma14="http://schemas.microsoft.com/office/mac/drawingml/2011/main" xmlns="" val="1"/>
+              <ma14:wrappingTextBoxFlag xmlns="" xmlns:ma14="http://schemas.microsoft.com/office/mac/drawingml/2011/main" val="1"/>
             </a:ext>
           </a:extLst>
         </p:spPr>
@@ -7545,7 +7545,7 @@
           </a:prstGeom>
           <a:extLst>
             <a:ext uri="{C572A759-6A51-4108-AA02-DFA0A04FC94B}">
-              <ma14:wrappingTextBoxFlag xmlns:ma14="http://schemas.microsoft.com/office/mac/drawingml/2011/main" xmlns="" val="1"/>
+              <ma14:wrappingTextBoxFlag xmlns="" xmlns:ma14="http://schemas.microsoft.com/office/mac/drawingml/2011/main" val="1"/>
             </a:ext>
           </a:extLst>
         </p:spPr>
@@ -7613,7 +7613,7 @@
           </a:ln>
           <a:extLst>
             <a:ext uri="{C572A759-6A51-4108-AA02-DFA0A04FC94B}">
-              <ma14:wrappingTextBoxFlag xmlns:ma14="http://schemas.microsoft.com/office/mac/drawingml/2011/main" xmlns="" val="1"/>
+              <ma14:wrappingTextBoxFlag xmlns="" xmlns:ma14="http://schemas.microsoft.com/office/mac/drawingml/2011/main" val="1"/>
             </a:ext>
           </a:extLst>
         </p:spPr>
@@ -7673,7 +7673,7 @@
           </a:ln>
           <a:extLst>
             <a:ext uri="{C572A759-6A51-4108-AA02-DFA0A04FC94B}">
-              <ma14:wrappingTextBoxFlag xmlns:ma14="http://schemas.microsoft.com/office/mac/drawingml/2011/main" xmlns="" val="1"/>
+              <ma14:wrappingTextBoxFlag xmlns="" xmlns:ma14="http://schemas.microsoft.com/office/mac/drawingml/2011/main" val="1"/>
             </a:ext>
           </a:extLst>
         </p:spPr>
@@ -7823,7 +7823,7 @@
           </a:ln>
           <a:extLst>
             <a:ext uri="{C572A759-6A51-4108-AA02-DFA0A04FC94B}">
-              <ma14:wrappingTextBoxFlag xmlns:ma14="http://schemas.microsoft.com/office/mac/drawingml/2011/main" xmlns="" val="1"/>
+              <ma14:wrappingTextBoxFlag xmlns="" xmlns:ma14="http://schemas.microsoft.com/office/mac/drawingml/2011/main" val="1"/>
             </a:ext>
           </a:extLst>
         </p:spPr>
@@ -8199,7 +8199,7 @@
           </a:ln>
           <a:extLst>
             <a:ext uri="{C572A759-6A51-4108-AA02-DFA0A04FC94B}">
-              <ma14:wrappingTextBoxFlag xmlns:ma14="http://schemas.microsoft.com/office/mac/drawingml/2011/main" xmlns="" val="1"/>
+              <ma14:wrappingTextBoxFlag xmlns="" xmlns:ma14="http://schemas.microsoft.com/office/mac/drawingml/2011/main" val="1"/>
             </a:ext>
           </a:extLst>
         </p:spPr>
@@ -9363,7 +9363,7 @@
           </a:prstGeom>
           <a:extLst>
             <a:ext uri="{C572A759-6A51-4108-AA02-DFA0A04FC94B}">
-              <ma14:wrappingTextBoxFlag xmlns:ma14="http://schemas.microsoft.com/office/mac/drawingml/2011/main" xmlns="" val="1"/>
+              <ma14:wrappingTextBoxFlag xmlns="" xmlns:ma14="http://schemas.microsoft.com/office/mac/drawingml/2011/main" val="1"/>
             </a:ext>
           </a:extLst>
         </p:spPr>
@@ -9431,7 +9431,7 @@
           </a:ln>
           <a:extLst>
             <a:ext uri="{C572A759-6A51-4108-AA02-DFA0A04FC94B}">
-              <ma14:wrappingTextBoxFlag xmlns:ma14="http://schemas.microsoft.com/office/mac/drawingml/2011/main" xmlns="" val="1"/>
+              <ma14:wrappingTextBoxFlag xmlns="" xmlns:ma14="http://schemas.microsoft.com/office/mac/drawingml/2011/main" val="1"/>
             </a:ext>
           </a:extLst>
         </p:spPr>
@@ -9491,7 +9491,7 @@
           </a:ln>
           <a:extLst>
             <a:ext uri="{C572A759-6A51-4108-AA02-DFA0A04FC94B}">
-              <ma14:wrappingTextBoxFlag xmlns:ma14="http://schemas.microsoft.com/office/mac/drawingml/2011/main" xmlns="" val="1"/>
+              <ma14:wrappingTextBoxFlag xmlns="" xmlns:ma14="http://schemas.microsoft.com/office/mac/drawingml/2011/main" val="1"/>
             </a:ext>
           </a:extLst>
         </p:spPr>
@@ -9641,7 +9641,7 @@
           </a:ln>
           <a:extLst>
             <a:ext uri="{C572A759-6A51-4108-AA02-DFA0A04FC94B}">
-              <ma14:wrappingTextBoxFlag xmlns:ma14="http://schemas.microsoft.com/office/mac/drawingml/2011/main" xmlns="" val="1"/>
+              <ma14:wrappingTextBoxFlag xmlns="" xmlns:ma14="http://schemas.microsoft.com/office/mac/drawingml/2011/main" val="1"/>
             </a:ext>
           </a:extLst>
         </p:spPr>
@@ -10017,7 +10017,7 @@
           </a:ln>
           <a:extLst>
             <a:ext uri="{C572A759-6A51-4108-AA02-DFA0A04FC94B}">
-              <ma14:wrappingTextBoxFlag xmlns:ma14="http://schemas.microsoft.com/office/mac/drawingml/2011/main" xmlns="" val="1"/>
+              <ma14:wrappingTextBoxFlag xmlns="" xmlns:ma14="http://schemas.microsoft.com/office/mac/drawingml/2011/main" val="1"/>
             </a:ext>
           </a:extLst>
         </p:spPr>
@@ -10165,7 +10165,7 @@
           </a:ln>
           <a:extLst>
             <a:ext uri="{C572A759-6A51-4108-AA02-DFA0A04FC94B}">
-              <ma14:wrappingTextBoxFlag xmlns:ma14="http://schemas.microsoft.com/office/mac/drawingml/2011/main" xmlns="" val="1"/>
+              <ma14:wrappingTextBoxFlag xmlns="" xmlns:ma14="http://schemas.microsoft.com/office/mac/drawingml/2011/main" val="1"/>
             </a:ext>
           </a:extLst>
         </p:spPr>
@@ -10221,7 +10221,7 @@
           </a:ln>
           <a:extLst>
             <a:ext uri="{C572A759-6A51-4108-AA02-DFA0A04FC94B}">
-              <ma14:wrappingTextBoxFlag xmlns:ma14="http://schemas.microsoft.com/office/mac/drawingml/2011/main" xmlns="" val="1"/>
+              <ma14:wrappingTextBoxFlag xmlns="" xmlns:ma14="http://schemas.microsoft.com/office/mac/drawingml/2011/main" val="1"/>
             </a:ext>
           </a:extLst>
         </p:spPr>
@@ -10402,7 +10402,7 @@
           </a:prstGeom>
           <a:extLst>
             <a:ext uri="{C572A759-6A51-4108-AA02-DFA0A04FC94B}">
-              <ma14:wrappingTextBoxFlag xmlns:ma14="http://schemas.microsoft.com/office/mac/drawingml/2011/main" xmlns="" val="1"/>
+              <ma14:wrappingTextBoxFlag xmlns="" xmlns:ma14="http://schemas.microsoft.com/office/mac/drawingml/2011/main" val="1"/>
             </a:ext>
           </a:extLst>
         </p:spPr>
@@ -10470,7 +10470,7 @@
           </a:ln>
           <a:extLst>
             <a:ext uri="{C572A759-6A51-4108-AA02-DFA0A04FC94B}">
-              <ma14:wrappingTextBoxFlag xmlns:ma14="http://schemas.microsoft.com/office/mac/drawingml/2011/main" xmlns="" val="1"/>
+              <ma14:wrappingTextBoxFlag xmlns="" xmlns:ma14="http://schemas.microsoft.com/office/mac/drawingml/2011/main" val="1"/>
             </a:ext>
           </a:extLst>
         </p:spPr>
@@ -10528,7 +10528,7 @@
           </a:ln>
           <a:extLst>
             <a:ext uri="{C572A759-6A51-4108-AA02-DFA0A04FC94B}">
-              <ma14:wrappingTextBoxFlag xmlns:ma14="http://schemas.microsoft.com/office/mac/drawingml/2011/main" xmlns="" val="1"/>
+              <ma14:wrappingTextBoxFlag xmlns="" xmlns:ma14="http://schemas.microsoft.com/office/mac/drawingml/2011/main" val="1"/>
             </a:ext>
           </a:extLst>
         </p:spPr>
@@ -10658,7 +10658,7 @@
           </a:ln>
           <a:extLst>
             <a:ext uri="{C572A759-6A51-4108-AA02-DFA0A04FC94B}">
-              <ma14:wrappingTextBoxFlag xmlns:ma14="http://schemas.microsoft.com/office/mac/drawingml/2011/main" xmlns="" val="1"/>
+              <ma14:wrappingTextBoxFlag xmlns="" xmlns:ma14="http://schemas.microsoft.com/office/mac/drawingml/2011/main" val="1"/>
             </a:ext>
           </a:extLst>
         </p:spPr>
@@ -10971,7 +10971,7 @@
           </a:ln>
           <a:extLst>
             <a:ext uri="{C572A759-6A51-4108-AA02-DFA0A04FC94B}">
-              <ma14:wrappingTextBoxFlag xmlns:ma14="http://schemas.microsoft.com/office/mac/drawingml/2011/main" xmlns="" val="1"/>
+              <ma14:wrappingTextBoxFlag xmlns="" xmlns:ma14="http://schemas.microsoft.com/office/mac/drawingml/2011/main" val="1"/>
             </a:ext>
           </a:extLst>
         </p:spPr>
@@ -11209,7 +11209,7 @@
           </a:prstGeom>
           <a:extLst>
             <a:ext uri="{C572A759-6A51-4108-AA02-DFA0A04FC94B}">
-              <ma14:wrappingTextBoxFlag xmlns:ma14="http://schemas.microsoft.com/office/mac/drawingml/2011/main" xmlns="" val="1"/>
+              <ma14:wrappingTextBoxFlag xmlns="" xmlns:ma14="http://schemas.microsoft.com/office/mac/drawingml/2011/main" val="1"/>
             </a:ext>
           </a:extLst>
         </p:spPr>
@@ -11277,7 +11277,7 @@
           </a:ln>
           <a:extLst>
             <a:ext uri="{C572A759-6A51-4108-AA02-DFA0A04FC94B}">
-              <ma14:wrappingTextBoxFlag xmlns:ma14="http://schemas.microsoft.com/office/mac/drawingml/2011/main" xmlns="" val="1"/>
+              <ma14:wrappingTextBoxFlag xmlns="" xmlns:ma14="http://schemas.microsoft.com/office/mac/drawingml/2011/main" val="1"/>
             </a:ext>
           </a:extLst>
         </p:spPr>
@@ -11337,7 +11337,7 @@
           </a:ln>
           <a:extLst>
             <a:ext uri="{C572A759-6A51-4108-AA02-DFA0A04FC94B}">
-              <ma14:wrappingTextBoxFlag xmlns:ma14="http://schemas.microsoft.com/office/mac/drawingml/2011/main" xmlns="" val="1"/>
+              <ma14:wrappingTextBoxFlag xmlns="" xmlns:ma14="http://schemas.microsoft.com/office/mac/drawingml/2011/main" val="1"/>
             </a:ext>
           </a:extLst>
         </p:spPr>
@@ -11712,7 +11712,7 @@
           </a:ln>
           <a:extLst>
             <a:ext uri="{C572A759-6A51-4108-AA02-DFA0A04FC94B}">
-              <ma14:wrappingTextBoxFlag xmlns:ma14="http://schemas.microsoft.com/office/mac/drawingml/2011/main" xmlns="" val="1"/>
+              <ma14:wrappingTextBoxFlag xmlns="" xmlns:ma14="http://schemas.microsoft.com/office/mac/drawingml/2011/main" val="1"/>
             </a:ext>
           </a:extLst>
         </p:spPr>
@@ -12058,7 +12058,7 @@
           </a:prstGeom>
           <a:extLst>
             <a:ext uri="{C572A759-6A51-4108-AA02-DFA0A04FC94B}">
-              <ma14:wrappingTextBoxFlag xmlns:ma14="http://schemas.microsoft.com/office/mac/drawingml/2011/main" xmlns="" val="1"/>
+              <ma14:wrappingTextBoxFlag xmlns="" xmlns:ma14="http://schemas.microsoft.com/office/mac/drawingml/2011/main" val="1"/>
             </a:ext>
           </a:extLst>
         </p:spPr>
@@ -12126,7 +12126,7 @@
           </a:ln>
           <a:extLst>
             <a:ext uri="{C572A759-6A51-4108-AA02-DFA0A04FC94B}">
-              <ma14:wrappingTextBoxFlag xmlns:ma14="http://schemas.microsoft.com/office/mac/drawingml/2011/main" xmlns="" val="1"/>
+              <ma14:wrappingTextBoxFlag xmlns="" xmlns:ma14="http://schemas.microsoft.com/office/mac/drawingml/2011/main" val="1"/>
             </a:ext>
           </a:extLst>
         </p:spPr>
@@ -12220,7 +12220,7 @@
           </a:ln>
           <a:extLst>
             <a:ext uri="{C572A759-6A51-4108-AA02-DFA0A04FC94B}">
-              <ma14:wrappingTextBoxFlag xmlns:ma14="http://schemas.microsoft.com/office/mac/drawingml/2011/main" xmlns="" val="1"/>
+              <ma14:wrappingTextBoxFlag xmlns="" xmlns:ma14="http://schemas.microsoft.com/office/mac/drawingml/2011/main" val="1"/>
             </a:ext>
           </a:extLst>
         </p:spPr>
@@ -12528,7 +12528,7 @@
           </a:ln>
           <a:extLst>
             <a:ext uri="{C572A759-6A51-4108-AA02-DFA0A04FC94B}">
-              <ma14:wrappingTextBoxFlag xmlns:ma14="http://schemas.microsoft.com/office/mac/drawingml/2011/main" xmlns="" val="1"/>
+              <ma14:wrappingTextBoxFlag xmlns="" xmlns:ma14="http://schemas.microsoft.com/office/mac/drawingml/2011/main" val="1"/>
             </a:ext>
           </a:extLst>
         </p:spPr>
@@ -12903,7 +12903,7 @@
           </a:ln>
           <a:extLst>
             <a:ext uri="{C572A759-6A51-4108-AA02-DFA0A04FC94B}">
-              <ma14:wrappingTextBoxFlag xmlns:ma14="http://schemas.microsoft.com/office/mac/drawingml/2011/main" xmlns="" val="1"/>
+              <ma14:wrappingTextBoxFlag xmlns="" xmlns:ma14="http://schemas.microsoft.com/office/mac/drawingml/2011/main" val="1"/>
             </a:ext>
           </a:extLst>
         </p:spPr>
@@ -13141,7 +13141,7 @@
           </a:prstGeom>
           <a:extLst>
             <a:ext uri="{C572A759-6A51-4108-AA02-DFA0A04FC94B}">
-              <ma14:wrappingTextBoxFlag xmlns:ma14="http://schemas.microsoft.com/office/mac/drawingml/2011/main" xmlns="" val="1"/>
+              <ma14:wrappingTextBoxFlag xmlns="" xmlns:ma14="http://schemas.microsoft.com/office/mac/drawingml/2011/main" val="1"/>
             </a:ext>
           </a:extLst>
         </p:spPr>
@@ -13209,7 +13209,7 @@
           </a:ln>
           <a:extLst>
             <a:ext uri="{C572A759-6A51-4108-AA02-DFA0A04FC94B}">
-              <ma14:wrappingTextBoxFlag xmlns:ma14="http://schemas.microsoft.com/office/mac/drawingml/2011/main" xmlns="" val="1"/>
+              <ma14:wrappingTextBoxFlag xmlns="" xmlns:ma14="http://schemas.microsoft.com/office/mac/drawingml/2011/main" val="1"/>
             </a:ext>
           </a:extLst>
         </p:spPr>
@@ -13267,7 +13267,7 @@
           </a:ln>
           <a:extLst>
             <a:ext uri="{C572A759-6A51-4108-AA02-DFA0A04FC94B}">
-              <ma14:wrappingTextBoxFlag xmlns:ma14="http://schemas.microsoft.com/office/mac/drawingml/2011/main" xmlns="" val="1"/>
+              <ma14:wrappingTextBoxFlag xmlns="" xmlns:ma14="http://schemas.microsoft.com/office/mac/drawingml/2011/main" val="1"/>
             </a:ext>
           </a:extLst>
         </p:spPr>
@@ -13365,7 +13365,7 @@
           </a:ln>
           <a:extLst>
             <a:ext uri="{C572A759-6A51-4108-AA02-DFA0A04FC94B}">
-              <ma14:wrappingTextBoxFlag xmlns:ma14="http://schemas.microsoft.com/office/mac/drawingml/2011/main" xmlns="" val="1"/>
+              <ma14:wrappingTextBoxFlag xmlns="" xmlns:ma14="http://schemas.microsoft.com/office/mac/drawingml/2011/main" val="1"/>
             </a:ext>
           </a:extLst>
         </p:spPr>
@@ -13515,7 +13515,7 @@
           </a:ln>
           <a:extLst>
             <a:ext uri="{C572A759-6A51-4108-AA02-DFA0A04FC94B}">
-              <ma14:wrappingTextBoxFlag xmlns:ma14="http://schemas.microsoft.com/office/mac/drawingml/2011/main" xmlns="" val="1"/>
+              <ma14:wrappingTextBoxFlag xmlns="" xmlns:ma14="http://schemas.microsoft.com/office/mac/drawingml/2011/main" val="1"/>
             </a:ext>
           </a:extLst>
         </p:spPr>
@@ -13782,7 +13782,7 @@
           </a:ln>
           <a:extLst>
             <a:ext uri="{C572A759-6A51-4108-AA02-DFA0A04FC94B}">
-              <ma14:wrappingTextBoxFlag xmlns:ma14="http://schemas.microsoft.com/office/mac/drawingml/2011/main" xmlns="" val="1"/>
+              <ma14:wrappingTextBoxFlag xmlns="" xmlns:ma14="http://schemas.microsoft.com/office/mac/drawingml/2011/main" val="1"/>
             </a:ext>
           </a:extLst>
         </p:spPr>
@@ -14043,7 +14043,7 @@
           </a:ln>
           <a:extLst>
             <a:ext uri="{C572A759-6A51-4108-AA02-DFA0A04FC94B}">
-              <ma14:wrappingTextBoxFlag xmlns:ma14="http://schemas.microsoft.com/office/mac/drawingml/2011/main" xmlns="" val="1"/>
+              <ma14:wrappingTextBoxFlag xmlns="" xmlns:ma14="http://schemas.microsoft.com/office/mac/drawingml/2011/main" val="1"/>
             </a:ext>
           </a:extLst>
         </p:spPr>
@@ -14204,8 +14204,8 @@
         </p:blipFill>
         <p:spPr>
           <a:xfrm>
-            <a:off x="718887" y="1539000"/>
-            <a:ext cx="7706226" cy="3780000"/>
+            <a:off x="1269334" y="1809000"/>
+            <a:ext cx="6605331" cy="3240000"/>
           </a:xfrm>
           <a:prstGeom prst="rect">
             <a:avLst/>
@@ -14317,7 +14317,7 @@
           </a:prstGeom>
           <a:extLst>
             <a:ext uri="{C572A759-6A51-4108-AA02-DFA0A04FC94B}">
-              <ma14:wrappingTextBoxFlag xmlns:ma14="http://schemas.microsoft.com/office/mac/drawingml/2011/main" xmlns="" val="1"/>
+              <ma14:wrappingTextBoxFlag xmlns="" xmlns:ma14="http://schemas.microsoft.com/office/mac/drawingml/2011/main" val="1"/>
             </a:ext>
           </a:extLst>
         </p:spPr>
@@ -14385,7 +14385,7 @@
           </a:ln>
           <a:extLst>
             <a:ext uri="{C572A759-6A51-4108-AA02-DFA0A04FC94B}">
-              <ma14:wrappingTextBoxFlag xmlns:ma14="http://schemas.microsoft.com/office/mac/drawingml/2011/main" xmlns="" val="1"/>
+              <ma14:wrappingTextBoxFlag xmlns="" xmlns:ma14="http://schemas.microsoft.com/office/mac/drawingml/2011/main" val="1"/>
             </a:ext>
           </a:extLst>
         </p:spPr>
@@ -14445,7 +14445,7 @@
           </a:ln>
           <a:extLst>
             <a:ext uri="{C572A759-6A51-4108-AA02-DFA0A04FC94B}">
-              <ma14:wrappingTextBoxFlag xmlns:ma14="http://schemas.microsoft.com/office/mac/drawingml/2011/main" xmlns="" val="1"/>
+              <ma14:wrappingTextBoxFlag xmlns="" xmlns:ma14="http://schemas.microsoft.com/office/mac/drawingml/2011/main" val="1"/>
             </a:ext>
           </a:extLst>
         </p:spPr>
@@ -14595,7 +14595,7 @@
           </a:ln>
           <a:extLst>
             <a:ext uri="{C572A759-6A51-4108-AA02-DFA0A04FC94B}">
-              <ma14:wrappingTextBoxFlag xmlns:ma14="http://schemas.microsoft.com/office/mac/drawingml/2011/main" xmlns="" val="1"/>
+              <ma14:wrappingTextBoxFlag xmlns="" xmlns:ma14="http://schemas.microsoft.com/office/mac/drawingml/2011/main" val="1"/>
             </a:ext>
           </a:extLst>
         </p:spPr>
@@ -14862,7 +14862,7 @@
           </a:ln>
           <a:extLst>
             <a:ext uri="{C572A759-6A51-4108-AA02-DFA0A04FC94B}">
-              <ma14:wrappingTextBoxFlag xmlns:ma14="http://schemas.microsoft.com/office/mac/drawingml/2011/main" xmlns="" val="1"/>
+              <ma14:wrappingTextBoxFlag xmlns="" xmlns:ma14="http://schemas.microsoft.com/office/mac/drawingml/2011/main" val="1"/>
             </a:ext>
           </a:extLst>
         </p:spPr>
@@ -15123,7 +15123,7 @@
           </a:ln>
           <a:extLst>
             <a:ext uri="{C572A759-6A51-4108-AA02-DFA0A04FC94B}">
-              <ma14:wrappingTextBoxFlag xmlns:ma14="http://schemas.microsoft.com/office/mac/drawingml/2011/main" xmlns="" val="1"/>
+              <ma14:wrappingTextBoxFlag xmlns="" xmlns:ma14="http://schemas.microsoft.com/office/mac/drawingml/2011/main" val="1"/>
             </a:ext>
           </a:extLst>
         </p:spPr>
@@ -15317,7 +15317,7 @@
           </a:ln>
           <a:extLst>
             <a:ext uri="{C572A759-6A51-4108-AA02-DFA0A04FC94B}">
-              <ma14:wrappingTextBoxFlag xmlns:ma14="http://schemas.microsoft.com/office/mac/drawingml/2011/main" xmlns="" val="1"/>
+              <ma14:wrappingTextBoxFlag xmlns="" xmlns:ma14="http://schemas.microsoft.com/office/mac/drawingml/2011/main" val="1"/>
             </a:ext>
           </a:extLst>
         </p:spPr>
@@ -15453,7 +15453,7 @@
           </a:prstGeom>
           <a:extLst>
             <a:ext uri="{C572A759-6A51-4108-AA02-DFA0A04FC94B}">
-              <ma14:wrappingTextBoxFlag xmlns:ma14="http://schemas.microsoft.com/office/mac/drawingml/2011/main" xmlns="" val="1"/>
+              <ma14:wrappingTextBoxFlag xmlns="" xmlns:ma14="http://schemas.microsoft.com/office/mac/drawingml/2011/main" val="1"/>
             </a:ext>
           </a:extLst>
         </p:spPr>
@@ -15521,7 +15521,7 @@
           </a:ln>
           <a:extLst>
             <a:ext uri="{C572A759-6A51-4108-AA02-DFA0A04FC94B}">
-              <ma14:wrappingTextBoxFlag xmlns:ma14="http://schemas.microsoft.com/office/mac/drawingml/2011/main" xmlns="" val="1"/>
+              <ma14:wrappingTextBoxFlag xmlns="" xmlns:ma14="http://schemas.microsoft.com/office/mac/drawingml/2011/main" val="1"/>
             </a:ext>
           </a:extLst>
         </p:spPr>
@@ -15579,7 +15579,7 @@
           </a:ln>
           <a:extLst>
             <a:ext uri="{C572A759-6A51-4108-AA02-DFA0A04FC94B}">
-              <ma14:wrappingTextBoxFlag xmlns:ma14="http://schemas.microsoft.com/office/mac/drawingml/2011/main" xmlns="" val="1"/>
+              <ma14:wrappingTextBoxFlag xmlns="" xmlns:ma14="http://schemas.microsoft.com/office/mac/drawingml/2011/main" val="1"/>
             </a:ext>
           </a:extLst>
         </p:spPr>
@@ -15749,7 +15749,7 @@
           </a:ln>
           <a:extLst>
             <a:ext uri="{C572A759-6A51-4108-AA02-DFA0A04FC94B}">
-              <ma14:wrappingTextBoxFlag xmlns:ma14="http://schemas.microsoft.com/office/mac/drawingml/2011/main" xmlns="" val="1"/>
+              <ma14:wrappingTextBoxFlag xmlns="" xmlns:ma14="http://schemas.microsoft.com/office/mac/drawingml/2011/main" val="1"/>
             </a:ext>
           </a:extLst>
         </p:spPr>
@@ -15899,7 +15899,7 @@
           </a:ln>
           <a:extLst>
             <a:ext uri="{C572A759-6A51-4108-AA02-DFA0A04FC94B}">
-              <ma14:wrappingTextBoxFlag xmlns:ma14="http://schemas.microsoft.com/office/mac/drawingml/2011/main" xmlns="" val="1"/>
+              <ma14:wrappingTextBoxFlag xmlns="" xmlns:ma14="http://schemas.microsoft.com/office/mac/drawingml/2011/main" val="1"/>
             </a:ext>
           </a:extLst>
         </p:spPr>
@@ -16277,7 +16277,7 @@
           </a:ln>
           <a:extLst>
             <a:ext uri="{C572A759-6A51-4108-AA02-DFA0A04FC94B}">
-              <ma14:wrappingTextBoxFlag xmlns:ma14="http://schemas.microsoft.com/office/mac/drawingml/2011/main" xmlns="" val="1"/>
+              <ma14:wrappingTextBoxFlag xmlns="" xmlns:ma14="http://schemas.microsoft.com/office/mac/drawingml/2011/main" val="1"/>
             </a:ext>
           </a:extLst>
         </p:spPr>
@@ -16781,7 +16781,7 @@
           </a:prstGeom>
           <a:extLst>
             <a:ext uri="{C572A759-6A51-4108-AA02-DFA0A04FC94B}">
-              <ma14:wrappingTextBoxFlag xmlns:ma14="http://schemas.microsoft.com/office/mac/drawingml/2011/main" xmlns="" val="1"/>
+              <ma14:wrappingTextBoxFlag xmlns="" xmlns:ma14="http://schemas.microsoft.com/office/mac/drawingml/2011/main" val="1"/>
             </a:ext>
           </a:extLst>
         </p:spPr>
@@ -16849,7 +16849,7 @@
           </a:ln>
           <a:extLst>
             <a:ext uri="{C572A759-6A51-4108-AA02-DFA0A04FC94B}">
-              <ma14:wrappingTextBoxFlag xmlns:ma14="http://schemas.microsoft.com/office/mac/drawingml/2011/main" xmlns="" val="1"/>
+              <ma14:wrappingTextBoxFlag xmlns="" xmlns:ma14="http://schemas.microsoft.com/office/mac/drawingml/2011/main" val="1"/>
             </a:ext>
           </a:extLst>
         </p:spPr>
@@ -16907,7 +16907,7 @@
           </a:ln>
           <a:extLst>
             <a:ext uri="{C572A759-6A51-4108-AA02-DFA0A04FC94B}">
-              <ma14:wrappingTextBoxFlag xmlns:ma14="http://schemas.microsoft.com/office/mac/drawingml/2011/main" xmlns="" val="1"/>
+              <ma14:wrappingTextBoxFlag xmlns="" xmlns:ma14="http://schemas.microsoft.com/office/mac/drawingml/2011/main" val="1"/>
             </a:ext>
           </a:extLst>
         </p:spPr>
@@ -16965,7 +16965,7 @@
           </a:ln>
           <a:extLst>
             <a:ext uri="{C572A759-6A51-4108-AA02-DFA0A04FC94B}">
-              <ma14:wrappingTextBoxFlag xmlns:ma14="http://schemas.microsoft.com/office/mac/drawingml/2011/main" xmlns="" val="1"/>
+              <ma14:wrappingTextBoxFlag xmlns="" xmlns:ma14="http://schemas.microsoft.com/office/mac/drawingml/2011/main" val="1"/>
             </a:ext>
           </a:extLst>
         </p:spPr>
@@ -17115,7 +17115,7 @@
           </a:ln>
           <a:extLst>
             <a:ext uri="{C572A759-6A51-4108-AA02-DFA0A04FC94B}">
-              <ma14:wrappingTextBoxFlag xmlns:ma14="http://schemas.microsoft.com/office/mac/drawingml/2011/main" xmlns="" val="1"/>
+              <ma14:wrappingTextBoxFlag xmlns="" xmlns:ma14="http://schemas.microsoft.com/office/mac/drawingml/2011/main" val="1"/>
             </a:ext>
           </a:extLst>
         </p:spPr>
@@ -17493,7 +17493,7 @@
           </a:ln>
           <a:extLst>
             <a:ext uri="{C572A759-6A51-4108-AA02-DFA0A04FC94B}">
-              <ma14:wrappingTextBoxFlag xmlns:ma14="http://schemas.microsoft.com/office/mac/drawingml/2011/main" xmlns="" val="1"/>
+              <ma14:wrappingTextBoxFlag xmlns="" xmlns:ma14="http://schemas.microsoft.com/office/mac/drawingml/2011/main" val="1"/>
             </a:ext>
           </a:extLst>
         </p:spPr>
@@ -17854,7 +17854,7 @@
           </a:ln>
           <a:extLst>
             <a:ext uri="{C572A759-6A51-4108-AA02-DFA0A04FC94B}">
-              <ma14:wrappingTextBoxFlag xmlns:ma14="http://schemas.microsoft.com/office/mac/drawingml/2011/main" xmlns="" val="1"/>
+              <ma14:wrappingTextBoxFlag xmlns="" xmlns:ma14="http://schemas.microsoft.com/office/mac/drawingml/2011/main" val="1"/>
             </a:ext>
           </a:extLst>
         </p:spPr>
@@ -18131,7 +18131,7 @@
           </a:prstGeom>
           <a:extLst>
             <a:ext uri="{C572A759-6A51-4108-AA02-DFA0A04FC94B}">
-              <ma14:wrappingTextBoxFlag xmlns:ma14="http://schemas.microsoft.com/office/mac/drawingml/2011/main" xmlns="" val="1"/>
+              <ma14:wrappingTextBoxFlag xmlns="" xmlns:ma14="http://schemas.microsoft.com/office/mac/drawingml/2011/main" val="1"/>
             </a:ext>
           </a:extLst>
         </p:spPr>
@@ -18199,7 +18199,7 @@
           </a:ln>
           <a:extLst>
             <a:ext uri="{C572A759-6A51-4108-AA02-DFA0A04FC94B}">
-              <ma14:wrappingTextBoxFlag xmlns:ma14="http://schemas.microsoft.com/office/mac/drawingml/2011/main" xmlns="" val="1"/>
+              <ma14:wrappingTextBoxFlag xmlns="" xmlns:ma14="http://schemas.microsoft.com/office/mac/drawingml/2011/main" val="1"/>
             </a:ext>
           </a:extLst>
         </p:spPr>
@@ -18257,7 +18257,7 @@
           </a:ln>
           <a:extLst>
             <a:ext uri="{C572A759-6A51-4108-AA02-DFA0A04FC94B}">
-              <ma14:wrappingTextBoxFlag xmlns:ma14="http://schemas.microsoft.com/office/mac/drawingml/2011/main" xmlns="" val="1"/>
+              <ma14:wrappingTextBoxFlag xmlns="" xmlns:ma14="http://schemas.microsoft.com/office/mac/drawingml/2011/main" val="1"/>
             </a:ext>
           </a:extLst>
         </p:spPr>
@@ -18315,7 +18315,7 @@
           </a:ln>
           <a:extLst>
             <a:ext uri="{C572A759-6A51-4108-AA02-DFA0A04FC94B}">
-              <ma14:wrappingTextBoxFlag xmlns:ma14="http://schemas.microsoft.com/office/mac/drawingml/2011/main" xmlns="" val="1"/>
+              <ma14:wrappingTextBoxFlag xmlns="" xmlns:ma14="http://schemas.microsoft.com/office/mac/drawingml/2011/main" val="1"/>
             </a:ext>
           </a:extLst>
         </p:spPr>
@@ -18465,7 +18465,7 @@
           </a:ln>
           <a:extLst>
             <a:ext uri="{C572A759-6A51-4108-AA02-DFA0A04FC94B}">
-              <ma14:wrappingTextBoxFlag xmlns:ma14="http://schemas.microsoft.com/office/mac/drawingml/2011/main" xmlns="" val="1"/>
+              <ma14:wrappingTextBoxFlag xmlns="" xmlns:ma14="http://schemas.microsoft.com/office/mac/drawingml/2011/main" val="1"/>
             </a:ext>
           </a:extLst>
         </p:spPr>
@@ -18843,7 +18843,7 @@
           </a:ln>
           <a:extLst>
             <a:ext uri="{C572A759-6A51-4108-AA02-DFA0A04FC94B}">
-              <ma14:wrappingTextBoxFlag xmlns:ma14="http://schemas.microsoft.com/office/mac/drawingml/2011/main" xmlns="" val="1"/>
+              <ma14:wrappingTextBoxFlag xmlns="" xmlns:ma14="http://schemas.microsoft.com/office/mac/drawingml/2011/main" val="1"/>
             </a:ext>
           </a:extLst>
         </p:spPr>
@@ -19001,7 +19001,7 @@
           </a:ln>
           <a:extLst>
             <a:ext uri="{C572A759-6A51-4108-AA02-DFA0A04FC94B}">
-              <ma14:wrappingTextBoxFlag xmlns:ma14="http://schemas.microsoft.com/office/mac/drawingml/2011/main" xmlns="" val="1"/>
+              <ma14:wrappingTextBoxFlag xmlns="" xmlns:ma14="http://schemas.microsoft.com/office/mac/drawingml/2011/main" val="1"/>
             </a:ext>
           </a:extLst>
         </p:spPr>
